--- a/Slides/Lesson 04 Interaction-Level Design Patterns.pptx
+++ b/Slides/Lesson 04 Interaction-Level Design Patterns.pptx
@@ -976,7 +976,7 @@
           <a:p>
             <a:fld id="{7C7E5181-6CF5-45F7-A87A-E0E0B1FD7549}" type="datetimeFigureOut">
               <a:rPr lang="en-US" smtClean="0"/>
-              <a:t>8/31/2022</a:t>
+              <a:t>9/2/2022</a:t>
             </a:fld>
             <a:endParaRPr lang="en-US"/>
           </a:p>
@@ -6143,7 +6143,7 @@
           <a:p>
             <a:fld id="{5D2A64DE-480B-420F-9649-4F8E696E08E0}" type="datetime1">
               <a:rPr lang="en-US" smtClean="0"/>
-              <a:t>8/31/2022</a:t>
+              <a:t>9/2/2022</a:t>
             </a:fld>
             <a:endParaRPr lang="en-US"/>
           </a:p>
@@ -6467,7 +6467,7 @@
           <a:p>
             <a:fld id="{EA476A42-A091-4468-A075-64A31BE59948}" type="datetime1">
               <a:rPr lang="en-US" smtClean="0"/>
-              <a:t>8/31/2022</a:t>
+              <a:t>9/2/2022</a:t>
             </a:fld>
             <a:endParaRPr lang="en-US"/>
           </a:p>
@@ -6665,7 +6665,7 @@
           <a:p>
             <a:fld id="{0D3616D0-8311-4107-9726-6B805E7D05BA}" type="datetime1">
               <a:rPr lang="en-US" smtClean="0"/>
-              <a:t>8/31/2022</a:t>
+              <a:t>9/2/2022</a:t>
             </a:fld>
             <a:endParaRPr lang="en-US"/>
           </a:p>
@@ -6873,7 +6873,7 @@
           <a:p>
             <a:fld id="{3BC2557A-5C88-417A-A763-5AC779462A5F}" type="datetime1">
               <a:rPr lang="en-US" smtClean="0"/>
-              <a:t>8/31/2022</a:t>
+              <a:t>9/2/2022</a:t>
             </a:fld>
             <a:endParaRPr lang="en-US"/>
           </a:p>
@@ -7397,7 +7397,7 @@
           <a:p>
             <a:fld id="{07C7BFD4-467E-4EDE-93EA-052F5B39A4E5}" type="datetime1">
               <a:rPr lang="en-US" smtClean="0"/>
-              <a:t>8/31/2022</a:t>
+              <a:t>9/2/2022</a:t>
             </a:fld>
             <a:endParaRPr lang="en-US"/>
           </a:p>
@@ -7647,7 +7647,7 @@
           <a:p>
             <a:fld id="{07C7BFD4-467E-4EDE-93EA-052F5B39A4E5}" type="datetime1">
               <a:rPr lang="en-US" smtClean="0"/>
-              <a:t>8/31/2022</a:t>
+              <a:t>9/2/2022</a:t>
             </a:fld>
             <a:endParaRPr lang="en-US"/>
           </a:p>
@@ -7829,7 +7829,7 @@
           <a:p>
             <a:fld id="{109E55A0-C911-4F03-82FC-7E5926047D46}" type="datetime1">
               <a:rPr lang="en-US" smtClean="0"/>
-              <a:t>8/31/2022</a:t>
+              <a:t>9/2/2022</a:t>
             </a:fld>
             <a:endParaRPr lang="en-US"/>
           </a:p>
@@ -8142,7 +8142,7 @@
           <a:p>
             <a:fld id="{A533CBE2-D5BE-47AC-ADC2-9CDFC1D0CF90}" type="datetime1">
               <a:rPr lang="en-US" smtClean="0"/>
-              <a:t>8/31/2022</a:t>
+              <a:t>9/2/2022</a:t>
             </a:fld>
             <a:endParaRPr lang="en-US"/>
           </a:p>
@@ -8443,7 +8443,7 @@
           <a:p>
             <a:fld id="{39B7EDB1-CE74-4951-85A2-0B01C2128E28}" type="datetime1">
               <a:rPr lang="en-US" smtClean="0"/>
-              <a:t>8/31/2022</a:t>
+              <a:t>9/2/2022</a:t>
             </a:fld>
             <a:endParaRPr lang="en-US"/>
           </a:p>
@@ -8891,7 +8891,7 @@
           <a:p>
             <a:fld id="{2BC7EB92-A5C2-4807-A9DC-9EDE6CBFB241}" type="datetime1">
               <a:rPr lang="en-US" smtClean="0"/>
-              <a:t>8/31/2022</a:t>
+              <a:t>9/2/2022</a:t>
             </a:fld>
             <a:endParaRPr lang="en-US"/>
           </a:p>
@@ -9004,7 +9004,7 @@
           <a:p>
             <a:fld id="{2B7B7EE0-7771-4CD5-9B2B-3550753A54A1}" type="datetime1">
               <a:rPr lang="en-US" smtClean="0"/>
-              <a:t>8/31/2022</a:t>
+              <a:t>9/2/2022</a:t>
             </a:fld>
             <a:endParaRPr lang="en-US"/>
           </a:p>
@@ -9315,7 +9315,7 @@
           <a:p>
             <a:fld id="{F8B318B3-0E87-4416-A9B8-D891968C2727}" type="datetime1">
               <a:rPr lang="en-US" smtClean="0"/>
-              <a:t>8/31/2022</a:t>
+              <a:t>9/2/2022</a:t>
             </a:fld>
             <a:endParaRPr lang="en-US"/>
           </a:p>
@@ -9556,7 +9556,7 @@
           <a:p>
             <a:fld id="{54D997E8-DDEE-43F1-8D9B-F8A1E11DE488}" type="datetime1">
               <a:rPr lang="en-US" smtClean="0"/>
-              <a:t>8/31/2022</a:t>
+              <a:t>9/2/2022</a:t>
             </a:fld>
             <a:endParaRPr lang="en-US"/>
           </a:p>
@@ -35153,19 +35153,7 @@
                 <a:effectLst/>
                 <a:latin typeface="Consolas" panose="020B0609020204030204" pitchFamily="49" charset="0"/>
               </a:rPr>
-              <a:t>    </a:t>
-            </a:r>
-          </a:p>
-          <a:p>
-            <a:r>
-              <a:rPr lang="en-US" b="0" dirty="0">
-                <a:solidFill>
-                  <a:srgbClr val="000000"/>
-                </a:solidFill>
-                <a:effectLst/>
-                <a:latin typeface="Consolas" panose="020B0609020204030204" pitchFamily="49" charset="0"/>
-              </a:rPr>
-              <a:t>    </a:t>
+              <a:t> = </a:t>
             </a:r>
             <a:r>
               <a:rPr lang="en-US" b="0" dirty="0">
@@ -35173,108 +35161,31 @@
                   <a:srgbClr val="0000FF"/>
                 </a:solidFill>
                 <a:effectLst/>
-                <a:highlight>
-                  <a:srgbClr val="FFFF00"/>
-                </a:highlight>
-                <a:latin typeface="Consolas" panose="020B0609020204030204" pitchFamily="49" charset="0"/>
-              </a:rPr>
-              <a:t>private</a:t>
-            </a:r>
-            <a:r>
-              <a:rPr lang="en-US" b="0" dirty="0">
-                <a:solidFill>
-                  <a:srgbClr val="000000"/>
-                </a:solidFill>
-                <a:effectLst/>
-                <a:highlight>
-                  <a:srgbClr val="FFFF00"/>
-                </a:highlight>
-                <a:latin typeface="Consolas" panose="020B0609020204030204" pitchFamily="49" charset="0"/>
-              </a:rPr>
-              <a:t> </a:t>
-            </a:r>
-            <a:r>
-              <a:rPr lang="en-US" b="0" dirty="0">
-                <a:solidFill>
-                  <a:srgbClr val="0000FF"/>
-                </a:solidFill>
-                <a:effectLst/>
-                <a:highlight>
-                  <a:srgbClr val="FFFF00"/>
-                </a:highlight>
-                <a:latin typeface="Consolas" panose="020B0609020204030204" pitchFamily="49" charset="0"/>
-              </a:rPr>
-              <a:t>constructor</a:t>
-            </a:r>
-            <a:r>
-              <a:rPr lang="en-US" b="0" dirty="0">
-                <a:solidFill>
-                  <a:srgbClr val="000000"/>
-                </a:solidFill>
-                <a:effectLst/>
-                <a:latin typeface="Consolas" panose="020B0609020204030204" pitchFamily="49" charset="0"/>
-              </a:rPr>
-              <a:t>() {</a:t>
-            </a:r>
-            <a:r>
-              <a:rPr lang="en-US" b="0" dirty="0" err="1">
-                <a:solidFill>
-                  <a:srgbClr val="267F99"/>
-                </a:solidFill>
-                <a:effectLst/>
-                <a:latin typeface="Consolas" panose="020B0609020204030204" pitchFamily="49" charset="0"/>
-              </a:rPr>
-              <a:t>SingletonClockFactory</a:t>
-            </a:r>
-            <a:r>
-              <a:rPr lang="en-US" b="0" dirty="0" err="1">
-                <a:solidFill>
-                  <a:srgbClr val="000000"/>
-                </a:solidFill>
-                <a:effectLst/>
-                <a:latin typeface="Consolas" panose="020B0609020204030204" pitchFamily="49" charset="0"/>
-              </a:rPr>
-              <a:t>.</a:t>
-            </a:r>
-            <a:r>
-              <a:rPr lang="en-US" b="0" dirty="0" err="1">
-                <a:solidFill>
-                  <a:srgbClr val="001080"/>
-                </a:solidFill>
-                <a:effectLst/>
-                <a:latin typeface="Consolas" panose="020B0609020204030204" pitchFamily="49" charset="0"/>
-              </a:rPr>
-              <a:t>isInitialized</a:t>
-            </a:r>
-            <a:r>
-              <a:rPr lang="en-US" b="0" dirty="0">
-                <a:solidFill>
-                  <a:srgbClr val="000000"/>
-                </a:solidFill>
-                <a:effectLst/>
-                <a:latin typeface="Consolas" panose="020B0609020204030204" pitchFamily="49" charset="0"/>
-              </a:rPr>
-              <a:t> = </a:t>
-            </a:r>
-            <a:r>
-              <a:rPr lang="en-US" b="0" dirty="0">
-                <a:solidFill>
-                  <a:srgbClr val="0000FF"/>
-                </a:solidFill>
-                <a:effectLst/>
-                <a:latin typeface="Consolas" panose="020B0609020204030204" pitchFamily="49" charset="0"/>
-              </a:rPr>
-              <a:t>false</a:t>
-            </a:r>
-            <a:r>
-              <a:rPr lang="en-US" b="0" dirty="0">
-                <a:solidFill>
-                  <a:srgbClr val="000000"/>
-                </a:solidFill>
-                <a:effectLst/>
-                <a:latin typeface="Consolas" panose="020B0609020204030204" pitchFamily="49" charset="0"/>
-              </a:rPr>
-              <a:t>}</a:t>
+                <a:latin typeface="Consolas" panose="020B0609020204030204" pitchFamily="49" charset="0"/>
+              </a:rPr>
+              <a:t>false </a:t>
+            </a:r>
+            <a:r>
+              <a:rPr lang="en-US" b="0" dirty="0">
+                <a:solidFill>
+                  <a:srgbClr val="000000"/>
+                </a:solidFill>
+                <a:effectLst/>
+                <a:latin typeface="Consolas" panose="020B0609020204030204" pitchFamily="49" charset="0"/>
+              </a:rPr>
+              <a:t>  </a:t>
+            </a:r>
+          </a:p>
+          <a:p>
+            <a:r>
+              <a:rPr lang="en-US" b="0">
+                <a:solidFill>
+                  <a:srgbClr val="000000"/>
+                </a:solidFill>
+                <a:effectLst/>
+                <a:latin typeface="Consolas" panose="020B0609020204030204" pitchFamily="49" charset="0"/>
+              </a:rPr>
+              <a:t>   </a:t>
             </a:r>
             <a:br>
               <a:rPr lang="en-US" b="0" dirty="0">

--- a/Slides/Lesson 04 Interaction-Level Design Patterns.pptx
+++ b/Slides/Lesson 04 Interaction-Level Design Patterns.pptx
@@ -5,7 +5,7 @@
     <p:sldMasterId id="2147483648" r:id="rId1"/>
   </p:sldMasterIdLst>
   <p:notesMasterIdLst>
-    <p:notesMasterId r:id="rId47"/>
+    <p:notesMasterId r:id="rId48"/>
   </p:notesMasterIdLst>
   <p:sldIdLst>
     <p:sldId id="485" r:id="rId2"/>
@@ -19,73 +19,74 @@
     <p:sldId id="447" r:id="rId10"/>
     <p:sldId id="488" r:id="rId11"/>
     <p:sldId id="435" r:id="rId12"/>
-    <p:sldId id="457" r:id="rId13"/>
-    <p:sldId id="458" r:id="rId14"/>
-    <p:sldId id="459" r:id="rId15"/>
-    <p:sldId id="460" r:id="rId16"/>
-    <p:sldId id="448" r:id="rId17"/>
-    <p:sldId id="501" r:id="rId18"/>
-    <p:sldId id="502" r:id="rId19"/>
-    <p:sldId id="406" r:id="rId20"/>
-    <p:sldId id="379" r:id="rId21"/>
-    <p:sldId id="378" r:id="rId22"/>
-    <p:sldId id="380" r:id="rId23"/>
-    <p:sldId id="503" r:id="rId24"/>
-    <p:sldId id="504" r:id="rId25"/>
-    <p:sldId id="505" r:id="rId26"/>
-    <p:sldId id="463" r:id="rId27"/>
-    <p:sldId id="506" r:id="rId28"/>
-    <p:sldId id="464" r:id="rId29"/>
-    <p:sldId id="465" r:id="rId30"/>
-    <p:sldId id="466" r:id="rId31"/>
-    <p:sldId id="451" r:id="rId32"/>
-    <p:sldId id="489" r:id="rId33"/>
-    <p:sldId id="467" r:id="rId34"/>
-    <p:sldId id="468" r:id="rId35"/>
-    <p:sldId id="469" r:id="rId36"/>
-    <p:sldId id="470" r:id="rId37"/>
-    <p:sldId id="456" r:id="rId38"/>
-    <p:sldId id="472" r:id="rId39"/>
-    <p:sldId id="471" r:id="rId40"/>
-    <p:sldId id="490" r:id="rId41"/>
-    <p:sldId id="491" r:id="rId42"/>
-    <p:sldId id="492" r:id="rId43"/>
-    <p:sldId id="493" r:id="rId44"/>
-    <p:sldId id="494" r:id="rId45"/>
-    <p:sldId id="487" r:id="rId46"/>
+    <p:sldId id="507" r:id="rId13"/>
+    <p:sldId id="457" r:id="rId14"/>
+    <p:sldId id="458" r:id="rId15"/>
+    <p:sldId id="459" r:id="rId16"/>
+    <p:sldId id="460" r:id="rId17"/>
+    <p:sldId id="448" r:id="rId18"/>
+    <p:sldId id="501" r:id="rId19"/>
+    <p:sldId id="502" r:id="rId20"/>
+    <p:sldId id="406" r:id="rId21"/>
+    <p:sldId id="379" r:id="rId22"/>
+    <p:sldId id="378" r:id="rId23"/>
+    <p:sldId id="380" r:id="rId24"/>
+    <p:sldId id="503" r:id="rId25"/>
+    <p:sldId id="504" r:id="rId26"/>
+    <p:sldId id="505" r:id="rId27"/>
+    <p:sldId id="463" r:id="rId28"/>
+    <p:sldId id="506" r:id="rId29"/>
+    <p:sldId id="464" r:id="rId30"/>
+    <p:sldId id="465" r:id="rId31"/>
+    <p:sldId id="466" r:id="rId32"/>
+    <p:sldId id="451" r:id="rId33"/>
+    <p:sldId id="489" r:id="rId34"/>
+    <p:sldId id="467" r:id="rId35"/>
+    <p:sldId id="468" r:id="rId36"/>
+    <p:sldId id="469" r:id="rId37"/>
+    <p:sldId id="470" r:id="rId38"/>
+    <p:sldId id="456" r:id="rId39"/>
+    <p:sldId id="472" r:id="rId40"/>
+    <p:sldId id="471" r:id="rId41"/>
+    <p:sldId id="490" r:id="rId42"/>
+    <p:sldId id="491" r:id="rId43"/>
+    <p:sldId id="492" r:id="rId44"/>
+    <p:sldId id="493" r:id="rId45"/>
+    <p:sldId id="494" r:id="rId46"/>
+    <p:sldId id="487" r:id="rId47"/>
   </p:sldIdLst>
   <p:sldSz cx="12192000" cy="6858000"/>
   <p:notesSz cx="6858000" cy="9144000"/>
   <p:embeddedFontLst>
     <p:embeddedFont>
       <p:font typeface="Calibri" panose="020F0502020204030204" pitchFamily="34" charset="0"/>
-      <p:regular r:id="rId48"/>
-      <p:bold r:id="rId49"/>
-      <p:italic r:id="rId50"/>
-      <p:boldItalic r:id="rId51"/>
+      <p:regular r:id="rId49"/>
+      <p:bold r:id="rId50"/>
+      <p:italic r:id="rId51"/>
+      <p:boldItalic r:id="rId52"/>
     </p:embeddedFont>
     <p:embeddedFont>
       <p:font typeface="Consolas" panose="020B0609020204030204" pitchFamily="49" charset="0"/>
-      <p:regular r:id="rId52"/>
-      <p:bold r:id="rId53"/>
-      <p:italic r:id="rId54"/>
-      <p:boldItalic r:id="rId55"/>
+      <p:regular r:id="rId53"/>
+      <p:bold r:id="rId54"/>
+      <p:italic r:id="rId55"/>
+      <p:boldItalic r:id="rId56"/>
     </p:embeddedFont>
     <p:embeddedFont>
       <p:font typeface="Ink Free" panose="03080402000500000000" pitchFamily="66" charset="0"/>
-      <p:regular r:id="rId56"/>
+      <p:regular r:id="rId57"/>
     </p:embeddedFont>
     <p:embeddedFont>
       <p:font typeface="Open Sans ExtraBold" panose="020B0906030804020204" pitchFamily="34" charset="0"/>
-      <p:bold r:id="rId57"/>
-      <p:boldItalic r:id="rId58"/>
+      <p:bold r:id="rId58"/>
+      <p:boldItalic r:id="rId59"/>
     </p:embeddedFont>
     <p:embeddedFont>
       <p:font typeface="Verdana" panose="020B0604030504040204" pitchFamily="34" charset="0"/>
-      <p:regular r:id="rId59"/>
-      <p:bold r:id="rId60"/>
-      <p:italic r:id="rId61"/>
-      <p:boldItalic r:id="rId62"/>
+      <p:regular r:id="rId60"/>
+      <p:bold r:id="rId61"/>
+      <p:italic r:id="rId62"/>
+      <p:boldItalic r:id="rId63"/>
     </p:embeddedFont>
   </p:embeddedFontLst>
   <p:defaultTextStyle>
@@ -199,6 +200,7 @@
             <p14:sldId id="447"/>
             <p14:sldId id="488"/>
             <p14:sldId id="435"/>
+            <p14:sldId id="507"/>
             <p14:sldId id="457"/>
             <p14:sldId id="458"/>
             <p14:sldId id="459"/>
@@ -976,7 +978,7 @@
           <a:p>
             <a:fld id="{7C7E5181-6CF5-45F7-A87A-E0E0B1FD7549}" type="datetimeFigureOut">
               <a:rPr lang="en-US" smtClean="0"/>
-              <a:t>9/2/2022</a:t>
+              <a:t>9/6/2022</a:t>
             </a:fld>
             <a:endParaRPr lang="en-US"/>
           </a:p>
@@ -1376,103 +1378,23 @@
           <a:p>
             <a:r>
               <a:rPr lang="en-US" dirty="0"/>
-              <a:t>Now, here we have an implementation of </a:t>
-            </a:r>
-            <a:r>
-              <a:rPr lang="en-US" dirty="0" err="1"/>
-              <a:t>IClock</a:t>
-            </a:r>
+              <a:t>Here’s a side-by-side comparison of the tradeoffs.  </a:t>
+            </a:r>
+          </a:p>
+          <a:p>
+            <a:endParaRPr lang="en-US" dirty="0"/>
+          </a:p>
+          <a:p>
             <a:r>
               <a:rPr lang="en-US" dirty="0"/>
-              <a:t>, and a </a:t>
-            </a:r>
-            <a:r>
-              <a:rPr lang="en-US" dirty="0" err="1"/>
-              <a:t>ClockClient</a:t>
-            </a:r>
+              <a:t>Note that if the data is changing rapidly, but the consumer only asks for it rarely, then Pull is better because it leads to less traffic. </a:t>
+            </a:r>
+          </a:p>
+          <a:p>
             <a:r>
               <a:rPr lang="en-US" dirty="0"/>
-              <a:t> that uses it.  </a:t>
-            </a:r>
-            <a:r>
-              <a:rPr lang="en-US" dirty="0" err="1"/>
-              <a:t>SimpleClock</a:t>
-            </a:r>
-            <a:r>
-              <a:rPr lang="en-US" dirty="0"/>
-              <a:t> is the producer, and </a:t>
-            </a:r>
-            <a:r>
-              <a:rPr lang="en-US" dirty="0" err="1"/>
-              <a:t>ClockClient</a:t>
-            </a:r>
-            <a:r>
-              <a:rPr lang="en-US" dirty="0"/>
-              <a:t> is the consumer.</a:t>
-            </a:r>
-          </a:p>
-          <a:p>
-            <a:endParaRPr lang="en-US" dirty="0"/>
-          </a:p>
-          <a:p>
-            <a:r>
-              <a:rPr lang="en-US" dirty="0"/>
-              <a:t>Notice that constructor says “</a:t>
-            </a:r>
-            <a:r>
-              <a:rPr lang="en-US" dirty="0" err="1"/>
-              <a:t>theclock:IClock</a:t>
-            </a:r>
-            <a:r>
-              <a:rPr lang="en-US" dirty="0"/>
-              <a:t>”, because this client depends only on the fact that ‘</a:t>
-            </a:r>
-            <a:r>
-              <a:rPr lang="en-US" dirty="0" err="1"/>
-              <a:t>theclock</a:t>
-            </a:r>
-            <a:r>
-              <a:rPr lang="en-US" dirty="0"/>
-              <a:t>’ obeys the specification of </a:t>
-            </a:r>
-            <a:r>
-              <a:rPr lang="en-US" dirty="0" err="1"/>
-              <a:t>IClock</a:t>
-            </a:r>
-            <a:r>
-              <a:rPr lang="en-US" dirty="0"/>
-              <a:t>.   If it had said "</a:t>
-            </a:r>
-            <a:r>
-              <a:rPr lang="en-US" dirty="0" err="1"/>
-              <a:t>theclock:SimpleClock</a:t>
-            </a:r>
-            <a:r>
-              <a:rPr lang="en-US" dirty="0"/>
-              <a:t>" then the compiler would reject any attempt to build a </a:t>
-            </a:r>
-            <a:r>
-              <a:rPr lang="en-US" dirty="0" err="1"/>
-              <a:t>ClockClient</a:t>
-            </a:r>
-            <a:r>
-              <a:rPr lang="en-US" dirty="0"/>
-              <a:t> using any other implementation of </a:t>
-            </a:r>
-            <a:r>
-              <a:rPr lang="en-US" dirty="0" err="1"/>
-              <a:t>IClock</a:t>
-            </a:r>
-            <a:r>
-              <a:rPr lang="en-US" dirty="0"/>
-              <a:t>.</a:t>
-            </a:r>
-          </a:p>
-          <a:p>
-            <a:endParaRPr lang="en-US" dirty="0"/>
-          </a:p>
-          <a:p>
-            <a:endParaRPr lang="en-US" dirty="0"/>
+              <a:t>Similarly, if the data is changing slowly, but the consumer needs it often, the Push is better because that leads to less traffic.</a:t>
+            </a:r>
           </a:p>
         </p:txBody>
       </p:sp>
@@ -1493,7 +1415,7 @@
           <a:p>
             <a:fld id="{07937F07-1250-4CCE-B198-1B2887014F41}" type="slidenum">
               <a:rPr lang="en-US" smtClean="0"/>
-              <a:t>13</a:t>
+              <a:t>12</a:t>
             </a:fld>
             <a:endParaRPr lang="en-US"/>
           </a:p>
@@ -1502,7 +1424,7 @@
     </p:spTree>
     <p:extLst>
       <p:ext uri="{BB962C8B-B14F-4D97-AF65-F5344CB8AC3E}">
-        <p14:creationId xmlns:p14="http://schemas.microsoft.com/office/powerpoint/2010/main" val="3512470733"/>
+        <p14:creationId xmlns:p14="http://schemas.microsoft.com/office/powerpoint/2010/main" val="365248534"/>
       </p:ext>
     </p:extLst>
   </p:cSld>
@@ -1556,170 +1478,27 @@
           <a:bodyPr/>
           <a:lstStyle/>
           <a:p>
-            <a:pPr marL="0" marR="0" lvl="0" indent="0" algn="l" defTabSz="914400" rtl="0" eaLnBrk="1" fontAlgn="auto" latinLnBrk="0" hangingPunct="1">
-              <a:lnSpc>
-                <a:spcPct val="100000"/>
-              </a:lnSpc>
-              <a:spcBef>
-                <a:spcPts val="0"/>
-              </a:spcBef>
-              <a:spcAft>
-                <a:spcPts val="0"/>
-              </a:spcAft>
-              <a:buClrTx/>
-              <a:buSzTx/>
-              <a:buFontTx/>
-              <a:buNone/>
-              <a:tabLst/>
-              <a:defRPr/>
-            </a:pPr>
             <a:r>
               <a:rPr lang="en-US" dirty="0"/>
-              <a:t>Now we’ve got this code.  How should we test it?</a:t>
-            </a:r>
-          </a:p>
-          <a:p>
-            <a:pPr marL="0" marR="0" lvl="0" indent="0" algn="l" defTabSz="914400" rtl="0" eaLnBrk="1" fontAlgn="auto" latinLnBrk="0" hangingPunct="1">
-              <a:lnSpc>
-                <a:spcPct val="100000"/>
-              </a:lnSpc>
-              <a:spcBef>
-                <a:spcPts val="0"/>
-              </a:spcBef>
-              <a:spcAft>
-                <a:spcPts val="0"/>
-              </a:spcAft>
-              <a:buClrTx/>
-              <a:buSzTx/>
-              <a:buFontTx/>
-              <a:buNone/>
-              <a:tabLst/>
-              <a:defRPr/>
-            </a:pPr>
+              <a:t>Let’s take a look at both of these designs in a concrete example.   Here is the interface for a simple clock using the Pull design.</a:t>
+            </a:r>
+          </a:p>
+          <a:p>
             <a:endParaRPr lang="en-US" dirty="0"/>
           </a:p>
           <a:p>
-            <a:pPr marL="0" marR="0" lvl="0" indent="0" algn="l" defTabSz="914400" rtl="0" eaLnBrk="1" fontAlgn="auto" latinLnBrk="0" hangingPunct="1">
-              <a:lnSpc>
-                <a:spcPct val="100000"/>
-              </a:lnSpc>
-              <a:spcBef>
-                <a:spcPts val="0"/>
-              </a:spcBef>
-              <a:spcAft>
-                <a:spcPts val="0"/>
-              </a:spcAft>
-              <a:buClrTx/>
-              <a:buSzTx/>
-              <a:buFontTx/>
-              <a:buNone/>
-              <a:tabLst/>
-              <a:defRPr/>
-            </a:pPr>
             <a:r>
               <a:rPr lang="en-US" dirty="0"/>
-              <a:t>A first impulse is to write a little </a:t>
+              <a:t> It has three methods: reset, tick, and </a:t>
             </a:r>
             <a:r>
               <a:rPr lang="en-US" dirty="0" err="1"/>
-              <a:t>index.ts</a:t>
+              <a:t>getTime</a:t>
             </a:r>
             <a:r>
               <a:rPr lang="en-US" dirty="0"/>
-              <a:t> file, run it, and see what it does. </a:t>
-            </a:r>
-          </a:p>
-          <a:p>
-            <a:pPr marL="0" marR="0" lvl="0" indent="0" algn="l" defTabSz="914400" rtl="0" eaLnBrk="1" fontAlgn="auto" latinLnBrk="0" hangingPunct="1">
-              <a:lnSpc>
-                <a:spcPct val="100000"/>
-              </a:lnSpc>
-              <a:spcBef>
-                <a:spcPts val="0"/>
-              </a:spcBef>
-              <a:spcAft>
-                <a:spcPts val="0"/>
-              </a:spcAft>
-              <a:buClrTx/>
-              <a:buSzTx/>
-              <a:buFontTx/>
-              <a:buNone/>
-              <a:tabLst/>
-              <a:defRPr/>
-            </a:pPr>
-            <a:r>
-              <a:rPr lang="en-US" dirty="0"/>
-              <a:t>&lt;explain a bit of the code&gt;</a:t>
-            </a:r>
-          </a:p>
-          <a:p>
-            <a:pPr marL="0" marR="0" lvl="0" indent="0" algn="l" defTabSz="914400" rtl="0" eaLnBrk="1" fontAlgn="auto" latinLnBrk="0" hangingPunct="1">
-              <a:lnSpc>
-                <a:spcPct val="100000"/>
-              </a:lnSpc>
-              <a:spcBef>
-                <a:spcPts val="0"/>
-              </a:spcBef>
-              <a:spcAft>
-                <a:spcPts val="0"/>
-              </a:spcAft>
-              <a:buClrTx/>
-              <a:buSzTx/>
-              <a:buFontTx/>
-              <a:buNone/>
-              <a:tabLst/>
-              <a:defRPr/>
-            </a:pPr>
-            <a:r>
-              <a:rPr lang="en-US" dirty="0"/>
-              <a:t>&lt;click, watch animation&gt;</a:t>
-            </a:r>
-          </a:p>
-          <a:p>
-            <a:pPr marL="0" marR="0" lvl="0" indent="0" algn="l" defTabSz="914400" rtl="0" eaLnBrk="1" fontAlgn="auto" latinLnBrk="0" hangingPunct="1">
-              <a:lnSpc>
-                <a:spcPct val="100000"/>
-              </a:lnSpc>
-              <a:spcBef>
-                <a:spcPts val="0"/>
-              </a:spcBef>
-              <a:spcAft>
-                <a:spcPts val="0"/>
-              </a:spcAft>
-              <a:buClrTx/>
-              <a:buSzTx/>
-              <a:buFontTx/>
-              <a:buNone/>
-              <a:tabLst/>
-              <a:defRPr/>
-            </a:pPr>
-            <a:endParaRPr lang="en-US" dirty="0"/>
-          </a:p>
-          <a:p>
-            <a:pPr marL="0" marR="0" lvl="0" indent="0" algn="l" defTabSz="914400" rtl="0" eaLnBrk="1" fontAlgn="auto" latinLnBrk="0" hangingPunct="1">
-              <a:lnSpc>
-                <a:spcPct val="100000"/>
-              </a:lnSpc>
-              <a:spcBef>
-                <a:spcPts val="0"/>
-              </a:spcBef>
-              <a:spcAft>
-                <a:spcPts val="0"/>
-              </a:spcAft>
-              <a:buClrTx/>
-              <a:buSzTx/>
-              <a:buFontTx/>
-              <a:buNone/>
-              <a:tabLst/>
-              <a:defRPr/>
-            </a:pPr>
-            <a:r>
-              <a:rPr lang="en-US" dirty="0"/>
-              <a:t>NNNOOO!!!  We don’t want to have to look at the results of a manual test if we can avoid it.</a:t>
-            </a:r>
-          </a:p>
-          <a:p>
-            <a:endParaRPr lang="en-US" dirty="0"/>
+              <a:t>.  Note that the interface includes a description of what each method is supposed to do.  </a:t>
+            </a:r>
           </a:p>
         </p:txBody>
       </p:sp>
@@ -1740,7 +1519,7 @@
           <a:p>
             <a:fld id="{07937F07-1250-4CCE-B198-1B2887014F41}" type="slidenum">
               <a:rPr lang="en-US" smtClean="0"/>
-              <a:t>14</a:t>
+              <a:t>13</a:t>
             </a:fld>
             <a:endParaRPr lang="en-US"/>
           </a:p>
@@ -1749,7 +1528,7 @@
     </p:spTree>
     <p:extLst>
       <p:ext uri="{BB962C8B-B14F-4D97-AF65-F5344CB8AC3E}">
-        <p14:creationId xmlns:p14="http://schemas.microsoft.com/office/powerpoint/2010/main" val="297350874"/>
+        <p14:creationId xmlns:p14="http://schemas.microsoft.com/office/powerpoint/2010/main" val="1615821103"/>
       </p:ext>
     </p:extLst>
   </p:cSld>
@@ -1805,16 +1584,103 @@
           <a:p>
             <a:r>
               <a:rPr lang="en-US" dirty="0"/>
-              <a:t>We want to automate this process whenever possible.  Here’s a little testing script (in our standard test runner, called “Jest”).  It does the same thing as our </a:t>
+              <a:t>Now, here we have an implementation of </a:t>
             </a:r>
             <a:r>
               <a:rPr lang="en-US" dirty="0" err="1"/>
-              <a:t>index.ts</a:t>
+              <a:t>IClock</a:t>
             </a:r>
             <a:r>
               <a:rPr lang="en-US" dirty="0"/>
-              <a:t> did, but we’ve replaced all those console.log statements with ‘expect’ statements, which will check to see if those expressions return the right values.</a:t>
-            </a:r>
+              <a:t>, and a </a:t>
+            </a:r>
+            <a:r>
+              <a:rPr lang="en-US" dirty="0" err="1"/>
+              <a:t>ClockClient</a:t>
+            </a:r>
+            <a:r>
+              <a:rPr lang="en-US" dirty="0"/>
+              <a:t> that uses it.  </a:t>
+            </a:r>
+            <a:r>
+              <a:rPr lang="en-US" dirty="0" err="1"/>
+              <a:t>SimpleClock</a:t>
+            </a:r>
+            <a:r>
+              <a:rPr lang="en-US" dirty="0"/>
+              <a:t> is the producer, and </a:t>
+            </a:r>
+            <a:r>
+              <a:rPr lang="en-US" dirty="0" err="1"/>
+              <a:t>ClockClient</a:t>
+            </a:r>
+            <a:r>
+              <a:rPr lang="en-US" dirty="0"/>
+              <a:t> is the consumer.</a:t>
+            </a:r>
+          </a:p>
+          <a:p>
+            <a:endParaRPr lang="en-US" dirty="0"/>
+          </a:p>
+          <a:p>
+            <a:r>
+              <a:rPr lang="en-US" dirty="0"/>
+              <a:t>Notice that constructor says “</a:t>
+            </a:r>
+            <a:r>
+              <a:rPr lang="en-US" dirty="0" err="1"/>
+              <a:t>theclock:IClock</a:t>
+            </a:r>
+            <a:r>
+              <a:rPr lang="en-US" dirty="0"/>
+              <a:t>”, because this client depends only on the fact that ‘</a:t>
+            </a:r>
+            <a:r>
+              <a:rPr lang="en-US" dirty="0" err="1"/>
+              <a:t>theclock</a:t>
+            </a:r>
+            <a:r>
+              <a:rPr lang="en-US" dirty="0"/>
+              <a:t>’ obeys the specification of </a:t>
+            </a:r>
+            <a:r>
+              <a:rPr lang="en-US" dirty="0" err="1"/>
+              <a:t>IClock</a:t>
+            </a:r>
+            <a:r>
+              <a:rPr lang="en-US" dirty="0"/>
+              <a:t>.   If it had said "</a:t>
+            </a:r>
+            <a:r>
+              <a:rPr lang="en-US" dirty="0" err="1"/>
+              <a:t>theclock:SimpleClock</a:t>
+            </a:r>
+            <a:r>
+              <a:rPr lang="en-US" dirty="0"/>
+              <a:t>" then the compiler would reject any attempt to build a </a:t>
+            </a:r>
+            <a:r>
+              <a:rPr lang="en-US" dirty="0" err="1"/>
+              <a:t>ClockClient</a:t>
+            </a:r>
+            <a:r>
+              <a:rPr lang="en-US" dirty="0"/>
+              <a:t> using any other implementation of </a:t>
+            </a:r>
+            <a:r>
+              <a:rPr lang="en-US" dirty="0" err="1"/>
+              <a:t>IClock</a:t>
+            </a:r>
+            <a:r>
+              <a:rPr lang="en-US" dirty="0"/>
+              <a:t>.</a:t>
+            </a:r>
+          </a:p>
+          <a:p>
+            <a:endParaRPr lang="en-US" dirty="0"/>
+          </a:p>
+          <a:p>
+            <a:endParaRPr lang="en-US" dirty="0"/>
           </a:p>
         </p:txBody>
       </p:sp>
@@ -1835,7 +1701,7 @@
           <a:p>
             <a:fld id="{07937F07-1250-4CCE-B198-1B2887014F41}" type="slidenum">
               <a:rPr lang="en-US" smtClean="0"/>
-              <a:t>15</a:t>
+              <a:t>14</a:t>
             </a:fld>
             <a:endParaRPr lang="en-US"/>
           </a:p>
@@ -1844,7 +1710,7 @@
     </p:spTree>
     <p:extLst>
       <p:ext uri="{BB962C8B-B14F-4D97-AF65-F5344CB8AC3E}">
-        <p14:creationId xmlns:p14="http://schemas.microsoft.com/office/powerpoint/2010/main" val="2820716657"/>
+        <p14:creationId xmlns:p14="http://schemas.microsoft.com/office/powerpoint/2010/main" val="3512470733"/>
       </p:ext>
     </p:extLst>
   </p:cSld>
@@ -1898,10 +1764,170 @@
           <a:bodyPr/>
           <a:lstStyle/>
           <a:p>
+            <a:pPr marL="0" marR="0" lvl="0" indent="0" algn="l" defTabSz="914400" rtl="0" eaLnBrk="1" fontAlgn="auto" latinLnBrk="0" hangingPunct="1">
+              <a:lnSpc>
+                <a:spcPct val="100000"/>
+              </a:lnSpc>
+              <a:spcBef>
+                <a:spcPts val="0"/>
+              </a:spcBef>
+              <a:spcAft>
+                <a:spcPts val="0"/>
+              </a:spcAft>
+              <a:buClrTx/>
+              <a:buSzTx/>
+              <a:buFontTx/>
+              <a:buNone/>
+              <a:tabLst/>
+              <a:defRPr/>
+            </a:pPr>
             <a:r>
               <a:rPr lang="en-US" dirty="0"/>
-              <a:t>Let’s try the same thing using the Push or Observer pattern.</a:t>
-            </a:r>
+              <a:t>Now we’ve got this code.  How should we test it?</a:t>
+            </a:r>
+          </a:p>
+          <a:p>
+            <a:pPr marL="0" marR="0" lvl="0" indent="0" algn="l" defTabSz="914400" rtl="0" eaLnBrk="1" fontAlgn="auto" latinLnBrk="0" hangingPunct="1">
+              <a:lnSpc>
+                <a:spcPct val="100000"/>
+              </a:lnSpc>
+              <a:spcBef>
+                <a:spcPts val="0"/>
+              </a:spcBef>
+              <a:spcAft>
+                <a:spcPts val="0"/>
+              </a:spcAft>
+              <a:buClrTx/>
+              <a:buSzTx/>
+              <a:buFontTx/>
+              <a:buNone/>
+              <a:tabLst/>
+              <a:defRPr/>
+            </a:pPr>
+            <a:endParaRPr lang="en-US" dirty="0"/>
+          </a:p>
+          <a:p>
+            <a:pPr marL="0" marR="0" lvl="0" indent="0" algn="l" defTabSz="914400" rtl="0" eaLnBrk="1" fontAlgn="auto" latinLnBrk="0" hangingPunct="1">
+              <a:lnSpc>
+                <a:spcPct val="100000"/>
+              </a:lnSpc>
+              <a:spcBef>
+                <a:spcPts val="0"/>
+              </a:spcBef>
+              <a:spcAft>
+                <a:spcPts val="0"/>
+              </a:spcAft>
+              <a:buClrTx/>
+              <a:buSzTx/>
+              <a:buFontTx/>
+              <a:buNone/>
+              <a:tabLst/>
+              <a:defRPr/>
+            </a:pPr>
+            <a:r>
+              <a:rPr lang="en-US" dirty="0"/>
+              <a:t>A first impulse is to write a little </a:t>
+            </a:r>
+            <a:r>
+              <a:rPr lang="en-US" dirty="0" err="1"/>
+              <a:t>index.ts</a:t>
+            </a:r>
+            <a:r>
+              <a:rPr lang="en-US" dirty="0"/>
+              <a:t> file, run it, and see what it does. </a:t>
+            </a:r>
+          </a:p>
+          <a:p>
+            <a:pPr marL="0" marR="0" lvl="0" indent="0" algn="l" defTabSz="914400" rtl="0" eaLnBrk="1" fontAlgn="auto" latinLnBrk="0" hangingPunct="1">
+              <a:lnSpc>
+                <a:spcPct val="100000"/>
+              </a:lnSpc>
+              <a:spcBef>
+                <a:spcPts val="0"/>
+              </a:spcBef>
+              <a:spcAft>
+                <a:spcPts val="0"/>
+              </a:spcAft>
+              <a:buClrTx/>
+              <a:buSzTx/>
+              <a:buFontTx/>
+              <a:buNone/>
+              <a:tabLst/>
+              <a:defRPr/>
+            </a:pPr>
+            <a:r>
+              <a:rPr lang="en-US" dirty="0"/>
+              <a:t>&lt;explain a bit of the code&gt;</a:t>
+            </a:r>
+          </a:p>
+          <a:p>
+            <a:pPr marL="0" marR="0" lvl="0" indent="0" algn="l" defTabSz="914400" rtl="0" eaLnBrk="1" fontAlgn="auto" latinLnBrk="0" hangingPunct="1">
+              <a:lnSpc>
+                <a:spcPct val="100000"/>
+              </a:lnSpc>
+              <a:spcBef>
+                <a:spcPts val="0"/>
+              </a:spcBef>
+              <a:spcAft>
+                <a:spcPts val="0"/>
+              </a:spcAft>
+              <a:buClrTx/>
+              <a:buSzTx/>
+              <a:buFontTx/>
+              <a:buNone/>
+              <a:tabLst/>
+              <a:defRPr/>
+            </a:pPr>
+            <a:r>
+              <a:rPr lang="en-US" dirty="0"/>
+              <a:t>&lt;click, watch animation&gt;</a:t>
+            </a:r>
+          </a:p>
+          <a:p>
+            <a:pPr marL="0" marR="0" lvl="0" indent="0" algn="l" defTabSz="914400" rtl="0" eaLnBrk="1" fontAlgn="auto" latinLnBrk="0" hangingPunct="1">
+              <a:lnSpc>
+                <a:spcPct val="100000"/>
+              </a:lnSpc>
+              <a:spcBef>
+                <a:spcPts val="0"/>
+              </a:spcBef>
+              <a:spcAft>
+                <a:spcPts val="0"/>
+              </a:spcAft>
+              <a:buClrTx/>
+              <a:buSzTx/>
+              <a:buFontTx/>
+              <a:buNone/>
+              <a:tabLst/>
+              <a:defRPr/>
+            </a:pPr>
+            <a:endParaRPr lang="en-US" dirty="0"/>
+          </a:p>
+          <a:p>
+            <a:pPr marL="0" marR="0" lvl="0" indent="0" algn="l" defTabSz="914400" rtl="0" eaLnBrk="1" fontAlgn="auto" latinLnBrk="0" hangingPunct="1">
+              <a:lnSpc>
+                <a:spcPct val="100000"/>
+              </a:lnSpc>
+              <a:spcBef>
+                <a:spcPts val="0"/>
+              </a:spcBef>
+              <a:spcAft>
+                <a:spcPts val="0"/>
+              </a:spcAft>
+              <a:buClrTx/>
+              <a:buSzTx/>
+              <a:buFontTx/>
+              <a:buNone/>
+              <a:tabLst/>
+              <a:defRPr/>
+            </a:pPr>
+            <a:r>
+              <a:rPr lang="en-US" dirty="0"/>
+              <a:t>NNNOOO!!!  We don’t want to have to look at the results of a manual test if we can avoid it.</a:t>
+            </a:r>
+          </a:p>
+          <a:p>
+            <a:endParaRPr lang="en-US" dirty="0"/>
           </a:p>
         </p:txBody>
       </p:sp>
@@ -1922,7 +1948,7 @@
           <a:p>
             <a:fld id="{07937F07-1250-4CCE-B198-1B2887014F41}" type="slidenum">
               <a:rPr lang="en-US" smtClean="0"/>
-              <a:t>16</a:t>
+              <a:t>15</a:t>
             </a:fld>
             <a:endParaRPr lang="en-US"/>
           </a:p>
@@ -1931,7 +1957,7 @@
     </p:spTree>
     <p:extLst>
       <p:ext uri="{BB962C8B-B14F-4D97-AF65-F5344CB8AC3E}">
-        <p14:creationId xmlns:p14="http://schemas.microsoft.com/office/powerpoint/2010/main" val="3952334577"/>
+        <p14:creationId xmlns:p14="http://schemas.microsoft.com/office/powerpoint/2010/main" val="297350874"/>
       </p:ext>
     </p:extLst>
   </p:cSld>
@@ -1987,29 +2013,16 @@
           <a:p>
             <a:r>
               <a:rPr lang="en-US" dirty="0"/>
-              <a:t>Here is the interface for a clock using the Push pattern.  </a:t>
-            </a:r>
-          </a:p>
-          <a:p>
+              <a:t>We want to automate this process whenever possible.  Here’s a little testing script (in our standard test runner, called “Jest”).  It does the same thing as our </a:t>
+            </a:r>
+            <a:r>
+              <a:rPr lang="en-US" dirty="0" err="1"/>
+              <a:t>index.ts</a:t>
+            </a:r>
             <a:r>
               <a:rPr lang="en-US" dirty="0"/>
-              <a:t>&lt;Go through methods&gt;</a:t>
-            </a:r>
-          </a:p>
-          <a:p>
-            <a:r>
-              <a:rPr lang="en-US" dirty="0"/>
-              <a:t>Note that we specify that the listeners/consumers/observers are notified by sending them a notify message with the current time.   If we didn’t specify this, we wouldn’t know how to write a listener. </a:t>
-            </a:r>
-          </a:p>
-          <a:p>
-            <a:endParaRPr lang="en-US" dirty="0"/>
-          </a:p>
-          <a:p>
-            <a:endParaRPr lang="en-US" dirty="0"/>
-          </a:p>
-          <a:p>
-            <a:endParaRPr lang="en-US" dirty="0"/>
+              <a:t> did, but we’ve replaced all those console.log statements with ‘expect’ statements, which will check to see if those expressions return the right values.</a:t>
+            </a:r>
           </a:p>
         </p:txBody>
       </p:sp>
@@ -2030,7 +2043,7 @@
           <a:p>
             <a:fld id="{07937F07-1250-4CCE-B198-1B2887014F41}" type="slidenum">
               <a:rPr lang="en-US" smtClean="0"/>
-              <a:t>17</a:t>
+              <a:t>16</a:t>
             </a:fld>
             <a:endParaRPr lang="en-US"/>
           </a:p>
@@ -2039,7 +2052,7 @@
     </p:spTree>
     <p:extLst>
       <p:ext uri="{BB962C8B-B14F-4D97-AF65-F5344CB8AC3E}">
-        <p14:creationId xmlns:p14="http://schemas.microsoft.com/office/powerpoint/2010/main" val="4243403126"/>
+        <p14:creationId xmlns:p14="http://schemas.microsoft.com/office/powerpoint/2010/main" val="2820716657"/>
       </p:ext>
     </p:extLst>
   </p:cSld>
@@ -2095,26 +2108,8 @@
           <a:p>
             <a:r>
               <a:rPr lang="en-US" dirty="0"/>
-              <a:t>And here’s the matching interface for a clock listener.  Note that we’ve put semantics in the interface– we say that the notify method expects to receive a message with the current time.</a:t>
-            </a:r>
-          </a:p>
-          <a:p>
-            <a:endParaRPr lang="en-US" dirty="0"/>
-          </a:p>
-          <a:p>
-            <a:r>
-              <a:rPr lang="en-US" dirty="0"/>
-              <a:t>This semantic information completes the contract between the producer and the consumer– it’s not enough to know the names of the relevant methods; we need to know what is in the message.</a:t>
-            </a:r>
-          </a:p>
-          <a:p>
-            <a:endParaRPr lang="en-US" dirty="0"/>
-          </a:p>
-          <a:p>
-            <a:endParaRPr lang="en-US" dirty="0"/>
-          </a:p>
-          <a:p>
-            <a:endParaRPr lang="en-US" dirty="0"/>
+              <a:t>Let’s try the same thing using the Push or Observer pattern.</a:t>
+            </a:r>
           </a:p>
         </p:txBody>
       </p:sp>
@@ -2135,7 +2130,7 @@
           <a:p>
             <a:fld id="{07937F07-1250-4CCE-B198-1B2887014F41}" type="slidenum">
               <a:rPr lang="en-US" smtClean="0"/>
-              <a:t>18</a:t>
+              <a:t>17</a:t>
             </a:fld>
             <a:endParaRPr lang="en-US"/>
           </a:p>
@@ -2144,7 +2139,7 @@
     </p:spTree>
     <p:extLst>
       <p:ext uri="{BB962C8B-B14F-4D97-AF65-F5344CB8AC3E}">
-        <p14:creationId xmlns:p14="http://schemas.microsoft.com/office/powerpoint/2010/main" val="2273420292"/>
+        <p14:creationId xmlns:p14="http://schemas.microsoft.com/office/powerpoint/2010/main" val="3952334577"/>
       </p:ext>
     </p:extLst>
   </p:cSld>
@@ -2200,124 +2195,26 @@
           <a:p>
             <a:r>
               <a:rPr lang="en-US" dirty="0"/>
-              <a:t>Let’s stop for a minute and review interfaces in Typescript.</a:t>
+              <a:t>Here is the interface for a clock using the Push pattern.  </a:t>
+            </a:r>
+          </a:p>
+          <a:p>
+            <a:r>
+              <a:rPr lang="en-US" dirty="0"/>
+              <a:t>&lt;Go through methods&gt;</a:t>
+            </a:r>
+          </a:p>
+          <a:p>
+            <a:r>
+              <a:rPr lang="en-US" dirty="0"/>
+              <a:t>Note that we specify that the listeners/consumers/observers are notified by sending them a notify message with the current time.   If we didn’t specify this, we wouldn’t know how to write a listener. </a:t>
             </a:r>
           </a:p>
           <a:p>
             <a:endParaRPr lang="en-US" dirty="0"/>
           </a:p>
           <a:p>
-            <a:r>
-              <a:rPr lang="en-US" dirty="0"/>
-              <a:t>In Typescript, an interface describes objects, not classes.   So when we say “</a:t>
-            </a:r>
-            <a:r>
-              <a:rPr lang="en-US" dirty="0" err="1"/>
-              <a:t>CartesianPoint</a:t>
-            </a:r>
-            <a:r>
-              <a:rPr lang="en-US" dirty="0"/>
-              <a:t> implements </a:t>
-            </a:r>
-            <a:r>
-              <a:rPr lang="en-US" dirty="0" err="1"/>
-              <a:t>IPoint</a:t>
-            </a:r>
-            <a:r>
-              <a:rPr lang="en-US" dirty="0"/>
-              <a:t>”, we mean that any object of class </a:t>
-            </a:r>
-            <a:r>
-              <a:rPr lang="en-US" dirty="0" err="1"/>
-              <a:t>CartesianPoint</a:t>
-            </a:r>
-            <a:r>
-              <a:rPr lang="en-US" dirty="0"/>
-              <a:t> will satisfy the interface </a:t>
-            </a:r>
-            <a:r>
-              <a:rPr lang="en-US" dirty="0" err="1"/>
-              <a:t>IPoint</a:t>
-            </a:r>
-            <a:r>
-              <a:rPr lang="en-US" dirty="0"/>
-              <a:t>.  That is, it will have methods </a:t>
-            </a:r>
-            <a:r>
-              <a:rPr lang="en-US" dirty="0" err="1"/>
-              <a:t>getx</a:t>
-            </a:r>
-            <a:r>
-              <a:rPr lang="en-US" dirty="0"/>
-              <a:t> and </a:t>
-            </a:r>
-            <a:r>
-              <a:rPr lang="en-US" dirty="0" err="1"/>
-              <a:t>gety</a:t>
-            </a:r>
-            <a:r>
-              <a:rPr lang="en-US" dirty="0"/>
-              <a:t> that return the x and y coordinates of the point.  (Note: this is different from Java)</a:t>
-            </a:r>
-          </a:p>
-          <a:p>
             <a:endParaRPr lang="en-US" dirty="0"/>
-          </a:p>
-          <a:p>
-            <a:r>
-              <a:rPr lang="en-US" dirty="0" err="1"/>
-              <a:t>PolarPoint</a:t>
-            </a:r>
-            <a:r>
-              <a:rPr lang="en-US" dirty="0"/>
-              <a:t> also implements </a:t>
-            </a:r>
-            <a:r>
-              <a:rPr lang="en-US" dirty="0" err="1"/>
-              <a:t>IPoint</a:t>
-            </a:r>
-            <a:r>
-              <a:rPr lang="en-US" dirty="0"/>
-              <a:t>, but in a different way:  it keeps the point in polar coordinates, but if you ask about the x or y coordinates of the point, it will compute the proper value.</a:t>
-            </a:r>
-          </a:p>
-          <a:p>
-            <a:endParaRPr lang="en-US" dirty="0"/>
-          </a:p>
-          <a:p>
-            <a:r>
-              <a:rPr lang="en-US" dirty="0"/>
-              <a:t>If this is not familiar to you, you should go back and review your notes from OOD, and study some of the suggested readings on Typescript.  You will seriously need to understand this material if you are to succeed in this course.</a:t>
-            </a:r>
-          </a:p>
-          <a:p>
-            <a:endParaRPr lang="en-US" dirty="0"/>
-          </a:p>
-          <a:p>
-            <a:pPr marL="0" marR="0" lvl="0" indent="0" algn="l" defTabSz="914400" rtl="0" eaLnBrk="1" fontAlgn="auto" latinLnBrk="0" hangingPunct="1">
-              <a:lnSpc>
-                <a:spcPct val="100000"/>
-              </a:lnSpc>
-              <a:spcBef>
-                <a:spcPts val="0"/>
-              </a:spcBef>
-              <a:spcAft>
-                <a:spcPts val="0"/>
-              </a:spcAft>
-              <a:buClrTx/>
-              <a:buSzTx/>
-              <a:buFontTx/>
-              <a:buNone/>
-              <a:tabLst/>
-              <a:defRPr/>
-            </a:pPr>
-            <a:endParaRPr lang="en-US" dirty="0"/>
-          </a:p>
-          <a:p>
-            <a:r>
-              <a:rPr lang="en-US" dirty="0"/>
-              <a:t> </a:t>
-            </a:r>
           </a:p>
           <a:p>
             <a:endParaRPr lang="en-US" dirty="0"/>
@@ -2341,7 +2238,7 @@
           <a:p>
             <a:fld id="{07937F07-1250-4CCE-B198-1B2887014F41}" type="slidenum">
               <a:rPr lang="en-US" smtClean="0"/>
-              <a:t>19</a:t>
+              <a:t>18</a:t>
             </a:fld>
             <a:endParaRPr lang="en-US"/>
           </a:p>
@@ -2350,7 +2247,7 @@
     </p:spTree>
     <p:extLst>
       <p:ext uri="{BB962C8B-B14F-4D97-AF65-F5344CB8AC3E}">
-        <p14:creationId xmlns:p14="http://schemas.microsoft.com/office/powerpoint/2010/main" val="1092141948"/>
+        <p14:creationId xmlns:p14="http://schemas.microsoft.com/office/powerpoint/2010/main" val="4243403126"/>
       </p:ext>
     </p:extLst>
   </p:cSld>
@@ -2406,64 +2303,26 @@
           <a:p>
             <a:r>
               <a:rPr lang="en-US" dirty="0"/>
-              <a:t>&lt;Read slide&gt;</a:t>
+              <a:t>And here’s the matching interface for a clock listener.  Note that we’ve put semantics in the interface– we say that the notify method expects to receive a message with the current time.</a:t>
             </a:r>
           </a:p>
           <a:p>
             <a:endParaRPr lang="en-US" dirty="0"/>
           </a:p>
           <a:p>
-            <a:pPr marL="0" marR="0" lvl="0" indent="0" algn="l" defTabSz="914400" rtl="0" eaLnBrk="1" fontAlgn="auto" latinLnBrk="0" hangingPunct="1">
-              <a:lnSpc>
-                <a:spcPct val="100000"/>
-              </a:lnSpc>
-              <a:spcBef>
-                <a:spcPts val="0"/>
-              </a:spcBef>
-              <a:spcAft>
-                <a:spcPts val="0"/>
-              </a:spcAft>
-              <a:buClrTx/>
-              <a:buSzTx/>
-              <a:buFontTx/>
-              <a:buNone/>
-              <a:tabLst/>
-              <a:defRPr/>
-            </a:pPr>
-            <a:r>
-              <a:rPr lang="en-US" b="0" dirty="0">
-                <a:solidFill>
-                  <a:schemeClr val="tx1"/>
-                </a:solidFill>
-                <a:latin typeface="Ink Free" panose="03080402000500000000" pitchFamily="66" charset="0"/>
-              </a:rPr>
-              <a:t>Notice that we’ve specified what these numbers MEAN, following Principle 2 from the last lesson: Make your Data Mean Something</a:t>
-            </a:r>
-          </a:p>
-          <a:p>
-            <a:pPr marL="0" marR="0" lvl="0" indent="0" algn="l" defTabSz="914400" rtl="0" eaLnBrk="1" fontAlgn="auto" latinLnBrk="0" hangingPunct="1">
-              <a:lnSpc>
-                <a:spcPct val="100000"/>
-              </a:lnSpc>
-              <a:spcBef>
-                <a:spcPts val="0"/>
-              </a:spcBef>
-              <a:spcAft>
-                <a:spcPts val="0"/>
-              </a:spcAft>
-              <a:buClrTx/>
-              <a:buSzTx/>
-              <a:buFontTx/>
-              <a:buNone/>
-              <a:tabLst/>
-              <a:defRPr/>
-            </a:pPr>
-            <a:endParaRPr lang="en-US" b="0" dirty="0">
-              <a:solidFill>
-                <a:schemeClr val="tx1"/>
-              </a:solidFill>
-              <a:latin typeface="Ink Free" panose="03080402000500000000" pitchFamily="66" charset="0"/>
-            </a:endParaRPr>
+            <a:r>
+              <a:rPr lang="en-US" dirty="0"/>
+              <a:t>This semantic information completes the contract between the producer and the consumer– it’s not enough to know the names of the relevant methods; we need to know what is in the message.</a:t>
+            </a:r>
+          </a:p>
+          <a:p>
+            <a:endParaRPr lang="en-US" dirty="0"/>
+          </a:p>
+          <a:p>
+            <a:endParaRPr lang="en-US" dirty="0"/>
+          </a:p>
+          <a:p>
+            <a:endParaRPr lang="en-US" dirty="0"/>
           </a:p>
         </p:txBody>
       </p:sp>
@@ -2484,7 +2343,7 @@
           <a:p>
             <a:fld id="{07937F07-1250-4CCE-B198-1B2887014F41}" type="slidenum">
               <a:rPr lang="en-US" smtClean="0"/>
-              <a:t>20</a:t>
+              <a:t>19</a:t>
             </a:fld>
             <a:endParaRPr lang="en-US"/>
           </a:p>
@@ -2493,7 +2352,7 @@
     </p:spTree>
     <p:extLst>
       <p:ext uri="{BB962C8B-B14F-4D97-AF65-F5344CB8AC3E}">
-        <p14:creationId xmlns:p14="http://schemas.microsoft.com/office/powerpoint/2010/main" val="884303184"/>
+        <p14:creationId xmlns:p14="http://schemas.microsoft.com/office/powerpoint/2010/main" val="2273420292"/>
       </p:ext>
     </p:extLst>
   </p:cSld>
@@ -2549,8 +2408,127 @@
           <a:p>
             <a:r>
               <a:rPr lang="en-US" dirty="0"/>
-              <a:t>&lt;read slide&gt;</a:t>
-            </a:r>
+              <a:t>Let’s stop for a minute and review interfaces in Typescript.</a:t>
+            </a:r>
+          </a:p>
+          <a:p>
+            <a:endParaRPr lang="en-US" dirty="0"/>
+          </a:p>
+          <a:p>
+            <a:r>
+              <a:rPr lang="en-US" dirty="0"/>
+              <a:t>In Typescript, an interface describes objects, not classes.   So when we say “</a:t>
+            </a:r>
+            <a:r>
+              <a:rPr lang="en-US" dirty="0" err="1"/>
+              <a:t>CartesianPoint</a:t>
+            </a:r>
+            <a:r>
+              <a:rPr lang="en-US" dirty="0"/>
+              <a:t> implements </a:t>
+            </a:r>
+            <a:r>
+              <a:rPr lang="en-US" dirty="0" err="1"/>
+              <a:t>IPoint</a:t>
+            </a:r>
+            <a:r>
+              <a:rPr lang="en-US" dirty="0"/>
+              <a:t>”, we mean that any object of class </a:t>
+            </a:r>
+            <a:r>
+              <a:rPr lang="en-US" dirty="0" err="1"/>
+              <a:t>CartesianPoint</a:t>
+            </a:r>
+            <a:r>
+              <a:rPr lang="en-US" dirty="0"/>
+              <a:t> will satisfy the interface </a:t>
+            </a:r>
+            <a:r>
+              <a:rPr lang="en-US" dirty="0" err="1"/>
+              <a:t>IPoint</a:t>
+            </a:r>
+            <a:r>
+              <a:rPr lang="en-US" dirty="0"/>
+              <a:t>.  That is, it will have methods </a:t>
+            </a:r>
+            <a:r>
+              <a:rPr lang="en-US" dirty="0" err="1"/>
+              <a:t>getx</a:t>
+            </a:r>
+            <a:r>
+              <a:rPr lang="en-US" dirty="0"/>
+              <a:t> and </a:t>
+            </a:r>
+            <a:r>
+              <a:rPr lang="en-US" dirty="0" err="1"/>
+              <a:t>gety</a:t>
+            </a:r>
+            <a:r>
+              <a:rPr lang="en-US" dirty="0"/>
+              <a:t> that return the x and y coordinates of the point.  (Note: this is different from Java)</a:t>
+            </a:r>
+          </a:p>
+          <a:p>
+            <a:endParaRPr lang="en-US" dirty="0"/>
+          </a:p>
+          <a:p>
+            <a:r>
+              <a:rPr lang="en-US" dirty="0" err="1"/>
+              <a:t>PolarPoint</a:t>
+            </a:r>
+            <a:r>
+              <a:rPr lang="en-US" dirty="0"/>
+              <a:t> also implements </a:t>
+            </a:r>
+            <a:r>
+              <a:rPr lang="en-US" dirty="0" err="1"/>
+              <a:t>IPoint</a:t>
+            </a:r>
+            <a:r>
+              <a:rPr lang="en-US" dirty="0"/>
+              <a:t>, but in a different way:  it keeps the point in polar coordinates, but if you ask about the x or y coordinates of the point, it will compute the proper value.</a:t>
+            </a:r>
+          </a:p>
+          <a:p>
+            <a:endParaRPr lang="en-US" dirty="0"/>
+          </a:p>
+          <a:p>
+            <a:r>
+              <a:rPr lang="en-US" dirty="0"/>
+              <a:t>If this is not familiar to you, you should go back and review your notes from OOD, and study some of the suggested readings on Typescript.  You will seriously need to understand this material if you are to succeed in this course.</a:t>
+            </a:r>
+          </a:p>
+          <a:p>
+            <a:endParaRPr lang="en-US" dirty="0"/>
+          </a:p>
+          <a:p>
+            <a:pPr marL="0" marR="0" lvl="0" indent="0" algn="l" defTabSz="914400" rtl="0" eaLnBrk="1" fontAlgn="auto" latinLnBrk="0" hangingPunct="1">
+              <a:lnSpc>
+                <a:spcPct val="100000"/>
+              </a:lnSpc>
+              <a:spcBef>
+                <a:spcPts val="0"/>
+              </a:spcBef>
+              <a:spcAft>
+                <a:spcPts val="0"/>
+              </a:spcAft>
+              <a:buClrTx/>
+              <a:buSzTx/>
+              <a:buFontTx/>
+              <a:buNone/>
+              <a:tabLst/>
+              <a:defRPr/>
+            </a:pPr>
+            <a:endParaRPr lang="en-US" dirty="0"/>
+          </a:p>
+          <a:p>
+            <a:r>
+              <a:rPr lang="en-US" dirty="0"/>
+              <a:t> </a:t>
+            </a:r>
+          </a:p>
+          <a:p>
+            <a:endParaRPr lang="en-US" dirty="0"/>
           </a:p>
         </p:txBody>
       </p:sp>
@@ -2571,7 +2549,7 @@
           <a:p>
             <a:fld id="{07937F07-1250-4CCE-B198-1B2887014F41}" type="slidenum">
               <a:rPr lang="en-US" smtClean="0"/>
-              <a:t>21</a:t>
+              <a:t>20</a:t>
             </a:fld>
             <a:endParaRPr lang="en-US"/>
           </a:p>
@@ -2580,7 +2558,7 @@
     </p:spTree>
     <p:extLst>
       <p:ext uri="{BB962C8B-B14F-4D97-AF65-F5344CB8AC3E}">
-        <p14:creationId xmlns:p14="http://schemas.microsoft.com/office/powerpoint/2010/main" val="3630871005"/>
+        <p14:creationId xmlns:p14="http://schemas.microsoft.com/office/powerpoint/2010/main" val="1092141948"/>
       </p:ext>
     </p:extLst>
   </p:cSld>
@@ -2636,8 +2614,64 @@
           <a:p>
             <a:r>
               <a:rPr lang="en-US" dirty="0"/>
-              <a:t>&lt;read slide; not including the note&gt;</a:t>
-            </a:r>
+              <a:t>&lt;Read slide&gt;</a:t>
+            </a:r>
+          </a:p>
+          <a:p>
+            <a:endParaRPr lang="en-US" dirty="0"/>
+          </a:p>
+          <a:p>
+            <a:pPr marL="0" marR="0" lvl="0" indent="0" algn="l" defTabSz="914400" rtl="0" eaLnBrk="1" fontAlgn="auto" latinLnBrk="0" hangingPunct="1">
+              <a:lnSpc>
+                <a:spcPct val="100000"/>
+              </a:lnSpc>
+              <a:spcBef>
+                <a:spcPts val="0"/>
+              </a:spcBef>
+              <a:spcAft>
+                <a:spcPts val="0"/>
+              </a:spcAft>
+              <a:buClrTx/>
+              <a:buSzTx/>
+              <a:buFontTx/>
+              <a:buNone/>
+              <a:tabLst/>
+              <a:defRPr/>
+            </a:pPr>
+            <a:r>
+              <a:rPr lang="en-US" b="0" dirty="0">
+                <a:solidFill>
+                  <a:schemeClr val="tx1"/>
+                </a:solidFill>
+                <a:latin typeface="Ink Free" panose="03080402000500000000" pitchFamily="66" charset="0"/>
+              </a:rPr>
+              <a:t>Notice that we’ve specified what these numbers MEAN, following Principle 2 from the last lesson: Make your Data Mean Something</a:t>
+            </a:r>
+          </a:p>
+          <a:p>
+            <a:pPr marL="0" marR="0" lvl="0" indent="0" algn="l" defTabSz="914400" rtl="0" eaLnBrk="1" fontAlgn="auto" latinLnBrk="0" hangingPunct="1">
+              <a:lnSpc>
+                <a:spcPct val="100000"/>
+              </a:lnSpc>
+              <a:spcBef>
+                <a:spcPts val="0"/>
+              </a:spcBef>
+              <a:spcAft>
+                <a:spcPts val="0"/>
+              </a:spcAft>
+              <a:buClrTx/>
+              <a:buSzTx/>
+              <a:buFontTx/>
+              <a:buNone/>
+              <a:tabLst/>
+              <a:defRPr/>
+            </a:pPr>
+            <a:endParaRPr lang="en-US" b="0" dirty="0">
+              <a:solidFill>
+                <a:schemeClr val="tx1"/>
+              </a:solidFill>
+              <a:latin typeface="Ink Free" panose="03080402000500000000" pitchFamily="66" charset="0"/>
+            </a:endParaRPr>
           </a:p>
         </p:txBody>
       </p:sp>
@@ -2658,7 +2692,7 @@
           <a:p>
             <a:fld id="{07937F07-1250-4CCE-B198-1B2887014F41}" type="slidenum">
               <a:rPr lang="en-US" smtClean="0"/>
-              <a:t>22</a:t>
+              <a:t>21</a:t>
             </a:fld>
             <a:endParaRPr lang="en-US"/>
           </a:p>
@@ -2667,7 +2701,7 @@
     </p:spTree>
     <p:extLst>
       <p:ext uri="{BB962C8B-B14F-4D97-AF65-F5344CB8AC3E}">
-        <p14:creationId xmlns:p14="http://schemas.microsoft.com/office/powerpoint/2010/main" val="2905640526"/>
+        <p14:creationId xmlns:p14="http://schemas.microsoft.com/office/powerpoint/2010/main" val="884303184"/>
       </p:ext>
     </p:extLst>
   </p:cSld>
@@ -2810,22 +2844,8 @@
           <a:p>
             <a:r>
               <a:rPr lang="en-US" dirty="0"/>
-              <a:t>So here again is the interface for the </a:t>
-            </a:r>
-            <a:r>
-              <a:rPr lang="en-US" dirty="0" err="1"/>
-              <a:t>ProducerClock</a:t>
-            </a:r>
-            <a:endParaRPr lang="en-US" dirty="0"/>
-          </a:p>
-          <a:p>
-            <a:endParaRPr lang="en-US" dirty="0"/>
-          </a:p>
-          <a:p>
-            <a:endParaRPr lang="en-US" dirty="0"/>
-          </a:p>
-          <a:p>
-            <a:endParaRPr lang="en-US" dirty="0"/>
+              <a:t>&lt;read slide&gt;</a:t>
+            </a:r>
           </a:p>
         </p:txBody>
       </p:sp>
@@ -2846,7 +2866,7 @@
           <a:p>
             <a:fld id="{07937F07-1250-4CCE-B198-1B2887014F41}" type="slidenum">
               <a:rPr lang="en-US" smtClean="0"/>
-              <a:t>23</a:t>
+              <a:t>22</a:t>
             </a:fld>
             <a:endParaRPr lang="en-US"/>
           </a:p>
@@ -2855,7 +2875,7 @@
     </p:spTree>
     <p:extLst>
       <p:ext uri="{BB962C8B-B14F-4D97-AF65-F5344CB8AC3E}">
-        <p14:creationId xmlns:p14="http://schemas.microsoft.com/office/powerpoint/2010/main" val="2017684231"/>
+        <p14:creationId xmlns:p14="http://schemas.microsoft.com/office/powerpoint/2010/main" val="3630871005"/>
       </p:ext>
     </p:extLst>
   </p:cSld>
@@ -2911,54 +2931,8 @@
           <a:p>
             <a:r>
               <a:rPr lang="en-US" dirty="0"/>
-              <a:t>And here’s the matching interface for a clock listener.  Note that we’ve put semantics in the interface– we say that the notify method expects to receive a message with the current time.</a:t>
-            </a:r>
-          </a:p>
-          <a:p>
-            <a:endParaRPr lang="en-US" dirty="0"/>
-          </a:p>
-          <a:p>
-            <a:r>
-              <a:rPr lang="en-US" dirty="0"/>
-              <a:t>This semantic information completes the contract between the producer and the consumer– it’s not enough to know the names of the relevant methods; we need to know what is in the message.</a:t>
-            </a:r>
-          </a:p>
-          <a:p>
-            <a:endParaRPr lang="en-US" dirty="0"/>
-          </a:p>
-          <a:p>
-            <a:r>
-              <a:rPr lang="en-US" dirty="0"/>
-              <a:t>&lt;click&gt;</a:t>
-            </a:r>
-          </a:p>
-          <a:p>
-            <a:r>
-              <a:rPr lang="en-US" dirty="0"/>
-              <a:t>It’s typical that a consumer will listen for signals from a number of sources. In that case, we’d likely choose a more meaningful name than </a:t>
-            </a:r>
-            <a:r>
-              <a:rPr lang="en-US" b="1" dirty="0"/>
-              <a:t>notify</a:t>
-            </a:r>
-            <a:r>
-              <a:rPr lang="en-US" dirty="0"/>
-              <a:t>– maybe something like </a:t>
-            </a:r>
-            <a:r>
-              <a:rPr lang="en-US" b="1" dirty="0" err="1"/>
-              <a:t>onTick</a:t>
-            </a:r>
-            <a:endParaRPr lang="en-US" b="1" dirty="0"/>
-          </a:p>
-          <a:p>
-            <a:endParaRPr lang="en-US" dirty="0"/>
-          </a:p>
-          <a:p>
-            <a:endParaRPr lang="en-US" dirty="0"/>
-          </a:p>
-          <a:p>
-            <a:endParaRPr lang="en-US" dirty="0"/>
+              <a:t>&lt;read slide; not including the note&gt;</a:t>
+            </a:r>
           </a:p>
         </p:txBody>
       </p:sp>
@@ -2979,7 +2953,7 @@
           <a:p>
             <a:fld id="{07937F07-1250-4CCE-B198-1B2887014F41}" type="slidenum">
               <a:rPr lang="en-US" smtClean="0"/>
-              <a:t>24</a:t>
+              <a:t>23</a:t>
             </a:fld>
             <a:endParaRPr lang="en-US"/>
           </a:p>
@@ -2988,7 +2962,7 @@
     </p:spTree>
     <p:extLst>
       <p:ext uri="{BB962C8B-B14F-4D97-AF65-F5344CB8AC3E}">
-        <p14:creationId xmlns:p14="http://schemas.microsoft.com/office/powerpoint/2010/main" val="570407145"/>
+        <p14:creationId xmlns:p14="http://schemas.microsoft.com/office/powerpoint/2010/main" val="2905640526"/>
       </p:ext>
     </p:extLst>
   </p:cSld>
@@ -3042,51 +3016,21 @@
           <a:bodyPr/>
           <a:lstStyle/>
           <a:p>
-            <a:pPr marL="0" marR="0" lvl="0" indent="0" algn="l" defTabSz="914400" rtl="0" eaLnBrk="1" fontAlgn="auto" latinLnBrk="0" hangingPunct="1">
-              <a:lnSpc>
-                <a:spcPct val="100000"/>
-              </a:lnSpc>
-              <a:spcBef>
-                <a:spcPts val="0"/>
-              </a:spcBef>
-              <a:spcAft>
-                <a:spcPts val="0"/>
-              </a:spcAft>
-              <a:buClrTx/>
-              <a:buSzTx/>
-              <a:buFontTx/>
-              <a:buNone/>
-              <a:tabLst/>
-              <a:defRPr/>
-            </a:pPr>
             <a:r>
               <a:rPr lang="en-US" dirty="0"/>
-              <a:t>Here’s an implementation of </a:t>
+              <a:t>So here again is the interface for the </a:t>
             </a:r>
             <a:r>
               <a:rPr lang="en-US" dirty="0" err="1"/>
-              <a:t>IProducerClock</a:t>
-            </a:r>
-            <a:r>
-              <a:rPr lang="en-US" dirty="0"/>
-              <a:t>.   It keeps a private field ‘observers’ which is a list of the consumers that it needs to notify.  It has a private method called ‘</a:t>
-            </a:r>
-            <a:r>
-              <a:rPr lang="en-US" dirty="0" err="1"/>
-              <a:t>NotifyAll</a:t>
-            </a:r>
-            <a:r>
-              <a:rPr lang="en-US" dirty="0"/>
-              <a:t>’ that calls each observer’s notify method, and when the clock is ticked, it calls </a:t>
-            </a:r>
-            <a:r>
-              <a:rPr lang="en-US" dirty="0" err="1"/>
-              <a:t>notifyAll</a:t>
-            </a:r>
-            <a:r>
-              <a:rPr lang="en-US" dirty="0"/>
-              <a:t> to actually notify the observers.</a:t>
-            </a:r>
+              <a:t>ProducerClock</a:t>
+            </a:r>
+            <a:endParaRPr lang="en-US" dirty="0"/>
+          </a:p>
+          <a:p>
+            <a:endParaRPr lang="en-US" dirty="0"/>
+          </a:p>
+          <a:p>
+            <a:endParaRPr lang="en-US" dirty="0"/>
           </a:p>
           <a:p>
             <a:endParaRPr lang="en-US" dirty="0"/>
@@ -3110,7 +3054,7 @@
           <a:p>
             <a:fld id="{07937F07-1250-4CCE-B198-1B2887014F41}" type="slidenum">
               <a:rPr lang="en-US" smtClean="0"/>
-              <a:t>25</a:t>
+              <a:t>24</a:t>
             </a:fld>
             <a:endParaRPr lang="en-US"/>
           </a:p>
@@ -3119,7 +3063,7 @@
     </p:spTree>
     <p:extLst>
       <p:ext uri="{BB962C8B-B14F-4D97-AF65-F5344CB8AC3E}">
-        <p14:creationId xmlns:p14="http://schemas.microsoft.com/office/powerpoint/2010/main" val="2493701995"/>
+        <p14:creationId xmlns:p14="http://schemas.microsoft.com/office/powerpoint/2010/main" val="2017684231"/>
       </p:ext>
     </p:extLst>
   </p:cSld>
@@ -3175,33 +3119,51 @@
           <a:p>
             <a:r>
               <a:rPr lang="en-US" dirty="0"/>
-              <a:t>And here’s the client.  When such a client is created, it is given the identity of an </a:t>
-            </a:r>
-            <a:r>
-              <a:rPr lang="en-US" dirty="0" err="1"/>
-              <a:t>ObservedClock</a:t>
-            </a:r>
+              <a:t>And here’s the matching interface for a clock listener.  Note that we’ve put semantics in the interface– we say that the notify method expects to receive a message with the current time.</a:t>
+            </a:r>
+          </a:p>
+          <a:p>
+            <a:endParaRPr lang="en-US" dirty="0"/>
+          </a:p>
+          <a:p>
             <a:r>
               <a:rPr lang="en-US" dirty="0"/>
-              <a:t>, and it tells that </a:t>
-            </a:r>
-            <a:r>
-              <a:rPr lang="en-US" dirty="0" err="1"/>
-              <a:t>ObservedClock</a:t>
-            </a:r>
+              <a:t>This semantic information completes the contract between the producer and the consumer– it’s not enough to know the names of the relevant methods; we need to know what is in the message.</a:t>
+            </a:r>
+          </a:p>
+          <a:p>
+            <a:endParaRPr lang="en-US" dirty="0"/>
+          </a:p>
+          <a:p>
             <a:r>
               <a:rPr lang="en-US" dirty="0"/>
-              <a:t> to add this client as an observer.</a:t>
-            </a:r>
+              <a:t>&lt;click&gt;</a:t>
+            </a:r>
+          </a:p>
+          <a:p>
+            <a:r>
+              <a:rPr lang="en-US" dirty="0"/>
+              <a:t>It’s typical that a consumer will listen for signals from a number of sources. In that case, we’d likely choose a more meaningful name than </a:t>
+            </a:r>
+            <a:r>
+              <a:rPr lang="en-US" b="1" dirty="0"/>
+              <a:t>notify</a:t>
+            </a:r>
+            <a:r>
+              <a:rPr lang="en-US" dirty="0"/>
+              <a:t>– maybe something like </a:t>
+            </a:r>
+            <a:r>
+              <a:rPr lang="en-US" b="1" dirty="0" err="1"/>
+              <a:t>onTick</a:t>
+            </a:r>
+            <a:endParaRPr lang="en-US" b="1" dirty="0"/>
           </a:p>
           <a:p>
             <a:endParaRPr lang="en-US" dirty="0"/>
           </a:p>
           <a:p>
-            <a:r>
-              <a:rPr lang="en-US" dirty="0"/>
-              <a:t>When this client’s notify method is called, it uses the argument of the notify method to set the client’s private clock.   Here we’ve initialized the private clock to 0 while we’re waiting for a ‘notify’ signal from the Clock.</a:t>
-            </a:r>
+            <a:endParaRPr lang="en-US" dirty="0"/>
           </a:p>
           <a:p>
             <a:endParaRPr lang="en-US" dirty="0"/>
@@ -3225,7 +3187,7 @@
           <a:p>
             <a:fld id="{07937F07-1250-4CCE-B198-1B2887014F41}" type="slidenum">
               <a:rPr lang="en-US" smtClean="0"/>
-              <a:t>26</a:t>
+              <a:t>25</a:t>
             </a:fld>
             <a:endParaRPr lang="en-US"/>
           </a:p>
@@ -3234,7 +3196,7 @@
     </p:spTree>
     <p:extLst>
       <p:ext uri="{BB962C8B-B14F-4D97-AF65-F5344CB8AC3E}">
-        <p14:creationId xmlns:p14="http://schemas.microsoft.com/office/powerpoint/2010/main" val="3716319204"/>
+        <p14:creationId xmlns:p14="http://schemas.microsoft.com/office/powerpoint/2010/main" val="570407145"/>
       </p:ext>
     </p:extLst>
   </p:cSld>
@@ -3288,18 +3250,54 @@
           <a:bodyPr/>
           <a:lstStyle/>
           <a:p>
+            <a:pPr marL="0" marR="0" lvl="0" indent="0" algn="l" defTabSz="914400" rtl="0" eaLnBrk="1" fontAlgn="auto" latinLnBrk="0" hangingPunct="1">
+              <a:lnSpc>
+                <a:spcPct val="100000"/>
+              </a:lnSpc>
+              <a:spcBef>
+                <a:spcPts val="0"/>
+              </a:spcBef>
+              <a:spcAft>
+                <a:spcPts val="0"/>
+              </a:spcAft>
+              <a:buClrTx/>
+              <a:buSzTx/>
+              <a:buFontTx/>
+              <a:buNone/>
+              <a:tabLst/>
+              <a:defRPr/>
+            </a:pPr>
             <a:r>
               <a:rPr lang="en-US" dirty="0"/>
-              <a:t>Maybe someone will suggest that </a:t>
+              <a:t>Here’s an implementation of </a:t>
             </a:r>
             <a:r>
               <a:rPr lang="en-US" dirty="0" err="1"/>
-              <a:t>addConsumer</a:t>
+              <a:t>IProducerClock</a:t>
             </a:r>
             <a:r>
               <a:rPr lang="en-US" dirty="0"/>
-              <a:t> send a notify() to the newly added consumer!</a:t>
-            </a:r>
+              <a:t>.   It keeps a private field ‘observers’ which is a list of the consumers that it needs to notify.  It has a private method called ‘</a:t>
+            </a:r>
+            <a:r>
+              <a:rPr lang="en-US" dirty="0" err="1"/>
+              <a:t>NotifyAll</a:t>
+            </a:r>
+            <a:r>
+              <a:rPr lang="en-US" dirty="0"/>
+              <a:t>’ that calls each observer’s notify method, and when the clock is ticked, it calls </a:t>
+            </a:r>
+            <a:r>
+              <a:rPr lang="en-US" dirty="0" err="1"/>
+              <a:t>notifyAll</a:t>
+            </a:r>
+            <a:r>
+              <a:rPr lang="en-US" dirty="0"/>
+              <a:t> to actually notify the observers.</a:t>
+            </a:r>
+          </a:p>
+          <a:p>
+            <a:endParaRPr lang="en-US" dirty="0"/>
           </a:p>
         </p:txBody>
       </p:sp>
@@ -3320,7 +3318,7 @@
           <a:p>
             <a:fld id="{07937F07-1250-4CCE-B198-1B2887014F41}" type="slidenum">
               <a:rPr lang="en-US" smtClean="0"/>
-              <a:t>27</a:t>
+              <a:t>26</a:t>
             </a:fld>
             <a:endParaRPr lang="en-US"/>
           </a:p>
@@ -3329,7 +3327,7 @@
     </p:spTree>
     <p:extLst>
       <p:ext uri="{BB962C8B-B14F-4D97-AF65-F5344CB8AC3E}">
-        <p14:creationId xmlns:p14="http://schemas.microsoft.com/office/powerpoint/2010/main" val="552083615"/>
+        <p14:creationId xmlns:p14="http://schemas.microsoft.com/office/powerpoint/2010/main" val="2493701995"/>
       </p:ext>
     </p:extLst>
   </p:cSld>
@@ -3385,7 +3383,23 @@
           <a:p>
             <a:r>
               <a:rPr lang="en-US" dirty="0"/>
-              <a:t>Here are some tests.   </a:t>
+              <a:t>And here’s the client.  When such a client is created, it is given the identity of an </a:t>
+            </a:r>
+            <a:r>
+              <a:rPr lang="en-US" dirty="0" err="1"/>
+              <a:t>ObservedClock</a:t>
+            </a:r>
+            <a:r>
+              <a:rPr lang="en-US" dirty="0"/>
+              <a:t>, and it tells that </a:t>
+            </a:r>
+            <a:r>
+              <a:rPr lang="en-US" dirty="0" err="1"/>
+              <a:t>ObservedClock</a:t>
+            </a:r>
+            <a:r>
+              <a:rPr lang="en-US" dirty="0"/>
+              <a:t> to add this client as an observer.</a:t>
             </a:r>
           </a:p>
           <a:p>
@@ -3394,20 +3408,8 @@
           <a:p>
             <a:r>
               <a:rPr lang="en-US" dirty="0"/>
-              <a:t>On the left=hand side, we test to see that everything works with a single observer. First we create a clock.  Then we create a client, telling it to get its time from the clock we just created.  We check that the client starts at time 0.  We tick the clock twice, and then check to see that the client shows time equals 2.</a:t>
-            </a:r>
-          </a:p>
-          <a:p>
-            <a:endParaRPr lang="en-US" dirty="0"/>
-          </a:p>
-          <a:p>
-            <a:r>
-              <a:rPr lang="en-US" dirty="0"/>
-              <a:t>On the right-hand side, we do the same thing with multiple observers.  We create 3 observers, telling them all to register with the same clock.  Again, we tick the clock twice, and check to see that all 3 observers show the correct time.</a:t>
-            </a:r>
-          </a:p>
-          <a:p>
-            <a:endParaRPr lang="en-US" dirty="0"/>
+              <a:t>When this client’s notify method is called, it uses the argument of the notify method to set the client’s private clock.   Here we’ve initialized the private clock to 0 while we’re waiting for a ‘notify’ signal from the Clock.</a:t>
+            </a:r>
           </a:p>
           <a:p>
             <a:endParaRPr lang="en-US" dirty="0"/>
@@ -3431,7 +3433,7 @@
           <a:p>
             <a:fld id="{07937F07-1250-4CCE-B198-1B2887014F41}" type="slidenum">
               <a:rPr lang="en-US" smtClean="0"/>
-              <a:t>28</a:t>
+              <a:t>27</a:t>
             </a:fld>
             <a:endParaRPr lang="en-US"/>
           </a:p>
@@ -3440,7 +3442,7 @@
     </p:spTree>
     <p:extLst>
       <p:ext uri="{BB962C8B-B14F-4D97-AF65-F5344CB8AC3E}">
-        <p14:creationId xmlns:p14="http://schemas.microsoft.com/office/powerpoint/2010/main" val="3984091046"/>
+        <p14:creationId xmlns:p14="http://schemas.microsoft.com/office/powerpoint/2010/main" val="3716319204"/>
       </p:ext>
     </p:extLst>
   </p:cSld>
@@ -3496,31 +3498,16 @@
           <a:p>
             <a:r>
               <a:rPr lang="en-US" dirty="0"/>
-              <a:t>Note that the observer gets to decide what to do with the notification.  Here’s another client that does something different with the notification. Instead of taking the notification argument t and using it to set the local time, it doubles t.  Then, it also keeps a log of the notifications it receives– it doesn’t do anything with the log; it’s just for fun.</a:t>
-            </a:r>
-          </a:p>
-          <a:p>
+              <a:t>Maybe someone will suggest that </a:t>
+            </a:r>
+            <a:r>
+              <a:rPr lang="en-US" dirty="0" err="1"/>
+              <a:t>addConsumer</a:t>
+            </a:r>
             <a:r>
               <a:rPr lang="en-US" dirty="0"/>
-              <a:t> </a:t>
-            </a:r>
-          </a:p>
-          <a:p>
-            <a:r>
-              <a:rPr lang="en-US" dirty="0"/>
-              <a:t>If anybody asks for the time, the client takes what it has and divides it by 2.   So this code returns the same values for </a:t>
-            </a:r>
-            <a:r>
-              <a:rPr lang="en-US" dirty="0" err="1"/>
-              <a:t>getTime</a:t>
-            </a:r>
-            <a:r>
-              <a:rPr lang="en-US" dirty="0"/>
-              <a:t>, and it would pass the tests we just saw.</a:t>
-            </a:r>
-          </a:p>
-          <a:p>
-            <a:endParaRPr lang="en-US" dirty="0"/>
+              <a:t> send a notify() to the newly added consumer!</a:t>
+            </a:r>
           </a:p>
         </p:txBody>
       </p:sp>
@@ -3541,7 +3528,7 @@
           <a:p>
             <a:fld id="{07937F07-1250-4CCE-B198-1B2887014F41}" type="slidenum">
               <a:rPr lang="en-US" smtClean="0"/>
-              <a:t>29</a:t>
+              <a:t>28</a:t>
             </a:fld>
             <a:endParaRPr lang="en-US"/>
           </a:p>
@@ -3550,7 +3537,7 @@
     </p:spTree>
     <p:extLst>
       <p:ext uri="{BB962C8B-B14F-4D97-AF65-F5344CB8AC3E}">
-        <p14:creationId xmlns:p14="http://schemas.microsoft.com/office/powerpoint/2010/main" val="1958376524"/>
+        <p14:creationId xmlns:p14="http://schemas.microsoft.com/office/powerpoint/2010/main" val="552083615"/>
       </p:ext>
     </p:extLst>
   </p:cSld>
@@ -3606,8 +3593,32 @@
           <a:p>
             <a:r>
               <a:rPr lang="en-US" dirty="0"/>
-              <a:t>And here are the tests for this client.</a:t>
-            </a:r>
+              <a:t>Here are some tests.   </a:t>
+            </a:r>
+          </a:p>
+          <a:p>
+            <a:endParaRPr lang="en-US" dirty="0"/>
+          </a:p>
+          <a:p>
+            <a:r>
+              <a:rPr lang="en-US" dirty="0"/>
+              <a:t>On the left=hand side, we test to see that everything works with a single observer. First we create a clock.  Then we create a client, telling it to get its time from the clock we just created.  We check that the client starts at time 0.  We tick the clock twice, and then check to see that the client shows time equals 2.</a:t>
+            </a:r>
+          </a:p>
+          <a:p>
+            <a:endParaRPr lang="en-US" dirty="0"/>
+          </a:p>
+          <a:p>
+            <a:r>
+              <a:rPr lang="en-US" dirty="0"/>
+              <a:t>On the right-hand side, we do the same thing with multiple observers.  We create 3 observers, telling them all to register with the same clock.  Again, we tick the clock twice, and check to see that all 3 observers show the correct time.</a:t>
+            </a:r>
+          </a:p>
+          <a:p>
+            <a:endParaRPr lang="en-US" dirty="0"/>
+          </a:p>
+          <a:p>
+            <a:endParaRPr lang="en-US" dirty="0"/>
           </a:p>
         </p:txBody>
       </p:sp>
@@ -3628,7 +3639,7 @@
           <a:p>
             <a:fld id="{07937F07-1250-4CCE-B198-1B2887014F41}" type="slidenum">
               <a:rPr lang="en-US" smtClean="0"/>
-              <a:t>30</a:t>
+              <a:t>29</a:t>
             </a:fld>
             <a:endParaRPr lang="en-US"/>
           </a:p>
@@ -3637,7 +3648,7 @@
     </p:spTree>
     <p:extLst>
       <p:ext uri="{BB962C8B-B14F-4D97-AF65-F5344CB8AC3E}">
-        <p14:creationId xmlns:p14="http://schemas.microsoft.com/office/powerpoint/2010/main" val="2221216698"/>
+        <p14:creationId xmlns:p14="http://schemas.microsoft.com/office/powerpoint/2010/main" val="3984091046"/>
       </p:ext>
     </p:extLst>
   </p:cSld>
@@ -3693,8 +3704,31 @@
           <a:p>
             <a:r>
               <a:rPr lang="en-US" dirty="0"/>
-              <a:t>There are lots of details and variations to work out here.  &lt;read slide&gt; It all depends on the application in which we are using the pattern.</a:t>
-            </a:r>
+              <a:t>Note that the observer gets to decide what to do with the notification.  Here’s another client that does something different with the notification. Instead of taking the notification argument t and using it to set the local time, it doubles t.  Then, it also keeps a log of the notifications it receives– it doesn’t do anything with the log; it’s just for fun.</a:t>
+            </a:r>
+          </a:p>
+          <a:p>
+            <a:r>
+              <a:rPr lang="en-US" dirty="0"/>
+              <a:t> </a:t>
+            </a:r>
+          </a:p>
+          <a:p>
+            <a:r>
+              <a:rPr lang="en-US" dirty="0"/>
+              <a:t>If anybody asks for the time, the client takes what it has and divides it by 2.   So this code returns the same values for </a:t>
+            </a:r>
+            <a:r>
+              <a:rPr lang="en-US" dirty="0" err="1"/>
+              <a:t>getTime</a:t>
+            </a:r>
+            <a:r>
+              <a:rPr lang="en-US" dirty="0"/>
+              <a:t>, and it would pass the tests we just saw.</a:t>
+            </a:r>
+          </a:p>
+          <a:p>
+            <a:endParaRPr lang="en-US" dirty="0"/>
           </a:p>
         </p:txBody>
       </p:sp>
@@ -3715,7 +3749,7 @@
           <a:p>
             <a:fld id="{07937F07-1250-4CCE-B198-1B2887014F41}" type="slidenum">
               <a:rPr lang="en-US" smtClean="0"/>
-              <a:t>31</a:t>
+              <a:t>30</a:t>
             </a:fld>
             <a:endParaRPr lang="en-US"/>
           </a:p>
@@ -3724,7 +3758,7 @@
     </p:spTree>
     <p:extLst>
       <p:ext uri="{BB962C8B-B14F-4D97-AF65-F5344CB8AC3E}">
-        <p14:creationId xmlns:p14="http://schemas.microsoft.com/office/powerpoint/2010/main" val="3411285890"/>
+        <p14:creationId xmlns:p14="http://schemas.microsoft.com/office/powerpoint/2010/main" val="1958376524"/>
       </p:ext>
     </p:extLst>
   </p:cSld>
@@ -3780,58 +3814,7 @@
           <a:p>
             <a:r>
               <a:rPr lang="en-US" dirty="0"/>
-              <a:t>Next, let’s look at a different problem. Your task is to write some code that depends only an interface (say </a:t>
-            </a:r>
-            <a:r>
-              <a:rPr lang="en-US" dirty="0" err="1"/>
-              <a:t>IClock</a:t>
-            </a:r>
-            <a:r>
-              <a:rPr lang="en-US" dirty="0"/>
-              <a:t>), not on a class that implements it.  Maybe your instructor has made this part of the problem requirements. But your task requires you to create some new clocks.  You can’t say “new </a:t>
-            </a:r>
-            <a:r>
-              <a:rPr lang="en-US" dirty="0" err="1"/>
-              <a:t>IClock</a:t>
-            </a:r>
-            <a:r>
-              <a:rPr lang="en-US" dirty="0"/>
-              <a:t>”, because </a:t>
-            </a:r>
-            <a:r>
-              <a:rPr lang="en-US" dirty="0" err="1"/>
-              <a:t>IClock</a:t>
-            </a:r>
-            <a:r>
-              <a:rPr lang="en-US" dirty="0"/>
-              <a:t> isn’t a class.</a:t>
-            </a:r>
-          </a:p>
-          <a:p>
-            <a:endParaRPr lang="en-US" dirty="0"/>
-          </a:p>
-          <a:p>
-            <a:r>
-              <a:rPr lang="en-US" dirty="0"/>
-              <a:t>How can we arrange things to solve this problem?</a:t>
-            </a:r>
-          </a:p>
-          <a:p>
-            <a:endParaRPr lang="en-US" dirty="0"/>
-          </a:p>
-          <a:p>
-            <a:r>
-              <a:rPr lang="en-US" dirty="0"/>
-              <a:t>Answer: create a Factory whose job it is to create the objects, and import the factory into your code.  You call the factory when you need a new object.</a:t>
-            </a:r>
-          </a:p>
-          <a:p>
-            <a:endParaRPr lang="en-US" dirty="0"/>
-          </a:p>
-          <a:p>
-            <a:r>
-              <a:rPr lang="en-US" dirty="0"/>
-              <a:t>Let’s look at an example.</a:t>
+              <a:t>And here are the tests for this client.</a:t>
             </a:r>
           </a:p>
         </p:txBody>
@@ -3853,7 +3836,7 @@
           <a:p>
             <a:fld id="{07937F07-1250-4CCE-B198-1B2887014F41}" type="slidenum">
               <a:rPr lang="en-US" smtClean="0"/>
-              <a:t>32</a:t>
+              <a:t>31</a:t>
             </a:fld>
             <a:endParaRPr lang="en-US"/>
           </a:p>
@@ -3862,7 +3845,7 @@
     </p:spTree>
     <p:extLst>
       <p:ext uri="{BB962C8B-B14F-4D97-AF65-F5344CB8AC3E}">
-        <p14:creationId xmlns:p14="http://schemas.microsoft.com/office/powerpoint/2010/main" val="2063786123"/>
+        <p14:creationId xmlns:p14="http://schemas.microsoft.com/office/powerpoint/2010/main" val="2221216698"/>
       </p:ext>
     </p:extLst>
   </p:cSld>
@@ -3916,10 +3899,7 @@
           <a:bodyPr/>
           <a:lstStyle/>
           <a:p>
-            <a:r>
-              <a:rPr lang="en-US" dirty="0"/>
-              <a:t>These are things you probably learned in OOD, but it’s helpful to review them here.</a:t>
-            </a:r>
+            <a:endParaRPr lang="en-US" dirty="0"/>
           </a:p>
         </p:txBody>
       </p:sp>
@@ -3940,7 +3920,7 @@
           <a:p>
             <a:fld id="{07937F07-1250-4CCE-B198-1B2887014F41}" type="slidenum">
               <a:rPr lang="en-US" smtClean="0"/>
-              <a:t>6</a:t>
+              <a:t>4</a:t>
             </a:fld>
             <a:endParaRPr lang="en-US"/>
           </a:p>
@@ -3949,7 +3929,7 @@
     </p:spTree>
     <p:extLst>
       <p:ext uri="{BB962C8B-B14F-4D97-AF65-F5344CB8AC3E}">
-        <p14:creationId xmlns:p14="http://schemas.microsoft.com/office/powerpoint/2010/main" val="2879695761"/>
+        <p14:creationId xmlns:p14="http://schemas.microsoft.com/office/powerpoint/2010/main" val="453378258"/>
       </p:ext>
     </p:extLst>
   </p:cSld>
@@ -4005,74 +3985,7 @@
           <a:p>
             <a:r>
               <a:rPr lang="en-US" dirty="0"/>
-              <a:t>Here is the interface for a factory that makes clocks.   An </a:t>
-            </a:r>
-            <a:r>
-              <a:rPr lang="en-US" dirty="0" err="1"/>
-              <a:t>IClockFactory</a:t>
-            </a:r>
-            <a:r>
-              <a:rPr lang="en-US" dirty="0"/>
-              <a:t> is an object with three methods:</a:t>
-            </a:r>
-          </a:p>
-          <a:p>
-            <a:endParaRPr lang="en-US" dirty="0"/>
-          </a:p>
-          <a:p>
-            <a:r>
-              <a:rPr lang="en-US" dirty="0"/>
-              <a:t>The most important method is instance(), which returns an object that satisfies the </a:t>
-            </a:r>
-            <a:r>
-              <a:rPr lang="en-US" dirty="0" err="1"/>
-              <a:t>IClock</a:t>
-            </a:r>
-            <a:r>
-              <a:rPr lang="en-US" dirty="0"/>
-              <a:t> interface.  We are not guaranteed anything about the class of the object; we only know that the object satisfies the </a:t>
-            </a:r>
-            <a:r>
-              <a:rPr lang="en-US" dirty="0" err="1"/>
-              <a:t>IClock</a:t>
-            </a:r>
-            <a:r>
-              <a:rPr lang="en-US" dirty="0"/>
-              <a:t> interface.</a:t>
-            </a:r>
-          </a:p>
-          <a:p>
-            <a:r>
-              <a:rPr lang="en-US" dirty="0"/>
-              <a:t>The factory also has two other methods:</a:t>
-            </a:r>
-          </a:p>
-          <a:p>
-            <a:r>
-              <a:rPr lang="en-US" dirty="0"/>
-              <a:t>-- </a:t>
-            </a:r>
-            <a:r>
-              <a:rPr lang="en-US" dirty="0" err="1"/>
-              <a:t>clockType</a:t>
-            </a:r>
-            <a:r>
-              <a:rPr lang="en-US" dirty="0"/>
-              <a:t>, which returns a string.  We have no guarantee that this string has anything to do with the class of the clock objects being returned.</a:t>
-            </a:r>
-          </a:p>
-          <a:p>
-            <a:r>
-              <a:rPr lang="en-US" dirty="0"/>
-              <a:t>-- </a:t>
-            </a:r>
-            <a:r>
-              <a:rPr lang="en-US" dirty="0" err="1"/>
-              <a:t>numCreated</a:t>
-            </a:r>
-            <a:r>
-              <a:rPr lang="en-US" dirty="0"/>
-              <a:t>, which returns the number of clocks that this factory has created.</a:t>
+              <a:t>There are lots of details and variations to work out here.  &lt;read slide&gt; It all depends on the application in which we are using the pattern.</a:t>
             </a:r>
           </a:p>
         </p:txBody>
@@ -4094,7 +4007,7 @@
           <a:p>
             <a:fld id="{07937F07-1250-4CCE-B198-1B2887014F41}" type="slidenum">
               <a:rPr lang="en-US" smtClean="0"/>
-              <a:t>33</a:t>
+              <a:t>32</a:t>
             </a:fld>
             <a:endParaRPr lang="en-US"/>
           </a:p>
@@ -4103,7 +4016,7 @@
     </p:spTree>
     <p:extLst>
       <p:ext uri="{BB962C8B-B14F-4D97-AF65-F5344CB8AC3E}">
-        <p14:creationId xmlns:p14="http://schemas.microsoft.com/office/powerpoint/2010/main" val="2015770087"/>
+        <p14:creationId xmlns:p14="http://schemas.microsoft.com/office/powerpoint/2010/main" val="3411285890"/>
       </p:ext>
     </p:extLst>
   </p:cSld>
@@ -4159,15 +4072,7 @@
           <a:p>
             <a:r>
               <a:rPr lang="en-US" dirty="0"/>
-              <a:t>Here are a couple of </a:t>
-            </a:r>
-            <a:r>
-              <a:rPr lang="en-US" dirty="0" err="1"/>
-              <a:t>ClockFactories</a:t>
-            </a:r>
-            <a:r>
-              <a:rPr lang="en-US" dirty="0"/>
-              <a:t>.  The first one always produces an object of class Clock1.  The second always produces an object of class Clock2.   Either way, calling instance() returns an object that satisfies the </a:t>
+              <a:t>Next, let’s look at a different problem. Your task is to write some code that depends only an interface (say </a:t>
             </a:r>
             <a:r>
               <a:rPr lang="en-US" dirty="0" err="1"/>
@@ -4175,7 +4080,23 @@
             </a:r>
             <a:r>
               <a:rPr lang="en-US" dirty="0"/>
-              <a:t> interface.</a:t>
+              <a:t>), not on a class that implements it.  Maybe your instructor has made this part of the problem requirements. But your task requires you to create some new clocks.  You can’t say “new </a:t>
+            </a:r>
+            <a:r>
+              <a:rPr lang="en-US" dirty="0" err="1"/>
+              <a:t>IClock</a:t>
+            </a:r>
+            <a:r>
+              <a:rPr lang="en-US" dirty="0"/>
+              <a:t>”, because </a:t>
+            </a:r>
+            <a:r>
+              <a:rPr lang="en-US" dirty="0" err="1"/>
+              <a:t>IClock</a:t>
+            </a:r>
+            <a:r>
+              <a:rPr lang="en-US" dirty="0"/>
+              <a:t> isn’t a class.</a:t>
             </a:r>
           </a:p>
           <a:p>
@@ -4184,7 +4105,25 @@
           <a:p>
             <a:r>
               <a:rPr lang="en-US" dirty="0"/>
-              <a:t>You could even have a factory that alternates between returning Clock1 objects and Clock2 objects.  </a:t>
+              <a:t>How can we arrange things to solve this problem?</a:t>
+            </a:r>
+          </a:p>
+          <a:p>
+            <a:endParaRPr lang="en-US" dirty="0"/>
+          </a:p>
+          <a:p>
+            <a:r>
+              <a:rPr lang="en-US" dirty="0"/>
+              <a:t>Answer: create a Factory whose job it is to create the objects, and import the factory into your code.  You call the factory when you need a new object.</a:t>
+            </a:r>
+          </a:p>
+          <a:p>
+            <a:endParaRPr lang="en-US" dirty="0"/>
+          </a:p>
+          <a:p>
+            <a:r>
+              <a:rPr lang="en-US" dirty="0"/>
+              <a:t>Let’s look at an example.</a:t>
             </a:r>
           </a:p>
         </p:txBody>
@@ -4206,7 +4145,7 @@
           <a:p>
             <a:fld id="{07937F07-1250-4CCE-B198-1B2887014F41}" type="slidenum">
               <a:rPr lang="en-US" smtClean="0"/>
-              <a:t>34</a:t>
+              <a:t>33</a:t>
             </a:fld>
             <a:endParaRPr lang="en-US"/>
           </a:p>
@@ -4215,7 +4154,7 @@
     </p:spTree>
     <p:extLst>
       <p:ext uri="{BB962C8B-B14F-4D97-AF65-F5344CB8AC3E}">
-        <p14:creationId xmlns:p14="http://schemas.microsoft.com/office/powerpoint/2010/main" val="4140678259"/>
+        <p14:creationId xmlns:p14="http://schemas.microsoft.com/office/powerpoint/2010/main" val="2063786123"/>
       </p:ext>
     </p:extLst>
   </p:cSld>
@@ -4271,15 +4210,15 @@
           <a:p>
             <a:r>
               <a:rPr lang="en-US" dirty="0"/>
-              <a:t>So you can create a file (here </a:t>
+              <a:t>Here is the interface for a factory that makes clocks.   An </a:t>
             </a:r>
             <a:r>
               <a:rPr lang="en-US" dirty="0" err="1"/>
-              <a:t>clockFactories.ts</a:t>
+              <a:t>IClockFactory</a:t>
             </a:r>
             <a:r>
               <a:rPr lang="en-US" dirty="0"/>
-              <a:t>) with a bunch of clock factories, and then you choose which of the factories to export.   Or maybe the instructor has created such a file– you get to see the factory, but not the class of the clocks it creates.</a:t>
+              <a:t> is an object with three methods:</a:t>
             </a:r>
           </a:p>
           <a:p>
@@ -4288,7 +4227,57 @@
           <a:p>
             <a:r>
               <a:rPr lang="en-US" dirty="0"/>
-              <a:t> TypeScript has a neat way of doing this:  if you say “export default”, then you export a value from this file, but you don’t advertise its name.</a:t>
+              <a:t>The most important method is instance(), which returns an object that satisfies the </a:t>
+            </a:r>
+            <a:r>
+              <a:rPr lang="en-US" dirty="0" err="1"/>
+              <a:t>IClock</a:t>
+            </a:r>
+            <a:r>
+              <a:rPr lang="en-US" dirty="0"/>
+              <a:t> interface.  We are not guaranteed anything about the class of the object; we only know that the object satisfies the </a:t>
+            </a:r>
+            <a:r>
+              <a:rPr lang="en-US" dirty="0" err="1"/>
+              <a:t>IClock</a:t>
+            </a:r>
+            <a:r>
+              <a:rPr lang="en-US" dirty="0"/>
+              <a:t> interface.</a:t>
+            </a:r>
+          </a:p>
+          <a:p>
+            <a:r>
+              <a:rPr lang="en-US" dirty="0"/>
+              <a:t>The factory also has two other methods:</a:t>
+            </a:r>
+          </a:p>
+          <a:p>
+            <a:r>
+              <a:rPr lang="en-US" dirty="0"/>
+              <a:t>-- </a:t>
+            </a:r>
+            <a:r>
+              <a:rPr lang="en-US" dirty="0" err="1"/>
+              <a:t>clockType</a:t>
+            </a:r>
+            <a:r>
+              <a:rPr lang="en-US" dirty="0"/>
+              <a:t>, which returns a string.  We have no guarantee that this string has anything to do with the class of the clock objects being returned.</a:t>
+            </a:r>
+          </a:p>
+          <a:p>
+            <a:r>
+              <a:rPr lang="en-US" dirty="0"/>
+              <a:t>-- </a:t>
+            </a:r>
+            <a:r>
+              <a:rPr lang="en-US" dirty="0" err="1"/>
+              <a:t>numCreated</a:t>
+            </a:r>
+            <a:r>
+              <a:rPr lang="en-US" dirty="0"/>
+              <a:t>, which returns the number of clocks that this factory has created.</a:t>
             </a:r>
           </a:p>
         </p:txBody>
@@ -4310,7 +4299,7 @@
           <a:p>
             <a:fld id="{07937F07-1250-4CCE-B198-1B2887014F41}" type="slidenum">
               <a:rPr lang="en-US" smtClean="0"/>
-              <a:t>35</a:t>
+              <a:t>34</a:t>
             </a:fld>
             <a:endParaRPr lang="en-US"/>
           </a:p>
@@ -4319,7 +4308,7 @@
     </p:spTree>
     <p:extLst>
       <p:ext uri="{BB962C8B-B14F-4D97-AF65-F5344CB8AC3E}">
-        <p14:creationId xmlns:p14="http://schemas.microsoft.com/office/powerpoint/2010/main" val="1816912619"/>
+        <p14:creationId xmlns:p14="http://schemas.microsoft.com/office/powerpoint/2010/main" val="2015770087"/>
       </p:ext>
     </p:extLst>
   </p:cSld>
@@ -4375,23 +4364,23 @@
           <a:p>
             <a:r>
               <a:rPr lang="en-US" dirty="0"/>
-              <a:t>the import gives the name '</a:t>
+              <a:t>Here are a couple of </a:t>
             </a:r>
             <a:r>
               <a:rPr lang="en-US" dirty="0" err="1"/>
-              <a:t>ClockFactory</a:t>
+              <a:t>ClockFactories</a:t>
             </a:r>
             <a:r>
               <a:rPr lang="en-US" dirty="0"/>
-              <a:t>' to whatever factory </a:t>
+              <a:t>.  The first one always produces an object of class Clock1.  The second always produces an object of class Clock2.   Either way, calling instance() returns an object that satisfies the </a:t>
             </a:r>
             <a:r>
               <a:rPr lang="en-US" dirty="0" err="1"/>
-              <a:t>ClockFactories.ts</a:t>
+              <a:t>IClock</a:t>
             </a:r>
             <a:r>
               <a:rPr lang="en-US" dirty="0"/>
-              <a:t> chooses to export.</a:t>
+              <a:t> interface.</a:t>
             </a:r>
           </a:p>
           <a:p>
@@ -4400,19 +4389,7 @@
           <a:p>
             <a:r>
               <a:rPr lang="en-US" dirty="0"/>
-              <a:t>Note that you can only test the factory that </a:t>
-            </a:r>
-            <a:r>
-              <a:rPr lang="en-US" dirty="0" err="1"/>
-              <a:t>ClockFactories.ts</a:t>
-            </a:r>
-            <a:r>
-              <a:rPr lang="en-US"/>
-              <a:t> chooses </a:t>
-            </a:r>
-            <a:r>
-              <a:rPr lang="en-US" dirty="0"/>
-              <a:t>to export</a:t>
+              <a:t>You could even have a factory that alternates between returning Clock1 objects and Clock2 objects.  </a:t>
             </a:r>
           </a:p>
         </p:txBody>
@@ -4434,7 +4411,7 @@
           <a:p>
             <a:fld id="{07937F07-1250-4CCE-B198-1B2887014F41}" type="slidenum">
               <a:rPr lang="en-US" smtClean="0"/>
-              <a:t>36</a:t>
+              <a:t>35</a:t>
             </a:fld>
             <a:endParaRPr lang="en-US"/>
           </a:p>
@@ -4443,7 +4420,7 @@
     </p:spTree>
     <p:extLst>
       <p:ext uri="{BB962C8B-B14F-4D97-AF65-F5344CB8AC3E}">
-        <p14:creationId xmlns:p14="http://schemas.microsoft.com/office/powerpoint/2010/main" val="2537508052"/>
+        <p14:creationId xmlns:p14="http://schemas.microsoft.com/office/powerpoint/2010/main" val="4140678259"/>
       </p:ext>
     </p:extLst>
   </p:cSld>
@@ -4499,13 +4476,24 @@
           <a:p>
             <a:r>
               <a:rPr lang="en-US" dirty="0"/>
-              <a:t>One last pattern: The Singleton Pattern.</a:t>
-            </a:r>
-          </a:p>
-          <a:p>
+              <a:t>So you can create a file (here </a:t>
+            </a:r>
+            <a:r>
+              <a:rPr lang="en-US" dirty="0" err="1"/>
+              <a:t>clockFactories.ts</a:t>
+            </a:r>
             <a:r>
               <a:rPr lang="en-US" dirty="0"/>
-              <a:t>&lt;read slide&gt;</a:t>
+              <a:t>) with a bunch of clock factories, and then you choose which of the factories to export.   Or maybe the instructor has created such a file– you get to see the factory, but not the class of the clocks it creates.</a:t>
+            </a:r>
+          </a:p>
+          <a:p>
+            <a:endParaRPr lang="en-US" dirty="0"/>
+          </a:p>
+          <a:p>
+            <a:r>
+              <a:rPr lang="en-US" dirty="0"/>
+              <a:t> TypeScript has a neat way of doing this:  if you say “export default”, then you export a value from this file, but you don’t advertise its name.</a:t>
             </a:r>
           </a:p>
         </p:txBody>
@@ -4527,7 +4515,7 @@
           <a:p>
             <a:fld id="{07937F07-1250-4CCE-B198-1B2887014F41}" type="slidenum">
               <a:rPr lang="en-US" smtClean="0"/>
-              <a:t>37</a:t>
+              <a:t>36</a:t>
             </a:fld>
             <a:endParaRPr lang="en-US"/>
           </a:p>
@@ -4536,7 +4524,7 @@
     </p:spTree>
     <p:extLst>
       <p:ext uri="{BB962C8B-B14F-4D97-AF65-F5344CB8AC3E}">
-        <p14:creationId xmlns:p14="http://schemas.microsoft.com/office/powerpoint/2010/main" val="283863748"/>
+        <p14:creationId xmlns:p14="http://schemas.microsoft.com/office/powerpoint/2010/main" val="1816912619"/>
       </p:ext>
     </p:extLst>
   </p:cSld>
@@ -4592,7 +4580,7 @@
           <a:p>
             <a:r>
               <a:rPr lang="en-US" dirty="0"/>
-              <a:t>Here’s the behavior we expect to see.  We assume that instance() is a static method of </a:t>
+              <a:t>the import gives the name '</a:t>
             </a:r>
             <a:r>
               <a:rPr lang="en-US" dirty="0" err="1"/>
@@ -4600,7 +4588,15 @@
             </a:r>
             <a:r>
               <a:rPr lang="en-US" dirty="0"/>
-              <a:t>. Are clock1 and clock2 the same clock?  More precisely, is the clock named clock1 the same clock as the clock named clock2?</a:t>
+              <a:t>' to whatever factory </a:t>
+            </a:r>
+            <a:r>
+              <a:rPr lang="en-US" dirty="0" err="1"/>
+              <a:t>ClockFactories.ts</a:t>
+            </a:r>
+            <a:r>
+              <a:rPr lang="en-US" dirty="0"/>
+              <a:t> chooses to export.</a:t>
             </a:r>
           </a:p>
           <a:p>
@@ -4609,16 +4605,19 @@
           <a:p>
             <a:r>
               <a:rPr lang="en-US" dirty="0"/>
-              <a:t>If they are the same clock, then the effect of ticking the clock named clock1 should be visible on the clock named clock2, and vice versa. </a:t>
-            </a:r>
-          </a:p>
-          <a:p>
-            <a:endParaRPr lang="en-US" dirty="0"/>
-          </a:p>
-          <a:p>
+              <a:t>Note that you can only test the factory that </a:t>
+            </a:r>
+            <a:r>
+              <a:rPr lang="en-US" dirty="0" err="1"/>
+              <a:t>ClockFactories.ts</a:t>
+            </a:r>
+            <a:r>
+              <a:rPr lang="en-US"/>
+              <a:t> chooses </a:t>
+            </a:r>
             <a:r>
               <a:rPr lang="en-US" dirty="0"/>
-              <a:t>Here we test this by ticking clock1 twice and checking  to see that both clock1 and clock2 show the time as 2; we reset clock1, and then check to see that both clock1 and clock2 have been reset to zero.</a:t>
+              <a:t>to export</a:t>
             </a:r>
           </a:p>
         </p:txBody>
@@ -4640,7 +4639,7 @@
           <a:p>
             <a:fld id="{07937F07-1250-4CCE-B198-1B2887014F41}" type="slidenum">
               <a:rPr lang="en-US" smtClean="0"/>
-              <a:t>38</a:t>
+              <a:t>37</a:t>
             </a:fld>
             <a:endParaRPr lang="en-US"/>
           </a:p>
@@ -4649,7 +4648,7 @@
     </p:spTree>
     <p:extLst>
       <p:ext uri="{BB962C8B-B14F-4D97-AF65-F5344CB8AC3E}">
-        <p14:creationId xmlns:p14="http://schemas.microsoft.com/office/powerpoint/2010/main" val="311776401"/>
+        <p14:creationId xmlns:p14="http://schemas.microsoft.com/office/powerpoint/2010/main" val="2537508052"/>
       </p:ext>
     </p:extLst>
   </p:cSld>
@@ -4705,55 +4704,14 @@
           <a:p>
             <a:r>
               <a:rPr lang="en-US" dirty="0"/>
-              <a:t>Here’s how you do it.  You make a factory that lies:  it keeps a first-time-through switch, here called ‘</a:t>
-            </a:r>
-            <a:r>
-              <a:rPr lang="en-US" dirty="0" err="1"/>
-              <a:t>isInitialized</a:t>
-            </a:r>
+              <a:t>One last pattern: The Singleton Pattern.</a:t>
+            </a:r>
+          </a:p>
+          <a:p>
             <a:r>
               <a:rPr lang="en-US" dirty="0"/>
-              <a:t>’, and after the first time it is called (with ‘instance’), it keeps returning the same clock over and over again.</a:t>
-            </a:r>
-          </a:p>
-          <a:p>
-            <a:endParaRPr lang="en-US" dirty="0"/>
-          </a:p>
-          <a:p>
-            <a:r>
-              <a:rPr lang="en-US" dirty="0"/>
-              <a:t>How do you prevent the client from creating a new Factory?  Easy: you make the constructor of </a:t>
-            </a:r>
-            <a:r>
-              <a:rPr lang="en-US" dirty="0" err="1"/>
-              <a:t>SingletonClockFactory</a:t>
-            </a:r>
-            <a:r>
-              <a:rPr lang="en-US" dirty="0"/>
-              <a:t> private, so nobody can say “new </a:t>
-            </a:r>
-            <a:r>
-              <a:rPr lang="en-US" dirty="0" err="1"/>
-              <a:t>SingletonClockFactory</a:t>
-            </a:r>
-            <a:r>
-              <a:rPr lang="en-US" dirty="0"/>
-              <a:t>”.   Then you make instance() a static method, so the user of this code creates a clock by saying </a:t>
-            </a:r>
-            <a:r>
-              <a:rPr lang="en-US" dirty="0" err="1"/>
-              <a:t>SingletonClockFactory.instance</a:t>
-            </a:r>
-            <a:r>
-              <a:rPr lang="en-US" dirty="0"/>
-              <a:t>().</a:t>
-            </a:r>
-          </a:p>
-          <a:p>
-            <a:endParaRPr lang="en-US" dirty="0"/>
-          </a:p>
-          <a:p>
-            <a:endParaRPr lang="en-US" dirty="0"/>
+              <a:t>&lt;read slide&gt;</a:t>
+            </a:r>
           </a:p>
         </p:txBody>
       </p:sp>
@@ -4774,7 +4732,7 @@
           <a:p>
             <a:fld id="{07937F07-1250-4CCE-B198-1B2887014F41}" type="slidenum">
               <a:rPr lang="en-US" smtClean="0"/>
-              <a:t>39</a:t>
+              <a:t>38</a:t>
             </a:fld>
             <a:endParaRPr lang="en-US"/>
           </a:p>
@@ -4783,7 +4741,7 @@
     </p:spTree>
     <p:extLst>
       <p:ext uri="{BB962C8B-B14F-4D97-AF65-F5344CB8AC3E}">
-        <p14:creationId xmlns:p14="http://schemas.microsoft.com/office/powerpoint/2010/main" val="944057601"/>
+        <p14:creationId xmlns:p14="http://schemas.microsoft.com/office/powerpoint/2010/main" val="283863748"/>
       </p:ext>
     </p:extLst>
   </p:cSld>
@@ -4839,19 +4797,24 @@
           <a:p>
             <a:r>
               <a:rPr lang="en-US" dirty="0"/>
-              <a:t>We said that this week's goal is to give you the vocabulary to talk</a:t>
-            </a:r>
-          </a:p>
-          <a:p>
+              <a:t>Here’s the behavior we expect to see.  We assume that instance() is a static method of </a:t>
+            </a:r>
+            <a:r>
+              <a:rPr lang="en-US" dirty="0" err="1"/>
+              <a:t>ClockFactory</a:t>
+            </a:r>
             <a:r>
               <a:rPr lang="en-US" dirty="0"/>
-              <a:t>about your design.  So it's really about the language(s) of software</a:t>
-            </a:r>
+              <a:t>. Are clock1 and clock2 the same clock?  More precisely, is the clock named clock1 the same clock as the clock named clock2?</a:t>
+            </a:r>
+          </a:p>
+          <a:p>
+            <a:endParaRPr lang="en-US" dirty="0"/>
           </a:p>
           <a:p>
             <a:r>
               <a:rPr lang="en-US" dirty="0"/>
-              <a:t>design.</a:t>
+              <a:t>If they are the same clock, then the effect of ticking the clock named clock1 should be visible on the clock named clock2, and vice versa. </a:t>
             </a:r>
           </a:p>
           <a:p>
@@ -4860,32 +4823,8 @@
           <a:p>
             <a:r>
               <a:rPr lang="en-US" dirty="0"/>
-              <a:t>Like in any language course, once you learn the words, the next thing</a:t>
-            </a:r>
-          </a:p>
-          <a:p>
-            <a:r>
-              <a:rPr lang="en-US" dirty="0"/>
-              <a:t>you do is to practice putting them into sentences.</a:t>
-            </a:r>
-          </a:p>
-          <a:p>
-            <a:endParaRPr lang="en-US" dirty="0"/>
-          </a:p>
-          <a:p>
-            <a:r>
-              <a:rPr lang="en-US" dirty="0"/>
-              <a:t>So here's a piece of a design, expressed as a sentence (ok, three</a:t>
-            </a:r>
-          </a:p>
-          <a:p>
-            <a:r>
-              <a:rPr lang="en-US" dirty="0"/>
-              <a:t>sentences)</a:t>
-            </a:r>
-          </a:p>
-          <a:p>
-            <a:endParaRPr lang="en-US" dirty="0"/>
+              <a:t>Here we test this by ticking clock1 twice and checking  to see that both clock1 and clock2 show the time as 2; we reset clock1, and then check to see that both clock1 and clock2 have been reset to zero.</a:t>
+            </a:r>
           </a:p>
         </p:txBody>
       </p:sp>
@@ -4906,7 +4845,7 @@
           <a:p>
             <a:fld id="{07937F07-1250-4CCE-B198-1B2887014F41}" type="slidenum">
               <a:rPr lang="en-US" smtClean="0"/>
-              <a:t>40</a:t>
+              <a:t>39</a:t>
             </a:fld>
             <a:endParaRPr lang="en-US"/>
           </a:p>
@@ -4915,7 +4854,7 @@
     </p:spTree>
     <p:extLst>
       <p:ext uri="{BB962C8B-B14F-4D97-AF65-F5344CB8AC3E}">
-        <p14:creationId xmlns:p14="http://schemas.microsoft.com/office/powerpoint/2010/main" val="476959786"/>
+        <p14:creationId xmlns:p14="http://schemas.microsoft.com/office/powerpoint/2010/main" val="311776401"/>
       </p:ext>
     </p:extLst>
   </p:cSld>
@@ -4971,8 +4910,55 @@
           <a:p>
             <a:r>
               <a:rPr lang="en-US" dirty="0"/>
-              <a:t>Here’s a possible conversation in this new language.   Note that you had to have an agreement with Pat about the protocol for the clock.</a:t>
-            </a:r>
+              <a:t>Here’s how you do it.  You make a factory that lies:  it keeps a first-time-through switch, here called ‘</a:t>
+            </a:r>
+            <a:r>
+              <a:rPr lang="en-US" dirty="0" err="1"/>
+              <a:t>isInitialized</a:t>
+            </a:r>
+            <a:r>
+              <a:rPr lang="en-US" dirty="0"/>
+              <a:t>’, and after the first time it is called (with ‘instance’), it keeps returning the same clock over and over again.</a:t>
+            </a:r>
+          </a:p>
+          <a:p>
+            <a:endParaRPr lang="en-US" dirty="0"/>
+          </a:p>
+          <a:p>
+            <a:r>
+              <a:rPr lang="en-US" dirty="0"/>
+              <a:t>How do you prevent the client from creating a new Factory?  Easy: you make the constructor of </a:t>
+            </a:r>
+            <a:r>
+              <a:rPr lang="en-US" dirty="0" err="1"/>
+              <a:t>SingletonClockFactory</a:t>
+            </a:r>
+            <a:r>
+              <a:rPr lang="en-US" dirty="0"/>
+              <a:t> private, so nobody can say “new </a:t>
+            </a:r>
+            <a:r>
+              <a:rPr lang="en-US" dirty="0" err="1"/>
+              <a:t>SingletonClockFactory</a:t>
+            </a:r>
+            <a:r>
+              <a:rPr lang="en-US" dirty="0"/>
+              <a:t>”.   Then you make instance() a static method, so the user of this code creates a clock by saying </a:t>
+            </a:r>
+            <a:r>
+              <a:rPr lang="en-US" dirty="0" err="1"/>
+              <a:t>SingletonClockFactory.instance</a:t>
+            </a:r>
+            <a:r>
+              <a:rPr lang="en-US" dirty="0"/>
+              <a:t>().</a:t>
+            </a:r>
+          </a:p>
+          <a:p>
+            <a:endParaRPr lang="en-US" dirty="0"/>
+          </a:p>
+          <a:p>
+            <a:endParaRPr lang="en-US" dirty="0"/>
           </a:p>
         </p:txBody>
       </p:sp>
@@ -4993,7 +4979,7 @@
           <a:p>
             <a:fld id="{07937F07-1250-4CCE-B198-1B2887014F41}" type="slidenum">
               <a:rPr lang="en-US" smtClean="0"/>
-              <a:t>41</a:t>
+              <a:t>40</a:t>
             </a:fld>
             <a:endParaRPr lang="en-US"/>
           </a:p>
@@ -5002,7 +4988,7 @@
     </p:spTree>
     <p:extLst>
       <p:ext uri="{BB962C8B-B14F-4D97-AF65-F5344CB8AC3E}">
-        <p14:creationId xmlns:p14="http://schemas.microsoft.com/office/powerpoint/2010/main" val="2550609105"/>
+        <p14:creationId xmlns:p14="http://schemas.microsoft.com/office/powerpoint/2010/main" val="944057601"/>
       </p:ext>
     </p:extLst>
   </p:cSld>
@@ -5056,6 +5042,54 @@
           <a:bodyPr/>
           <a:lstStyle/>
           <a:p>
+            <a:r>
+              <a:rPr lang="en-US" dirty="0"/>
+              <a:t>We said that this week's goal is to give you the vocabulary to talk</a:t>
+            </a:r>
+          </a:p>
+          <a:p>
+            <a:r>
+              <a:rPr lang="en-US" dirty="0"/>
+              <a:t>about your design.  So it's really about the language(s) of software</a:t>
+            </a:r>
+          </a:p>
+          <a:p>
+            <a:r>
+              <a:rPr lang="en-US" dirty="0"/>
+              <a:t>design.</a:t>
+            </a:r>
+          </a:p>
+          <a:p>
+            <a:endParaRPr lang="en-US" dirty="0"/>
+          </a:p>
+          <a:p>
+            <a:r>
+              <a:rPr lang="en-US" dirty="0"/>
+              <a:t>Like in any language course, once you learn the words, the next thing</a:t>
+            </a:r>
+          </a:p>
+          <a:p>
+            <a:r>
+              <a:rPr lang="en-US" dirty="0"/>
+              <a:t>you do is to practice putting them into sentences.</a:t>
+            </a:r>
+          </a:p>
+          <a:p>
+            <a:endParaRPr lang="en-US" dirty="0"/>
+          </a:p>
+          <a:p>
+            <a:r>
+              <a:rPr lang="en-US" dirty="0"/>
+              <a:t>So here's a piece of a design, expressed as a sentence (ok, three</a:t>
+            </a:r>
+          </a:p>
+          <a:p>
+            <a:r>
+              <a:rPr lang="en-US" dirty="0"/>
+              <a:t>sentences)</a:t>
+            </a:r>
+          </a:p>
+          <a:p>
             <a:endParaRPr lang="en-US" dirty="0"/>
           </a:p>
         </p:txBody>
@@ -5077,7 +5111,7 @@
           <a:p>
             <a:fld id="{07937F07-1250-4CCE-B198-1B2887014F41}" type="slidenum">
               <a:rPr lang="en-US" smtClean="0"/>
-              <a:t>42</a:t>
+              <a:t>41</a:t>
             </a:fld>
             <a:endParaRPr lang="en-US"/>
           </a:p>
@@ -5086,7 +5120,7 @@
     </p:spTree>
     <p:extLst>
       <p:ext uri="{BB962C8B-B14F-4D97-AF65-F5344CB8AC3E}">
-        <p14:creationId xmlns:p14="http://schemas.microsoft.com/office/powerpoint/2010/main" val="2222246358"/>
+        <p14:creationId xmlns:p14="http://schemas.microsoft.com/office/powerpoint/2010/main" val="476959786"/>
       </p:ext>
     </p:extLst>
   </p:cSld>
@@ -5142,25 +5176,7 @@
           <a:p>
             <a:r>
               <a:rPr lang="en-US" dirty="0"/>
-              <a:t>In this lesson, we will study 4 different interaction-scale designs:  the pull pattern (which is so simple it hardly counts as a pattern), the push (or Observer or Listener) Pattern, the Factory Pattern, and the Singleton Pattern.</a:t>
-            </a:r>
-          </a:p>
-          <a:p>
-            <a:endParaRPr lang="en-US" dirty="0"/>
-          </a:p>
-          <a:p>
-            <a:r>
-              <a:rPr lang="en-US" dirty="0"/>
-              <a:t>All but the first of these are “Official Design Patterns” that you will see in Design Patterns Books, and they have standard names.  That’s important, because if you need to tell your teammate about what you’ve done in a certain part of your program, you can say “for such-and-such, we use the Observer Pattern”, and then your teammate will know what you mean, because they know what the phrase “Observer Pattern” means.   This is what we mean when we talk about using a shared vocabulary.</a:t>
-            </a:r>
-          </a:p>
-          <a:p>
-            <a:endParaRPr lang="en-US" dirty="0"/>
-          </a:p>
-          <a:p>
-            <a:r>
-              <a:rPr lang="en-US" dirty="0"/>
-              <a:t>Unlike the architectural scale, we may use many different Interaction-scale designs for different portions of our program.</a:t>
+              <a:t>These are things you probably learned in OOD, but it’s helpful to review them here.</a:t>
             </a:r>
           </a:p>
         </p:txBody>
@@ -5182,7 +5198,7 @@
           <a:p>
             <a:fld id="{07937F07-1250-4CCE-B198-1B2887014F41}" type="slidenum">
               <a:rPr lang="en-US" smtClean="0"/>
-              <a:t>7</a:t>
+              <a:t>6</a:t>
             </a:fld>
             <a:endParaRPr lang="en-US"/>
           </a:p>
@@ -5191,7 +5207,7 @@
     </p:spTree>
     <p:extLst>
       <p:ext uri="{BB962C8B-B14F-4D97-AF65-F5344CB8AC3E}">
-        <p14:creationId xmlns:p14="http://schemas.microsoft.com/office/powerpoint/2010/main" val="3924315404"/>
+        <p14:creationId xmlns:p14="http://schemas.microsoft.com/office/powerpoint/2010/main" val="2879695761"/>
       </p:ext>
     </p:extLst>
   </p:cSld>
@@ -5247,7 +5263,7 @@
           <a:p>
             <a:r>
               <a:rPr lang="en-US" dirty="0"/>
-              <a:t>You now have a rich vocabulary that you can use to discuss your design.</a:t>
+              <a:t>Here’s a possible conversation in this new language.   Note that you had to have an agreement with Pat about the protocol for the clock.</a:t>
             </a:r>
           </a:p>
         </p:txBody>
@@ -5269,7 +5285,7 @@
           <a:p>
             <a:fld id="{07937F07-1250-4CCE-B198-1B2887014F41}" type="slidenum">
               <a:rPr lang="en-US" smtClean="0"/>
-              <a:t>44</a:t>
+              <a:t>42</a:t>
             </a:fld>
             <a:endParaRPr lang="en-US"/>
           </a:p>
@@ -5278,7 +5294,7 @@
     </p:spTree>
     <p:extLst>
       <p:ext uri="{BB962C8B-B14F-4D97-AF65-F5344CB8AC3E}">
-        <p14:creationId xmlns:p14="http://schemas.microsoft.com/office/powerpoint/2010/main" val="693301086"/>
+        <p14:creationId xmlns:p14="http://schemas.microsoft.com/office/powerpoint/2010/main" val="2550609105"/>
       </p:ext>
     </p:extLst>
   </p:cSld>
@@ -5332,39 +5348,7 @@
           <a:bodyPr/>
           <a:lstStyle/>
           <a:p>
-            <a:r>
-              <a:rPr lang="en-US" dirty="0"/>
-              <a:t>We’ve covered a lot of ground in this lesson.  &lt;read slide&gt;</a:t>
-            </a:r>
-          </a:p>
-          <a:p>
-            <a:r>
-              <a:rPr lang="en-US" dirty="0"/>
-              <a:t>Next, on to the Object Scale.</a:t>
-            </a:r>
-          </a:p>
-          <a:p>
             <a:endParaRPr lang="en-US" dirty="0"/>
-          </a:p>
-          <a:p>
-            <a:r>
-              <a:rPr lang="en-US" dirty="0"/>
-              <a:t>[[POSSIBLE ACTIVITY: Break </a:t>
-            </a:r>
-            <a:r>
-              <a:rPr lang="en-US"/>
-              <a:t>into pairs, </a:t>
-            </a:r>
-            <a:r>
-              <a:rPr lang="en-US" dirty="0"/>
-              <a:t>and describe the interactions</a:t>
-            </a:r>
-          </a:p>
-          <a:p>
-            <a:r>
-              <a:rPr lang="en-US" dirty="0"/>
-              <a:t>in some program you have built, at this level of detail.]]</a:t>
-            </a:r>
           </a:p>
         </p:txBody>
       </p:sp>
@@ -5385,7 +5369,210 @@
           <a:p>
             <a:fld id="{07937F07-1250-4CCE-B198-1B2887014F41}" type="slidenum">
               <a:rPr lang="en-US" smtClean="0"/>
+              <a:t>43</a:t>
+            </a:fld>
+            <a:endParaRPr lang="en-US"/>
+          </a:p>
+        </p:txBody>
+      </p:sp>
+    </p:spTree>
+    <p:extLst>
+      <p:ext uri="{BB962C8B-B14F-4D97-AF65-F5344CB8AC3E}">
+        <p14:creationId xmlns:p14="http://schemas.microsoft.com/office/powerpoint/2010/main" val="2222246358"/>
+      </p:ext>
+    </p:extLst>
+  </p:cSld>
+  <p:clrMapOvr>
+    <a:masterClrMapping/>
+  </p:clrMapOvr>
+</p:notes>
+</file>
+
+<file path=ppt/notesSlides/notesSlide42.xml><?xml version="1.0" encoding="utf-8"?>
+<p:notes xmlns:a="http://schemas.openxmlformats.org/drawingml/2006/main" xmlns:r="http://schemas.openxmlformats.org/officeDocument/2006/relationships" xmlns:p="http://schemas.openxmlformats.org/presentationml/2006/main">
+  <p:cSld>
+    <p:spTree>
+      <p:nvGrpSpPr>
+        <p:cNvPr id="1" name=""/>
+        <p:cNvGrpSpPr/>
+        <p:nvPr/>
+      </p:nvGrpSpPr>
+      <p:grpSpPr>
+        <a:xfrm>
+          <a:off x="0" y="0"/>
+          <a:ext cx="0" cy="0"/>
+          <a:chOff x="0" y="0"/>
+          <a:chExt cx="0" cy="0"/>
+        </a:xfrm>
+      </p:grpSpPr>
+      <p:sp>
+        <p:nvSpPr>
+          <p:cNvPr id="2" name="Slide Image Placeholder 1"/>
+          <p:cNvSpPr>
+            <a:spLocks noGrp="1" noRot="1" noChangeAspect="1"/>
+          </p:cNvSpPr>
+          <p:nvPr>
+            <p:ph type="sldImg"/>
+          </p:nvPr>
+        </p:nvSpPr>
+        <p:spPr/>
+      </p:sp>
+      <p:sp>
+        <p:nvSpPr>
+          <p:cNvPr id="3" name="Notes Placeholder 2"/>
+          <p:cNvSpPr>
+            <a:spLocks noGrp="1"/>
+          </p:cNvSpPr>
+          <p:nvPr>
+            <p:ph type="body" idx="1"/>
+          </p:nvPr>
+        </p:nvSpPr>
+        <p:spPr/>
+        <p:txBody>
+          <a:bodyPr/>
+          <a:lstStyle/>
+          <a:p>
+            <a:r>
+              <a:rPr lang="en-US" dirty="0"/>
+              <a:t>You now have a rich vocabulary that you can use to discuss your design.</a:t>
+            </a:r>
+          </a:p>
+        </p:txBody>
+      </p:sp>
+      <p:sp>
+        <p:nvSpPr>
+          <p:cNvPr id="4" name="Slide Number Placeholder 3"/>
+          <p:cNvSpPr>
+            <a:spLocks noGrp="1"/>
+          </p:cNvSpPr>
+          <p:nvPr>
+            <p:ph type="sldNum" sz="quarter" idx="5"/>
+          </p:nvPr>
+        </p:nvSpPr>
+        <p:spPr/>
+        <p:txBody>
+          <a:bodyPr/>
+          <a:lstStyle/>
+          <a:p>
+            <a:fld id="{07937F07-1250-4CCE-B198-1B2887014F41}" type="slidenum">
+              <a:rPr lang="en-US" smtClean="0"/>
               <a:t>45</a:t>
+            </a:fld>
+            <a:endParaRPr lang="en-US"/>
+          </a:p>
+        </p:txBody>
+      </p:sp>
+    </p:spTree>
+    <p:extLst>
+      <p:ext uri="{BB962C8B-B14F-4D97-AF65-F5344CB8AC3E}">
+        <p14:creationId xmlns:p14="http://schemas.microsoft.com/office/powerpoint/2010/main" val="693301086"/>
+      </p:ext>
+    </p:extLst>
+  </p:cSld>
+  <p:clrMapOvr>
+    <a:masterClrMapping/>
+  </p:clrMapOvr>
+</p:notes>
+</file>
+
+<file path=ppt/notesSlides/notesSlide43.xml><?xml version="1.0" encoding="utf-8"?>
+<p:notes xmlns:a="http://schemas.openxmlformats.org/drawingml/2006/main" xmlns:r="http://schemas.openxmlformats.org/officeDocument/2006/relationships" xmlns:p="http://schemas.openxmlformats.org/presentationml/2006/main">
+  <p:cSld>
+    <p:spTree>
+      <p:nvGrpSpPr>
+        <p:cNvPr id="1" name=""/>
+        <p:cNvGrpSpPr/>
+        <p:nvPr/>
+      </p:nvGrpSpPr>
+      <p:grpSpPr>
+        <a:xfrm>
+          <a:off x="0" y="0"/>
+          <a:ext cx="0" cy="0"/>
+          <a:chOff x="0" y="0"/>
+          <a:chExt cx="0" cy="0"/>
+        </a:xfrm>
+      </p:grpSpPr>
+      <p:sp>
+        <p:nvSpPr>
+          <p:cNvPr id="2" name="Slide Image Placeholder 1"/>
+          <p:cNvSpPr>
+            <a:spLocks noGrp="1" noRot="1" noChangeAspect="1"/>
+          </p:cNvSpPr>
+          <p:nvPr>
+            <p:ph type="sldImg"/>
+          </p:nvPr>
+        </p:nvSpPr>
+        <p:spPr/>
+      </p:sp>
+      <p:sp>
+        <p:nvSpPr>
+          <p:cNvPr id="3" name="Notes Placeholder 2"/>
+          <p:cNvSpPr>
+            <a:spLocks noGrp="1"/>
+          </p:cNvSpPr>
+          <p:nvPr>
+            <p:ph type="body" idx="1"/>
+          </p:nvPr>
+        </p:nvSpPr>
+        <p:spPr/>
+        <p:txBody>
+          <a:bodyPr/>
+          <a:lstStyle/>
+          <a:p>
+            <a:r>
+              <a:rPr lang="en-US" dirty="0"/>
+              <a:t>We’ve covered a lot of ground in this lesson.  &lt;read slide&gt;</a:t>
+            </a:r>
+          </a:p>
+          <a:p>
+            <a:r>
+              <a:rPr lang="en-US" dirty="0"/>
+              <a:t>Next, on to the Object Scale.</a:t>
+            </a:r>
+          </a:p>
+          <a:p>
+            <a:endParaRPr lang="en-US" dirty="0"/>
+          </a:p>
+          <a:p>
+            <a:r>
+              <a:rPr lang="en-US" dirty="0"/>
+              <a:t>[[POSSIBLE ACTIVITY: Break </a:t>
+            </a:r>
+            <a:r>
+              <a:rPr lang="en-US"/>
+              <a:t>into pairs, </a:t>
+            </a:r>
+            <a:r>
+              <a:rPr lang="en-US" dirty="0"/>
+              <a:t>and describe the interactions</a:t>
+            </a:r>
+          </a:p>
+          <a:p>
+            <a:r>
+              <a:rPr lang="en-US" dirty="0"/>
+              <a:t>in some program you have built, at this level of detail.]]</a:t>
+            </a:r>
+          </a:p>
+        </p:txBody>
+      </p:sp>
+      <p:sp>
+        <p:nvSpPr>
+          <p:cNvPr id="4" name="Slide Number Placeholder 3"/>
+          <p:cNvSpPr>
+            <a:spLocks noGrp="1"/>
+          </p:cNvSpPr>
+          <p:nvPr>
+            <p:ph type="sldNum" sz="quarter" idx="5"/>
+          </p:nvPr>
+        </p:nvSpPr>
+        <p:spPr/>
+        <p:txBody>
+          <a:bodyPr/>
+          <a:lstStyle/>
+          <a:p>
+            <a:fld id="{07937F07-1250-4CCE-B198-1B2887014F41}" type="slidenum">
+              <a:rPr lang="en-US" smtClean="0"/>
+              <a:t>46</a:t>
             </a:fld>
             <a:endParaRPr lang="en-US"/>
           </a:p>
@@ -5450,13 +5637,16 @@
           <a:p>
             <a:r>
               <a:rPr lang="en-US" dirty="0"/>
-              <a:t>Very often in our program, we need to get a piece of data from one part of the program to another.</a:t>
-            </a:r>
+              <a:t>In this lesson, we will study 4 different interaction-scale designs:  the pull pattern (which is so simple it hardly counts as a pattern), the push (or Observer or Listener) Pattern, the Factory Pattern, and the Singleton Pattern.</a:t>
+            </a:r>
+          </a:p>
+          <a:p>
+            <a:endParaRPr lang="en-US" dirty="0"/>
           </a:p>
           <a:p>
             <a:r>
               <a:rPr lang="en-US" dirty="0"/>
-              <a:t>Indeed, this is so common that we hardly even notice it.  But it’s still worth looking at.</a:t>
+              <a:t>All but the first of these are “Official Design Patterns” that you will see in Design Patterns Books, and they have standard names.  That’s important, because if you need to tell your teammate about what you’ve done in a certain part of your program, you can say “for such-and-such, we use the Observer Pattern”, and then your teammate will know what you mean, because they know what the phrase “Observer Pattern” means.   This is what we mean when we talk about using a shared vocabulary.</a:t>
             </a:r>
           </a:p>
           <a:p>
@@ -5465,29 +5655,8 @@
           <a:p>
             <a:r>
               <a:rPr lang="en-US" dirty="0"/>
-              <a:t>Here we have one class, the Producer, that has piece of data, and we have another class, the Consumer, that needs that data in order to do its work.  (Of course, it’s not the class that has the data; it’s an object of that class.  But we’ll slide over that, as we often do when talking about object-oriented programs).</a:t>
-            </a:r>
-          </a:p>
-          <a:p>
-            <a:endParaRPr lang="en-US" dirty="0"/>
-          </a:p>
-          <a:p>
-            <a:r>
-              <a:rPr lang="en-US" dirty="0"/>
-              <a:t>How can we get this data from the producer to the consumer?</a:t>
-            </a:r>
-          </a:p>
-          <a:p>
-            <a:endParaRPr lang="en-US" dirty="0"/>
-          </a:p>
-          <a:p>
-            <a:r>
-              <a:rPr lang="en-US" dirty="0"/>
-              <a:t>There are two basic ways of doing this, which we call “pull” and “push”.  These are also called “demand-pull” and “data-push”.  </a:t>
-            </a:r>
-          </a:p>
-          <a:p>
-            <a:endParaRPr lang="en-US" dirty="0"/>
+              <a:t>Unlike the architectural scale, we may use many different Interaction-scale designs for different portions of our program.</a:t>
+            </a:r>
           </a:p>
         </p:txBody>
       </p:sp>
@@ -5508,7 +5677,7 @@
           <a:p>
             <a:fld id="{07937F07-1250-4CCE-B198-1B2887014F41}" type="slidenum">
               <a:rPr lang="en-US" smtClean="0"/>
-              <a:t>8</a:t>
+              <a:t>7</a:t>
             </a:fld>
             <a:endParaRPr lang="en-US"/>
           </a:p>
@@ -5517,7 +5686,7 @@
     </p:spTree>
     <p:extLst>
       <p:ext uri="{BB962C8B-B14F-4D97-AF65-F5344CB8AC3E}">
-        <p14:creationId xmlns:p14="http://schemas.microsoft.com/office/powerpoint/2010/main" val="2578586132"/>
+        <p14:creationId xmlns:p14="http://schemas.microsoft.com/office/powerpoint/2010/main" val="3924315404"/>
       </p:ext>
     </p:extLst>
   </p:cSld>
@@ -5573,7 +5742,13 @@
           <a:p>
             <a:r>
               <a:rPr lang="en-US" dirty="0"/>
-              <a:t>The first solution is to have the consumer ask the producer for the data.   For this to work, the consumer needs to know the identity of the producer, and the producer has to provide a method that the consumer can call to ask for the data. </a:t>
+              <a:t>Very often in our program, we need to get a piece of data from one part of the program to another.</a:t>
+            </a:r>
+          </a:p>
+          <a:p>
+            <a:r>
+              <a:rPr lang="en-US" dirty="0"/>
+              <a:t>Indeed, this is so common that we hardly even notice it.  But it’s still worth looking at.</a:t>
             </a:r>
           </a:p>
           <a:p>
@@ -5582,15 +5757,16 @@
           <a:p>
             <a:r>
               <a:rPr lang="en-US" dirty="0"/>
-              <a:t>Here’s some skeleton code for that.  Notice that the Consumer takes a Producer as parameter to its constructor, and the producer has a method </a:t>
-            </a:r>
-            <a:r>
-              <a:rPr lang="en-US" dirty="0" err="1"/>
-              <a:t>getData</a:t>
-            </a:r>
+              <a:t>Here we have one class, the Producer, that has piece of data, and we have another class, the Consumer, that needs that data in order to do its work.  (Of course, it’s not the class that has the data; it’s an object of that class.  But we’ll slide over that, as we often do when talking about object-oriented programs).</a:t>
+            </a:r>
+          </a:p>
+          <a:p>
+            <a:endParaRPr lang="en-US" dirty="0"/>
+          </a:p>
+          <a:p>
             <a:r>
               <a:rPr lang="en-US" dirty="0"/>
-              <a:t> that will provide the data whenever someone calls it. </a:t>
+              <a:t>How can we get this data from the producer to the consumer?</a:t>
             </a:r>
           </a:p>
           <a:p>
@@ -5599,31 +5775,8 @@
           <a:p>
             <a:r>
               <a:rPr lang="en-US" dirty="0"/>
-              <a:t>When the consumer needs the data, it calls its Producer’s </a:t>
-            </a:r>
-            <a:r>
-              <a:rPr lang="en-US" dirty="0" err="1"/>
-              <a:t>getData</a:t>
-            </a:r>
-            <a:r>
-              <a:rPr lang="en-US" dirty="0"/>
-              <a:t> method.  </a:t>
-            </a:r>
-          </a:p>
-          <a:p>
-            <a:endParaRPr lang="en-US" dirty="0"/>
-          </a:p>
-          <a:p>
-            <a:r>
-              <a:rPr lang="en-US" dirty="0"/>
-              <a:t>We can think of the consumer “pulling” the data from the producer.</a:t>
-            </a:r>
-          </a:p>
-          <a:p>
-            <a:endParaRPr lang="en-US" dirty="0"/>
-          </a:p>
-          <a:p>
-            <a:endParaRPr lang="en-US" dirty="0"/>
+              <a:t>There are two basic ways of doing this, which we call “pull” and “push”.  These are also called “demand-pull” and “data-push”.  </a:t>
+            </a:r>
           </a:p>
           <a:p>
             <a:endParaRPr lang="en-US" dirty="0"/>
@@ -5647,7 +5800,7 @@
           <a:p>
             <a:fld id="{07937F07-1250-4CCE-B198-1B2887014F41}" type="slidenum">
               <a:rPr lang="en-US" smtClean="0"/>
-              <a:t>9</a:t>
+              <a:t>8</a:t>
             </a:fld>
             <a:endParaRPr lang="en-US"/>
           </a:p>
@@ -5656,7 +5809,7 @@
     </p:spTree>
     <p:extLst>
       <p:ext uri="{BB962C8B-B14F-4D97-AF65-F5344CB8AC3E}">
-        <p14:creationId xmlns:p14="http://schemas.microsoft.com/office/powerpoint/2010/main" val="3584045808"/>
+        <p14:creationId xmlns:p14="http://schemas.microsoft.com/office/powerpoint/2010/main" val="2578586132"/>
       </p:ext>
     </p:extLst>
   </p:cSld>
@@ -5712,7 +5865,7 @@
           <a:p>
             <a:r>
               <a:rPr lang="en-US" dirty="0"/>
-              <a:t>Alternatively, we could arrange things so that the producer *pushes* the data to the consumer.  (Remember what we said in the preceding lesson about demand-pull vs data-push.)</a:t>
+              <a:t>The first solution is to have the consumer ask the producer for the data.   For this to work, the consumer needs to know the identity of the producer, and the producer has to provide a method that the consumer can call to ask for the data. </a:t>
             </a:r>
           </a:p>
           <a:p>
@@ -5721,7 +5874,15 @@
           <a:p>
             <a:r>
               <a:rPr lang="en-US" dirty="0"/>
-              <a:t>In this organization, the producer knows the identity of the consumer, and the consumer has a method that the producer can use to notify it about changes to the data.  </a:t>
+              <a:t>Here’s some skeleton code for that.  Notice that the Consumer takes a Producer as parameter to its constructor, and the producer has a method </a:t>
+            </a:r>
+            <a:r>
+              <a:rPr lang="en-US" dirty="0" err="1"/>
+              <a:t>getData</a:t>
+            </a:r>
+            <a:r>
+              <a:rPr lang="en-US" dirty="0"/>
+              <a:t> that will provide the data whenever someone calls it. </a:t>
             </a:r>
           </a:p>
           <a:p>
@@ -5730,7 +5891,15 @@
           <a:p>
             <a:r>
               <a:rPr lang="en-US" dirty="0"/>
-              <a:t>Here’s some skeleton code that realizes that behavior.  The producer takes a consumer as part of its constructor, and the consumer has a ‘notify’ method on which it can accept notifications about the data.  ‘notify’ is a common name for this method; if you run across this name in a codebase, that will tell you a little bit about what is going on.</a:t>
+              <a:t>When the consumer needs the data, it calls its Producer’s </a:t>
+            </a:r>
+            <a:r>
+              <a:rPr lang="en-US" dirty="0" err="1"/>
+              <a:t>getData</a:t>
+            </a:r>
+            <a:r>
+              <a:rPr lang="en-US" dirty="0"/>
+              <a:t> method.  </a:t>
             </a:r>
           </a:p>
           <a:p>
@@ -5739,8 +5908,17 @@
           <a:p>
             <a:r>
               <a:rPr lang="en-US" dirty="0"/>
-              <a:t>Usually, there will be more than one consumer to notify; we’ll talk about that in a minute.</a:t>
-            </a:r>
+              <a:t>We can think of the consumer “pulling” the data from the producer.</a:t>
+            </a:r>
+          </a:p>
+          <a:p>
+            <a:endParaRPr lang="en-US" dirty="0"/>
+          </a:p>
+          <a:p>
+            <a:endParaRPr lang="en-US" dirty="0"/>
+          </a:p>
+          <a:p>
+            <a:endParaRPr lang="en-US" dirty="0"/>
           </a:p>
         </p:txBody>
       </p:sp>
@@ -5761,7 +5939,7 @@
           <a:p>
             <a:fld id="{07937F07-1250-4CCE-B198-1B2887014F41}" type="slidenum">
               <a:rPr lang="en-US" smtClean="0"/>
-              <a:t>10</a:t>
+              <a:t>9</a:t>
             </a:fld>
             <a:endParaRPr lang="en-US"/>
           </a:p>
@@ -5770,7 +5948,7 @@
     </p:spTree>
     <p:extLst>
       <p:ext uri="{BB962C8B-B14F-4D97-AF65-F5344CB8AC3E}">
-        <p14:creationId xmlns:p14="http://schemas.microsoft.com/office/powerpoint/2010/main" val="3879032540"/>
+        <p14:creationId xmlns:p14="http://schemas.microsoft.com/office/powerpoint/2010/main" val="3584045808"/>
       </p:ext>
     </p:extLst>
   </p:cSld>
@@ -5826,7 +6004,7 @@
           <a:p>
             <a:r>
               <a:rPr lang="en-US" dirty="0"/>
-              <a:t>When there is more than one consumer, this is typically called the Observer Pattern, or the Publish-Subscribe Pattern, or the Listener Pattern.</a:t>
+              <a:t>Alternatively, we could arrange things so that the producer *pushes* the data to the consumer.  (Remember what we said in the preceding lesson about demand-pull vs data-push.)</a:t>
             </a:r>
           </a:p>
           <a:p>
@@ -5835,7 +6013,7 @@
           <a:p>
             <a:r>
               <a:rPr lang="en-US" dirty="0"/>
-              <a:t>&lt;read slide&gt;</a:t>
+              <a:t>In this organization, the producer knows the identity of the consumer, and the consumer has a method that the producer can use to notify it about changes to the data.  </a:t>
             </a:r>
           </a:p>
           <a:p>
@@ -5844,7 +6022,16 @@
           <a:p>
             <a:r>
               <a:rPr lang="en-US" dirty="0"/>
-              <a:t>We’ll see in a few minutes how this works in a little more detail.</a:t>
+              <a:t>Here’s some skeleton code that realizes that behavior.  The producer takes a consumer as part of its constructor, and the consumer has a ‘notify’ method on which it can accept notifications about the data.  ‘notify’ is a common name for this method; if you run across this name in a codebase, that will tell you a little bit about what is going on.</a:t>
+            </a:r>
+          </a:p>
+          <a:p>
+            <a:endParaRPr lang="en-US" dirty="0"/>
+          </a:p>
+          <a:p>
+            <a:r>
+              <a:rPr lang="en-US" dirty="0"/>
+              <a:t>Usually, there will be more than one consumer to notify; we’ll talk about that in a minute.</a:t>
             </a:r>
           </a:p>
         </p:txBody>
@@ -5866,7 +6053,7 @@
           <a:p>
             <a:fld id="{07937F07-1250-4CCE-B198-1B2887014F41}" type="slidenum">
               <a:rPr lang="en-US" smtClean="0"/>
-              <a:t>11</a:t>
+              <a:t>10</a:t>
             </a:fld>
             <a:endParaRPr lang="en-US"/>
           </a:p>
@@ -5875,7 +6062,7 @@
     </p:spTree>
     <p:extLst>
       <p:ext uri="{BB962C8B-B14F-4D97-AF65-F5344CB8AC3E}">
-        <p14:creationId xmlns:p14="http://schemas.microsoft.com/office/powerpoint/2010/main" val="3285328138"/>
+        <p14:creationId xmlns:p14="http://schemas.microsoft.com/office/powerpoint/2010/main" val="3879032540"/>
       </p:ext>
     </p:extLst>
   </p:cSld>
@@ -5931,7 +6118,7 @@
           <a:p>
             <a:r>
               <a:rPr lang="en-US" dirty="0"/>
-              <a:t>Let’s take a look at both of these designs in a concrete example.   Here is the interface for a simple clock using the Pull design.</a:t>
+              <a:t>When there is more than one consumer, this is typically called the Observer Pattern, or the Publish-Subscribe Pattern, or the Listener Pattern.</a:t>
             </a:r>
           </a:p>
           <a:p>
@@ -5940,15 +6127,16 @@
           <a:p>
             <a:r>
               <a:rPr lang="en-US" dirty="0"/>
-              <a:t> It has three methods: reset, tick, and </a:t>
-            </a:r>
-            <a:r>
-              <a:rPr lang="en-US" dirty="0" err="1"/>
-              <a:t>getTime</a:t>
-            </a:r>
+              <a:t>&lt;read slide&gt;</a:t>
+            </a:r>
+          </a:p>
+          <a:p>
+            <a:endParaRPr lang="en-US" dirty="0"/>
+          </a:p>
+          <a:p>
             <a:r>
               <a:rPr lang="en-US" dirty="0"/>
-              <a:t>.  Note that the interface includes a description of what each method is supposed to do.  </a:t>
+              <a:t>We’ll see in a few minutes how this works in a little more detail.</a:t>
             </a:r>
           </a:p>
         </p:txBody>
@@ -5970,7 +6158,7 @@
           <a:p>
             <a:fld id="{07937F07-1250-4CCE-B198-1B2887014F41}" type="slidenum">
               <a:rPr lang="en-US" smtClean="0"/>
-              <a:t>12</a:t>
+              <a:t>11</a:t>
             </a:fld>
             <a:endParaRPr lang="en-US"/>
           </a:p>
@@ -5979,7 +6167,7 @@
     </p:spTree>
     <p:extLst>
       <p:ext uri="{BB962C8B-B14F-4D97-AF65-F5344CB8AC3E}">
-        <p14:creationId xmlns:p14="http://schemas.microsoft.com/office/powerpoint/2010/main" val="1615821103"/>
+        <p14:creationId xmlns:p14="http://schemas.microsoft.com/office/powerpoint/2010/main" val="3285328138"/>
       </p:ext>
     </p:extLst>
   </p:cSld>
@@ -6143,7 +6331,7 @@
           <a:p>
             <a:fld id="{5D2A64DE-480B-420F-9649-4F8E696E08E0}" type="datetime1">
               <a:rPr lang="en-US" smtClean="0"/>
-              <a:t>9/2/2022</a:t>
+              <a:t>9/6/2022</a:t>
             </a:fld>
             <a:endParaRPr lang="en-US"/>
           </a:p>
@@ -6467,7 +6655,7 @@
           <a:p>
             <a:fld id="{EA476A42-A091-4468-A075-64A31BE59948}" type="datetime1">
               <a:rPr lang="en-US" smtClean="0"/>
-              <a:t>9/2/2022</a:t>
+              <a:t>9/6/2022</a:t>
             </a:fld>
             <a:endParaRPr lang="en-US"/>
           </a:p>
@@ -6665,7 +6853,7 @@
           <a:p>
             <a:fld id="{0D3616D0-8311-4107-9726-6B805E7D05BA}" type="datetime1">
               <a:rPr lang="en-US" smtClean="0"/>
-              <a:t>9/2/2022</a:t>
+              <a:t>9/6/2022</a:t>
             </a:fld>
             <a:endParaRPr lang="en-US"/>
           </a:p>
@@ -6873,7 +7061,7 @@
           <a:p>
             <a:fld id="{3BC2557A-5C88-417A-A763-5AC779462A5F}" type="datetime1">
               <a:rPr lang="en-US" smtClean="0"/>
-              <a:t>9/2/2022</a:t>
+              <a:t>9/6/2022</a:t>
             </a:fld>
             <a:endParaRPr lang="en-US"/>
           </a:p>
@@ -7397,7 +7585,7 @@
           <a:p>
             <a:fld id="{07C7BFD4-467E-4EDE-93EA-052F5B39A4E5}" type="datetime1">
               <a:rPr lang="en-US" smtClean="0"/>
-              <a:t>9/2/2022</a:t>
+              <a:t>9/6/2022</a:t>
             </a:fld>
             <a:endParaRPr lang="en-US"/>
           </a:p>
@@ -7647,7 +7835,7 @@
           <a:p>
             <a:fld id="{07C7BFD4-467E-4EDE-93EA-052F5B39A4E5}" type="datetime1">
               <a:rPr lang="en-US" smtClean="0"/>
-              <a:t>9/2/2022</a:t>
+              <a:t>9/6/2022</a:t>
             </a:fld>
             <a:endParaRPr lang="en-US"/>
           </a:p>
@@ -7829,7 +8017,7 @@
           <a:p>
             <a:fld id="{109E55A0-C911-4F03-82FC-7E5926047D46}" type="datetime1">
               <a:rPr lang="en-US" smtClean="0"/>
-              <a:t>9/2/2022</a:t>
+              <a:t>9/6/2022</a:t>
             </a:fld>
             <a:endParaRPr lang="en-US"/>
           </a:p>
@@ -8142,7 +8330,7 @@
           <a:p>
             <a:fld id="{A533CBE2-D5BE-47AC-ADC2-9CDFC1D0CF90}" type="datetime1">
               <a:rPr lang="en-US" smtClean="0"/>
-              <a:t>9/2/2022</a:t>
+              <a:t>9/6/2022</a:t>
             </a:fld>
             <a:endParaRPr lang="en-US"/>
           </a:p>
@@ -8443,7 +8631,7 @@
           <a:p>
             <a:fld id="{39B7EDB1-CE74-4951-85A2-0B01C2128E28}" type="datetime1">
               <a:rPr lang="en-US" smtClean="0"/>
-              <a:t>9/2/2022</a:t>
+              <a:t>9/6/2022</a:t>
             </a:fld>
             <a:endParaRPr lang="en-US"/>
           </a:p>
@@ -8891,7 +9079,7 @@
           <a:p>
             <a:fld id="{2BC7EB92-A5C2-4807-A9DC-9EDE6CBFB241}" type="datetime1">
               <a:rPr lang="en-US" smtClean="0"/>
-              <a:t>9/2/2022</a:t>
+              <a:t>9/6/2022</a:t>
             </a:fld>
             <a:endParaRPr lang="en-US"/>
           </a:p>
@@ -9004,7 +9192,7 @@
           <a:p>
             <a:fld id="{2B7B7EE0-7771-4CD5-9B2B-3550753A54A1}" type="datetime1">
               <a:rPr lang="en-US" smtClean="0"/>
-              <a:t>9/2/2022</a:t>
+              <a:t>9/6/2022</a:t>
             </a:fld>
             <a:endParaRPr lang="en-US"/>
           </a:p>
@@ -9315,7 +9503,7 @@
           <a:p>
             <a:fld id="{F8B318B3-0E87-4416-A9B8-D891968C2727}" type="datetime1">
               <a:rPr lang="en-US" smtClean="0"/>
-              <a:t>9/2/2022</a:t>
+              <a:t>9/6/2022</a:t>
             </a:fld>
             <a:endParaRPr lang="en-US"/>
           </a:p>
@@ -9556,7 +9744,7 @@
           <a:p>
             <a:fld id="{54D997E8-DDEE-43F1-8D9B-F8A1E11DE488}" type="datetime1">
               <a:rPr lang="en-US" smtClean="0"/>
-              <a:t>9/2/2022</a:t>
+              <a:t>9/6/2022</a:t>
             </a:fld>
             <a:endParaRPr lang="en-US"/>
           </a:p>
@@ -11510,6 +11698,386 @@
       </p:grpSpPr>
       <p:sp>
         <p:nvSpPr>
+          <p:cNvPr id="2" name="Title 1">
+            <a:extLst>
+              <a:ext uri="{FF2B5EF4-FFF2-40B4-BE49-F238E27FC236}">
+                <a16:creationId xmlns:a16="http://schemas.microsoft.com/office/drawing/2014/main" id="{6B1CA409-9B57-F622-0182-DA5FD3551A87}"/>
+              </a:ext>
+            </a:extLst>
+          </p:cNvPr>
+          <p:cNvSpPr>
+            <a:spLocks noGrp="1"/>
+          </p:cNvSpPr>
+          <p:nvPr>
+            <p:ph type="title"/>
+          </p:nvPr>
+        </p:nvSpPr>
+        <p:spPr/>
+        <p:txBody>
+          <a:bodyPr/>
+          <a:lstStyle/>
+          <a:p>
+            <a:r>
+              <a:rPr lang="en-US" dirty="0"/>
+              <a:t>Push vs. Pull: Tradeoffs</a:t>
+            </a:r>
+          </a:p>
+        </p:txBody>
+      </p:sp>
+      <p:graphicFrame>
+        <p:nvGraphicFramePr>
+          <p:cNvPr id="5" name="Table 5">
+            <a:extLst>
+              <a:ext uri="{FF2B5EF4-FFF2-40B4-BE49-F238E27FC236}">
+                <a16:creationId xmlns:a16="http://schemas.microsoft.com/office/drawing/2014/main" id="{2230B33C-B724-20D5-0BA8-B5BE3182DB78}"/>
+              </a:ext>
+            </a:extLst>
+          </p:cNvPr>
+          <p:cNvGraphicFramePr>
+            <a:graphicFrameLocks noGrp="1"/>
+          </p:cNvGraphicFramePr>
+          <p:nvPr>
+            <p:ph idx="1"/>
+            <p:extLst>
+              <p:ext uri="{D42A27DB-BD31-4B8C-83A1-F6EECF244321}">
+                <p14:modId xmlns:p14="http://schemas.microsoft.com/office/powerpoint/2010/main" val="1979063159"/>
+              </p:ext>
+            </p:extLst>
+          </p:nvPr>
+        </p:nvGraphicFramePr>
+        <p:xfrm>
+          <a:off x="814647" y="1673817"/>
+          <a:ext cx="8445731" cy="3826870"/>
+        </p:xfrm>
+        <a:graphic>
+          <a:graphicData uri="http://schemas.openxmlformats.org/drawingml/2006/table">
+            <a:tbl>
+              <a:tblPr firstRow="1" bandRow="1">
+                <a:tableStyleId>{5C22544A-7EE6-4342-B048-85BDC9FD1C3A}</a:tableStyleId>
+              </a:tblPr>
+              <a:tblGrid>
+                <a:gridCol w="3936877">
+                  <a:extLst>
+                    <a:ext uri="{9D8B030D-6E8A-4147-A177-3AD203B41FA5}">
+                      <a16:colId xmlns:a16="http://schemas.microsoft.com/office/drawing/2014/main" val="2990107930"/>
+                    </a:ext>
+                  </a:extLst>
+                </a:gridCol>
+                <a:gridCol w="4508854">
+                  <a:extLst>
+                    <a:ext uri="{9D8B030D-6E8A-4147-A177-3AD203B41FA5}">
+                      <a16:colId xmlns:a16="http://schemas.microsoft.com/office/drawing/2014/main" val="2876557378"/>
+                    </a:ext>
+                  </a:extLst>
+                </a:gridCol>
+              </a:tblGrid>
+              <a:tr h="626712">
+                <a:tc>
+                  <a:txBody>
+                    <a:bodyPr/>
+                    <a:lstStyle/>
+                    <a:p>
+                      <a:pPr algn="ctr"/>
+                      <a:r>
+                        <a:rPr lang="en-US" sz="3200" dirty="0"/>
+                        <a:t>PULL</a:t>
+                      </a:r>
+                    </a:p>
+                  </a:txBody>
+                  <a:tcPr anchor="ctr"/>
+                </a:tc>
+                <a:tc>
+                  <a:txBody>
+                    <a:bodyPr/>
+                    <a:lstStyle/>
+                    <a:p>
+                      <a:pPr marL="0" algn="ctr" defTabSz="914400" rtl="0" eaLnBrk="1" latinLnBrk="0" hangingPunct="1"/>
+                      <a:r>
+                        <a:rPr lang="en-US" sz="3200" b="1" kern="1200" dirty="0">
+                          <a:solidFill>
+                            <a:schemeClr val="lt1"/>
+                          </a:solidFill>
+                          <a:latin typeface="+mn-lt"/>
+                          <a:ea typeface="+mn-ea"/>
+                          <a:cs typeface="+mn-cs"/>
+                        </a:rPr>
+                        <a:t>PUSH</a:t>
+                      </a:r>
+                    </a:p>
+                  </a:txBody>
+                  <a:tcPr anchor="ctr"/>
+                </a:tc>
+                <a:extLst>
+                  <a:ext uri="{0D108BD9-81ED-4DB2-BD59-A6C34878D82A}">
+                    <a16:rowId xmlns:a16="http://schemas.microsoft.com/office/drawing/2014/main" val="2871852569"/>
+                  </a:ext>
+                </a:extLst>
+              </a:tr>
+              <a:tr h="800342">
+                <a:tc>
+                  <a:txBody>
+                    <a:bodyPr/>
+                    <a:lstStyle/>
+                    <a:p>
+                      <a:r>
+                        <a:rPr lang="en-US" dirty="0"/>
+                        <a:t>The Consumer knows about the Producer</a:t>
+                      </a:r>
+                    </a:p>
+                  </a:txBody>
+                  <a:tcPr/>
+                </a:tc>
+                <a:tc>
+                  <a:txBody>
+                    <a:bodyPr/>
+                    <a:lstStyle/>
+                    <a:p>
+                      <a:r>
+                        <a:rPr lang="en-US" dirty="0"/>
+                        <a:t>Producer knows about the Consumer(s)</a:t>
+                      </a:r>
+                    </a:p>
+                  </a:txBody>
+                  <a:tcPr/>
+                </a:tc>
+                <a:extLst>
+                  <a:ext uri="{0D108BD9-81ED-4DB2-BD59-A6C34878D82A}">
+                    <a16:rowId xmlns:a16="http://schemas.microsoft.com/office/drawing/2014/main" val="3445075167"/>
+                  </a:ext>
+                </a:extLst>
+              </a:tr>
+              <a:tr h="799132">
+                <a:tc>
+                  <a:txBody>
+                    <a:bodyPr/>
+                    <a:lstStyle/>
+                    <a:p>
+                      <a:pPr marL="0" marR="0" lvl="0" indent="0" algn="l" defTabSz="914400" rtl="0" eaLnBrk="1" fontAlgn="auto" latinLnBrk="0" hangingPunct="1">
+                        <a:lnSpc>
+                          <a:spcPct val="100000"/>
+                        </a:lnSpc>
+                        <a:spcBef>
+                          <a:spcPts val="0"/>
+                        </a:spcBef>
+                        <a:spcAft>
+                          <a:spcPts val="0"/>
+                        </a:spcAft>
+                        <a:buClrTx/>
+                        <a:buSzTx/>
+                        <a:buFontTx/>
+                        <a:buNone/>
+                        <a:tabLst/>
+                        <a:defRPr/>
+                      </a:pPr>
+                      <a:r>
+                        <a:rPr lang="en-US" dirty="0"/>
+                        <a:t>The Producer must have a method that the Consumer can call</a:t>
+                      </a:r>
+                    </a:p>
+                  </a:txBody>
+                  <a:tcPr/>
+                </a:tc>
+                <a:tc>
+                  <a:txBody>
+                    <a:bodyPr/>
+                    <a:lstStyle/>
+                    <a:p>
+                      <a:pPr marL="0" marR="0" lvl="0" indent="0" algn="l" defTabSz="914400" rtl="0" eaLnBrk="1" fontAlgn="auto" latinLnBrk="0" hangingPunct="1">
+                        <a:lnSpc>
+                          <a:spcPct val="100000"/>
+                        </a:lnSpc>
+                        <a:spcBef>
+                          <a:spcPts val="0"/>
+                        </a:spcBef>
+                        <a:spcAft>
+                          <a:spcPts val="0"/>
+                        </a:spcAft>
+                        <a:buClrTx/>
+                        <a:buSzTx/>
+                        <a:buFontTx/>
+                        <a:buNone/>
+                        <a:tabLst/>
+                        <a:defRPr/>
+                      </a:pPr>
+                      <a:r>
+                        <a:rPr lang="en-US" dirty="0"/>
+                        <a:t>The Consumer must have a method that producer can use to notify it</a:t>
+                      </a:r>
+                    </a:p>
+                  </a:txBody>
+                  <a:tcPr/>
+                </a:tc>
+                <a:extLst>
+                  <a:ext uri="{0D108BD9-81ED-4DB2-BD59-A6C34878D82A}">
+                    <a16:rowId xmlns:a16="http://schemas.microsoft.com/office/drawing/2014/main" val="3335784251"/>
+                  </a:ext>
+                </a:extLst>
+              </a:tr>
+              <a:tr h="800342">
+                <a:tc>
+                  <a:txBody>
+                    <a:bodyPr/>
+                    <a:lstStyle/>
+                    <a:p>
+                      <a:pPr marL="0" marR="0" lvl="0" indent="0" algn="l" defTabSz="914400" rtl="0" eaLnBrk="1" fontAlgn="auto" latinLnBrk="0" hangingPunct="1">
+                        <a:lnSpc>
+                          <a:spcPct val="100000"/>
+                        </a:lnSpc>
+                        <a:spcBef>
+                          <a:spcPts val="0"/>
+                        </a:spcBef>
+                        <a:spcAft>
+                          <a:spcPts val="0"/>
+                        </a:spcAft>
+                        <a:buClrTx/>
+                        <a:buSzTx/>
+                        <a:buFontTx/>
+                        <a:buNone/>
+                        <a:tabLst/>
+                        <a:defRPr/>
+                      </a:pPr>
+                      <a:r>
+                        <a:rPr lang="en-US" dirty="0"/>
+                        <a:t>The Consumer asks the Producer for the data</a:t>
+                      </a:r>
+                    </a:p>
+                  </a:txBody>
+                  <a:tcPr/>
+                </a:tc>
+                <a:tc>
+                  <a:txBody>
+                    <a:bodyPr/>
+                    <a:lstStyle/>
+                    <a:p>
+                      <a:pPr marL="0" marR="0" lvl="0" indent="0" algn="l" defTabSz="914400" rtl="0" eaLnBrk="1" fontAlgn="auto" latinLnBrk="0" hangingPunct="1">
+                        <a:lnSpc>
+                          <a:spcPct val="100000"/>
+                        </a:lnSpc>
+                        <a:spcBef>
+                          <a:spcPts val="0"/>
+                        </a:spcBef>
+                        <a:spcAft>
+                          <a:spcPts val="0"/>
+                        </a:spcAft>
+                        <a:buClrTx/>
+                        <a:buSzTx/>
+                        <a:buFontTx/>
+                        <a:buNone/>
+                        <a:tabLst/>
+                        <a:defRPr/>
+                      </a:pPr>
+                      <a:r>
+                        <a:rPr lang="en-US" dirty="0"/>
+                        <a:t>Producer notifies the Consumer whenever the data is updated</a:t>
+                      </a:r>
+                    </a:p>
+                  </a:txBody>
+                  <a:tcPr/>
+                </a:tc>
+                <a:extLst>
+                  <a:ext uri="{0D108BD9-81ED-4DB2-BD59-A6C34878D82A}">
+                    <a16:rowId xmlns:a16="http://schemas.microsoft.com/office/drawing/2014/main" val="1207891794"/>
+                  </a:ext>
+                </a:extLst>
+              </a:tr>
+              <a:tr h="800342">
+                <a:tc>
+                  <a:txBody>
+                    <a:bodyPr/>
+                    <a:lstStyle/>
+                    <a:p>
+                      <a:r>
+                        <a:rPr lang="en-US" dirty="0"/>
+                        <a:t>Better when updates are more frequent than requests</a:t>
+                      </a:r>
+                    </a:p>
+                  </a:txBody>
+                  <a:tcPr/>
+                </a:tc>
+                <a:tc>
+                  <a:txBody>
+                    <a:bodyPr/>
+                    <a:lstStyle/>
+                    <a:p>
+                      <a:r>
+                        <a:rPr lang="en-US" dirty="0"/>
+                        <a:t>Better when updates are rarer than requests</a:t>
+                      </a:r>
+                    </a:p>
+                  </a:txBody>
+                  <a:tcPr/>
+                </a:tc>
+                <a:extLst>
+                  <a:ext uri="{0D108BD9-81ED-4DB2-BD59-A6C34878D82A}">
+                    <a16:rowId xmlns:a16="http://schemas.microsoft.com/office/drawing/2014/main" val="2309991564"/>
+                  </a:ext>
+                </a:extLst>
+              </a:tr>
+            </a:tbl>
+          </a:graphicData>
+        </a:graphic>
+      </p:graphicFrame>
+      <p:sp>
+        <p:nvSpPr>
+          <p:cNvPr id="4" name="Slide Number Placeholder 3">
+            <a:extLst>
+              <a:ext uri="{FF2B5EF4-FFF2-40B4-BE49-F238E27FC236}">
+                <a16:creationId xmlns:a16="http://schemas.microsoft.com/office/drawing/2014/main" id="{278015C0-DF6D-C88F-F5B8-A87F2EC87563}"/>
+              </a:ext>
+            </a:extLst>
+          </p:cNvPr>
+          <p:cNvSpPr>
+            <a:spLocks noGrp="1"/>
+          </p:cNvSpPr>
+          <p:nvPr>
+            <p:ph type="sldNum" sz="quarter" idx="12"/>
+          </p:nvPr>
+        </p:nvSpPr>
+        <p:spPr/>
+        <p:txBody>
+          <a:bodyPr/>
+          <a:lstStyle/>
+          <a:p>
+            <a:fld id="{20F37917-FD3A-4669-9018-DA04BCDD3D75}" type="slidenum">
+              <a:rPr lang="en-US" smtClean="0"/>
+              <a:t>12</a:t>
+            </a:fld>
+            <a:endParaRPr lang="en-US"/>
+          </a:p>
+        </p:txBody>
+      </p:sp>
+    </p:spTree>
+    <p:extLst>
+      <p:ext uri="{BB962C8B-B14F-4D97-AF65-F5344CB8AC3E}">
+        <p14:creationId xmlns:p14="http://schemas.microsoft.com/office/powerpoint/2010/main" val="946975903"/>
+      </p:ext>
+    </p:extLst>
+  </p:cSld>
+  <p:clrMapOvr>
+    <a:masterClrMapping/>
+  </p:clrMapOvr>
+</p:sld>
+</file>
+
+<file path=ppt/slides/slide13.xml><?xml version="1.0" encoding="utf-8"?>
+<p:sld xmlns:a="http://schemas.openxmlformats.org/drawingml/2006/main" xmlns:r="http://schemas.openxmlformats.org/officeDocument/2006/relationships" xmlns:p="http://schemas.openxmlformats.org/presentationml/2006/main">
+  <p:cSld>
+    <p:spTree>
+      <p:nvGrpSpPr>
+        <p:cNvPr id="1" name=""/>
+        <p:cNvGrpSpPr/>
+        <p:nvPr/>
+      </p:nvGrpSpPr>
+      <p:grpSpPr>
+        <a:xfrm>
+          <a:off x="0" y="0"/>
+          <a:ext cx="0" cy="0"/>
+          <a:chOff x="0" y="0"/>
+          <a:chExt cx="0" cy="0"/>
+        </a:xfrm>
+      </p:grpSpPr>
+      <p:sp>
+        <p:nvSpPr>
           <p:cNvPr id="5" name="Title 4">
             <a:extLst>
               <a:ext uri="{FF2B5EF4-FFF2-40B4-BE49-F238E27FC236}">
@@ -11592,7 +12160,7 @@
           <a:p>
             <a:fld id="{20F37917-FD3A-4669-9018-DA04BCDD3D75}" type="slidenum">
               <a:rPr lang="en-US" smtClean="0"/>
-              <a:t>12</a:t>
+              <a:t>13</a:t>
             </a:fld>
             <a:endParaRPr lang="en-US"/>
           </a:p>
@@ -12019,7 +12587,7 @@
 </p:sld>
 </file>
 
-<file path=ppt/slides/slide13.xml><?xml version="1.0" encoding="utf-8"?>
+<file path=ppt/slides/slide14.xml><?xml version="1.0" encoding="utf-8"?>
 <p:sld xmlns:a="http://schemas.openxmlformats.org/drawingml/2006/main" xmlns:r="http://schemas.openxmlformats.org/officeDocument/2006/relationships" xmlns:p="http://schemas.openxmlformats.org/presentationml/2006/main">
   <p:cSld>
     <p:spTree>
@@ -12088,7 +12656,7 @@
           <a:p>
             <a:fld id="{20F37917-FD3A-4669-9018-DA04BCDD3D75}" type="slidenum">
               <a:rPr lang="en-US" smtClean="0"/>
-              <a:t>13</a:t>
+              <a:t>14</a:t>
             </a:fld>
             <a:endParaRPr lang="en-US"/>
           </a:p>
@@ -13426,7 +13994,7 @@
 </p:sld>
 </file>
 
-<file path=ppt/slides/slide14.xml><?xml version="1.0" encoding="utf-8"?>
+<file path=ppt/slides/slide15.xml><?xml version="1.0" encoding="utf-8"?>
 <p:sld xmlns:a="http://schemas.openxmlformats.org/drawingml/2006/main" xmlns:r="http://schemas.openxmlformats.org/officeDocument/2006/relationships" xmlns:p="http://schemas.openxmlformats.org/presentationml/2006/main">
   <p:cSld>
     <p:spTree>
@@ -13494,7 +14062,7 @@
           <a:p>
             <a:fld id="{20F37917-FD3A-4669-9018-DA04BCDD3D75}" type="slidenum">
               <a:rPr lang="en-US" smtClean="0"/>
-              <a:t>14</a:t>
+              <a:t>15</a:t>
             </a:fld>
             <a:endParaRPr lang="en-US" dirty="0"/>
           </a:p>
@@ -14812,7 +15380,7 @@
 </p:sld>
 </file>
 
-<file path=ppt/slides/slide15.xml><?xml version="1.0" encoding="utf-8"?>
+<file path=ppt/slides/slide16.xml><?xml version="1.0" encoding="utf-8"?>
 <p:sld xmlns:a="http://schemas.openxmlformats.org/drawingml/2006/main" xmlns:r="http://schemas.openxmlformats.org/officeDocument/2006/relationships" xmlns:p="http://schemas.openxmlformats.org/presentationml/2006/main">
   <p:cSld>
     <p:spTree>
@@ -14880,7 +15448,7 @@
           <a:p>
             <a:fld id="{20F37917-FD3A-4669-9018-DA04BCDD3D75}" type="slidenum">
               <a:rPr lang="en-US" smtClean="0"/>
-              <a:t>15</a:t>
+              <a:t>16</a:t>
             </a:fld>
             <a:endParaRPr lang="en-US"/>
           </a:p>
@@ -16764,7 +17332,7 @@
 </p:sld>
 </file>
 
-<file path=ppt/slides/slide16.xml><?xml version="1.0" encoding="utf-8"?>
+<file path=ppt/slides/slide17.xml><?xml version="1.0" encoding="utf-8"?>
 <p:sld xmlns:a="http://schemas.openxmlformats.org/drawingml/2006/main" xmlns:r="http://schemas.openxmlformats.org/officeDocument/2006/relationships" xmlns:p="http://schemas.openxmlformats.org/presentationml/2006/main">
   <p:cSld>
     <p:spTree>
@@ -16834,7 +17402,7 @@
           <a:p>
             <a:fld id="{20F37917-FD3A-4669-9018-DA04BCDD3D75}" type="slidenum">
               <a:rPr lang="en-US" smtClean="0"/>
-              <a:t>16</a:t>
+              <a:t>17</a:t>
             </a:fld>
             <a:endParaRPr lang="en-US"/>
           </a:p>
@@ -17927,7 +18495,7 @@
 </p:sld>
 </file>
 
-<file path=ppt/slides/slide17.xml><?xml version="1.0" encoding="utf-8"?>
+<file path=ppt/slides/slide18.xml><?xml version="1.0" encoding="utf-8"?>
 <p:sld xmlns:a="http://schemas.openxmlformats.org/drawingml/2006/main" xmlns:r="http://schemas.openxmlformats.org/officeDocument/2006/relationships" xmlns:p="http://schemas.openxmlformats.org/presentationml/2006/main">
   <p:cSld>
     <p:spTree>
@@ -17997,7 +18565,7 @@
           <a:p>
             <a:fld id="{20F37917-FD3A-4669-9018-DA04BCDD3D75}" type="slidenum">
               <a:rPr lang="en-US" smtClean="0"/>
-              <a:t>17</a:t>
+              <a:t>18</a:t>
             </a:fld>
             <a:endParaRPr lang="en-US"/>
           </a:p>
@@ -18585,7 +19153,7 @@
 </p:sld>
 </file>
 
-<file path=ppt/slides/slide18.xml><?xml version="1.0" encoding="utf-8"?>
+<file path=ppt/slides/slide19.xml><?xml version="1.0" encoding="utf-8"?>
 <p:sld xmlns:a="http://schemas.openxmlformats.org/drawingml/2006/main" xmlns:r="http://schemas.openxmlformats.org/officeDocument/2006/relationships" xmlns:p="http://schemas.openxmlformats.org/presentationml/2006/main">
   <p:cSld>
     <p:spTree>
@@ -18653,7 +19221,7 @@
           <a:p>
             <a:fld id="{20F37917-FD3A-4669-9018-DA04BCDD3D75}" type="slidenum">
               <a:rPr lang="en-US" smtClean="0"/>
-              <a:t>18</a:t>
+              <a:t>19</a:t>
             </a:fld>
             <a:endParaRPr lang="en-US"/>
           </a:p>
@@ -18973,7 +19541,157 @@
 </p:sld>
 </file>
 
-<file path=ppt/slides/slide19.xml><?xml version="1.0" encoding="utf-8"?>
+<file path=ppt/slides/slide2.xml><?xml version="1.0" encoding="utf-8"?>
+<p:sld xmlns:a="http://schemas.openxmlformats.org/drawingml/2006/main" xmlns:r="http://schemas.openxmlformats.org/officeDocument/2006/relationships" xmlns:p="http://schemas.openxmlformats.org/presentationml/2006/main">
+  <p:cSld>
+    <p:spTree>
+      <p:nvGrpSpPr>
+        <p:cNvPr id="1" name=""/>
+        <p:cNvGrpSpPr/>
+        <p:nvPr/>
+      </p:nvGrpSpPr>
+      <p:grpSpPr>
+        <a:xfrm>
+          <a:off x="0" y="0"/>
+          <a:ext cx="0" cy="0"/>
+          <a:chOff x="0" y="0"/>
+          <a:chExt cx="0" cy="0"/>
+        </a:xfrm>
+      </p:grpSpPr>
+      <p:sp>
+        <p:nvSpPr>
+          <p:cNvPr id="2" name="Title 1">
+            <a:extLst>
+              <a:ext uri="{FF2B5EF4-FFF2-40B4-BE49-F238E27FC236}">
+                <a16:creationId xmlns:a16="http://schemas.microsoft.com/office/drawing/2014/main" id="{E743D407-5B53-49A7-9907-E801EA7FFD8E}"/>
+              </a:ext>
+            </a:extLst>
+          </p:cNvPr>
+          <p:cNvSpPr>
+            <a:spLocks noGrp="1"/>
+          </p:cNvSpPr>
+          <p:nvPr>
+            <p:ph type="title"/>
+          </p:nvPr>
+        </p:nvSpPr>
+        <p:spPr/>
+        <p:txBody>
+          <a:bodyPr/>
+          <a:lstStyle/>
+          <a:p>
+            <a:r>
+              <a:rPr lang="en-US" dirty="0"/>
+              <a:t>Learning Goals for this Lesson</a:t>
+            </a:r>
+          </a:p>
+        </p:txBody>
+      </p:sp>
+      <p:sp>
+        <p:nvSpPr>
+          <p:cNvPr id="3" name="Content Placeholder 2">
+            <a:extLst>
+              <a:ext uri="{FF2B5EF4-FFF2-40B4-BE49-F238E27FC236}">
+                <a16:creationId xmlns:a16="http://schemas.microsoft.com/office/drawing/2014/main" id="{AC300E2B-BFD0-4090-AFC5-FE82683F997F}"/>
+              </a:ext>
+            </a:extLst>
+          </p:cNvPr>
+          <p:cNvSpPr>
+            <a:spLocks noGrp="1"/>
+          </p:cNvSpPr>
+          <p:nvPr>
+            <p:ph idx="1"/>
+          </p:nvPr>
+        </p:nvSpPr>
+        <p:spPr/>
+        <p:txBody>
+          <a:bodyPr/>
+          <a:lstStyle/>
+          <a:p>
+            <a:r>
+              <a:rPr lang="en-US" dirty="0"/>
+              <a:t>By the end of this lesson, you should be able to</a:t>
+            </a:r>
+          </a:p>
+          <a:p>
+            <a:pPr lvl="1"/>
+            <a:r>
+              <a:rPr lang="en-US" dirty="0">
+                <a:solidFill>
+                  <a:srgbClr val="24292F"/>
+                </a:solidFill>
+              </a:rPr>
+              <a:t>Explain how </a:t>
+            </a:r>
+            <a:r>
+              <a:rPr lang="en-US" b="0" i="0" dirty="0">
+                <a:solidFill>
+                  <a:srgbClr val="24292F"/>
+                </a:solidFill>
+                <a:effectLst/>
+              </a:rPr>
+              <a:t>patterns capture common solutions and tradeoffs for recurring problems.</a:t>
+            </a:r>
+            <a:endParaRPr lang="en-US" dirty="0"/>
+          </a:p>
+          <a:p>
+            <a:pPr lvl="1"/>
+            <a:r>
+              <a:rPr lang="en-US" dirty="0"/>
+              <a:t>Give 4 examples of interaction patterns and describe their distinguishing characteristics</a:t>
+            </a:r>
+          </a:p>
+          <a:p>
+            <a:pPr lvl="1"/>
+            <a:r>
+              <a:rPr lang="en-US" dirty="0"/>
+              <a:t>Draw a picture or give an example to illustrate each one</a:t>
+            </a:r>
+          </a:p>
+        </p:txBody>
+      </p:sp>
+      <p:sp>
+        <p:nvSpPr>
+          <p:cNvPr id="4" name="Slide Number Placeholder 3">
+            <a:extLst>
+              <a:ext uri="{FF2B5EF4-FFF2-40B4-BE49-F238E27FC236}">
+                <a16:creationId xmlns:a16="http://schemas.microsoft.com/office/drawing/2014/main" id="{B7BF3F82-6F96-41E0-9C15-23CE00076176}"/>
+              </a:ext>
+            </a:extLst>
+          </p:cNvPr>
+          <p:cNvSpPr>
+            <a:spLocks noGrp="1"/>
+          </p:cNvSpPr>
+          <p:nvPr>
+            <p:ph type="sldNum" sz="quarter" idx="12"/>
+          </p:nvPr>
+        </p:nvSpPr>
+        <p:spPr/>
+        <p:txBody>
+          <a:bodyPr/>
+          <a:lstStyle/>
+          <a:p>
+            <a:fld id="{20F37917-FD3A-4669-9018-DA04BCDD3D75}" type="slidenum">
+              <a:rPr lang="en-US" smtClean="0"/>
+              <a:t>2</a:t>
+            </a:fld>
+            <a:endParaRPr lang="en-US"/>
+          </a:p>
+        </p:txBody>
+      </p:sp>
+    </p:spTree>
+    <p:extLst>
+      <p:ext uri="{BB962C8B-B14F-4D97-AF65-F5344CB8AC3E}">
+        <p14:creationId xmlns:p14="http://schemas.microsoft.com/office/powerpoint/2010/main" val="3158287491"/>
+      </p:ext>
+    </p:extLst>
+  </p:cSld>
+  <p:clrMapOvr>
+    <a:masterClrMapping/>
+  </p:clrMapOvr>
+</p:sld>
+</file>
+
+<file path=ppt/slides/slide20.xml><?xml version="1.0" encoding="utf-8"?>
 <p:sld xmlns:a="http://schemas.openxmlformats.org/drawingml/2006/main" xmlns:r="http://schemas.openxmlformats.org/officeDocument/2006/relationships" xmlns:p="http://schemas.openxmlformats.org/presentationml/2006/main">
   <p:cSld>
     <p:spTree>
@@ -19041,7 +19759,7 @@
           <a:p>
             <a:fld id="{20F37917-FD3A-4669-9018-DA04BCDD3D75}" type="slidenum">
               <a:rPr lang="en-US" smtClean="0"/>
-              <a:t>19</a:t>
+              <a:t>20</a:t>
             </a:fld>
             <a:endParaRPr lang="en-US"/>
           </a:p>
@@ -20345,136 +21063,7 @@
 </p:sld>
 </file>
 
-<file path=ppt/slides/slide2.xml><?xml version="1.0" encoding="utf-8"?>
-<p:sld xmlns:a="http://schemas.openxmlformats.org/drawingml/2006/main" xmlns:r="http://schemas.openxmlformats.org/officeDocument/2006/relationships" xmlns:p="http://schemas.openxmlformats.org/presentationml/2006/main">
-  <p:cSld>
-    <p:spTree>
-      <p:nvGrpSpPr>
-        <p:cNvPr id="1" name=""/>
-        <p:cNvGrpSpPr/>
-        <p:nvPr/>
-      </p:nvGrpSpPr>
-      <p:grpSpPr>
-        <a:xfrm>
-          <a:off x="0" y="0"/>
-          <a:ext cx="0" cy="0"/>
-          <a:chOff x="0" y="0"/>
-          <a:chExt cx="0" cy="0"/>
-        </a:xfrm>
-      </p:grpSpPr>
-      <p:sp>
-        <p:nvSpPr>
-          <p:cNvPr id="2" name="Title 1">
-            <a:extLst>
-              <a:ext uri="{FF2B5EF4-FFF2-40B4-BE49-F238E27FC236}">
-                <a16:creationId xmlns:a16="http://schemas.microsoft.com/office/drawing/2014/main" id="{E743D407-5B53-49A7-9907-E801EA7FFD8E}"/>
-              </a:ext>
-            </a:extLst>
-          </p:cNvPr>
-          <p:cNvSpPr>
-            <a:spLocks noGrp="1"/>
-          </p:cNvSpPr>
-          <p:nvPr>
-            <p:ph type="title"/>
-          </p:nvPr>
-        </p:nvSpPr>
-        <p:spPr/>
-        <p:txBody>
-          <a:bodyPr/>
-          <a:lstStyle/>
-          <a:p>
-            <a:r>
-              <a:rPr lang="en-US" dirty="0"/>
-              <a:t>Learning Goals for this Lesson</a:t>
-            </a:r>
-          </a:p>
-        </p:txBody>
-      </p:sp>
-      <p:sp>
-        <p:nvSpPr>
-          <p:cNvPr id="3" name="Content Placeholder 2">
-            <a:extLst>
-              <a:ext uri="{FF2B5EF4-FFF2-40B4-BE49-F238E27FC236}">
-                <a16:creationId xmlns:a16="http://schemas.microsoft.com/office/drawing/2014/main" id="{AC300E2B-BFD0-4090-AFC5-FE82683F997F}"/>
-              </a:ext>
-            </a:extLst>
-          </p:cNvPr>
-          <p:cNvSpPr>
-            <a:spLocks noGrp="1"/>
-          </p:cNvSpPr>
-          <p:nvPr>
-            <p:ph idx="1"/>
-          </p:nvPr>
-        </p:nvSpPr>
-        <p:spPr/>
-        <p:txBody>
-          <a:bodyPr/>
-          <a:lstStyle/>
-          <a:p>
-            <a:r>
-              <a:rPr lang="en-US" dirty="0"/>
-              <a:t>By the end of this lesson, you should be able to</a:t>
-            </a:r>
-          </a:p>
-          <a:p>
-            <a:pPr lvl="1"/>
-            <a:r>
-              <a:rPr lang="en-US" dirty="0"/>
-              <a:t>Give 4 examples of interaction patterns and describe their distinguishing characteristics</a:t>
-            </a:r>
-          </a:p>
-          <a:p>
-            <a:pPr lvl="1"/>
-            <a:r>
-              <a:rPr lang="en-US" dirty="0"/>
-              <a:t>Draw a picture or give an example to illustrate each one</a:t>
-            </a:r>
-          </a:p>
-        </p:txBody>
-      </p:sp>
-      <p:sp>
-        <p:nvSpPr>
-          <p:cNvPr id="4" name="Slide Number Placeholder 3">
-            <a:extLst>
-              <a:ext uri="{FF2B5EF4-FFF2-40B4-BE49-F238E27FC236}">
-                <a16:creationId xmlns:a16="http://schemas.microsoft.com/office/drawing/2014/main" id="{B7BF3F82-6F96-41E0-9C15-23CE00076176}"/>
-              </a:ext>
-            </a:extLst>
-          </p:cNvPr>
-          <p:cNvSpPr>
-            <a:spLocks noGrp="1"/>
-          </p:cNvSpPr>
-          <p:nvPr>
-            <p:ph type="sldNum" sz="quarter" idx="12"/>
-          </p:nvPr>
-        </p:nvSpPr>
-        <p:spPr/>
-        <p:txBody>
-          <a:bodyPr/>
-          <a:lstStyle/>
-          <a:p>
-            <a:fld id="{20F37917-FD3A-4669-9018-DA04BCDD3D75}" type="slidenum">
-              <a:rPr lang="en-US" smtClean="0"/>
-              <a:t>2</a:t>
-            </a:fld>
-            <a:endParaRPr lang="en-US"/>
-          </a:p>
-        </p:txBody>
-      </p:sp>
-    </p:spTree>
-    <p:extLst>
-      <p:ext uri="{BB962C8B-B14F-4D97-AF65-F5344CB8AC3E}">
-        <p14:creationId xmlns:p14="http://schemas.microsoft.com/office/powerpoint/2010/main" val="3158287491"/>
-      </p:ext>
-    </p:extLst>
-  </p:cSld>
-  <p:clrMapOvr>
-    <a:masterClrMapping/>
-  </p:clrMapOvr>
-</p:sld>
-</file>
-
-<file path=ppt/slides/slide20.xml><?xml version="1.0" encoding="utf-8"?>
+<file path=ppt/slides/slide21.xml><?xml version="1.0" encoding="utf-8"?>
 <p:sld xmlns:a="http://schemas.openxmlformats.org/drawingml/2006/main" xmlns:r="http://schemas.openxmlformats.org/officeDocument/2006/relationships" xmlns:p="http://schemas.openxmlformats.org/presentationml/2006/main">
   <p:cSld>
     <p:spTree>
@@ -20593,7 +21182,7 @@
           <a:p>
             <a:fld id="{20F37917-FD3A-4669-9018-DA04BCDD3D75}" type="slidenum">
               <a:rPr lang="en-US" smtClean="0"/>
-              <a:t>20</a:t>
+              <a:t>21</a:t>
             </a:fld>
             <a:endParaRPr lang="en-US"/>
           </a:p>
@@ -20796,7 +21385,7 @@
 </p:sld>
 </file>
 
-<file path=ppt/slides/slide21.xml><?xml version="1.0" encoding="utf-8"?>
+<file path=ppt/slides/slide22.xml><?xml version="1.0" encoding="utf-8"?>
 <p:sld xmlns:a="http://schemas.openxmlformats.org/drawingml/2006/main" xmlns:r="http://schemas.openxmlformats.org/officeDocument/2006/relationships" xmlns:p="http://schemas.openxmlformats.org/presentationml/2006/main">
   <p:cSld>
     <p:spTree>
@@ -20934,7 +21523,7 @@
           <a:p>
             <a:fld id="{20F37917-FD3A-4669-9018-DA04BCDD3D75}" type="slidenum">
               <a:rPr lang="en-US" smtClean="0"/>
-              <a:t>21</a:t>
+              <a:t>22</a:t>
             </a:fld>
             <a:endParaRPr lang="en-US"/>
           </a:p>
@@ -20953,7 +21542,7 @@
 </p:sld>
 </file>
 
-<file path=ppt/slides/slide22.xml><?xml version="1.0" encoding="utf-8"?>
+<file path=ppt/slides/slide23.xml><?xml version="1.0" encoding="utf-8"?>
 <p:sld xmlns:a="http://schemas.openxmlformats.org/drawingml/2006/main" xmlns:r="http://schemas.openxmlformats.org/officeDocument/2006/relationships" xmlns:p="http://schemas.openxmlformats.org/presentationml/2006/main">
   <p:cSld>
     <p:spTree>
@@ -21083,7 +21672,7 @@
           <a:p>
             <a:fld id="{20F37917-FD3A-4669-9018-DA04BCDD3D75}" type="slidenum">
               <a:rPr lang="en-US" smtClean="0"/>
-              <a:t>22</a:t>
+              <a:t>23</a:t>
             </a:fld>
             <a:endParaRPr lang="en-US"/>
           </a:p>
@@ -21369,7 +21958,7 @@
 </p:sld>
 </file>
 
-<file path=ppt/slides/slide23.xml><?xml version="1.0" encoding="utf-8"?>
+<file path=ppt/slides/slide24.xml><?xml version="1.0" encoding="utf-8"?>
 <p:sld xmlns:a="http://schemas.openxmlformats.org/drawingml/2006/main" xmlns:r="http://schemas.openxmlformats.org/officeDocument/2006/relationships" xmlns:p="http://schemas.openxmlformats.org/presentationml/2006/main">
   <p:cSld>
     <p:spTree>
@@ -21439,7 +22028,7 @@
           <a:p>
             <a:fld id="{20F37917-FD3A-4669-9018-DA04BCDD3D75}" type="slidenum">
               <a:rPr lang="en-US" smtClean="0"/>
-              <a:t>23</a:t>
+              <a:t>24</a:t>
             </a:fld>
             <a:endParaRPr lang="en-US"/>
           </a:p>
@@ -22027,7 +22616,7 @@
 </p:sld>
 </file>
 
-<file path=ppt/slides/slide24.xml><?xml version="1.0" encoding="utf-8"?>
+<file path=ppt/slides/slide25.xml><?xml version="1.0" encoding="utf-8"?>
 <p:sld xmlns:a="http://schemas.openxmlformats.org/drawingml/2006/main" xmlns:r="http://schemas.openxmlformats.org/officeDocument/2006/relationships" xmlns:p="http://schemas.openxmlformats.org/presentationml/2006/main">
   <p:cSld>
     <p:spTree>
@@ -22095,7 +22684,7 @@
           <a:p>
             <a:fld id="{20F37917-FD3A-4669-9018-DA04BCDD3D75}" type="slidenum">
               <a:rPr lang="en-US" smtClean="0"/>
-              <a:t>24</a:t>
+              <a:t>25</a:t>
             </a:fld>
             <a:endParaRPr lang="en-US"/>
           </a:p>
@@ -22633,7 +23222,7 @@
 </p:sld>
 </file>
 
-<file path=ppt/slides/slide25.xml><?xml version="1.0" encoding="utf-8"?>
+<file path=ppt/slides/slide26.xml><?xml version="1.0" encoding="utf-8"?>
 <p:sld xmlns:a="http://schemas.openxmlformats.org/drawingml/2006/main" xmlns:r="http://schemas.openxmlformats.org/officeDocument/2006/relationships" xmlns:p="http://schemas.openxmlformats.org/presentationml/2006/main">
   <p:cSld>
     <p:spTree>
@@ -22709,7 +23298,7 @@
           <a:p>
             <a:fld id="{20F37917-FD3A-4669-9018-DA04BCDD3D75}" type="slidenum">
               <a:rPr lang="en-US" smtClean="0"/>
-              <a:t>25</a:t>
+              <a:t>26</a:t>
             </a:fld>
             <a:endParaRPr lang="en-US"/>
           </a:p>
@@ -23886,7 +24475,7 @@
 </p:sld>
 </file>
 
-<file path=ppt/slides/slide26.xml><?xml version="1.0" encoding="utf-8"?>
+<file path=ppt/slides/slide27.xml><?xml version="1.0" encoding="utf-8"?>
 <p:sld xmlns:a="http://schemas.openxmlformats.org/drawingml/2006/main" xmlns:r="http://schemas.openxmlformats.org/officeDocument/2006/relationships" xmlns:p="http://schemas.openxmlformats.org/presentationml/2006/main">
   <p:cSld>
     <p:spTree>
@@ -23956,7 +24545,7 @@
           <a:p>
             <a:fld id="{20F37917-FD3A-4669-9018-DA04BCDD3D75}" type="slidenum">
               <a:rPr lang="en-US" smtClean="0"/>
-              <a:t>26</a:t>
+              <a:t>27</a:t>
             </a:fld>
             <a:endParaRPr lang="en-US"/>
           </a:p>
@@ -24710,7 +25299,7 @@
 </p:sld>
 </file>
 
-<file path=ppt/slides/slide27.xml><?xml version="1.0" encoding="utf-8"?>
+<file path=ppt/slides/slide28.xml><?xml version="1.0" encoding="utf-8"?>
 <p:sld xmlns:a="http://schemas.openxmlformats.org/drawingml/2006/main" xmlns:r="http://schemas.openxmlformats.org/officeDocument/2006/relationships" xmlns:p="http://schemas.openxmlformats.org/presentationml/2006/main">
   <p:cSld>
     <p:spTree>
@@ -24812,7 +25401,7 @@
           <a:p>
             <a:fld id="{20F37917-FD3A-4669-9018-DA04BCDD3D75}" type="slidenum">
               <a:rPr lang="en-US" smtClean="0"/>
-              <a:t>27</a:t>
+              <a:t>28</a:t>
             </a:fld>
             <a:endParaRPr lang="en-US"/>
           </a:p>
@@ -24831,7 +25420,7 @@
 </p:sld>
 </file>
 
-<file path=ppt/slides/slide28.xml><?xml version="1.0" encoding="utf-8"?>
+<file path=ppt/slides/slide29.xml><?xml version="1.0" encoding="utf-8"?>
 <p:sld xmlns:a="http://schemas.openxmlformats.org/drawingml/2006/main" xmlns:r="http://schemas.openxmlformats.org/officeDocument/2006/relationships" xmlns:p="http://schemas.openxmlformats.org/presentationml/2006/main">
   <p:cSld>
     <p:spTree>
@@ -24901,7 +25490,7 @@
           <a:p>
             <a:fld id="{20F37917-FD3A-4669-9018-DA04BCDD3D75}" type="slidenum">
               <a:rPr lang="en-US" smtClean="0"/>
-              <a:t>28</a:t>
+              <a:t>29</a:t>
             </a:fld>
             <a:endParaRPr lang="en-US"/>
           </a:p>
@@ -26738,7 +27327,163 @@
 </p:sld>
 </file>
 
-<file path=ppt/slides/slide29.xml><?xml version="1.0" encoding="utf-8"?>
+<file path=ppt/slides/slide3.xml><?xml version="1.0" encoding="utf-8"?>
+<p:sld xmlns:a="http://schemas.openxmlformats.org/drawingml/2006/main" xmlns:r="http://schemas.openxmlformats.org/officeDocument/2006/relationships" xmlns:p="http://schemas.openxmlformats.org/presentationml/2006/main">
+  <p:cSld>
+    <p:spTree>
+      <p:nvGrpSpPr>
+        <p:cNvPr id="1" name=""/>
+        <p:cNvGrpSpPr/>
+        <p:nvPr/>
+      </p:nvGrpSpPr>
+      <p:grpSpPr>
+        <a:xfrm>
+          <a:off x="0" y="0"/>
+          <a:ext cx="0" cy="0"/>
+          <a:chOff x="0" y="0"/>
+          <a:chExt cx="0" cy="0"/>
+        </a:xfrm>
+      </p:grpSpPr>
+      <p:sp>
+        <p:nvSpPr>
+          <p:cNvPr id="2" name="Title 1">
+            <a:extLst>
+              <a:ext uri="{FF2B5EF4-FFF2-40B4-BE49-F238E27FC236}">
+                <a16:creationId xmlns:a16="http://schemas.microsoft.com/office/drawing/2014/main" id="{182906D6-717F-C95E-C7BA-4A6611B09494}"/>
+              </a:ext>
+            </a:extLst>
+          </p:cNvPr>
+          <p:cNvSpPr>
+            <a:spLocks noGrp="1"/>
+          </p:cNvSpPr>
+          <p:nvPr>
+            <p:ph type="title"/>
+          </p:nvPr>
+        </p:nvSpPr>
+        <p:spPr/>
+        <p:txBody>
+          <a:bodyPr/>
+          <a:lstStyle/>
+          <a:p>
+            <a:r>
+              <a:rPr lang="en-US" dirty="0"/>
+              <a:t>What is a Pattern?</a:t>
+            </a:r>
+          </a:p>
+        </p:txBody>
+      </p:sp>
+      <p:sp>
+        <p:nvSpPr>
+          <p:cNvPr id="3" name="Content Placeholder 2">
+            <a:extLst>
+              <a:ext uri="{FF2B5EF4-FFF2-40B4-BE49-F238E27FC236}">
+                <a16:creationId xmlns:a16="http://schemas.microsoft.com/office/drawing/2014/main" id="{5D7C592F-1F68-3262-275C-DAAE284725A7}"/>
+              </a:ext>
+            </a:extLst>
+          </p:cNvPr>
+          <p:cNvSpPr>
+            <a:spLocks noGrp="1"/>
+          </p:cNvSpPr>
+          <p:nvPr>
+            <p:ph idx="1"/>
+          </p:nvPr>
+        </p:nvSpPr>
+        <p:spPr/>
+        <p:txBody>
+          <a:bodyPr/>
+          <a:lstStyle/>
+          <a:p>
+            <a:r>
+              <a:rPr lang="en-US" dirty="0"/>
+              <a:t>A pattern should contain </a:t>
+            </a:r>
+          </a:p>
+          <a:p>
+            <a:pPr lvl="1"/>
+            <a:r>
+              <a:rPr lang="en-US" dirty="0"/>
+              <a:t>A statement of the problem being solved</a:t>
+            </a:r>
+          </a:p>
+          <a:p>
+            <a:pPr lvl="1"/>
+            <a:r>
+              <a:rPr lang="en-US" dirty="0"/>
+              <a:t>A solution of the problem</a:t>
+            </a:r>
+          </a:p>
+          <a:p>
+            <a:pPr lvl="1"/>
+            <a:r>
+              <a:rPr lang="en-US" dirty="0"/>
+              <a:t>Alternative solutions</a:t>
+            </a:r>
+          </a:p>
+          <a:p>
+            <a:pPr lvl="1"/>
+            <a:r>
+              <a:rPr lang="en-US" dirty="0"/>
+              <a:t>A discussion of tradeoffs among the solutions.</a:t>
+            </a:r>
+          </a:p>
+          <a:p>
+            <a:r>
+              <a:rPr lang="en-US" dirty="0"/>
+              <a:t>For maximum usefulness, a pattern should have a name.</a:t>
+            </a:r>
+          </a:p>
+          <a:p>
+            <a:pPr lvl="1"/>
+            <a:r>
+              <a:rPr lang="en-US" dirty="0"/>
+              <a:t>So you can say “here I’m using pattern P” and people will know what you had in mind.</a:t>
+            </a:r>
+          </a:p>
+        </p:txBody>
+      </p:sp>
+      <p:sp>
+        <p:nvSpPr>
+          <p:cNvPr id="4" name="Slide Number Placeholder 3">
+            <a:extLst>
+              <a:ext uri="{FF2B5EF4-FFF2-40B4-BE49-F238E27FC236}">
+                <a16:creationId xmlns:a16="http://schemas.microsoft.com/office/drawing/2014/main" id="{88B116E2-E9F3-69DB-8F23-6FA68CDD1407}"/>
+              </a:ext>
+            </a:extLst>
+          </p:cNvPr>
+          <p:cNvSpPr>
+            <a:spLocks noGrp="1"/>
+          </p:cNvSpPr>
+          <p:nvPr>
+            <p:ph type="sldNum" sz="quarter" idx="12"/>
+          </p:nvPr>
+        </p:nvSpPr>
+        <p:spPr/>
+        <p:txBody>
+          <a:bodyPr/>
+          <a:lstStyle/>
+          <a:p>
+            <a:fld id="{20F37917-FD3A-4669-9018-DA04BCDD3D75}" type="slidenum">
+              <a:rPr lang="en-US" smtClean="0"/>
+              <a:t>3</a:t>
+            </a:fld>
+            <a:endParaRPr lang="en-US"/>
+          </a:p>
+        </p:txBody>
+      </p:sp>
+    </p:spTree>
+    <p:extLst>
+      <p:ext uri="{BB962C8B-B14F-4D97-AF65-F5344CB8AC3E}">
+        <p14:creationId xmlns:p14="http://schemas.microsoft.com/office/powerpoint/2010/main" val="2976171112"/>
+      </p:ext>
+    </p:extLst>
+  </p:cSld>
+  <p:clrMapOvr>
+    <a:masterClrMapping/>
+  </p:clrMapOvr>
+</p:sld>
+</file>
+
+<file path=ppt/slides/slide30.xml><?xml version="1.0" encoding="utf-8"?>
 <p:sld xmlns:a="http://schemas.openxmlformats.org/drawingml/2006/main" xmlns:r="http://schemas.openxmlformats.org/officeDocument/2006/relationships" xmlns:p="http://schemas.openxmlformats.org/presentationml/2006/main">
   <p:cSld>
     <p:spTree>
@@ -26808,7 +27553,7 @@
           <a:p>
             <a:fld id="{20F37917-FD3A-4669-9018-DA04BCDD3D75}" type="slidenum">
               <a:rPr lang="en-US" smtClean="0"/>
-              <a:t>29</a:t>
+              <a:t>30</a:t>
             </a:fld>
             <a:endParaRPr lang="en-US"/>
           </a:p>
@@ -27713,163 +28458,7 @@
 </p:sld>
 </file>
 
-<file path=ppt/slides/slide3.xml><?xml version="1.0" encoding="utf-8"?>
-<p:sld xmlns:a="http://schemas.openxmlformats.org/drawingml/2006/main" xmlns:r="http://schemas.openxmlformats.org/officeDocument/2006/relationships" xmlns:p="http://schemas.openxmlformats.org/presentationml/2006/main">
-  <p:cSld>
-    <p:spTree>
-      <p:nvGrpSpPr>
-        <p:cNvPr id="1" name=""/>
-        <p:cNvGrpSpPr/>
-        <p:nvPr/>
-      </p:nvGrpSpPr>
-      <p:grpSpPr>
-        <a:xfrm>
-          <a:off x="0" y="0"/>
-          <a:ext cx="0" cy="0"/>
-          <a:chOff x="0" y="0"/>
-          <a:chExt cx="0" cy="0"/>
-        </a:xfrm>
-      </p:grpSpPr>
-      <p:sp>
-        <p:nvSpPr>
-          <p:cNvPr id="2" name="Title 1">
-            <a:extLst>
-              <a:ext uri="{FF2B5EF4-FFF2-40B4-BE49-F238E27FC236}">
-                <a16:creationId xmlns:a16="http://schemas.microsoft.com/office/drawing/2014/main" id="{182906D6-717F-C95E-C7BA-4A6611B09494}"/>
-              </a:ext>
-            </a:extLst>
-          </p:cNvPr>
-          <p:cNvSpPr>
-            <a:spLocks noGrp="1"/>
-          </p:cNvSpPr>
-          <p:nvPr>
-            <p:ph type="title"/>
-          </p:nvPr>
-        </p:nvSpPr>
-        <p:spPr/>
-        <p:txBody>
-          <a:bodyPr/>
-          <a:lstStyle/>
-          <a:p>
-            <a:r>
-              <a:rPr lang="en-US" dirty="0"/>
-              <a:t>What is a Pattern?</a:t>
-            </a:r>
-          </a:p>
-        </p:txBody>
-      </p:sp>
-      <p:sp>
-        <p:nvSpPr>
-          <p:cNvPr id="3" name="Content Placeholder 2">
-            <a:extLst>
-              <a:ext uri="{FF2B5EF4-FFF2-40B4-BE49-F238E27FC236}">
-                <a16:creationId xmlns:a16="http://schemas.microsoft.com/office/drawing/2014/main" id="{5D7C592F-1F68-3262-275C-DAAE284725A7}"/>
-              </a:ext>
-            </a:extLst>
-          </p:cNvPr>
-          <p:cNvSpPr>
-            <a:spLocks noGrp="1"/>
-          </p:cNvSpPr>
-          <p:nvPr>
-            <p:ph idx="1"/>
-          </p:nvPr>
-        </p:nvSpPr>
-        <p:spPr/>
-        <p:txBody>
-          <a:bodyPr/>
-          <a:lstStyle/>
-          <a:p>
-            <a:r>
-              <a:rPr lang="en-US" dirty="0"/>
-              <a:t>A pattern should contain </a:t>
-            </a:r>
-          </a:p>
-          <a:p>
-            <a:pPr lvl="1"/>
-            <a:r>
-              <a:rPr lang="en-US" dirty="0"/>
-              <a:t>A statement of the problem being solved</a:t>
-            </a:r>
-          </a:p>
-          <a:p>
-            <a:pPr lvl="1"/>
-            <a:r>
-              <a:rPr lang="en-US" dirty="0"/>
-              <a:t>A solution of the problem</a:t>
-            </a:r>
-          </a:p>
-          <a:p>
-            <a:pPr lvl="1"/>
-            <a:r>
-              <a:rPr lang="en-US" dirty="0"/>
-              <a:t>Alternative solutions</a:t>
-            </a:r>
-          </a:p>
-          <a:p>
-            <a:pPr lvl="1"/>
-            <a:r>
-              <a:rPr lang="en-US" dirty="0"/>
-              <a:t>A discussion of tradeoffs among the solutions.</a:t>
-            </a:r>
-          </a:p>
-          <a:p>
-            <a:r>
-              <a:rPr lang="en-US" dirty="0"/>
-              <a:t>For maximum usefulness, a pattern should have a name.</a:t>
-            </a:r>
-          </a:p>
-          <a:p>
-            <a:pPr lvl="1"/>
-            <a:r>
-              <a:rPr lang="en-US" dirty="0"/>
-              <a:t>So you can say “here I’m using pattern P” and people will know what you had in mind.</a:t>
-            </a:r>
-          </a:p>
-        </p:txBody>
-      </p:sp>
-      <p:sp>
-        <p:nvSpPr>
-          <p:cNvPr id="4" name="Slide Number Placeholder 3">
-            <a:extLst>
-              <a:ext uri="{FF2B5EF4-FFF2-40B4-BE49-F238E27FC236}">
-                <a16:creationId xmlns:a16="http://schemas.microsoft.com/office/drawing/2014/main" id="{88B116E2-E9F3-69DB-8F23-6FA68CDD1407}"/>
-              </a:ext>
-            </a:extLst>
-          </p:cNvPr>
-          <p:cNvSpPr>
-            <a:spLocks noGrp="1"/>
-          </p:cNvSpPr>
-          <p:nvPr>
-            <p:ph type="sldNum" sz="quarter" idx="12"/>
-          </p:nvPr>
-        </p:nvSpPr>
-        <p:spPr/>
-        <p:txBody>
-          <a:bodyPr/>
-          <a:lstStyle/>
-          <a:p>
-            <a:fld id="{20F37917-FD3A-4669-9018-DA04BCDD3D75}" type="slidenum">
-              <a:rPr lang="en-US" smtClean="0"/>
-              <a:t>3</a:t>
-            </a:fld>
-            <a:endParaRPr lang="en-US"/>
-          </a:p>
-        </p:txBody>
-      </p:sp>
-    </p:spTree>
-    <p:extLst>
-      <p:ext uri="{BB962C8B-B14F-4D97-AF65-F5344CB8AC3E}">
-        <p14:creationId xmlns:p14="http://schemas.microsoft.com/office/powerpoint/2010/main" val="2976171112"/>
-      </p:ext>
-    </p:extLst>
-  </p:cSld>
-  <p:clrMapOvr>
-    <a:masterClrMapping/>
-  </p:clrMapOvr>
-</p:sld>
-</file>
-
-<file path=ppt/slides/slide30.xml><?xml version="1.0" encoding="utf-8"?>
+<file path=ppt/slides/slide31.xml><?xml version="1.0" encoding="utf-8"?>
 <p:sld xmlns:a="http://schemas.openxmlformats.org/drawingml/2006/main" xmlns:r="http://schemas.openxmlformats.org/officeDocument/2006/relationships" xmlns:p="http://schemas.openxmlformats.org/presentationml/2006/main">
   <p:cSld>
     <p:spTree>
@@ -27939,7 +28528,7 @@
           <a:p>
             <a:fld id="{20F37917-FD3A-4669-9018-DA04BCDD3D75}" type="slidenum">
               <a:rPr lang="en-US" smtClean="0"/>
-              <a:t>30</a:t>
+              <a:t>31</a:t>
             </a:fld>
             <a:endParaRPr lang="en-US"/>
           </a:p>
@@ -28747,7 +29336,7 @@
 </p:sld>
 </file>
 
-<file path=ppt/slides/slide31.xml><?xml version="1.0" encoding="utf-8"?>
+<file path=ppt/slides/slide32.xml><?xml version="1.0" encoding="utf-8"?>
 <p:sld xmlns:a="http://schemas.openxmlformats.org/drawingml/2006/main" xmlns:r="http://schemas.openxmlformats.org/officeDocument/2006/relationships" xmlns:p="http://schemas.openxmlformats.org/presentationml/2006/main">
   <p:cSld>
     <p:spTree>
@@ -28869,7 +29458,7 @@
           <a:p>
             <a:fld id="{20F37917-FD3A-4669-9018-DA04BCDD3D75}" type="slidenum">
               <a:rPr lang="en-US" smtClean="0"/>
-              <a:t>31</a:t>
+              <a:t>32</a:t>
             </a:fld>
             <a:endParaRPr lang="en-US"/>
           </a:p>
@@ -28888,7 +29477,7 @@
 </p:sld>
 </file>
 
-<file path=ppt/slides/slide32.xml><?xml version="1.0" encoding="utf-8"?>
+<file path=ppt/slides/slide33.xml><?xml version="1.0" encoding="utf-8"?>
 <p:sld xmlns:a="http://schemas.openxmlformats.org/drawingml/2006/main" xmlns:r="http://schemas.openxmlformats.org/officeDocument/2006/relationships" xmlns:p="http://schemas.openxmlformats.org/presentationml/2006/main">
   <p:cSld>
     <p:spTree>
@@ -29070,7 +29659,7 @@
           <a:p>
             <a:fld id="{20F37917-FD3A-4669-9018-DA04BCDD3D75}" type="slidenum">
               <a:rPr lang="en-US" smtClean="0"/>
-              <a:t>32</a:t>
+              <a:t>33</a:t>
             </a:fld>
             <a:endParaRPr lang="en-US"/>
           </a:p>
@@ -29089,7 +29678,7 @@
 </p:sld>
 </file>
 
-<file path=ppt/slides/slide33.xml><?xml version="1.0" encoding="utf-8"?>
+<file path=ppt/slides/slide34.xml><?xml version="1.0" encoding="utf-8"?>
 <p:sld xmlns:a="http://schemas.openxmlformats.org/drawingml/2006/main" xmlns:r="http://schemas.openxmlformats.org/officeDocument/2006/relationships" xmlns:p="http://schemas.openxmlformats.org/presentationml/2006/main">
   <p:cSld>
     <p:spTree>
@@ -29294,7 +29883,7 @@
           <a:p>
             <a:fld id="{20F37917-FD3A-4669-9018-DA04BCDD3D75}" type="slidenum">
               <a:rPr lang="en-US" smtClean="0"/>
-              <a:t>33</a:t>
+              <a:t>34</a:t>
             </a:fld>
             <a:endParaRPr lang="en-US"/>
           </a:p>
@@ -30120,7 +30709,7 @@
 </p:sld>
 </file>
 
-<file path=ppt/slides/slide34.xml><?xml version="1.0" encoding="utf-8"?>
+<file path=ppt/slides/slide35.xml><?xml version="1.0" encoding="utf-8"?>
 <p:sld xmlns:a="http://schemas.openxmlformats.org/drawingml/2006/main" xmlns:r="http://schemas.openxmlformats.org/officeDocument/2006/relationships" xmlns:p="http://schemas.openxmlformats.org/presentationml/2006/main">
   <p:cSld>
     <p:spTree>
@@ -30188,7 +30777,7 @@
           <a:p>
             <a:fld id="{20F37917-FD3A-4669-9018-DA04BCDD3D75}" type="slidenum">
               <a:rPr lang="en-US" smtClean="0"/>
-              <a:t>34</a:t>
+              <a:t>35</a:t>
             </a:fld>
             <a:endParaRPr lang="en-US"/>
           </a:p>
@@ -31551,7 +32140,7 @@
 </p:sld>
 </file>
 
-<file path=ppt/slides/slide35.xml><?xml version="1.0" encoding="utf-8"?>
+<file path=ppt/slides/slide36.xml><?xml version="1.0" encoding="utf-8"?>
 <p:sld xmlns:a="http://schemas.openxmlformats.org/drawingml/2006/main" xmlns:r="http://schemas.openxmlformats.org/officeDocument/2006/relationships" xmlns:p="http://schemas.openxmlformats.org/presentationml/2006/main">
   <p:cSld>
     <p:spTree>
@@ -31619,7 +32208,7 @@
           <a:p>
             <a:fld id="{20F37917-FD3A-4669-9018-DA04BCDD3D75}" type="slidenum">
               <a:rPr lang="en-US" smtClean="0"/>
-              <a:t>35</a:t>
+              <a:t>36</a:t>
             </a:fld>
             <a:endParaRPr lang="en-US"/>
           </a:p>
@@ -31950,7 +32539,7 @@
 </p:sld>
 </file>
 
-<file path=ppt/slides/slide36.xml><?xml version="1.0" encoding="utf-8"?>
+<file path=ppt/slides/slide37.xml><?xml version="1.0" encoding="utf-8"?>
 <p:sld xmlns:a="http://schemas.openxmlformats.org/drawingml/2006/main" xmlns:r="http://schemas.openxmlformats.org/officeDocument/2006/relationships" xmlns:p="http://schemas.openxmlformats.org/presentationml/2006/main">
   <p:cSld>
     <p:spTree>
@@ -32018,7 +32607,7 @@
           <a:p>
             <a:fld id="{20F37917-FD3A-4669-9018-DA04BCDD3D75}" type="slidenum">
               <a:rPr lang="en-US" smtClean="0"/>
-              <a:t>36</a:t>
+              <a:t>37</a:t>
             </a:fld>
             <a:endParaRPr lang="en-US"/>
           </a:p>
@@ -32963,7 +33552,7 @@
 </p:sld>
 </file>
 
-<file path=ppt/slides/slide37.xml><?xml version="1.0" encoding="utf-8"?>
+<file path=ppt/slides/slide38.xml><?xml version="1.0" encoding="utf-8"?>
 <p:sld xmlns:a="http://schemas.openxmlformats.org/drawingml/2006/main" xmlns:r="http://schemas.openxmlformats.org/officeDocument/2006/relationships" xmlns:p="http://schemas.openxmlformats.org/presentationml/2006/main">
   <p:cSld>
     <p:spTree>
@@ -33071,7 +33660,7 @@
           <a:p>
             <a:fld id="{20F37917-FD3A-4669-9018-DA04BCDD3D75}" type="slidenum">
               <a:rPr lang="en-US" smtClean="0"/>
-              <a:t>37</a:t>
+              <a:t>38</a:t>
             </a:fld>
             <a:endParaRPr lang="en-US"/>
           </a:p>
@@ -33090,7 +33679,7 @@
 </p:sld>
 </file>
 
-<file path=ppt/slides/slide38.xml><?xml version="1.0" encoding="utf-8"?>
+<file path=ppt/slides/slide39.xml><?xml version="1.0" encoding="utf-8"?>
 <p:sld xmlns:a="http://schemas.openxmlformats.org/drawingml/2006/main" xmlns:r="http://schemas.openxmlformats.org/officeDocument/2006/relationships" xmlns:p="http://schemas.openxmlformats.org/presentationml/2006/main">
   <p:cSld>
     <p:spTree>
@@ -33158,7 +33747,7 @@
           <a:p>
             <a:fld id="{20F37917-FD3A-4669-9018-DA04BCDD3D75}" type="slidenum">
               <a:rPr lang="en-US" smtClean="0"/>
-              <a:t>38</a:t>
+              <a:t>39</a:t>
             </a:fld>
             <a:endParaRPr lang="en-US"/>
           </a:p>
@@ -34620,7 +35209,122 @@
 </p:sld>
 </file>
 
-<file path=ppt/slides/slide39.xml><?xml version="1.0" encoding="utf-8"?>
+<file path=ppt/slides/slide4.xml><?xml version="1.0" encoding="utf-8"?>
+<p:sld xmlns:a="http://schemas.openxmlformats.org/drawingml/2006/main" xmlns:r="http://schemas.openxmlformats.org/officeDocument/2006/relationships" xmlns:p="http://schemas.openxmlformats.org/presentationml/2006/main">
+  <p:cSld>
+    <p:spTree>
+      <p:nvGrpSpPr>
+        <p:cNvPr id="1" name=""/>
+        <p:cNvGrpSpPr/>
+        <p:nvPr/>
+      </p:nvGrpSpPr>
+      <p:grpSpPr>
+        <a:xfrm>
+          <a:off x="0" y="0"/>
+          <a:ext cx="0" cy="0"/>
+          <a:chOff x="0" y="0"/>
+          <a:chExt cx="0" cy="0"/>
+        </a:xfrm>
+      </p:grpSpPr>
+      <p:sp>
+        <p:nvSpPr>
+          <p:cNvPr id="2" name="Title 1">
+            <a:extLst>
+              <a:ext uri="{FF2B5EF4-FFF2-40B4-BE49-F238E27FC236}">
+                <a16:creationId xmlns:a16="http://schemas.microsoft.com/office/drawing/2014/main" id="{662A179F-10F8-FAD1-A286-2AAF5D2924B6}"/>
+              </a:ext>
+            </a:extLst>
+          </p:cNvPr>
+          <p:cNvSpPr>
+            <a:spLocks noGrp="1"/>
+          </p:cNvSpPr>
+          <p:nvPr>
+            <p:ph type="title"/>
+          </p:nvPr>
+        </p:nvSpPr>
+        <p:spPr/>
+        <p:txBody>
+          <a:bodyPr/>
+          <a:lstStyle/>
+          <a:p>
+            <a:r>
+              <a:rPr lang="en-US" dirty="0"/>
+              <a:t>Patterns help communicate intent</a:t>
+            </a:r>
+          </a:p>
+        </p:txBody>
+      </p:sp>
+      <p:sp>
+        <p:nvSpPr>
+          <p:cNvPr id="3" name="Content Placeholder 2">
+            <a:extLst>
+              <a:ext uri="{FF2B5EF4-FFF2-40B4-BE49-F238E27FC236}">
+                <a16:creationId xmlns:a16="http://schemas.microsoft.com/office/drawing/2014/main" id="{5A0618D1-BC1F-00BF-115E-9BA4FC702211}"/>
+              </a:ext>
+            </a:extLst>
+          </p:cNvPr>
+          <p:cNvSpPr>
+            <a:spLocks noGrp="1"/>
+          </p:cNvSpPr>
+          <p:nvPr>
+            <p:ph idx="1"/>
+          </p:nvPr>
+        </p:nvSpPr>
+        <p:spPr/>
+        <p:txBody>
+          <a:bodyPr/>
+          <a:lstStyle/>
+          <a:p>
+            <a:r>
+              <a:rPr lang="en-US" dirty="0"/>
+              <a:t>If your code uses a well-known pattern, then the reader has a head start in understanding your code.</a:t>
+            </a:r>
+          </a:p>
+        </p:txBody>
+      </p:sp>
+      <p:sp>
+        <p:nvSpPr>
+          <p:cNvPr id="4" name="Slide Number Placeholder 3">
+            <a:extLst>
+              <a:ext uri="{FF2B5EF4-FFF2-40B4-BE49-F238E27FC236}">
+                <a16:creationId xmlns:a16="http://schemas.microsoft.com/office/drawing/2014/main" id="{B797F925-0FB9-D83B-41C8-901CDE6C2D17}"/>
+              </a:ext>
+            </a:extLst>
+          </p:cNvPr>
+          <p:cNvSpPr>
+            <a:spLocks noGrp="1"/>
+          </p:cNvSpPr>
+          <p:nvPr>
+            <p:ph type="sldNum" sz="quarter" idx="12"/>
+          </p:nvPr>
+        </p:nvSpPr>
+        <p:spPr/>
+        <p:txBody>
+          <a:bodyPr/>
+          <a:lstStyle/>
+          <a:p>
+            <a:fld id="{20F37917-FD3A-4669-9018-DA04BCDD3D75}" type="slidenum">
+              <a:rPr lang="en-US" smtClean="0"/>
+              <a:t>4</a:t>
+            </a:fld>
+            <a:endParaRPr lang="en-US"/>
+          </a:p>
+        </p:txBody>
+      </p:sp>
+    </p:spTree>
+    <p:extLst>
+      <p:ext uri="{BB962C8B-B14F-4D97-AF65-F5344CB8AC3E}">
+        <p14:creationId xmlns:p14="http://schemas.microsoft.com/office/powerpoint/2010/main" val="99294771"/>
+      </p:ext>
+    </p:extLst>
+  </p:cSld>
+  <p:clrMapOvr>
+    <a:masterClrMapping/>
+  </p:clrMapOvr>
+</p:sld>
+</file>
+
+<file path=ppt/slides/slide40.xml><?xml version="1.0" encoding="utf-8"?>
 <p:sld xmlns:a="http://schemas.openxmlformats.org/drawingml/2006/main" xmlns:r="http://schemas.openxmlformats.org/officeDocument/2006/relationships" xmlns:p="http://schemas.openxmlformats.org/presentationml/2006/main">
   <p:cSld>
     <p:spTree>
@@ -34688,7 +35392,7 @@
           <a:p>
             <a:fld id="{20F37917-FD3A-4669-9018-DA04BCDD3D75}" type="slidenum">
               <a:rPr lang="en-US" smtClean="0"/>
-              <a:t>39</a:t>
+              <a:t>40</a:t>
             </a:fld>
             <a:endParaRPr lang="en-US"/>
           </a:p>
@@ -35807,122 +36511,7 @@
 </p:sld>
 </file>
 
-<file path=ppt/slides/slide4.xml><?xml version="1.0" encoding="utf-8"?>
-<p:sld xmlns:a="http://schemas.openxmlformats.org/drawingml/2006/main" xmlns:r="http://schemas.openxmlformats.org/officeDocument/2006/relationships" xmlns:p="http://schemas.openxmlformats.org/presentationml/2006/main">
-  <p:cSld>
-    <p:spTree>
-      <p:nvGrpSpPr>
-        <p:cNvPr id="1" name=""/>
-        <p:cNvGrpSpPr/>
-        <p:nvPr/>
-      </p:nvGrpSpPr>
-      <p:grpSpPr>
-        <a:xfrm>
-          <a:off x="0" y="0"/>
-          <a:ext cx="0" cy="0"/>
-          <a:chOff x="0" y="0"/>
-          <a:chExt cx="0" cy="0"/>
-        </a:xfrm>
-      </p:grpSpPr>
-      <p:sp>
-        <p:nvSpPr>
-          <p:cNvPr id="2" name="Title 1">
-            <a:extLst>
-              <a:ext uri="{FF2B5EF4-FFF2-40B4-BE49-F238E27FC236}">
-                <a16:creationId xmlns:a16="http://schemas.microsoft.com/office/drawing/2014/main" id="{662A179F-10F8-FAD1-A286-2AAF5D2924B6}"/>
-              </a:ext>
-            </a:extLst>
-          </p:cNvPr>
-          <p:cNvSpPr>
-            <a:spLocks noGrp="1"/>
-          </p:cNvSpPr>
-          <p:nvPr>
-            <p:ph type="title"/>
-          </p:nvPr>
-        </p:nvSpPr>
-        <p:spPr/>
-        <p:txBody>
-          <a:bodyPr/>
-          <a:lstStyle/>
-          <a:p>
-            <a:r>
-              <a:rPr lang="en-US" dirty="0"/>
-              <a:t>Patterns help communicate intent</a:t>
-            </a:r>
-          </a:p>
-        </p:txBody>
-      </p:sp>
-      <p:sp>
-        <p:nvSpPr>
-          <p:cNvPr id="3" name="Content Placeholder 2">
-            <a:extLst>
-              <a:ext uri="{FF2B5EF4-FFF2-40B4-BE49-F238E27FC236}">
-                <a16:creationId xmlns:a16="http://schemas.microsoft.com/office/drawing/2014/main" id="{5A0618D1-BC1F-00BF-115E-9BA4FC702211}"/>
-              </a:ext>
-            </a:extLst>
-          </p:cNvPr>
-          <p:cNvSpPr>
-            <a:spLocks noGrp="1"/>
-          </p:cNvSpPr>
-          <p:nvPr>
-            <p:ph idx="1"/>
-          </p:nvPr>
-        </p:nvSpPr>
-        <p:spPr/>
-        <p:txBody>
-          <a:bodyPr/>
-          <a:lstStyle/>
-          <a:p>
-            <a:r>
-              <a:rPr lang="en-US" dirty="0"/>
-              <a:t>If your code uses a well-known pattern, then the reader has a head start in understanding your code.</a:t>
-            </a:r>
-          </a:p>
-        </p:txBody>
-      </p:sp>
-      <p:sp>
-        <p:nvSpPr>
-          <p:cNvPr id="4" name="Slide Number Placeholder 3">
-            <a:extLst>
-              <a:ext uri="{FF2B5EF4-FFF2-40B4-BE49-F238E27FC236}">
-                <a16:creationId xmlns:a16="http://schemas.microsoft.com/office/drawing/2014/main" id="{B797F925-0FB9-D83B-41C8-901CDE6C2D17}"/>
-              </a:ext>
-            </a:extLst>
-          </p:cNvPr>
-          <p:cNvSpPr>
-            <a:spLocks noGrp="1"/>
-          </p:cNvSpPr>
-          <p:nvPr>
-            <p:ph type="sldNum" sz="quarter" idx="12"/>
-          </p:nvPr>
-        </p:nvSpPr>
-        <p:spPr/>
-        <p:txBody>
-          <a:bodyPr/>
-          <a:lstStyle/>
-          <a:p>
-            <a:fld id="{20F37917-FD3A-4669-9018-DA04BCDD3D75}" type="slidenum">
-              <a:rPr lang="en-US" smtClean="0"/>
-              <a:t>4</a:t>
-            </a:fld>
-            <a:endParaRPr lang="en-US"/>
-          </a:p>
-        </p:txBody>
-      </p:sp>
-    </p:spTree>
-    <p:extLst>
-      <p:ext uri="{BB962C8B-B14F-4D97-AF65-F5344CB8AC3E}">
-        <p14:creationId xmlns:p14="http://schemas.microsoft.com/office/powerpoint/2010/main" val="99294771"/>
-      </p:ext>
-    </p:extLst>
-  </p:cSld>
-  <p:clrMapOvr>
-    <a:masterClrMapping/>
-  </p:clrMapOvr>
-</p:sld>
-</file>
-
-<file path=ppt/slides/slide40.xml><?xml version="1.0" encoding="utf-8"?>
+<file path=ppt/slides/slide41.xml><?xml version="1.0" encoding="utf-8"?>
 <p:sld xmlns:a="http://schemas.openxmlformats.org/drawingml/2006/main" xmlns:r="http://schemas.openxmlformats.org/officeDocument/2006/relationships" xmlns:p="http://schemas.openxmlformats.org/presentationml/2006/main">
   <p:cSld>
     <p:spTree>
@@ -36052,7 +36641,7 @@
           <a:p>
             <a:fld id="{20F37917-FD3A-4669-9018-DA04BCDD3D75}" type="slidenum">
               <a:rPr lang="en-US" smtClean="0"/>
-              <a:t>40</a:t>
+              <a:t>41</a:t>
             </a:fld>
             <a:endParaRPr lang="en-US"/>
           </a:p>
@@ -36071,7 +36660,7 @@
 </p:sld>
 </file>
 
-<file path=ppt/slides/slide41.xml><?xml version="1.0" encoding="utf-8"?>
+<file path=ppt/slides/slide42.xml><?xml version="1.0" encoding="utf-8"?>
 <p:sld xmlns:a="http://schemas.openxmlformats.org/drawingml/2006/main" xmlns:r="http://schemas.openxmlformats.org/officeDocument/2006/relationships" xmlns:p="http://schemas.openxmlformats.org/presentationml/2006/main">
   <p:cSld>
     <p:spTree>
@@ -36139,7 +36728,7 @@
           <a:p>
             <a:fld id="{20F37917-FD3A-4669-9018-DA04BCDD3D75}" type="slidenum">
               <a:rPr lang="en-US" smtClean="0"/>
-              <a:t>41</a:t>
+              <a:t>42</a:t>
             </a:fld>
             <a:endParaRPr lang="en-US"/>
           </a:p>
@@ -36291,7 +36880,7 @@
 </p:sld>
 </file>
 
-<file path=ppt/slides/slide42.xml><?xml version="1.0" encoding="utf-8"?>
+<file path=ppt/slides/slide43.xml><?xml version="1.0" encoding="utf-8"?>
 <p:sld xmlns:a="http://schemas.openxmlformats.org/drawingml/2006/main" xmlns:r="http://schemas.openxmlformats.org/officeDocument/2006/relationships" xmlns:p="http://schemas.openxmlformats.org/presentationml/2006/main">
   <p:cSld>
     <p:spTree>
@@ -36359,7 +36948,7 @@
           <a:p>
             <a:fld id="{20F37917-FD3A-4669-9018-DA04BCDD3D75}" type="slidenum">
               <a:rPr lang="en-US" smtClean="0"/>
-              <a:t>42</a:t>
+              <a:t>43</a:t>
             </a:fld>
             <a:endParaRPr lang="en-US"/>
           </a:p>
@@ -36522,7 +37111,7 @@
 </p:sld>
 </file>
 
-<file path=ppt/slides/slide43.xml><?xml version="1.0" encoding="utf-8"?>
+<file path=ppt/slides/slide44.xml><?xml version="1.0" encoding="utf-8"?>
 <p:sld xmlns:a="http://schemas.openxmlformats.org/drawingml/2006/main" xmlns:r="http://schemas.openxmlformats.org/officeDocument/2006/relationships" xmlns:p="http://schemas.openxmlformats.org/presentationml/2006/main">
   <p:cSld>
     <p:spTree>
@@ -36590,7 +37179,7 @@
           <a:p>
             <a:fld id="{20F37917-FD3A-4669-9018-DA04BCDD3D75}" type="slidenum">
               <a:rPr lang="en-US" smtClean="0"/>
-              <a:t>43</a:t>
+              <a:t>44</a:t>
             </a:fld>
             <a:endParaRPr lang="en-US"/>
           </a:p>
@@ -36742,7 +37331,7 @@
 </p:sld>
 </file>
 
-<file path=ppt/slides/slide44.xml><?xml version="1.0" encoding="utf-8"?>
+<file path=ppt/slides/slide45.xml><?xml version="1.0" encoding="utf-8"?>
 <p:sld xmlns:a="http://schemas.openxmlformats.org/drawingml/2006/main" xmlns:r="http://schemas.openxmlformats.org/officeDocument/2006/relationships" xmlns:p="http://schemas.openxmlformats.org/presentationml/2006/main">
   <p:cSld>
     <p:spTree>
@@ -36810,7 +37399,7 @@
           <a:p>
             <a:fld id="{20F37917-FD3A-4669-9018-DA04BCDD3D75}" type="slidenum">
               <a:rPr lang="en-US" smtClean="0"/>
-              <a:t>44</a:t>
+              <a:t>45</a:t>
             </a:fld>
             <a:endParaRPr lang="en-US"/>
           </a:p>
@@ -36973,7 +37562,7 @@
 </p:sld>
 </file>
 
-<file path=ppt/slides/slide45.xml><?xml version="1.0" encoding="utf-8"?>
+<file path=ppt/slides/slide46.xml><?xml version="1.0" encoding="utf-8"?>
 <p:sld xmlns:a="http://schemas.openxmlformats.org/drawingml/2006/main" xmlns:r="http://schemas.openxmlformats.org/officeDocument/2006/relationships" xmlns:p="http://schemas.openxmlformats.org/presentationml/2006/main">
   <p:cSld>
     <p:spTree>
@@ -37083,7 +37672,7 @@
           <a:p>
             <a:fld id="{20F37917-FD3A-4669-9018-DA04BCDD3D75}" type="slidenum">
               <a:rPr lang="en-US" smtClean="0"/>
-              <a:t>45</a:t>
+              <a:t>46</a:t>
             </a:fld>
             <a:endParaRPr lang="en-US"/>
           </a:p>

--- a/Slides/Lesson 04 Interaction-Level Design Patterns.pptx
+++ b/Slides/Lesson 04 Interaction-Level Design Patterns.pptx
@@ -5,88 +5,89 @@
     <p:sldMasterId id="2147483648" r:id="rId1"/>
   </p:sldMasterIdLst>
   <p:notesMasterIdLst>
-    <p:notesMasterId r:id="rId48"/>
+    <p:notesMasterId r:id="rId49"/>
   </p:notesMasterIdLst>
   <p:sldIdLst>
     <p:sldId id="485" r:id="rId2"/>
     <p:sldId id="486" r:id="rId3"/>
     <p:sldId id="500" r:id="rId4"/>
     <p:sldId id="498" r:id="rId5"/>
-    <p:sldId id="499" r:id="rId6"/>
-    <p:sldId id="496" r:id="rId7"/>
-    <p:sldId id="433" r:id="rId8"/>
-    <p:sldId id="445" r:id="rId9"/>
-    <p:sldId id="447" r:id="rId10"/>
-    <p:sldId id="488" r:id="rId11"/>
-    <p:sldId id="435" r:id="rId12"/>
-    <p:sldId id="507" r:id="rId13"/>
-    <p:sldId id="457" r:id="rId14"/>
-    <p:sldId id="458" r:id="rId15"/>
-    <p:sldId id="459" r:id="rId16"/>
-    <p:sldId id="460" r:id="rId17"/>
-    <p:sldId id="448" r:id="rId18"/>
-    <p:sldId id="501" r:id="rId19"/>
-    <p:sldId id="502" r:id="rId20"/>
-    <p:sldId id="406" r:id="rId21"/>
-    <p:sldId id="379" r:id="rId22"/>
-    <p:sldId id="378" r:id="rId23"/>
-    <p:sldId id="380" r:id="rId24"/>
-    <p:sldId id="503" r:id="rId25"/>
-    <p:sldId id="504" r:id="rId26"/>
-    <p:sldId id="505" r:id="rId27"/>
-    <p:sldId id="463" r:id="rId28"/>
-    <p:sldId id="506" r:id="rId29"/>
-    <p:sldId id="464" r:id="rId30"/>
-    <p:sldId id="465" r:id="rId31"/>
-    <p:sldId id="466" r:id="rId32"/>
-    <p:sldId id="451" r:id="rId33"/>
-    <p:sldId id="489" r:id="rId34"/>
-    <p:sldId id="467" r:id="rId35"/>
-    <p:sldId id="468" r:id="rId36"/>
-    <p:sldId id="469" r:id="rId37"/>
-    <p:sldId id="470" r:id="rId38"/>
-    <p:sldId id="456" r:id="rId39"/>
-    <p:sldId id="472" r:id="rId40"/>
-    <p:sldId id="471" r:id="rId41"/>
-    <p:sldId id="490" r:id="rId42"/>
-    <p:sldId id="491" r:id="rId43"/>
-    <p:sldId id="492" r:id="rId44"/>
-    <p:sldId id="493" r:id="rId45"/>
-    <p:sldId id="494" r:id="rId46"/>
-    <p:sldId id="487" r:id="rId47"/>
+    <p:sldId id="495" r:id="rId6"/>
+    <p:sldId id="499" r:id="rId7"/>
+    <p:sldId id="496" r:id="rId8"/>
+    <p:sldId id="433" r:id="rId9"/>
+    <p:sldId id="445" r:id="rId10"/>
+    <p:sldId id="447" r:id="rId11"/>
+    <p:sldId id="488" r:id="rId12"/>
+    <p:sldId id="435" r:id="rId13"/>
+    <p:sldId id="507" r:id="rId14"/>
+    <p:sldId id="457" r:id="rId15"/>
+    <p:sldId id="458" r:id="rId16"/>
+    <p:sldId id="459" r:id="rId17"/>
+    <p:sldId id="460" r:id="rId18"/>
+    <p:sldId id="448" r:id="rId19"/>
+    <p:sldId id="501" r:id="rId20"/>
+    <p:sldId id="502" r:id="rId21"/>
+    <p:sldId id="406" r:id="rId22"/>
+    <p:sldId id="379" r:id="rId23"/>
+    <p:sldId id="378" r:id="rId24"/>
+    <p:sldId id="380" r:id="rId25"/>
+    <p:sldId id="503" r:id="rId26"/>
+    <p:sldId id="504" r:id="rId27"/>
+    <p:sldId id="505" r:id="rId28"/>
+    <p:sldId id="463" r:id="rId29"/>
+    <p:sldId id="506" r:id="rId30"/>
+    <p:sldId id="464" r:id="rId31"/>
+    <p:sldId id="465" r:id="rId32"/>
+    <p:sldId id="466" r:id="rId33"/>
+    <p:sldId id="451" r:id="rId34"/>
+    <p:sldId id="489" r:id="rId35"/>
+    <p:sldId id="467" r:id="rId36"/>
+    <p:sldId id="468" r:id="rId37"/>
+    <p:sldId id="469" r:id="rId38"/>
+    <p:sldId id="470" r:id="rId39"/>
+    <p:sldId id="456" r:id="rId40"/>
+    <p:sldId id="472" r:id="rId41"/>
+    <p:sldId id="471" r:id="rId42"/>
+    <p:sldId id="490" r:id="rId43"/>
+    <p:sldId id="491" r:id="rId44"/>
+    <p:sldId id="492" r:id="rId45"/>
+    <p:sldId id="493" r:id="rId46"/>
+    <p:sldId id="494" r:id="rId47"/>
+    <p:sldId id="487" r:id="rId48"/>
   </p:sldIdLst>
   <p:sldSz cx="12192000" cy="6858000"/>
   <p:notesSz cx="6858000" cy="9144000"/>
   <p:embeddedFontLst>
     <p:embeddedFont>
       <p:font typeface="Calibri" panose="020F0502020204030204" pitchFamily="34" charset="0"/>
-      <p:regular r:id="rId49"/>
-      <p:bold r:id="rId50"/>
-      <p:italic r:id="rId51"/>
-      <p:boldItalic r:id="rId52"/>
+      <p:regular r:id="rId50"/>
+      <p:bold r:id="rId51"/>
+      <p:italic r:id="rId52"/>
+      <p:boldItalic r:id="rId53"/>
     </p:embeddedFont>
     <p:embeddedFont>
       <p:font typeface="Consolas" panose="020B0609020204030204" pitchFamily="49" charset="0"/>
-      <p:regular r:id="rId53"/>
-      <p:bold r:id="rId54"/>
-      <p:italic r:id="rId55"/>
-      <p:boldItalic r:id="rId56"/>
+      <p:regular r:id="rId54"/>
+      <p:bold r:id="rId55"/>
+      <p:italic r:id="rId56"/>
+      <p:boldItalic r:id="rId57"/>
     </p:embeddedFont>
     <p:embeddedFont>
       <p:font typeface="Ink Free" panose="03080402000500000000" pitchFamily="66" charset="0"/>
-      <p:regular r:id="rId57"/>
+      <p:regular r:id="rId58"/>
     </p:embeddedFont>
     <p:embeddedFont>
       <p:font typeface="Open Sans ExtraBold" panose="020B0906030804020204" pitchFamily="34" charset="0"/>
-      <p:bold r:id="rId58"/>
-      <p:boldItalic r:id="rId59"/>
+      <p:bold r:id="rId59"/>
+      <p:boldItalic r:id="rId60"/>
     </p:embeddedFont>
     <p:embeddedFont>
       <p:font typeface="Verdana" panose="020B0604030504040204" pitchFamily="34" charset="0"/>
-      <p:regular r:id="rId60"/>
-      <p:bold r:id="rId61"/>
-      <p:italic r:id="rId62"/>
-      <p:boldItalic r:id="rId63"/>
+      <p:regular r:id="rId61"/>
+      <p:bold r:id="rId62"/>
+      <p:italic r:id="rId63"/>
+      <p:boldItalic r:id="rId64"/>
     </p:embeddedFont>
   </p:embeddedFontLst>
   <p:defaultTextStyle>
@@ -193,6 +194,7 @@
             <p14:sldId id="486"/>
             <p14:sldId id="500"/>
             <p14:sldId id="498"/>
+            <p14:sldId id="495"/>
             <p14:sldId id="499"/>
             <p14:sldId id="496"/>
             <p14:sldId id="433"/>
@@ -249,7 +251,7 @@
 <file path=ppt/revisionInfo.xml><?xml version="1.0" encoding="utf-8"?>
 <p1510:revInfo xmlns:a="http://schemas.openxmlformats.org/drawingml/2006/main" xmlns:r="http://schemas.openxmlformats.org/officeDocument/2006/relationships" xmlns:p1510="http://schemas.microsoft.com/office/powerpoint/2015/10/main">
   <p1510:revLst>
-    <p1510:client id="{9BE4F02F-5702-424E-8853-6BEFD9AA2352}" v="20" dt="2022-09-01T00:15:59.840"/>
+    <p1510:client id="{FD479DE8-776B-41E8-8926-09AF8891AAED}" v="7" dt="2022-09-13T23:58:43.208"/>
   </p1510:revLst>
 </p1510:revInfo>
 </file>
@@ -893,6 +895,61 @@
       </pc:sldChg>
     </pc:docChg>
   </pc:docChgLst>
+  <pc:docChgLst>
+    <pc:chgData name="Mitchell Wand" userId="de9b44c55c049659" providerId="LiveId" clId="{FD479DE8-776B-41E8-8926-09AF8891AAED}"/>
+    <pc:docChg chg="custSel modSld">
+      <pc:chgData name="Mitchell Wand" userId="de9b44c55c049659" providerId="LiveId" clId="{FD479DE8-776B-41E8-8926-09AF8891AAED}" dt="2022-09-14T00:02:04.740" v="405" actId="20577"/>
+      <pc:docMkLst>
+        <pc:docMk/>
+      </pc:docMkLst>
+      <pc:sldChg chg="modNotesTx">
+        <pc:chgData name="Mitchell Wand" userId="de9b44c55c049659" providerId="LiveId" clId="{FD479DE8-776B-41E8-8926-09AF8891AAED}" dt="2022-09-14T00:02:04.740" v="405" actId="20577"/>
+        <pc:sldMkLst>
+          <pc:docMk/>
+          <pc:sldMk cId="4189392190" sldId="433"/>
+        </pc:sldMkLst>
+      </pc:sldChg>
+      <pc:sldChg chg="addSp delSp modSp mod delAnim modAnim modNotesTx">
+        <pc:chgData name="Mitchell Wand" userId="de9b44c55c049659" providerId="LiveId" clId="{FD479DE8-776B-41E8-8926-09AF8891AAED}" dt="2022-09-14T00:00:27.186" v="402" actId="20577"/>
+        <pc:sldMkLst>
+          <pc:docMk/>
+          <pc:sldMk cId="2830599574" sldId="495"/>
+        </pc:sldMkLst>
+        <pc:spChg chg="mod">
+          <ac:chgData name="Mitchell Wand" userId="de9b44c55c049659" providerId="LiveId" clId="{FD479DE8-776B-41E8-8926-09AF8891AAED}" dt="2022-09-13T23:53:10.682" v="37" actId="20577"/>
+          <ac:spMkLst>
+            <pc:docMk/>
+            <pc:sldMk cId="2830599574" sldId="495"/>
+            <ac:spMk id="2" creationId="{49C7D202-F4A0-317D-D8A6-DA68CE35CDA1}"/>
+          </ac:spMkLst>
+        </pc:spChg>
+        <pc:picChg chg="add del mod">
+          <ac:chgData name="Mitchell Wand" userId="de9b44c55c049659" providerId="LiveId" clId="{FD479DE8-776B-41E8-8926-09AF8891AAED}" dt="2022-09-13T23:57:53.148" v="260"/>
+          <ac:picMkLst>
+            <pc:docMk/>
+            <pc:sldMk cId="2830599574" sldId="495"/>
+            <ac:picMk id="3" creationId="{AD78F76B-6B4A-7239-6AE9-2340935A7400}"/>
+          </ac:picMkLst>
+        </pc:picChg>
+        <pc:picChg chg="del">
+          <ac:chgData name="Mitchell Wand" userId="de9b44c55c049659" providerId="LiveId" clId="{FD479DE8-776B-41E8-8926-09AF8891AAED}" dt="2022-09-13T23:57:47.726" v="258" actId="21"/>
+          <ac:picMkLst>
+            <pc:docMk/>
+            <pc:sldMk cId="2830599574" sldId="495"/>
+            <ac:picMk id="5" creationId="{9FB20D5C-DF6F-A9CB-FE64-CBAD7FA9A1F7}"/>
+          </ac:picMkLst>
+        </pc:picChg>
+        <pc:picChg chg="add mod">
+          <ac:chgData name="Mitchell Wand" userId="de9b44c55c049659" providerId="LiveId" clId="{FD479DE8-776B-41E8-8926-09AF8891AAED}" dt="2022-09-13T23:58:43.208" v="264" actId="1076"/>
+          <ac:picMkLst>
+            <pc:docMk/>
+            <pc:sldMk cId="2830599574" sldId="495"/>
+            <ac:picMk id="7" creationId="{FBFF9F06-9915-E65A-72F0-B1C57D7B1F81}"/>
+          </ac:picMkLst>
+        </pc:picChg>
+      </pc:sldChg>
+    </pc:docChg>
+  </pc:docChgLst>
 </pc:chgInfo>
 </file>
 
@@ -978,7 +1035,7 @@
           <a:p>
             <a:fld id="{7C7E5181-6CF5-45F7-A87A-E0E0B1FD7549}" type="datetimeFigureOut">
               <a:rPr lang="en-US" smtClean="0"/>
-              <a:t>9/6/2022</a:t>
+              <a:t>9/13/2022</a:t>
             </a:fld>
             <a:endParaRPr lang="en-US"/>
           </a:p>
@@ -1378,7 +1435,7 @@
           <a:p>
             <a:r>
               <a:rPr lang="en-US" dirty="0"/>
-              <a:t>Here’s a side-by-side comparison of the tradeoffs.  </a:t>
+              <a:t>When there is more than one consumer, this is typically called the Observer Pattern, or the Publish-Subscribe Pattern, or the Listener Pattern.</a:t>
             </a:r>
           </a:p>
           <a:p>
@@ -1387,13 +1444,16 @@
           <a:p>
             <a:r>
               <a:rPr lang="en-US" dirty="0"/>
-              <a:t>Note that if the data is changing rapidly, but the consumer only asks for it rarely, then Pull is better because it leads to less traffic. </a:t>
-            </a:r>
+              <a:t>&lt;read slide&gt;</a:t>
+            </a:r>
+          </a:p>
+          <a:p>
+            <a:endParaRPr lang="en-US" dirty="0"/>
           </a:p>
           <a:p>
             <a:r>
               <a:rPr lang="en-US" dirty="0"/>
-              <a:t>Similarly, if the data is changing slowly, but the consumer needs it often, the Push is better because that leads to less traffic.</a:t>
+              <a:t>We’ll see in a few minutes how this works in a little more detail.</a:t>
             </a:r>
           </a:p>
         </p:txBody>
@@ -1424,7 +1484,7 @@
     </p:spTree>
     <p:extLst>
       <p:ext uri="{BB962C8B-B14F-4D97-AF65-F5344CB8AC3E}">
-        <p14:creationId xmlns:p14="http://schemas.microsoft.com/office/powerpoint/2010/main" val="365248534"/>
+        <p14:creationId xmlns:p14="http://schemas.microsoft.com/office/powerpoint/2010/main" val="3285328138"/>
       </p:ext>
     </p:extLst>
   </p:cSld>
@@ -1480,7 +1540,7 @@
           <a:p>
             <a:r>
               <a:rPr lang="en-US" dirty="0"/>
-              <a:t>Let’s take a look at both of these designs in a concrete example.   Here is the interface for a simple clock using the Pull design.</a:t>
+              <a:t>Here’s a side-by-side comparison of the tradeoffs.  </a:t>
             </a:r>
           </a:p>
           <a:p>
@@ -1489,15 +1549,13 @@
           <a:p>
             <a:r>
               <a:rPr lang="en-US" dirty="0"/>
-              <a:t> It has three methods: reset, tick, and </a:t>
-            </a:r>
-            <a:r>
-              <a:rPr lang="en-US" dirty="0" err="1"/>
-              <a:t>getTime</a:t>
-            </a:r>
+              <a:t>Note that if the data is changing rapidly, but the consumer only asks for it rarely, then Pull is better because it leads to less traffic. </a:t>
+            </a:r>
+          </a:p>
+          <a:p>
             <a:r>
               <a:rPr lang="en-US" dirty="0"/>
-              <a:t>.  Note that the interface includes a description of what each method is supposed to do.  </a:t>
+              <a:t>Similarly, if the data is changing slowly, but the consumer needs it often, the Push is better because that leads to less traffic.</a:t>
             </a:r>
           </a:p>
         </p:txBody>
@@ -1528,7 +1586,7 @@
     </p:spTree>
     <p:extLst>
       <p:ext uri="{BB962C8B-B14F-4D97-AF65-F5344CB8AC3E}">
-        <p14:creationId xmlns:p14="http://schemas.microsoft.com/office/powerpoint/2010/main" val="1615821103"/>
+        <p14:creationId xmlns:p14="http://schemas.microsoft.com/office/powerpoint/2010/main" val="365248534"/>
       </p:ext>
     </p:extLst>
   </p:cSld>
@@ -1584,103 +1642,25 @@
           <a:p>
             <a:r>
               <a:rPr lang="en-US" dirty="0"/>
-              <a:t>Now, here we have an implementation of </a:t>
+              <a:t>Let’s take a look at both of these designs in a concrete example.   Here is the interface for a simple clock using the Pull design.</a:t>
+            </a:r>
+          </a:p>
+          <a:p>
+            <a:endParaRPr lang="en-US" dirty="0"/>
+          </a:p>
+          <a:p>
+            <a:r>
+              <a:rPr lang="en-US" dirty="0"/>
+              <a:t> It has three methods: reset, tick, and </a:t>
             </a:r>
             <a:r>
               <a:rPr lang="en-US" dirty="0" err="1"/>
-              <a:t>IClock</a:t>
+              <a:t>getTime</a:t>
             </a:r>
             <a:r>
               <a:rPr lang="en-US" dirty="0"/>
-              <a:t>, and a </a:t>
-            </a:r>
-            <a:r>
-              <a:rPr lang="en-US" dirty="0" err="1"/>
-              <a:t>ClockClient</a:t>
-            </a:r>
-            <a:r>
-              <a:rPr lang="en-US" dirty="0"/>
-              <a:t> that uses it.  </a:t>
-            </a:r>
-            <a:r>
-              <a:rPr lang="en-US" dirty="0" err="1"/>
-              <a:t>SimpleClock</a:t>
-            </a:r>
-            <a:r>
-              <a:rPr lang="en-US" dirty="0"/>
-              <a:t> is the producer, and </a:t>
-            </a:r>
-            <a:r>
-              <a:rPr lang="en-US" dirty="0" err="1"/>
-              <a:t>ClockClient</a:t>
-            </a:r>
-            <a:r>
-              <a:rPr lang="en-US" dirty="0"/>
-              <a:t> is the consumer.</a:t>
-            </a:r>
-          </a:p>
-          <a:p>
-            <a:endParaRPr lang="en-US" dirty="0"/>
-          </a:p>
-          <a:p>
-            <a:r>
-              <a:rPr lang="en-US" dirty="0"/>
-              <a:t>Notice that constructor says “</a:t>
-            </a:r>
-            <a:r>
-              <a:rPr lang="en-US" dirty="0" err="1"/>
-              <a:t>theclock:IClock</a:t>
-            </a:r>
-            <a:r>
-              <a:rPr lang="en-US" dirty="0"/>
-              <a:t>”, because this client depends only on the fact that ‘</a:t>
-            </a:r>
-            <a:r>
-              <a:rPr lang="en-US" dirty="0" err="1"/>
-              <a:t>theclock</a:t>
-            </a:r>
-            <a:r>
-              <a:rPr lang="en-US" dirty="0"/>
-              <a:t>’ obeys the specification of </a:t>
-            </a:r>
-            <a:r>
-              <a:rPr lang="en-US" dirty="0" err="1"/>
-              <a:t>IClock</a:t>
-            </a:r>
-            <a:r>
-              <a:rPr lang="en-US" dirty="0"/>
-              <a:t>.   If it had said "</a:t>
-            </a:r>
-            <a:r>
-              <a:rPr lang="en-US" dirty="0" err="1"/>
-              <a:t>theclock:SimpleClock</a:t>
-            </a:r>
-            <a:r>
-              <a:rPr lang="en-US" dirty="0"/>
-              <a:t>" then the compiler would reject any attempt to build a </a:t>
-            </a:r>
-            <a:r>
-              <a:rPr lang="en-US" dirty="0" err="1"/>
-              <a:t>ClockClient</a:t>
-            </a:r>
-            <a:r>
-              <a:rPr lang="en-US" dirty="0"/>
-              <a:t> using any other implementation of </a:t>
-            </a:r>
-            <a:r>
-              <a:rPr lang="en-US" dirty="0" err="1"/>
-              <a:t>IClock</a:t>
-            </a:r>
-            <a:r>
-              <a:rPr lang="en-US" dirty="0"/>
-              <a:t>.</a:t>
-            </a:r>
-          </a:p>
-          <a:p>
-            <a:endParaRPr lang="en-US" dirty="0"/>
-          </a:p>
-          <a:p>
-            <a:endParaRPr lang="en-US" dirty="0"/>
+              <a:t>.  Note that the interface includes a description of what each method is supposed to do.  </a:t>
+            </a:r>
           </a:p>
         </p:txBody>
       </p:sp>
@@ -1710,7 +1690,7 @@
     </p:spTree>
     <p:extLst>
       <p:ext uri="{BB962C8B-B14F-4D97-AF65-F5344CB8AC3E}">
-        <p14:creationId xmlns:p14="http://schemas.microsoft.com/office/powerpoint/2010/main" val="3512470733"/>
+        <p14:creationId xmlns:p14="http://schemas.microsoft.com/office/powerpoint/2010/main" val="1615821103"/>
       </p:ext>
     </p:extLst>
   </p:cSld>
@@ -1764,167 +1744,102 @@
           <a:bodyPr/>
           <a:lstStyle/>
           <a:p>
-            <a:pPr marL="0" marR="0" lvl="0" indent="0" algn="l" defTabSz="914400" rtl="0" eaLnBrk="1" fontAlgn="auto" latinLnBrk="0" hangingPunct="1">
-              <a:lnSpc>
-                <a:spcPct val="100000"/>
-              </a:lnSpc>
-              <a:spcBef>
-                <a:spcPts val="0"/>
-              </a:spcBef>
-              <a:spcAft>
-                <a:spcPts val="0"/>
-              </a:spcAft>
-              <a:buClrTx/>
-              <a:buSzTx/>
-              <a:buFontTx/>
-              <a:buNone/>
-              <a:tabLst/>
-              <a:defRPr/>
-            </a:pPr>
             <a:r>
               <a:rPr lang="en-US" dirty="0"/>
-              <a:t>Now we’ve got this code.  How should we test it?</a:t>
-            </a:r>
-          </a:p>
-          <a:p>
-            <a:pPr marL="0" marR="0" lvl="0" indent="0" algn="l" defTabSz="914400" rtl="0" eaLnBrk="1" fontAlgn="auto" latinLnBrk="0" hangingPunct="1">
-              <a:lnSpc>
-                <a:spcPct val="100000"/>
-              </a:lnSpc>
-              <a:spcBef>
-                <a:spcPts val="0"/>
-              </a:spcBef>
-              <a:spcAft>
-                <a:spcPts val="0"/>
-              </a:spcAft>
-              <a:buClrTx/>
-              <a:buSzTx/>
-              <a:buFontTx/>
-              <a:buNone/>
-              <a:tabLst/>
-              <a:defRPr/>
-            </a:pPr>
+              <a:t>Now, here we have an implementation of </a:t>
+            </a:r>
+            <a:r>
+              <a:rPr lang="en-US" dirty="0" err="1"/>
+              <a:t>IClock</a:t>
+            </a:r>
+            <a:r>
+              <a:rPr lang="en-US" dirty="0"/>
+              <a:t>, and a </a:t>
+            </a:r>
+            <a:r>
+              <a:rPr lang="en-US" dirty="0" err="1"/>
+              <a:t>ClockClient</a:t>
+            </a:r>
+            <a:r>
+              <a:rPr lang="en-US" dirty="0"/>
+              <a:t> that uses it.  </a:t>
+            </a:r>
+            <a:r>
+              <a:rPr lang="en-US" dirty="0" err="1"/>
+              <a:t>SimpleClock</a:t>
+            </a:r>
+            <a:r>
+              <a:rPr lang="en-US" dirty="0"/>
+              <a:t> is the producer, and </a:t>
+            </a:r>
+            <a:r>
+              <a:rPr lang="en-US" dirty="0" err="1"/>
+              <a:t>ClockClient</a:t>
+            </a:r>
+            <a:r>
+              <a:rPr lang="en-US" dirty="0"/>
+              <a:t> is the consumer.</a:t>
+            </a:r>
+          </a:p>
+          <a:p>
             <a:endParaRPr lang="en-US" dirty="0"/>
           </a:p>
           <a:p>
-            <a:pPr marL="0" marR="0" lvl="0" indent="0" algn="l" defTabSz="914400" rtl="0" eaLnBrk="1" fontAlgn="auto" latinLnBrk="0" hangingPunct="1">
-              <a:lnSpc>
-                <a:spcPct val="100000"/>
-              </a:lnSpc>
-              <a:spcBef>
-                <a:spcPts val="0"/>
-              </a:spcBef>
-              <a:spcAft>
-                <a:spcPts val="0"/>
-              </a:spcAft>
-              <a:buClrTx/>
-              <a:buSzTx/>
-              <a:buFontTx/>
-              <a:buNone/>
-              <a:tabLst/>
-              <a:defRPr/>
-            </a:pPr>
             <a:r>
               <a:rPr lang="en-US" dirty="0"/>
-              <a:t>A first impulse is to write a little </a:t>
+              <a:t>Notice that constructor says “</a:t>
             </a:r>
             <a:r>
               <a:rPr lang="en-US" dirty="0" err="1"/>
-              <a:t>index.ts</a:t>
+              <a:t>theclock:IClock</a:t>
             </a:r>
             <a:r>
               <a:rPr lang="en-US" dirty="0"/>
-              <a:t> file, run it, and see what it does. </a:t>
-            </a:r>
-          </a:p>
-          <a:p>
-            <a:pPr marL="0" marR="0" lvl="0" indent="0" algn="l" defTabSz="914400" rtl="0" eaLnBrk="1" fontAlgn="auto" latinLnBrk="0" hangingPunct="1">
-              <a:lnSpc>
-                <a:spcPct val="100000"/>
-              </a:lnSpc>
-              <a:spcBef>
-                <a:spcPts val="0"/>
-              </a:spcBef>
-              <a:spcAft>
-                <a:spcPts val="0"/>
-              </a:spcAft>
-              <a:buClrTx/>
-              <a:buSzTx/>
-              <a:buFontTx/>
-              <a:buNone/>
-              <a:tabLst/>
-              <a:defRPr/>
-            </a:pPr>
+              <a:t>”, because this client depends only on the fact that ‘</a:t>
+            </a:r>
+            <a:r>
+              <a:rPr lang="en-US" dirty="0" err="1"/>
+              <a:t>theclock</a:t>
+            </a:r>
             <a:r>
               <a:rPr lang="en-US" dirty="0"/>
-              <a:t>&lt;explain a bit of the code&gt;</a:t>
-            </a:r>
-          </a:p>
-          <a:p>
-            <a:pPr marL="0" marR="0" lvl="0" indent="0" algn="l" defTabSz="914400" rtl="0" eaLnBrk="1" fontAlgn="auto" latinLnBrk="0" hangingPunct="1">
-              <a:lnSpc>
-                <a:spcPct val="100000"/>
-              </a:lnSpc>
-              <a:spcBef>
-                <a:spcPts val="0"/>
-              </a:spcBef>
-              <a:spcAft>
-                <a:spcPts val="0"/>
-              </a:spcAft>
-              <a:buClrTx/>
-              <a:buSzTx/>
-              <a:buFontTx/>
-              <a:buNone/>
-              <a:tabLst/>
-              <a:defRPr/>
-            </a:pPr>
+              <a:t>’ obeys the specification of </a:t>
+            </a:r>
+            <a:r>
+              <a:rPr lang="en-US" dirty="0" err="1"/>
+              <a:t>IClock</a:t>
+            </a:r>
             <a:r>
               <a:rPr lang="en-US" dirty="0"/>
-              <a:t>&lt;click, watch animation&gt;</a:t>
-            </a:r>
-          </a:p>
-          <a:p>
-            <a:pPr marL="0" marR="0" lvl="0" indent="0" algn="l" defTabSz="914400" rtl="0" eaLnBrk="1" fontAlgn="auto" latinLnBrk="0" hangingPunct="1">
-              <a:lnSpc>
-                <a:spcPct val="100000"/>
-              </a:lnSpc>
-              <a:spcBef>
-                <a:spcPts val="0"/>
-              </a:spcBef>
-              <a:spcAft>
-                <a:spcPts val="0"/>
-              </a:spcAft>
-              <a:buClrTx/>
-              <a:buSzTx/>
-              <a:buFontTx/>
-              <a:buNone/>
-              <a:tabLst/>
-              <a:defRPr/>
-            </a:pPr>
+              <a:t>.   If it had said "</a:t>
+            </a:r>
+            <a:r>
+              <a:rPr lang="en-US" dirty="0" err="1"/>
+              <a:t>theclock:SimpleClock</a:t>
+            </a:r>
+            <a:r>
+              <a:rPr lang="en-US" dirty="0"/>
+              <a:t>" then the compiler would reject any attempt to build a </a:t>
+            </a:r>
+            <a:r>
+              <a:rPr lang="en-US" dirty="0" err="1"/>
+              <a:t>ClockClient</a:t>
+            </a:r>
+            <a:r>
+              <a:rPr lang="en-US" dirty="0"/>
+              <a:t> using any other implementation of </a:t>
+            </a:r>
+            <a:r>
+              <a:rPr lang="en-US" dirty="0" err="1"/>
+              <a:t>IClock</a:t>
+            </a:r>
+            <a:r>
+              <a:rPr lang="en-US" dirty="0"/>
+              <a:t>.</a:t>
+            </a:r>
+          </a:p>
+          <a:p>
             <a:endParaRPr lang="en-US" dirty="0"/>
-          </a:p>
-          <a:p>
-            <a:pPr marL="0" marR="0" lvl="0" indent="0" algn="l" defTabSz="914400" rtl="0" eaLnBrk="1" fontAlgn="auto" latinLnBrk="0" hangingPunct="1">
-              <a:lnSpc>
-                <a:spcPct val="100000"/>
-              </a:lnSpc>
-              <a:spcBef>
-                <a:spcPts val="0"/>
-              </a:spcBef>
-              <a:spcAft>
-                <a:spcPts val="0"/>
-              </a:spcAft>
-              <a:buClrTx/>
-              <a:buSzTx/>
-              <a:buFontTx/>
-              <a:buNone/>
-              <a:tabLst/>
-              <a:defRPr/>
-            </a:pPr>
-            <a:r>
-              <a:rPr lang="en-US" dirty="0"/>
-              <a:t>NNNOOO!!!  We don’t want to have to look at the results of a manual test if we can avoid it.</a:t>
-            </a:r>
           </a:p>
           <a:p>
             <a:endParaRPr lang="en-US" dirty="0"/>
@@ -1957,7 +1872,7 @@
     </p:spTree>
     <p:extLst>
       <p:ext uri="{BB962C8B-B14F-4D97-AF65-F5344CB8AC3E}">
-        <p14:creationId xmlns:p14="http://schemas.microsoft.com/office/powerpoint/2010/main" val="297350874"/>
+        <p14:creationId xmlns:p14="http://schemas.microsoft.com/office/powerpoint/2010/main" val="3512470733"/>
       </p:ext>
     </p:extLst>
   </p:cSld>
@@ -2011,9 +1926,69 @@
           <a:bodyPr/>
           <a:lstStyle/>
           <a:p>
+            <a:pPr marL="0" marR="0" lvl="0" indent="0" algn="l" defTabSz="914400" rtl="0" eaLnBrk="1" fontAlgn="auto" latinLnBrk="0" hangingPunct="1">
+              <a:lnSpc>
+                <a:spcPct val="100000"/>
+              </a:lnSpc>
+              <a:spcBef>
+                <a:spcPts val="0"/>
+              </a:spcBef>
+              <a:spcAft>
+                <a:spcPts val="0"/>
+              </a:spcAft>
+              <a:buClrTx/>
+              <a:buSzTx/>
+              <a:buFontTx/>
+              <a:buNone/>
+              <a:tabLst/>
+              <a:defRPr/>
+            </a:pPr>
             <a:r>
               <a:rPr lang="en-US" dirty="0"/>
-              <a:t>We want to automate this process whenever possible.  Here’s a little testing script (in our standard test runner, called “Jest”).  It does the same thing as our </a:t>
+              <a:t>Now we’ve got this code.  How should we test it?</a:t>
+            </a:r>
+          </a:p>
+          <a:p>
+            <a:pPr marL="0" marR="0" lvl="0" indent="0" algn="l" defTabSz="914400" rtl="0" eaLnBrk="1" fontAlgn="auto" latinLnBrk="0" hangingPunct="1">
+              <a:lnSpc>
+                <a:spcPct val="100000"/>
+              </a:lnSpc>
+              <a:spcBef>
+                <a:spcPts val="0"/>
+              </a:spcBef>
+              <a:spcAft>
+                <a:spcPts val="0"/>
+              </a:spcAft>
+              <a:buClrTx/>
+              <a:buSzTx/>
+              <a:buFontTx/>
+              <a:buNone/>
+              <a:tabLst/>
+              <a:defRPr/>
+            </a:pPr>
+            <a:endParaRPr lang="en-US" dirty="0"/>
+          </a:p>
+          <a:p>
+            <a:pPr marL="0" marR="0" lvl="0" indent="0" algn="l" defTabSz="914400" rtl="0" eaLnBrk="1" fontAlgn="auto" latinLnBrk="0" hangingPunct="1">
+              <a:lnSpc>
+                <a:spcPct val="100000"/>
+              </a:lnSpc>
+              <a:spcBef>
+                <a:spcPts val="0"/>
+              </a:spcBef>
+              <a:spcAft>
+                <a:spcPts val="0"/>
+              </a:spcAft>
+              <a:buClrTx/>
+              <a:buSzTx/>
+              <a:buFontTx/>
+              <a:buNone/>
+              <a:tabLst/>
+              <a:defRPr/>
+            </a:pPr>
+            <a:r>
+              <a:rPr lang="en-US" dirty="0"/>
+              <a:t>A first impulse is to write a little </a:t>
             </a:r>
             <a:r>
               <a:rPr lang="en-US" dirty="0" err="1"/>
@@ -2021,8 +1996,100 @@
             </a:r>
             <a:r>
               <a:rPr lang="en-US" dirty="0"/>
-              <a:t> did, but we’ve replaced all those console.log statements with ‘expect’ statements, which will check to see if those expressions return the right values.</a:t>
-            </a:r>
+              <a:t> file, run it, and see what it does. </a:t>
+            </a:r>
+          </a:p>
+          <a:p>
+            <a:pPr marL="0" marR="0" lvl="0" indent="0" algn="l" defTabSz="914400" rtl="0" eaLnBrk="1" fontAlgn="auto" latinLnBrk="0" hangingPunct="1">
+              <a:lnSpc>
+                <a:spcPct val="100000"/>
+              </a:lnSpc>
+              <a:spcBef>
+                <a:spcPts val="0"/>
+              </a:spcBef>
+              <a:spcAft>
+                <a:spcPts val="0"/>
+              </a:spcAft>
+              <a:buClrTx/>
+              <a:buSzTx/>
+              <a:buFontTx/>
+              <a:buNone/>
+              <a:tabLst/>
+              <a:defRPr/>
+            </a:pPr>
+            <a:r>
+              <a:rPr lang="en-US" dirty="0"/>
+              <a:t>&lt;explain a bit of the code&gt;</a:t>
+            </a:r>
+          </a:p>
+          <a:p>
+            <a:pPr marL="0" marR="0" lvl="0" indent="0" algn="l" defTabSz="914400" rtl="0" eaLnBrk="1" fontAlgn="auto" latinLnBrk="0" hangingPunct="1">
+              <a:lnSpc>
+                <a:spcPct val="100000"/>
+              </a:lnSpc>
+              <a:spcBef>
+                <a:spcPts val="0"/>
+              </a:spcBef>
+              <a:spcAft>
+                <a:spcPts val="0"/>
+              </a:spcAft>
+              <a:buClrTx/>
+              <a:buSzTx/>
+              <a:buFontTx/>
+              <a:buNone/>
+              <a:tabLst/>
+              <a:defRPr/>
+            </a:pPr>
+            <a:r>
+              <a:rPr lang="en-US" dirty="0"/>
+              <a:t>&lt;click, watch animation&gt;</a:t>
+            </a:r>
+          </a:p>
+          <a:p>
+            <a:pPr marL="0" marR="0" lvl="0" indent="0" algn="l" defTabSz="914400" rtl="0" eaLnBrk="1" fontAlgn="auto" latinLnBrk="0" hangingPunct="1">
+              <a:lnSpc>
+                <a:spcPct val="100000"/>
+              </a:lnSpc>
+              <a:spcBef>
+                <a:spcPts val="0"/>
+              </a:spcBef>
+              <a:spcAft>
+                <a:spcPts val="0"/>
+              </a:spcAft>
+              <a:buClrTx/>
+              <a:buSzTx/>
+              <a:buFontTx/>
+              <a:buNone/>
+              <a:tabLst/>
+              <a:defRPr/>
+            </a:pPr>
+            <a:endParaRPr lang="en-US" dirty="0"/>
+          </a:p>
+          <a:p>
+            <a:pPr marL="0" marR="0" lvl="0" indent="0" algn="l" defTabSz="914400" rtl="0" eaLnBrk="1" fontAlgn="auto" latinLnBrk="0" hangingPunct="1">
+              <a:lnSpc>
+                <a:spcPct val="100000"/>
+              </a:lnSpc>
+              <a:spcBef>
+                <a:spcPts val="0"/>
+              </a:spcBef>
+              <a:spcAft>
+                <a:spcPts val="0"/>
+              </a:spcAft>
+              <a:buClrTx/>
+              <a:buSzTx/>
+              <a:buFontTx/>
+              <a:buNone/>
+              <a:tabLst/>
+              <a:defRPr/>
+            </a:pPr>
+            <a:r>
+              <a:rPr lang="en-US" dirty="0"/>
+              <a:t>NNNOOO!!!  We don’t want to have to look at the results of a manual test if we can avoid it.</a:t>
+            </a:r>
+          </a:p>
+          <a:p>
+            <a:endParaRPr lang="en-US" dirty="0"/>
           </a:p>
         </p:txBody>
       </p:sp>
@@ -2052,7 +2119,7 @@
     </p:spTree>
     <p:extLst>
       <p:ext uri="{BB962C8B-B14F-4D97-AF65-F5344CB8AC3E}">
-        <p14:creationId xmlns:p14="http://schemas.microsoft.com/office/powerpoint/2010/main" val="2820716657"/>
+        <p14:creationId xmlns:p14="http://schemas.microsoft.com/office/powerpoint/2010/main" val="297350874"/>
       </p:ext>
     </p:extLst>
   </p:cSld>
@@ -2108,7 +2175,15 @@
           <a:p>
             <a:r>
               <a:rPr lang="en-US" dirty="0"/>
-              <a:t>Let’s try the same thing using the Push or Observer pattern.</a:t>
+              <a:t>We want to automate this process whenever possible.  Here’s a little testing script (in our standard test runner, called “Jest”).  It does the same thing as our </a:t>
+            </a:r>
+            <a:r>
+              <a:rPr lang="en-US" dirty="0" err="1"/>
+              <a:t>index.ts</a:t>
+            </a:r>
+            <a:r>
+              <a:rPr lang="en-US" dirty="0"/>
+              <a:t> did, but we’ve replaced all those console.log statements with ‘expect’ statements, which will check to see if those expressions return the right values.</a:t>
             </a:r>
           </a:p>
         </p:txBody>
@@ -2139,7 +2214,7 @@
     </p:spTree>
     <p:extLst>
       <p:ext uri="{BB962C8B-B14F-4D97-AF65-F5344CB8AC3E}">
-        <p14:creationId xmlns:p14="http://schemas.microsoft.com/office/powerpoint/2010/main" val="3952334577"/>
+        <p14:creationId xmlns:p14="http://schemas.microsoft.com/office/powerpoint/2010/main" val="2820716657"/>
       </p:ext>
     </p:extLst>
   </p:cSld>
@@ -2195,29 +2270,8 @@
           <a:p>
             <a:r>
               <a:rPr lang="en-US" dirty="0"/>
-              <a:t>Here is the interface for a clock using the Push pattern.  </a:t>
-            </a:r>
-          </a:p>
-          <a:p>
-            <a:r>
-              <a:rPr lang="en-US" dirty="0"/>
-              <a:t>&lt;Go through methods&gt;</a:t>
-            </a:r>
-          </a:p>
-          <a:p>
-            <a:r>
-              <a:rPr lang="en-US" dirty="0"/>
-              <a:t>Note that we specify that the listeners/consumers/observers are notified by sending them a notify message with the current time.   If we didn’t specify this, we wouldn’t know how to write a listener. </a:t>
-            </a:r>
-          </a:p>
-          <a:p>
-            <a:endParaRPr lang="en-US" dirty="0"/>
-          </a:p>
-          <a:p>
-            <a:endParaRPr lang="en-US" dirty="0"/>
-          </a:p>
-          <a:p>
-            <a:endParaRPr lang="en-US" dirty="0"/>
+              <a:t>Let’s try the same thing using the Push or Observer pattern.</a:t>
+            </a:r>
           </a:p>
         </p:txBody>
       </p:sp>
@@ -2247,7 +2301,7 @@
     </p:spTree>
     <p:extLst>
       <p:ext uri="{BB962C8B-B14F-4D97-AF65-F5344CB8AC3E}">
-        <p14:creationId xmlns:p14="http://schemas.microsoft.com/office/powerpoint/2010/main" val="4243403126"/>
+        <p14:creationId xmlns:p14="http://schemas.microsoft.com/office/powerpoint/2010/main" val="3952334577"/>
       </p:ext>
     </p:extLst>
   </p:cSld>
@@ -2303,16 +2357,19 @@
           <a:p>
             <a:r>
               <a:rPr lang="en-US" dirty="0"/>
-              <a:t>And here’s the matching interface for a clock listener.  Note that we’ve put semantics in the interface– we say that the notify method expects to receive a message with the current time.</a:t>
-            </a:r>
-          </a:p>
-          <a:p>
-            <a:endParaRPr lang="en-US" dirty="0"/>
+              <a:t>Here is the interface for a clock using the Push pattern.  </a:t>
+            </a:r>
           </a:p>
           <a:p>
             <a:r>
               <a:rPr lang="en-US" dirty="0"/>
-              <a:t>This semantic information completes the contract between the producer and the consumer– it’s not enough to know the names of the relevant methods; we need to know what is in the message.</a:t>
+              <a:t>&lt;Go through methods&gt;</a:t>
+            </a:r>
+          </a:p>
+          <a:p>
+            <a:r>
+              <a:rPr lang="en-US" dirty="0"/>
+              <a:t>Note that we specify that the listeners/consumers/observers are notified by sending them a notify message with the current time.   If we didn’t specify this, we wouldn’t know how to write a listener. </a:t>
             </a:r>
           </a:p>
           <a:p>
@@ -2352,7 +2409,7 @@
     </p:spTree>
     <p:extLst>
       <p:ext uri="{BB962C8B-B14F-4D97-AF65-F5344CB8AC3E}">
-        <p14:creationId xmlns:p14="http://schemas.microsoft.com/office/powerpoint/2010/main" val="2273420292"/>
+        <p14:creationId xmlns:p14="http://schemas.microsoft.com/office/powerpoint/2010/main" val="4243403126"/>
       </p:ext>
     </p:extLst>
   </p:cSld>
@@ -2408,7 +2465,7 @@
           <a:p>
             <a:r>
               <a:rPr lang="en-US" dirty="0"/>
-              <a:t>Let’s stop for a minute and review interfaces in Typescript.</a:t>
+              <a:t>And here’s the matching interface for a clock listener.  Note that we’ve put semantics in the interface– we say that the notify method expects to receive a message with the current time.</a:t>
             </a:r>
           </a:p>
           <a:p>
@@ -2417,115 +2474,14 @@
           <a:p>
             <a:r>
               <a:rPr lang="en-US" dirty="0"/>
-              <a:t>In Typescript, an interface describes objects, not classes.   So when we say “</a:t>
-            </a:r>
-            <a:r>
-              <a:rPr lang="en-US" dirty="0" err="1"/>
-              <a:t>CartesianPoint</a:t>
-            </a:r>
-            <a:r>
-              <a:rPr lang="en-US" dirty="0"/>
-              <a:t> implements </a:t>
-            </a:r>
-            <a:r>
-              <a:rPr lang="en-US" dirty="0" err="1"/>
-              <a:t>IPoint</a:t>
-            </a:r>
-            <a:r>
-              <a:rPr lang="en-US" dirty="0"/>
-              <a:t>”, we mean that any object of class </a:t>
-            </a:r>
-            <a:r>
-              <a:rPr lang="en-US" dirty="0" err="1"/>
-              <a:t>CartesianPoint</a:t>
-            </a:r>
-            <a:r>
-              <a:rPr lang="en-US" dirty="0"/>
-              <a:t> will satisfy the interface </a:t>
-            </a:r>
-            <a:r>
-              <a:rPr lang="en-US" dirty="0" err="1"/>
-              <a:t>IPoint</a:t>
-            </a:r>
-            <a:r>
-              <a:rPr lang="en-US" dirty="0"/>
-              <a:t>.  That is, it will have methods </a:t>
-            </a:r>
-            <a:r>
-              <a:rPr lang="en-US" dirty="0" err="1"/>
-              <a:t>getx</a:t>
-            </a:r>
-            <a:r>
-              <a:rPr lang="en-US" dirty="0"/>
-              <a:t> and </a:t>
-            </a:r>
-            <a:r>
-              <a:rPr lang="en-US" dirty="0" err="1"/>
-              <a:t>gety</a:t>
-            </a:r>
-            <a:r>
-              <a:rPr lang="en-US" dirty="0"/>
-              <a:t> that return the x and y coordinates of the point.  (Note: this is different from Java)</a:t>
+              <a:t>This semantic information completes the contract between the producer and the consumer– it’s not enough to know the names of the relevant methods; we need to know what is in the message.</a:t>
             </a:r>
           </a:p>
           <a:p>
             <a:endParaRPr lang="en-US" dirty="0"/>
           </a:p>
           <a:p>
-            <a:r>
-              <a:rPr lang="en-US" dirty="0" err="1"/>
-              <a:t>PolarPoint</a:t>
-            </a:r>
-            <a:r>
-              <a:rPr lang="en-US" dirty="0"/>
-              <a:t> also implements </a:t>
-            </a:r>
-            <a:r>
-              <a:rPr lang="en-US" dirty="0" err="1"/>
-              <a:t>IPoint</a:t>
-            </a:r>
-            <a:r>
-              <a:rPr lang="en-US" dirty="0"/>
-              <a:t>, but in a different way:  it keeps the point in polar coordinates, but if you ask about the x or y coordinates of the point, it will compute the proper value.</a:t>
-            </a:r>
-          </a:p>
-          <a:p>
             <a:endParaRPr lang="en-US" dirty="0"/>
-          </a:p>
-          <a:p>
-            <a:r>
-              <a:rPr lang="en-US" dirty="0"/>
-              <a:t>If this is not familiar to you, you should go back and review your notes from OOD, and study some of the suggested readings on Typescript.  You will seriously need to understand this material if you are to succeed in this course.</a:t>
-            </a:r>
-          </a:p>
-          <a:p>
-            <a:endParaRPr lang="en-US" dirty="0"/>
-          </a:p>
-          <a:p>
-            <a:pPr marL="0" marR="0" lvl="0" indent="0" algn="l" defTabSz="914400" rtl="0" eaLnBrk="1" fontAlgn="auto" latinLnBrk="0" hangingPunct="1">
-              <a:lnSpc>
-                <a:spcPct val="100000"/>
-              </a:lnSpc>
-              <a:spcBef>
-                <a:spcPts val="0"/>
-              </a:spcBef>
-              <a:spcAft>
-                <a:spcPts val="0"/>
-              </a:spcAft>
-              <a:buClrTx/>
-              <a:buSzTx/>
-              <a:buFontTx/>
-              <a:buNone/>
-              <a:tabLst/>
-              <a:defRPr/>
-            </a:pPr>
-            <a:endParaRPr lang="en-US" dirty="0"/>
-          </a:p>
-          <a:p>
-            <a:r>
-              <a:rPr lang="en-US" dirty="0"/>
-              <a:t> </a:t>
-            </a:r>
           </a:p>
           <a:p>
             <a:endParaRPr lang="en-US" dirty="0"/>
@@ -2558,7 +2514,7 @@
     </p:spTree>
     <p:extLst>
       <p:ext uri="{BB962C8B-B14F-4D97-AF65-F5344CB8AC3E}">
-        <p14:creationId xmlns:p14="http://schemas.microsoft.com/office/powerpoint/2010/main" val="1092141948"/>
+        <p14:creationId xmlns:p14="http://schemas.microsoft.com/office/powerpoint/2010/main" val="2273420292"/>
       </p:ext>
     </p:extLst>
   </p:cSld>
@@ -2614,7 +2570,94 @@
           <a:p>
             <a:r>
               <a:rPr lang="en-US" dirty="0"/>
-              <a:t>&lt;Read slide&gt;</a:t>
+              <a:t>Let’s stop for a minute and review interfaces in Typescript.</a:t>
+            </a:r>
+          </a:p>
+          <a:p>
+            <a:endParaRPr lang="en-US" dirty="0"/>
+          </a:p>
+          <a:p>
+            <a:r>
+              <a:rPr lang="en-US" dirty="0"/>
+              <a:t>In Typescript, an interface describes objects, not classes.   So when we say “</a:t>
+            </a:r>
+            <a:r>
+              <a:rPr lang="en-US" dirty="0" err="1"/>
+              <a:t>CartesianPoint</a:t>
+            </a:r>
+            <a:r>
+              <a:rPr lang="en-US" dirty="0"/>
+              <a:t> implements </a:t>
+            </a:r>
+            <a:r>
+              <a:rPr lang="en-US" dirty="0" err="1"/>
+              <a:t>IPoint</a:t>
+            </a:r>
+            <a:r>
+              <a:rPr lang="en-US" dirty="0"/>
+              <a:t>”, we mean that any object of class </a:t>
+            </a:r>
+            <a:r>
+              <a:rPr lang="en-US" dirty="0" err="1"/>
+              <a:t>CartesianPoint</a:t>
+            </a:r>
+            <a:r>
+              <a:rPr lang="en-US" dirty="0"/>
+              <a:t> will satisfy the interface </a:t>
+            </a:r>
+            <a:r>
+              <a:rPr lang="en-US" dirty="0" err="1"/>
+              <a:t>IPoint</a:t>
+            </a:r>
+            <a:r>
+              <a:rPr lang="en-US" dirty="0"/>
+              <a:t>.  That is, it will have methods </a:t>
+            </a:r>
+            <a:r>
+              <a:rPr lang="en-US" dirty="0" err="1"/>
+              <a:t>getx</a:t>
+            </a:r>
+            <a:r>
+              <a:rPr lang="en-US" dirty="0"/>
+              <a:t> and </a:t>
+            </a:r>
+            <a:r>
+              <a:rPr lang="en-US" dirty="0" err="1"/>
+              <a:t>gety</a:t>
+            </a:r>
+            <a:r>
+              <a:rPr lang="en-US" dirty="0"/>
+              <a:t> that return the x and y coordinates of the point.  (Note: this is different from Java)</a:t>
+            </a:r>
+          </a:p>
+          <a:p>
+            <a:endParaRPr lang="en-US" dirty="0"/>
+          </a:p>
+          <a:p>
+            <a:r>
+              <a:rPr lang="en-US" dirty="0" err="1"/>
+              <a:t>PolarPoint</a:t>
+            </a:r>
+            <a:r>
+              <a:rPr lang="en-US" dirty="0"/>
+              <a:t> also implements </a:t>
+            </a:r>
+            <a:r>
+              <a:rPr lang="en-US" dirty="0" err="1"/>
+              <a:t>IPoint</a:t>
+            </a:r>
+            <a:r>
+              <a:rPr lang="en-US" dirty="0"/>
+              <a:t>, but in a different way:  it keeps the point in polar coordinates, but if you ask about the x or y coordinates of the point, it will compute the proper value.</a:t>
+            </a:r>
+          </a:p>
+          <a:p>
+            <a:endParaRPr lang="en-US" dirty="0"/>
+          </a:p>
+          <a:p>
+            <a:r>
+              <a:rPr lang="en-US" dirty="0"/>
+              <a:t>If this is not familiar to you, you should go back and review your notes from OOD, and study some of the suggested readings on Typescript.  You will seriously need to understand this material if you are to succeed in this course.</a:t>
             </a:r>
           </a:p>
           <a:p>
@@ -2638,40 +2681,16 @@
               <a:tabLst/>
               <a:defRPr/>
             </a:pPr>
-            <a:r>
-              <a:rPr lang="en-US" b="0" dirty="0">
-                <a:solidFill>
-                  <a:schemeClr val="tx1"/>
-                </a:solidFill>
-                <a:latin typeface="Ink Free" panose="03080402000500000000" pitchFamily="66" charset="0"/>
-              </a:rPr>
-              <a:t>Notice that we’ve specified what these numbers MEAN, following Principle 2 from the last lesson: Make your Data Mean Something</a:t>
-            </a:r>
-          </a:p>
-          <a:p>
-            <a:pPr marL="0" marR="0" lvl="0" indent="0" algn="l" defTabSz="914400" rtl="0" eaLnBrk="1" fontAlgn="auto" latinLnBrk="0" hangingPunct="1">
-              <a:lnSpc>
-                <a:spcPct val="100000"/>
-              </a:lnSpc>
-              <a:spcBef>
-                <a:spcPts val="0"/>
-              </a:spcBef>
-              <a:spcAft>
-                <a:spcPts val="0"/>
-              </a:spcAft>
-              <a:buClrTx/>
-              <a:buSzTx/>
-              <a:buFontTx/>
-              <a:buNone/>
-              <a:tabLst/>
-              <a:defRPr/>
-            </a:pPr>
-            <a:endParaRPr lang="en-US" b="0" dirty="0">
-              <a:solidFill>
-                <a:schemeClr val="tx1"/>
-              </a:solidFill>
-              <a:latin typeface="Ink Free" panose="03080402000500000000" pitchFamily="66" charset="0"/>
-            </a:endParaRPr>
+            <a:endParaRPr lang="en-US" dirty="0"/>
+          </a:p>
+          <a:p>
+            <a:r>
+              <a:rPr lang="en-US" dirty="0"/>
+              <a:t> </a:t>
+            </a:r>
+          </a:p>
+          <a:p>
+            <a:endParaRPr lang="en-US" dirty="0"/>
           </a:p>
         </p:txBody>
       </p:sp>
@@ -2701,7 +2720,7 @@
     </p:spTree>
     <p:extLst>
       <p:ext uri="{BB962C8B-B14F-4D97-AF65-F5344CB8AC3E}">
-        <p14:creationId xmlns:p14="http://schemas.microsoft.com/office/powerpoint/2010/main" val="884303184"/>
+        <p14:creationId xmlns:p14="http://schemas.microsoft.com/office/powerpoint/2010/main" val="1092141948"/>
       </p:ext>
     </p:extLst>
   </p:cSld>
@@ -2844,8 +2863,64 @@
           <a:p>
             <a:r>
               <a:rPr lang="en-US" dirty="0"/>
-              <a:t>&lt;read slide&gt;</a:t>
-            </a:r>
+              <a:t>&lt;Read slide&gt;</a:t>
+            </a:r>
+          </a:p>
+          <a:p>
+            <a:endParaRPr lang="en-US" dirty="0"/>
+          </a:p>
+          <a:p>
+            <a:pPr marL="0" marR="0" lvl="0" indent="0" algn="l" defTabSz="914400" rtl="0" eaLnBrk="1" fontAlgn="auto" latinLnBrk="0" hangingPunct="1">
+              <a:lnSpc>
+                <a:spcPct val="100000"/>
+              </a:lnSpc>
+              <a:spcBef>
+                <a:spcPts val="0"/>
+              </a:spcBef>
+              <a:spcAft>
+                <a:spcPts val="0"/>
+              </a:spcAft>
+              <a:buClrTx/>
+              <a:buSzTx/>
+              <a:buFontTx/>
+              <a:buNone/>
+              <a:tabLst/>
+              <a:defRPr/>
+            </a:pPr>
+            <a:r>
+              <a:rPr lang="en-US" b="0" dirty="0">
+                <a:solidFill>
+                  <a:schemeClr val="tx1"/>
+                </a:solidFill>
+                <a:latin typeface="Ink Free" panose="03080402000500000000" pitchFamily="66" charset="0"/>
+              </a:rPr>
+              <a:t>Notice that we’ve specified what these numbers MEAN, following Principle 2 from the last lesson: Make your Data Mean Something</a:t>
+            </a:r>
+          </a:p>
+          <a:p>
+            <a:pPr marL="0" marR="0" lvl="0" indent="0" algn="l" defTabSz="914400" rtl="0" eaLnBrk="1" fontAlgn="auto" latinLnBrk="0" hangingPunct="1">
+              <a:lnSpc>
+                <a:spcPct val="100000"/>
+              </a:lnSpc>
+              <a:spcBef>
+                <a:spcPts val="0"/>
+              </a:spcBef>
+              <a:spcAft>
+                <a:spcPts val="0"/>
+              </a:spcAft>
+              <a:buClrTx/>
+              <a:buSzTx/>
+              <a:buFontTx/>
+              <a:buNone/>
+              <a:tabLst/>
+              <a:defRPr/>
+            </a:pPr>
+            <a:endParaRPr lang="en-US" b="0" dirty="0">
+              <a:solidFill>
+                <a:schemeClr val="tx1"/>
+              </a:solidFill>
+              <a:latin typeface="Ink Free" panose="03080402000500000000" pitchFamily="66" charset="0"/>
+            </a:endParaRPr>
           </a:p>
         </p:txBody>
       </p:sp>
@@ -2875,7 +2950,7 @@
     </p:spTree>
     <p:extLst>
       <p:ext uri="{BB962C8B-B14F-4D97-AF65-F5344CB8AC3E}">
-        <p14:creationId xmlns:p14="http://schemas.microsoft.com/office/powerpoint/2010/main" val="3630871005"/>
+        <p14:creationId xmlns:p14="http://schemas.microsoft.com/office/powerpoint/2010/main" val="884303184"/>
       </p:ext>
     </p:extLst>
   </p:cSld>
@@ -2931,7 +3006,7 @@
           <a:p>
             <a:r>
               <a:rPr lang="en-US" dirty="0"/>
-              <a:t>&lt;read slide; not including the note&gt;</a:t>
+              <a:t>&lt;read slide&gt;</a:t>
             </a:r>
           </a:p>
         </p:txBody>
@@ -2962,7 +3037,7 @@
     </p:spTree>
     <p:extLst>
       <p:ext uri="{BB962C8B-B14F-4D97-AF65-F5344CB8AC3E}">
-        <p14:creationId xmlns:p14="http://schemas.microsoft.com/office/powerpoint/2010/main" val="2905640526"/>
+        <p14:creationId xmlns:p14="http://schemas.microsoft.com/office/powerpoint/2010/main" val="3630871005"/>
       </p:ext>
     </p:extLst>
   </p:cSld>
@@ -3018,22 +3093,8 @@
           <a:p>
             <a:r>
               <a:rPr lang="en-US" dirty="0"/>
-              <a:t>So here again is the interface for the </a:t>
-            </a:r>
-            <a:r>
-              <a:rPr lang="en-US" dirty="0" err="1"/>
-              <a:t>ProducerClock</a:t>
-            </a:r>
-            <a:endParaRPr lang="en-US" dirty="0"/>
-          </a:p>
-          <a:p>
-            <a:endParaRPr lang="en-US" dirty="0"/>
-          </a:p>
-          <a:p>
-            <a:endParaRPr lang="en-US" dirty="0"/>
-          </a:p>
-          <a:p>
-            <a:endParaRPr lang="en-US" dirty="0"/>
+              <a:t>&lt;read slide; not including the note&gt;</a:t>
+            </a:r>
           </a:p>
         </p:txBody>
       </p:sp>
@@ -3063,7 +3124,7 @@
     </p:spTree>
     <p:extLst>
       <p:ext uri="{BB962C8B-B14F-4D97-AF65-F5344CB8AC3E}">
-        <p14:creationId xmlns:p14="http://schemas.microsoft.com/office/powerpoint/2010/main" val="2017684231"/>
+        <p14:creationId xmlns:p14="http://schemas.microsoft.com/office/powerpoint/2010/main" val="2905640526"/>
       </p:ext>
     </p:extLst>
   </p:cSld>
@@ -3119,45 +3180,13 @@
           <a:p>
             <a:r>
               <a:rPr lang="en-US" dirty="0"/>
-              <a:t>And here’s the matching interface for a clock listener.  Note that we’ve put semantics in the interface– we say that the notify method expects to receive a message with the current time.</a:t>
-            </a:r>
-          </a:p>
-          <a:p>
+              <a:t>So here again is the interface for the </a:t>
+            </a:r>
+            <a:r>
+              <a:rPr lang="en-US" dirty="0" err="1"/>
+              <a:t>ProducerClock</a:t>
+            </a:r>
             <a:endParaRPr lang="en-US" dirty="0"/>
-          </a:p>
-          <a:p>
-            <a:r>
-              <a:rPr lang="en-US" dirty="0"/>
-              <a:t>This semantic information completes the contract between the producer and the consumer– it’s not enough to know the names of the relevant methods; we need to know what is in the message.</a:t>
-            </a:r>
-          </a:p>
-          <a:p>
-            <a:endParaRPr lang="en-US" dirty="0"/>
-          </a:p>
-          <a:p>
-            <a:r>
-              <a:rPr lang="en-US" dirty="0"/>
-              <a:t>&lt;click&gt;</a:t>
-            </a:r>
-          </a:p>
-          <a:p>
-            <a:r>
-              <a:rPr lang="en-US" dirty="0"/>
-              <a:t>It’s typical that a consumer will listen for signals from a number of sources. In that case, we’d likely choose a more meaningful name than </a:t>
-            </a:r>
-            <a:r>
-              <a:rPr lang="en-US" b="1" dirty="0"/>
-              <a:t>notify</a:t>
-            </a:r>
-            <a:r>
-              <a:rPr lang="en-US" dirty="0"/>
-              <a:t>– maybe something like </a:t>
-            </a:r>
-            <a:r>
-              <a:rPr lang="en-US" b="1" dirty="0" err="1"/>
-              <a:t>onTick</a:t>
-            </a:r>
-            <a:endParaRPr lang="en-US" b="1" dirty="0"/>
           </a:p>
           <a:p>
             <a:endParaRPr lang="en-US" dirty="0"/>
@@ -3196,7 +3225,7 @@
     </p:spTree>
     <p:extLst>
       <p:ext uri="{BB962C8B-B14F-4D97-AF65-F5344CB8AC3E}">
-        <p14:creationId xmlns:p14="http://schemas.microsoft.com/office/powerpoint/2010/main" val="570407145"/>
+        <p14:creationId xmlns:p14="http://schemas.microsoft.com/office/powerpoint/2010/main" val="2017684231"/>
       </p:ext>
     </p:extLst>
   </p:cSld>
@@ -3250,51 +3279,53 @@
           <a:bodyPr/>
           <a:lstStyle/>
           <a:p>
-            <a:pPr marL="0" marR="0" lvl="0" indent="0" algn="l" defTabSz="914400" rtl="0" eaLnBrk="1" fontAlgn="auto" latinLnBrk="0" hangingPunct="1">
-              <a:lnSpc>
-                <a:spcPct val="100000"/>
-              </a:lnSpc>
-              <a:spcBef>
-                <a:spcPts val="0"/>
-              </a:spcBef>
-              <a:spcAft>
-                <a:spcPts val="0"/>
-              </a:spcAft>
-              <a:buClrTx/>
-              <a:buSzTx/>
-              <a:buFontTx/>
-              <a:buNone/>
-              <a:tabLst/>
-              <a:defRPr/>
-            </a:pPr>
             <a:r>
               <a:rPr lang="en-US" dirty="0"/>
-              <a:t>Here’s an implementation of </a:t>
-            </a:r>
-            <a:r>
-              <a:rPr lang="en-US" dirty="0" err="1"/>
-              <a:t>IProducerClock</a:t>
-            </a:r>
+              <a:t>And here’s the matching interface for a clock listener.  Note that we’ve put semantics in the interface– we say that the notify method expects to receive a message with the current time.</a:t>
+            </a:r>
+          </a:p>
+          <a:p>
+            <a:endParaRPr lang="en-US" dirty="0"/>
+          </a:p>
+          <a:p>
             <a:r>
               <a:rPr lang="en-US" dirty="0"/>
-              <a:t>.   It keeps a private field ‘observers’ which is a list of the consumers that it needs to notify.  It has a private method called ‘</a:t>
-            </a:r>
-            <a:r>
-              <a:rPr lang="en-US" dirty="0" err="1"/>
-              <a:t>NotifyAll</a:t>
-            </a:r>
+              <a:t>This semantic information completes the contract between the producer and the consumer– it’s not enough to know the names of the relevant methods; we need to know what is in the message.</a:t>
+            </a:r>
+          </a:p>
+          <a:p>
+            <a:endParaRPr lang="en-US" dirty="0"/>
+          </a:p>
+          <a:p>
             <a:r>
               <a:rPr lang="en-US" dirty="0"/>
-              <a:t>’ that calls each observer’s notify method, and when the clock is ticked, it calls </a:t>
-            </a:r>
-            <a:r>
-              <a:rPr lang="en-US" dirty="0" err="1"/>
-              <a:t>notifyAll</a:t>
-            </a:r>
+              <a:t>&lt;click&gt;</a:t>
+            </a:r>
+          </a:p>
+          <a:p>
             <a:r>
               <a:rPr lang="en-US" dirty="0"/>
-              <a:t> to actually notify the observers.</a:t>
-            </a:r>
+              <a:t>It’s typical that a consumer will listen for signals from a number of sources. In that case, we’d likely choose a more meaningful name than </a:t>
+            </a:r>
+            <a:r>
+              <a:rPr lang="en-US" b="1" dirty="0"/>
+              <a:t>notify</a:t>
+            </a:r>
+            <a:r>
+              <a:rPr lang="en-US" dirty="0"/>
+              <a:t>– maybe something like </a:t>
+            </a:r>
+            <a:r>
+              <a:rPr lang="en-US" b="1" dirty="0" err="1"/>
+              <a:t>onTick</a:t>
+            </a:r>
+            <a:endParaRPr lang="en-US" b="1" dirty="0"/>
+          </a:p>
+          <a:p>
+            <a:endParaRPr lang="en-US" dirty="0"/>
+          </a:p>
+          <a:p>
+            <a:endParaRPr lang="en-US" dirty="0"/>
           </a:p>
           <a:p>
             <a:endParaRPr lang="en-US" dirty="0"/>
@@ -3327,7 +3358,7 @@
     </p:spTree>
     <p:extLst>
       <p:ext uri="{BB962C8B-B14F-4D97-AF65-F5344CB8AC3E}">
-        <p14:creationId xmlns:p14="http://schemas.microsoft.com/office/powerpoint/2010/main" val="2493701995"/>
+        <p14:creationId xmlns:p14="http://schemas.microsoft.com/office/powerpoint/2010/main" val="570407145"/>
       </p:ext>
     </p:extLst>
   </p:cSld>
@@ -3381,34 +3412,50 @@
           <a:bodyPr/>
           <a:lstStyle/>
           <a:p>
+            <a:pPr marL="0" marR="0" lvl="0" indent="0" algn="l" defTabSz="914400" rtl="0" eaLnBrk="1" fontAlgn="auto" latinLnBrk="0" hangingPunct="1">
+              <a:lnSpc>
+                <a:spcPct val="100000"/>
+              </a:lnSpc>
+              <a:spcBef>
+                <a:spcPts val="0"/>
+              </a:spcBef>
+              <a:spcAft>
+                <a:spcPts val="0"/>
+              </a:spcAft>
+              <a:buClrTx/>
+              <a:buSzTx/>
+              <a:buFontTx/>
+              <a:buNone/>
+              <a:tabLst/>
+              <a:defRPr/>
+            </a:pPr>
             <a:r>
               <a:rPr lang="en-US" dirty="0"/>
-              <a:t>And here’s the client.  When such a client is created, it is given the identity of an </a:t>
+              <a:t>Here’s an implementation of </a:t>
             </a:r>
             <a:r>
               <a:rPr lang="en-US" dirty="0" err="1"/>
-              <a:t>ObservedClock</a:t>
+              <a:t>IProducerClock</a:t>
             </a:r>
             <a:r>
               <a:rPr lang="en-US" dirty="0"/>
-              <a:t>, and it tells that </a:t>
+              <a:t>.   It keeps a private field ‘observers’ which is a list of the consumers that it needs to notify.  It has a private method called ‘</a:t>
             </a:r>
             <a:r>
               <a:rPr lang="en-US" dirty="0" err="1"/>
-              <a:t>ObservedClock</a:t>
+              <a:t>NotifyAll</a:t>
             </a:r>
             <a:r>
               <a:rPr lang="en-US" dirty="0"/>
-              <a:t> to add this client as an observer.</a:t>
-            </a:r>
-          </a:p>
-          <a:p>
-            <a:endParaRPr lang="en-US" dirty="0"/>
-          </a:p>
-          <a:p>
+              <a:t>’ that calls each observer’s notify method, and when the clock is ticked, it calls </a:t>
+            </a:r>
+            <a:r>
+              <a:rPr lang="en-US" dirty="0" err="1"/>
+              <a:t>notifyAll</a:t>
+            </a:r>
             <a:r>
               <a:rPr lang="en-US" dirty="0"/>
-              <a:t>When this client’s notify method is called, it uses the argument of the notify method to set the client’s private clock.   Here we’ve initialized the private clock to 0 while we’re waiting for a ‘notify’ signal from the Clock.</a:t>
+              <a:t> to actually notify the observers.</a:t>
             </a:r>
           </a:p>
           <a:p>
@@ -3442,7 +3489,7 @@
     </p:spTree>
     <p:extLst>
       <p:ext uri="{BB962C8B-B14F-4D97-AF65-F5344CB8AC3E}">
-        <p14:creationId xmlns:p14="http://schemas.microsoft.com/office/powerpoint/2010/main" val="3716319204"/>
+        <p14:creationId xmlns:p14="http://schemas.microsoft.com/office/powerpoint/2010/main" val="2493701995"/>
       </p:ext>
     </p:extLst>
   </p:cSld>
@@ -3498,16 +3545,36 @@
           <a:p>
             <a:r>
               <a:rPr lang="en-US" dirty="0"/>
-              <a:t>Maybe someone will suggest that </a:t>
+              <a:t>And here’s the client.  When such a client is created, it is given the identity of an </a:t>
             </a:r>
             <a:r>
               <a:rPr lang="en-US" dirty="0" err="1"/>
-              <a:t>addConsumer</a:t>
+              <a:t>ObservedClock</a:t>
             </a:r>
             <a:r>
               <a:rPr lang="en-US" dirty="0"/>
-              <a:t> send a notify() to the newly added consumer!</a:t>
-            </a:r>
+              <a:t>, and it tells that </a:t>
+            </a:r>
+            <a:r>
+              <a:rPr lang="en-US" dirty="0" err="1"/>
+              <a:t>ObservedClock</a:t>
+            </a:r>
+            <a:r>
+              <a:rPr lang="en-US" dirty="0"/>
+              <a:t> to add this client as an observer.</a:t>
+            </a:r>
+          </a:p>
+          <a:p>
+            <a:endParaRPr lang="en-US" dirty="0"/>
+          </a:p>
+          <a:p>
+            <a:r>
+              <a:rPr lang="en-US" dirty="0"/>
+              <a:t>When this client’s notify method is called, it uses the argument of the notify method to set the client’s private clock.   Here we’ve initialized the private clock to 0 while we’re waiting for a ‘notify’ signal from the Clock.</a:t>
+            </a:r>
+          </a:p>
+          <a:p>
+            <a:endParaRPr lang="en-US" dirty="0"/>
           </a:p>
         </p:txBody>
       </p:sp>
@@ -3537,7 +3604,7 @@
     </p:spTree>
     <p:extLst>
       <p:ext uri="{BB962C8B-B14F-4D97-AF65-F5344CB8AC3E}">
-        <p14:creationId xmlns:p14="http://schemas.microsoft.com/office/powerpoint/2010/main" val="552083615"/>
+        <p14:creationId xmlns:p14="http://schemas.microsoft.com/office/powerpoint/2010/main" val="3716319204"/>
       </p:ext>
     </p:extLst>
   </p:cSld>
@@ -3593,32 +3660,16 @@
           <a:p>
             <a:r>
               <a:rPr lang="en-US" dirty="0"/>
-              <a:t>Here are some tests.   </a:t>
-            </a:r>
-          </a:p>
-          <a:p>
-            <a:endParaRPr lang="en-US" dirty="0"/>
-          </a:p>
-          <a:p>
+              <a:t>Maybe someone will suggest that </a:t>
+            </a:r>
+            <a:r>
+              <a:rPr lang="en-US" dirty="0" err="1"/>
+              <a:t>addConsumer</a:t>
+            </a:r>
             <a:r>
               <a:rPr lang="en-US" dirty="0"/>
-              <a:t>On the left=hand side, we test to see that everything works with a single observer. First we create a clock.  Then we create a client, telling it to get its time from the clock we just created.  We check that the client starts at time 0.  We tick the clock twice, and then check to see that the client shows time equals 2.</a:t>
-            </a:r>
-          </a:p>
-          <a:p>
-            <a:endParaRPr lang="en-US" dirty="0"/>
-          </a:p>
-          <a:p>
-            <a:r>
-              <a:rPr lang="en-US" dirty="0"/>
-              <a:t>On the right-hand side, we do the same thing with multiple observers.  We create 3 observers, telling them all to register with the same clock.  Again, we tick the clock twice, and check to see that all 3 observers show the correct time.</a:t>
-            </a:r>
-          </a:p>
-          <a:p>
-            <a:endParaRPr lang="en-US" dirty="0"/>
-          </a:p>
-          <a:p>
-            <a:endParaRPr lang="en-US" dirty="0"/>
+              <a:t> send a notify() to the newly added consumer!</a:t>
+            </a:r>
           </a:p>
         </p:txBody>
       </p:sp>
@@ -3648,7 +3699,7 @@
     </p:spTree>
     <p:extLst>
       <p:ext uri="{BB962C8B-B14F-4D97-AF65-F5344CB8AC3E}">
-        <p14:creationId xmlns:p14="http://schemas.microsoft.com/office/powerpoint/2010/main" val="3984091046"/>
+        <p14:creationId xmlns:p14="http://schemas.microsoft.com/office/powerpoint/2010/main" val="552083615"/>
       </p:ext>
     </p:extLst>
   </p:cSld>
@@ -3704,28 +3755,29 @@
           <a:p>
             <a:r>
               <a:rPr lang="en-US" dirty="0"/>
-              <a:t>Note that the observer gets to decide what to do with the notification.  Here’s another client that does something different with the notification. Instead of taking the notification argument t and using it to set the local time, it doubles t.  Then, it also keeps a log of the notifications it receives– it doesn’t do anything with the log; it’s just for fun.</a:t>
-            </a:r>
+              <a:t>Here are some tests.   </a:t>
+            </a:r>
+          </a:p>
+          <a:p>
+            <a:endParaRPr lang="en-US" dirty="0"/>
           </a:p>
           <a:p>
             <a:r>
               <a:rPr lang="en-US" dirty="0"/>
-              <a:t> </a:t>
-            </a:r>
+              <a:t>On the left=hand side, we test to see that everything works with a single observer. First we create a clock.  Then we create a client, telling it to get its time from the clock we just created.  We check that the client starts at time 0.  We tick the clock twice, and then check to see that the client shows time equals 2.</a:t>
+            </a:r>
+          </a:p>
+          <a:p>
+            <a:endParaRPr lang="en-US" dirty="0"/>
           </a:p>
           <a:p>
             <a:r>
               <a:rPr lang="en-US" dirty="0"/>
-              <a:t>If anybody asks for the time, the client takes what it has and divides it by 2.   So this code returns the same values for </a:t>
-            </a:r>
-            <a:r>
-              <a:rPr lang="en-US" dirty="0" err="1"/>
-              <a:t>getTime</a:t>
-            </a:r>
-            <a:r>
-              <a:rPr lang="en-US" dirty="0"/>
-              <a:t>, and it would pass the tests we just saw.</a:t>
-            </a:r>
+              <a:t>On the right-hand side, we do the same thing with multiple observers.  We create 3 observers, telling them all to register with the same clock.  Again, we tick the clock twice, and check to see that all 3 observers show the correct time.</a:t>
+            </a:r>
+          </a:p>
+          <a:p>
+            <a:endParaRPr lang="en-US" dirty="0"/>
           </a:p>
           <a:p>
             <a:endParaRPr lang="en-US" dirty="0"/>
@@ -3758,7 +3810,7 @@
     </p:spTree>
     <p:extLst>
       <p:ext uri="{BB962C8B-B14F-4D97-AF65-F5344CB8AC3E}">
-        <p14:creationId xmlns:p14="http://schemas.microsoft.com/office/powerpoint/2010/main" val="1958376524"/>
+        <p14:creationId xmlns:p14="http://schemas.microsoft.com/office/powerpoint/2010/main" val="3984091046"/>
       </p:ext>
     </p:extLst>
   </p:cSld>
@@ -3814,8 +3866,31 @@
           <a:p>
             <a:r>
               <a:rPr lang="en-US" dirty="0"/>
-              <a:t>And here are the tests for this client.</a:t>
-            </a:r>
+              <a:t>Note that the observer gets to decide what to do with the notification.  Here’s another client that does something different with the notification. Instead of taking the notification argument t and using it to set the local time, it doubles t.  Then, it also keeps a log of the notifications it receives– it doesn’t do anything with the log; it’s just for fun.</a:t>
+            </a:r>
+          </a:p>
+          <a:p>
+            <a:r>
+              <a:rPr lang="en-US" dirty="0"/>
+              <a:t> </a:t>
+            </a:r>
+          </a:p>
+          <a:p>
+            <a:r>
+              <a:rPr lang="en-US" dirty="0"/>
+              <a:t>If anybody asks for the time, the client takes what it has and divides it by 2.   So this code returns the same values for </a:t>
+            </a:r>
+            <a:r>
+              <a:rPr lang="en-US" dirty="0" err="1"/>
+              <a:t>getTime</a:t>
+            </a:r>
+            <a:r>
+              <a:rPr lang="en-US" dirty="0"/>
+              <a:t>, and it would pass the tests we just saw.</a:t>
+            </a:r>
+          </a:p>
+          <a:p>
+            <a:endParaRPr lang="en-US" dirty="0"/>
           </a:p>
         </p:txBody>
       </p:sp>
@@ -3845,7 +3920,7 @@
     </p:spTree>
     <p:extLst>
       <p:ext uri="{BB962C8B-B14F-4D97-AF65-F5344CB8AC3E}">
-        <p14:creationId xmlns:p14="http://schemas.microsoft.com/office/powerpoint/2010/main" val="2221216698"/>
+        <p14:creationId xmlns:p14="http://schemas.microsoft.com/office/powerpoint/2010/main" val="1958376524"/>
       </p:ext>
     </p:extLst>
   </p:cSld>
@@ -3985,7 +4060,7 @@
           <a:p>
             <a:r>
               <a:rPr lang="en-US" dirty="0"/>
-              <a:t>There are lots of details and variations to work out here.  &lt;read slide&gt; It all depends on the application in which we are using the pattern.</a:t>
+              <a:t>And here are the tests for this client.</a:t>
             </a:r>
           </a:p>
         </p:txBody>
@@ -4016,7 +4091,7 @@
     </p:spTree>
     <p:extLst>
       <p:ext uri="{BB962C8B-B14F-4D97-AF65-F5344CB8AC3E}">
-        <p14:creationId xmlns:p14="http://schemas.microsoft.com/office/powerpoint/2010/main" val="3411285890"/>
+        <p14:creationId xmlns:p14="http://schemas.microsoft.com/office/powerpoint/2010/main" val="2221216698"/>
       </p:ext>
     </p:extLst>
   </p:cSld>
@@ -4072,58 +4147,7 @@
           <a:p>
             <a:r>
               <a:rPr lang="en-US" dirty="0"/>
-              <a:t>Next, let’s look at a different problem. Your task is to write some code that depends only an interface (say </a:t>
-            </a:r>
-            <a:r>
-              <a:rPr lang="en-US" dirty="0" err="1"/>
-              <a:t>IClock</a:t>
-            </a:r>
-            <a:r>
-              <a:rPr lang="en-US" dirty="0"/>
-              <a:t>), not on a class that implements it.  Maybe your instructor has made this part of the problem requirements. But your task requires you to create some new clocks.  You can’t say “new </a:t>
-            </a:r>
-            <a:r>
-              <a:rPr lang="en-US" dirty="0" err="1"/>
-              <a:t>IClock</a:t>
-            </a:r>
-            <a:r>
-              <a:rPr lang="en-US" dirty="0"/>
-              <a:t>”, because </a:t>
-            </a:r>
-            <a:r>
-              <a:rPr lang="en-US" dirty="0" err="1"/>
-              <a:t>IClock</a:t>
-            </a:r>
-            <a:r>
-              <a:rPr lang="en-US" dirty="0"/>
-              <a:t> isn’t a class.</a:t>
-            </a:r>
-          </a:p>
-          <a:p>
-            <a:endParaRPr lang="en-US" dirty="0"/>
-          </a:p>
-          <a:p>
-            <a:r>
-              <a:rPr lang="en-US" dirty="0"/>
-              <a:t>How can we arrange things to solve this problem?</a:t>
-            </a:r>
-          </a:p>
-          <a:p>
-            <a:endParaRPr lang="en-US" dirty="0"/>
-          </a:p>
-          <a:p>
-            <a:r>
-              <a:rPr lang="en-US" dirty="0"/>
-              <a:t>Answer: create a Factory whose job it is to create the objects, and import the factory into your code.  You call the factory when you need a new object.</a:t>
-            </a:r>
-          </a:p>
-          <a:p>
-            <a:endParaRPr lang="en-US" dirty="0"/>
-          </a:p>
-          <a:p>
-            <a:r>
-              <a:rPr lang="en-US" dirty="0"/>
-              <a:t>Let’s look at an example.</a:t>
+              <a:t>There are lots of details and variations to work out here.  &lt;read slide&gt; It all depends on the application in which we are using the pattern.</a:t>
             </a:r>
           </a:p>
         </p:txBody>
@@ -4154,7 +4178,7 @@
     </p:spTree>
     <p:extLst>
       <p:ext uri="{BB962C8B-B14F-4D97-AF65-F5344CB8AC3E}">
-        <p14:creationId xmlns:p14="http://schemas.microsoft.com/office/powerpoint/2010/main" val="2063786123"/>
+        <p14:creationId xmlns:p14="http://schemas.microsoft.com/office/powerpoint/2010/main" val="3411285890"/>
       </p:ext>
     </p:extLst>
   </p:cSld>
@@ -4210,24 +4234,7 @@
           <a:p>
             <a:r>
               <a:rPr lang="en-US" dirty="0"/>
-              <a:t>Here is the interface for a factory that makes clocks.   An </a:t>
-            </a:r>
-            <a:r>
-              <a:rPr lang="en-US" dirty="0" err="1"/>
-              <a:t>IClockFactory</a:t>
-            </a:r>
-            <a:r>
-              <a:rPr lang="en-US" dirty="0"/>
-              <a:t> is an object with three methods:</a:t>
-            </a:r>
-          </a:p>
-          <a:p>
-            <a:endParaRPr lang="en-US" dirty="0"/>
-          </a:p>
-          <a:p>
-            <a:r>
-              <a:rPr lang="en-US" dirty="0"/>
-              <a:t>The most important method is instance(), which returns an object that satisfies the </a:t>
+              <a:t>Next, let’s look at a different problem. Your task is to write some code that depends only an interface (say </a:t>
             </a:r>
             <a:r>
               <a:rPr lang="en-US" dirty="0" err="1"/>
@@ -4235,7 +4242,7 @@
             </a:r>
             <a:r>
               <a:rPr lang="en-US" dirty="0"/>
-              <a:t> interface.  We are not guaranteed anything about the class of the object; we only know that the object satisfies the </a:t>
+              <a:t>), not on a class that implements it.  Maybe your instructor has made this part of the problem requirements. But your task requires you to create some new clocks.  You can’t say “new </a:t>
             </a:r>
             <a:r>
               <a:rPr lang="en-US" dirty="0" err="1"/>
@@ -4243,41 +4250,42 @@
             </a:r>
             <a:r>
               <a:rPr lang="en-US" dirty="0"/>
-              <a:t> interface.</a:t>
-            </a:r>
-          </a:p>
-          <a:p>
+              <a:t>”, because </a:t>
+            </a:r>
+            <a:r>
+              <a:rPr lang="en-US" dirty="0" err="1"/>
+              <a:t>IClock</a:t>
+            </a:r>
             <a:r>
               <a:rPr lang="en-US" dirty="0"/>
-              <a:t>The factory also has two other methods:</a:t>
-            </a:r>
+              <a:t> isn’t a class.</a:t>
+            </a:r>
+          </a:p>
+          <a:p>
+            <a:endParaRPr lang="en-US" dirty="0"/>
           </a:p>
           <a:p>
             <a:r>
               <a:rPr lang="en-US" dirty="0"/>
-              <a:t>-- </a:t>
-            </a:r>
-            <a:r>
-              <a:rPr lang="en-US" dirty="0" err="1"/>
-              <a:t>clockType</a:t>
-            </a:r>
+              <a:t>How can we arrange things to solve this problem?</a:t>
+            </a:r>
+          </a:p>
+          <a:p>
+            <a:endParaRPr lang="en-US" dirty="0"/>
+          </a:p>
+          <a:p>
             <a:r>
               <a:rPr lang="en-US" dirty="0"/>
-              <a:t>, which returns a string.  We have no guarantee that this string has anything to do with the class of the clock objects being returned.</a:t>
-            </a:r>
+              <a:t>Answer: create a Factory whose job it is to create the objects, and import the factory into your code.  You call the factory when you need a new object.</a:t>
+            </a:r>
+          </a:p>
+          <a:p>
+            <a:endParaRPr lang="en-US" dirty="0"/>
           </a:p>
           <a:p>
             <a:r>
               <a:rPr lang="en-US" dirty="0"/>
-              <a:t>-- </a:t>
-            </a:r>
-            <a:r>
-              <a:rPr lang="en-US" dirty="0" err="1"/>
-              <a:t>numCreated</a:t>
-            </a:r>
-            <a:r>
-              <a:rPr lang="en-US" dirty="0"/>
-              <a:t>, which returns the number of clocks that this factory has created.</a:t>
+              <a:t>Let’s look at an example.</a:t>
             </a:r>
           </a:p>
         </p:txBody>
@@ -4308,7 +4316,7 @@
     </p:spTree>
     <p:extLst>
       <p:ext uri="{BB962C8B-B14F-4D97-AF65-F5344CB8AC3E}">
-        <p14:creationId xmlns:p14="http://schemas.microsoft.com/office/powerpoint/2010/main" val="2015770087"/>
+        <p14:creationId xmlns:p14="http://schemas.microsoft.com/office/powerpoint/2010/main" val="2063786123"/>
       </p:ext>
     </p:extLst>
   </p:cSld>
@@ -4364,15 +4372,24 @@
           <a:p>
             <a:r>
               <a:rPr lang="en-US" dirty="0"/>
-              <a:t>Here are a couple of </a:t>
+              <a:t>Here is the interface for a factory that makes clocks.   An </a:t>
             </a:r>
             <a:r>
               <a:rPr lang="en-US" dirty="0" err="1"/>
-              <a:t>ClockFactories</a:t>
+              <a:t>IClockFactory</a:t>
             </a:r>
             <a:r>
               <a:rPr lang="en-US" dirty="0"/>
-              <a:t>.  The first one always produces an object of class Clock1.  The second always produces an object of class Clock2.   Either way, calling instance() returns an object that satisfies the </a:t>
+              <a:t> is an object with three methods:</a:t>
+            </a:r>
+          </a:p>
+          <a:p>
+            <a:endParaRPr lang="en-US" dirty="0"/>
+          </a:p>
+          <a:p>
+            <a:r>
+              <a:rPr lang="en-US" dirty="0"/>
+              <a:t>The most important method is instance(), which returns an object that satisfies the </a:t>
             </a:r>
             <a:r>
               <a:rPr lang="en-US" dirty="0" err="1"/>
@@ -4380,16 +4397,49 @@
             </a:r>
             <a:r>
               <a:rPr lang="en-US" dirty="0"/>
+              <a:t> interface.  We are not guaranteed anything about the class of the object; we only know that the object satisfies the </a:t>
+            </a:r>
+            <a:r>
+              <a:rPr lang="en-US" dirty="0" err="1"/>
+              <a:t>IClock</a:t>
+            </a:r>
+            <a:r>
+              <a:rPr lang="en-US" dirty="0"/>
               <a:t> interface.</a:t>
             </a:r>
           </a:p>
           <a:p>
-            <a:endParaRPr lang="en-US" dirty="0"/>
-          </a:p>
-          <a:p>
             <a:r>
               <a:rPr lang="en-US" dirty="0"/>
-              <a:t>You could even have a factory that alternates between returning Clock1 objects and Clock2 objects.  </a:t>
+              <a:t>The factory also has two other methods:</a:t>
+            </a:r>
+          </a:p>
+          <a:p>
+            <a:r>
+              <a:rPr lang="en-US" dirty="0"/>
+              <a:t>-- </a:t>
+            </a:r>
+            <a:r>
+              <a:rPr lang="en-US" dirty="0" err="1"/>
+              <a:t>clockType</a:t>
+            </a:r>
+            <a:r>
+              <a:rPr lang="en-US" dirty="0"/>
+              <a:t>, which returns a string.  We have no guarantee that this string has anything to do with the class of the clock objects being returned.</a:t>
+            </a:r>
+          </a:p>
+          <a:p>
+            <a:r>
+              <a:rPr lang="en-US" dirty="0"/>
+              <a:t>-- </a:t>
+            </a:r>
+            <a:r>
+              <a:rPr lang="en-US" dirty="0" err="1"/>
+              <a:t>numCreated</a:t>
+            </a:r>
+            <a:r>
+              <a:rPr lang="en-US" dirty="0"/>
+              <a:t>, which returns the number of clocks that this factory has created.</a:t>
             </a:r>
           </a:p>
         </p:txBody>
@@ -4420,7 +4470,7 @@
     </p:spTree>
     <p:extLst>
       <p:ext uri="{BB962C8B-B14F-4D97-AF65-F5344CB8AC3E}">
-        <p14:creationId xmlns:p14="http://schemas.microsoft.com/office/powerpoint/2010/main" val="4140678259"/>
+        <p14:creationId xmlns:p14="http://schemas.microsoft.com/office/powerpoint/2010/main" val="2015770087"/>
       </p:ext>
     </p:extLst>
   </p:cSld>
@@ -4476,15 +4526,23 @@
           <a:p>
             <a:r>
               <a:rPr lang="en-US" dirty="0"/>
-              <a:t>So you can create a file (here </a:t>
+              <a:t>Here are a couple of </a:t>
             </a:r>
             <a:r>
               <a:rPr lang="en-US" dirty="0" err="1"/>
-              <a:t>clockFactories.ts</a:t>
+              <a:t>ClockFactories</a:t>
             </a:r>
             <a:r>
               <a:rPr lang="en-US" dirty="0"/>
-              <a:t>) with a bunch of clock factories, and then you choose which of the factories to export.   Or maybe the instructor has created such a file– you get to see the factory, but not the class of the clocks it creates.</a:t>
+              <a:t>.  The first one always produces an object of class Clock1.  The second always produces an object of class Clock2.   Either way, calling instance() returns an object that satisfies the </a:t>
+            </a:r>
+            <a:r>
+              <a:rPr lang="en-US" dirty="0" err="1"/>
+              <a:t>IClock</a:t>
+            </a:r>
+            <a:r>
+              <a:rPr lang="en-US" dirty="0"/>
+              <a:t> interface.</a:t>
             </a:r>
           </a:p>
           <a:p>
@@ -4493,7 +4551,7 @@
           <a:p>
             <a:r>
               <a:rPr lang="en-US" dirty="0"/>
-              <a:t> TypeScript has a neat way of doing this:  if you say “export default”, then you export a value from this file, but you don’t advertise its name.</a:t>
+              <a:t>You could even have a factory that alternates between returning Clock1 objects and Clock2 objects.  </a:t>
             </a:r>
           </a:p>
         </p:txBody>
@@ -4524,7 +4582,7 @@
     </p:spTree>
     <p:extLst>
       <p:ext uri="{BB962C8B-B14F-4D97-AF65-F5344CB8AC3E}">
-        <p14:creationId xmlns:p14="http://schemas.microsoft.com/office/powerpoint/2010/main" val="1816912619"/>
+        <p14:creationId xmlns:p14="http://schemas.microsoft.com/office/powerpoint/2010/main" val="4140678259"/>
       </p:ext>
     </p:extLst>
   </p:cSld>
@@ -4580,44 +4638,24 @@
           <a:p>
             <a:r>
               <a:rPr lang="en-US" dirty="0"/>
-              <a:t>the import gives the name '</a:t>
+              <a:t>So you can create a file (here </a:t>
             </a:r>
             <a:r>
               <a:rPr lang="en-US" dirty="0" err="1"/>
-              <a:t>ClockFactory</a:t>
+              <a:t>clockFactories.ts</a:t>
             </a:r>
             <a:r>
               <a:rPr lang="en-US" dirty="0"/>
-              <a:t>' to whatever factory </a:t>
-            </a:r>
-            <a:r>
-              <a:rPr lang="en-US" dirty="0" err="1"/>
-              <a:t>ClockFactories.ts</a:t>
-            </a:r>
+              <a:t>) with a bunch of clock factories, and then you choose which of the factories to export.   Or maybe the instructor has created such a file– you get to see the factory, but not the class of the clocks it creates.</a:t>
+            </a:r>
+          </a:p>
+          <a:p>
+            <a:endParaRPr lang="en-US" dirty="0"/>
+          </a:p>
+          <a:p>
             <a:r>
               <a:rPr lang="en-US" dirty="0"/>
-              <a:t> chooses to export.</a:t>
-            </a:r>
-          </a:p>
-          <a:p>
-            <a:endParaRPr lang="en-US" dirty="0"/>
-          </a:p>
-          <a:p>
-            <a:r>
-              <a:rPr lang="en-US" dirty="0"/>
-              <a:t>Note that you can only test the factory that </a:t>
-            </a:r>
-            <a:r>
-              <a:rPr lang="en-US" dirty="0" err="1"/>
-              <a:t>ClockFactories.ts</a:t>
-            </a:r>
-            <a:r>
-              <a:rPr lang="en-US"/>
-              <a:t> chooses </a:t>
-            </a:r>
-            <a:r>
-              <a:rPr lang="en-US" dirty="0"/>
-              <a:t>to export</a:t>
+              <a:t> TypeScript has a neat way of doing this:  if you say “export default”, then you export a value from this file, but you don’t advertise its name.</a:t>
             </a:r>
           </a:p>
         </p:txBody>
@@ -4648,7 +4686,7 @@
     </p:spTree>
     <p:extLst>
       <p:ext uri="{BB962C8B-B14F-4D97-AF65-F5344CB8AC3E}">
-        <p14:creationId xmlns:p14="http://schemas.microsoft.com/office/powerpoint/2010/main" val="2537508052"/>
+        <p14:creationId xmlns:p14="http://schemas.microsoft.com/office/powerpoint/2010/main" val="1816912619"/>
       </p:ext>
     </p:extLst>
   </p:cSld>
@@ -4704,13 +4742,44 @@
           <a:p>
             <a:r>
               <a:rPr lang="en-US" dirty="0"/>
-              <a:t>One last pattern: The Singleton Pattern.</a:t>
-            </a:r>
-          </a:p>
-          <a:p>
+              <a:t>the import gives the name '</a:t>
+            </a:r>
+            <a:r>
+              <a:rPr lang="en-US" dirty="0" err="1"/>
+              <a:t>ClockFactory</a:t>
+            </a:r>
             <a:r>
               <a:rPr lang="en-US" dirty="0"/>
-              <a:t>&lt;read slide&gt;</a:t>
+              <a:t>' to whatever factory </a:t>
+            </a:r>
+            <a:r>
+              <a:rPr lang="en-US" dirty="0" err="1"/>
+              <a:t>ClockFactories.ts</a:t>
+            </a:r>
+            <a:r>
+              <a:rPr lang="en-US" dirty="0"/>
+              <a:t> chooses to export.</a:t>
+            </a:r>
+          </a:p>
+          <a:p>
+            <a:endParaRPr lang="en-US" dirty="0"/>
+          </a:p>
+          <a:p>
+            <a:r>
+              <a:rPr lang="en-US" dirty="0"/>
+              <a:t>Note that you can only test the factory that </a:t>
+            </a:r>
+            <a:r>
+              <a:rPr lang="en-US" dirty="0" err="1"/>
+              <a:t>ClockFactories.ts</a:t>
+            </a:r>
+            <a:r>
+              <a:rPr lang="en-US"/>
+              <a:t> chooses </a:t>
+            </a:r>
+            <a:r>
+              <a:rPr lang="en-US" dirty="0"/>
+              <a:t>to export</a:t>
             </a:r>
           </a:p>
         </p:txBody>
@@ -4741,7 +4810,7 @@
     </p:spTree>
     <p:extLst>
       <p:ext uri="{BB962C8B-B14F-4D97-AF65-F5344CB8AC3E}">
-        <p14:creationId xmlns:p14="http://schemas.microsoft.com/office/powerpoint/2010/main" val="283863748"/>
+        <p14:creationId xmlns:p14="http://schemas.microsoft.com/office/powerpoint/2010/main" val="2537508052"/>
       </p:ext>
     </p:extLst>
   </p:cSld>
@@ -4797,33 +4866,13 @@
           <a:p>
             <a:r>
               <a:rPr lang="en-US" dirty="0"/>
-              <a:t>Here’s the behavior we expect to see.  We assume that instance() is a static method of </a:t>
-            </a:r>
-            <a:r>
-              <a:rPr lang="en-US" dirty="0" err="1"/>
-              <a:t>ClockFactory</a:t>
-            </a:r>
+              <a:t>One last pattern: The Singleton Pattern.</a:t>
+            </a:r>
+          </a:p>
+          <a:p>
             <a:r>
               <a:rPr lang="en-US" dirty="0"/>
-              <a:t>. Are clock1 and clock2 the same clock?  More precisely, is the clock named clock1 the same clock as the clock named clock2?</a:t>
-            </a:r>
-          </a:p>
-          <a:p>
-            <a:endParaRPr lang="en-US" dirty="0"/>
-          </a:p>
-          <a:p>
-            <a:r>
-              <a:rPr lang="en-US" dirty="0"/>
-              <a:t>If they are the same clock, then the effect of ticking the clock named clock1 should be visible on the clock named clock2, and vice versa. </a:t>
-            </a:r>
-          </a:p>
-          <a:p>
-            <a:endParaRPr lang="en-US" dirty="0"/>
-          </a:p>
-          <a:p>
-            <a:r>
-              <a:rPr lang="en-US" dirty="0"/>
-              <a:t>Here we test this by ticking clock1 twice and checking  to see that both clock1 and clock2 show the time as 2; we reset clock1, and then check to see that both clock1 and clock2 have been reset to zero.</a:t>
+              <a:t>&lt;read slide&gt;</a:t>
             </a:r>
           </a:p>
         </p:txBody>
@@ -4854,7 +4903,7 @@
     </p:spTree>
     <p:extLst>
       <p:ext uri="{BB962C8B-B14F-4D97-AF65-F5344CB8AC3E}">
-        <p14:creationId xmlns:p14="http://schemas.microsoft.com/office/powerpoint/2010/main" val="311776401"/>
+        <p14:creationId xmlns:p14="http://schemas.microsoft.com/office/powerpoint/2010/main" val="283863748"/>
       </p:ext>
     </p:extLst>
   </p:cSld>
@@ -4910,15 +4959,15 @@
           <a:p>
             <a:r>
               <a:rPr lang="en-US" dirty="0"/>
-              <a:t>Here’s how you do it.  You make a factory that lies:  it keeps a first-time-through switch, here called ‘</a:t>
+              <a:t>Here’s the behavior we expect to see.  We assume that instance() is a static method of </a:t>
             </a:r>
             <a:r>
               <a:rPr lang="en-US" dirty="0" err="1"/>
-              <a:t>isInitialized</a:t>
+              <a:t>ClockFactory</a:t>
             </a:r>
             <a:r>
               <a:rPr lang="en-US" dirty="0"/>
-              <a:t>’, and after the first time it is called (with ‘instance’), it keeps returning the same clock over and over again.</a:t>
+              <a:t>. Are clock1 and clock2 the same clock?  More precisely, is the clock named clock1 the same clock as the clock named clock2?</a:t>
             </a:r>
           </a:p>
           <a:p>
@@ -4927,38 +4976,17 @@
           <a:p>
             <a:r>
               <a:rPr lang="en-US" dirty="0"/>
-              <a:t>How do you prevent the client from creating a new Factory?  Easy: you make the constructor of </a:t>
-            </a:r>
-            <a:r>
-              <a:rPr lang="en-US" dirty="0" err="1"/>
-              <a:t>SingletonClockFactory</a:t>
-            </a:r>
+              <a:t>If they are the same clock, then the effect of ticking the clock named clock1 should be visible on the clock named clock2, and vice versa. </a:t>
+            </a:r>
+          </a:p>
+          <a:p>
+            <a:endParaRPr lang="en-US" dirty="0"/>
+          </a:p>
+          <a:p>
             <a:r>
               <a:rPr lang="en-US" dirty="0"/>
-              <a:t> private, so nobody can say “new </a:t>
-            </a:r>
-            <a:r>
-              <a:rPr lang="en-US" dirty="0" err="1"/>
-              <a:t>SingletonClockFactory</a:t>
-            </a:r>
-            <a:r>
-              <a:rPr lang="en-US" dirty="0"/>
-              <a:t>”.   Then you make instance() a static method, so the user of this code creates a clock by saying </a:t>
-            </a:r>
-            <a:r>
-              <a:rPr lang="en-US" dirty="0" err="1"/>
-              <a:t>SingletonClockFactory.instance</a:t>
-            </a:r>
-            <a:r>
-              <a:rPr lang="en-US" dirty="0"/>
-              <a:t>().</a:t>
-            </a:r>
-          </a:p>
-          <a:p>
-            <a:endParaRPr lang="en-US" dirty="0"/>
-          </a:p>
-          <a:p>
-            <a:endParaRPr lang="en-US" dirty="0"/>
+              <a:t>Here we test this by ticking clock1 twice and checking  to see that both clock1 and clock2 show the time as 2; we reset clock1, and then check to see that both clock1 and clock2 have been reset to zero.</a:t>
+            </a:r>
           </a:p>
         </p:txBody>
       </p:sp>
@@ -4988,7 +5016,7 @@
     </p:spTree>
     <p:extLst>
       <p:ext uri="{BB962C8B-B14F-4D97-AF65-F5344CB8AC3E}">
-        <p14:creationId xmlns:p14="http://schemas.microsoft.com/office/powerpoint/2010/main" val="944057601"/>
+        <p14:creationId xmlns:p14="http://schemas.microsoft.com/office/powerpoint/2010/main" val="311776401"/>
       </p:ext>
     </p:extLst>
   </p:cSld>
@@ -5044,50 +5072,52 @@
           <a:p>
             <a:r>
               <a:rPr lang="en-US" dirty="0"/>
-              <a:t>We said that this week's goal is to give you the vocabulary to talk</a:t>
-            </a:r>
-          </a:p>
-          <a:p>
+              <a:t>Here’s how you do it.  You make a factory that lies:  it keeps a first-time-through switch, here called ‘</a:t>
+            </a:r>
+            <a:r>
+              <a:rPr lang="en-US" dirty="0" err="1"/>
+              <a:t>isInitialized</a:t>
+            </a:r>
             <a:r>
               <a:rPr lang="en-US" dirty="0"/>
-              <a:t>about your design.  So it's really about the language(s) of software</a:t>
-            </a:r>
+              <a:t>’, and after the first time it is called (with ‘instance’), it keeps returning the same clock over and over again.</a:t>
+            </a:r>
+          </a:p>
+          <a:p>
+            <a:endParaRPr lang="en-US" dirty="0"/>
           </a:p>
           <a:p>
             <a:r>
               <a:rPr lang="en-US" dirty="0"/>
-              <a:t>design.</a:t>
+              <a:t>How do you prevent the client from creating a new Factory?  Easy: you make the constructor of </a:t>
+            </a:r>
+            <a:r>
+              <a:rPr lang="en-US" dirty="0" err="1"/>
+              <a:t>SingletonClockFactory</a:t>
+            </a:r>
+            <a:r>
+              <a:rPr lang="en-US" dirty="0"/>
+              <a:t> private, so nobody can say “new </a:t>
+            </a:r>
+            <a:r>
+              <a:rPr lang="en-US" dirty="0" err="1"/>
+              <a:t>SingletonClockFactory</a:t>
+            </a:r>
+            <a:r>
+              <a:rPr lang="en-US" dirty="0"/>
+              <a:t>”.   Then you make instance() a static method, so the user of this code creates a clock by saying </a:t>
+            </a:r>
+            <a:r>
+              <a:rPr lang="en-US" dirty="0" err="1"/>
+              <a:t>SingletonClockFactory.instance</a:t>
+            </a:r>
+            <a:r>
+              <a:rPr lang="en-US" dirty="0"/>
+              <a:t>().</a:t>
             </a:r>
           </a:p>
           <a:p>
             <a:endParaRPr lang="en-US" dirty="0"/>
-          </a:p>
-          <a:p>
-            <a:r>
-              <a:rPr lang="en-US" dirty="0"/>
-              <a:t>Like in any language course, once you learn the words, the next thing</a:t>
-            </a:r>
-          </a:p>
-          <a:p>
-            <a:r>
-              <a:rPr lang="en-US" dirty="0"/>
-              <a:t>you do is to practice putting them into sentences.</a:t>
-            </a:r>
-          </a:p>
-          <a:p>
-            <a:endParaRPr lang="en-US" dirty="0"/>
-          </a:p>
-          <a:p>
-            <a:r>
-              <a:rPr lang="en-US" dirty="0"/>
-              <a:t>So here's a piece of a design, expressed as a sentence (ok, three</a:t>
-            </a:r>
-          </a:p>
-          <a:p>
-            <a:r>
-              <a:rPr lang="en-US" dirty="0"/>
-              <a:t>sentences)</a:t>
-            </a:r>
           </a:p>
           <a:p>
             <a:endParaRPr lang="en-US" dirty="0"/>
@@ -5120,7 +5150,7 @@
     </p:spTree>
     <p:extLst>
       <p:ext uri="{BB962C8B-B14F-4D97-AF65-F5344CB8AC3E}">
-        <p14:creationId xmlns:p14="http://schemas.microsoft.com/office/powerpoint/2010/main" val="476959786"/>
+        <p14:creationId xmlns:p14="http://schemas.microsoft.com/office/powerpoint/2010/main" val="944057601"/>
       </p:ext>
     </p:extLst>
   </p:cSld>
@@ -5176,8 +5206,20 @@
           <a:p>
             <a:r>
               <a:rPr lang="en-US" dirty="0"/>
-              <a:t>These are things you probably learned in OOD, but it’s helpful to review them here.</a:t>
-            </a:r>
+              <a:t>For example, a door handle gives the visitor a clue about how to work the door. </a:t>
+            </a:r>
+          </a:p>
+          <a:p>
+            <a:endParaRPr lang="en-US" dirty="0"/>
+          </a:p>
+          <a:p>
+            <a:r>
+              <a:rPr lang="en-US" dirty="0"/>
+              <a:t>One kind of handle tells the visitor that they should pull on the door; another kind tells the visitor that they should push on it.</a:t>
+            </a:r>
+          </a:p>
+          <a:p>
+            <a:endParaRPr lang="en-US" dirty="0"/>
           </a:p>
         </p:txBody>
       </p:sp>
@@ -5198,7 +5240,7 @@
           <a:p>
             <a:fld id="{07937F07-1250-4CCE-B198-1B2887014F41}" type="slidenum">
               <a:rPr lang="en-US" smtClean="0"/>
-              <a:t>6</a:t>
+              <a:t>5</a:t>
             </a:fld>
             <a:endParaRPr lang="en-US"/>
           </a:p>
@@ -5207,7 +5249,7 @@
     </p:spTree>
     <p:extLst>
       <p:ext uri="{BB962C8B-B14F-4D97-AF65-F5344CB8AC3E}">
-        <p14:creationId xmlns:p14="http://schemas.microsoft.com/office/powerpoint/2010/main" val="2879695761"/>
+        <p14:creationId xmlns:p14="http://schemas.microsoft.com/office/powerpoint/2010/main" val="2135679075"/>
       </p:ext>
     </p:extLst>
   </p:cSld>
@@ -5263,8 +5305,53 @@
           <a:p>
             <a:r>
               <a:rPr lang="en-US" dirty="0"/>
-              <a:t>Here’s a possible conversation in this new language.   Note that you had to have an agreement with Pat about the protocol for the clock.</a:t>
-            </a:r>
+              <a:t>We said that this week's goal is to give you the vocabulary to talk</a:t>
+            </a:r>
+          </a:p>
+          <a:p>
+            <a:r>
+              <a:rPr lang="en-US" dirty="0"/>
+              <a:t>about your design.  So it's really about the language(s) of software</a:t>
+            </a:r>
+          </a:p>
+          <a:p>
+            <a:r>
+              <a:rPr lang="en-US" dirty="0"/>
+              <a:t>design.</a:t>
+            </a:r>
+          </a:p>
+          <a:p>
+            <a:endParaRPr lang="en-US" dirty="0"/>
+          </a:p>
+          <a:p>
+            <a:r>
+              <a:rPr lang="en-US" dirty="0"/>
+              <a:t>Like in any language course, once you learn the words, the next thing</a:t>
+            </a:r>
+          </a:p>
+          <a:p>
+            <a:r>
+              <a:rPr lang="en-US" dirty="0"/>
+              <a:t>you do is to practice putting them into sentences.</a:t>
+            </a:r>
+          </a:p>
+          <a:p>
+            <a:endParaRPr lang="en-US" dirty="0"/>
+          </a:p>
+          <a:p>
+            <a:r>
+              <a:rPr lang="en-US" dirty="0"/>
+              <a:t>So here's a piece of a design, expressed as a sentence (ok, three</a:t>
+            </a:r>
+          </a:p>
+          <a:p>
+            <a:r>
+              <a:rPr lang="en-US" dirty="0"/>
+              <a:t>sentences)</a:t>
+            </a:r>
+          </a:p>
+          <a:p>
+            <a:endParaRPr lang="en-US" dirty="0"/>
           </a:p>
         </p:txBody>
       </p:sp>
@@ -5294,7 +5381,7 @@
     </p:spTree>
     <p:extLst>
       <p:ext uri="{BB962C8B-B14F-4D97-AF65-F5344CB8AC3E}">
-        <p14:creationId xmlns:p14="http://schemas.microsoft.com/office/powerpoint/2010/main" val="2550609105"/>
+        <p14:creationId xmlns:p14="http://schemas.microsoft.com/office/powerpoint/2010/main" val="476959786"/>
       </p:ext>
     </p:extLst>
   </p:cSld>
@@ -5348,7 +5435,10 @@
           <a:bodyPr/>
           <a:lstStyle/>
           <a:p>
-            <a:endParaRPr lang="en-US" dirty="0"/>
+            <a:r>
+              <a:rPr lang="en-US" dirty="0"/>
+              <a:t>Here’s a possible conversation in this new language.   Note that you had to have an agreement with Pat about the protocol for the clock.</a:t>
+            </a:r>
           </a:p>
         </p:txBody>
       </p:sp>
@@ -5378,7 +5468,7 @@
     </p:spTree>
     <p:extLst>
       <p:ext uri="{BB962C8B-B14F-4D97-AF65-F5344CB8AC3E}">
-        <p14:creationId xmlns:p14="http://schemas.microsoft.com/office/powerpoint/2010/main" val="2222246358"/>
+        <p14:creationId xmlns:p14="http://schemas.microsoft.com/office/powerpoint/2010/main" val="2550609105"/>
       </p:ext>
     </p:extLst>
   </p:cSld>
@@ -5432,10 +5522,7 @@
           <a:bodyPr/>
           <a:lstStyle/>
           <a:p>
-            <a:r>
-              <a:rPr lang="en-US" dirty="0"/>
-              <a:t>You now have a rich vocabulary that you can use to discuss your design.</a:t>
-            </a:r>
+            <a:endParaRPr lang="en-US" dirty="0"/>
           </a:p>
         </p:txBody>
       </p:sp>
@@ -5456,7 +5543,7 @@
           <a:p>
             <a:fld id="{07937F07-1250-4CCE-B198-1B2887014F41}" type="slidenum">
               <a:rPr lang="en-US" smtClean="0"/>
-              <a:t>45</a:t>
+              <a:t>44</a:t>
             </a:fld>
             <a:endParaRPr lang="en-US"/>
           </a:p>
@@ -5465,7 +5552,7 @@
     </p:spTree>
     <p:extLst>
       <p:ext uri="{BB962C8B-B14F-4D97-AF65-F5344CB8AC3E}">
-        <p14:creationId xmlns:p14="http://schemas.microsoft.com/office/powerpoint/2010/main" val="693301086"/>
+        <p14:creationId xmlns:p14="http://schemas.microsoft.com/office/powerpoint/2010/main" val="2222246358"/>
       </p:ext>
     </p:extLst>
   </p:cSld>
@@ -5521,36 +5608,7 @@
           <a:p>
             <a:r>
               <a:rPr lang="en-US" dirty="0"/>
-              <a:t>We’ve covered a lot of ground in this lesson.  &lt;read slide&gt;</a:t>
-            </a:r>
-          </a:p>
-          <a:p>
-            <a:r>
-              <a:rPr lang="en-US" dirty="0"/>
-              <a:t>Next, on to the Object Scale.</a:t>
-            </a:r>
-          </a:p>
-          <a:p>
-            <a:endParaRPr lang="en-US" dirty="0"/>
-          </a:p>
-          <a:p>
-            <a:r>
-              <a:rPr lang="en-US" dirty="0"/>
-              <a:t>[[POSSIBLE ACTIVITY: Break </a:t>
-            </a:r>
-            <a:r>
-              <a:rPr lang="en-US"/>
-              <a:t>into pairs, </a:t>
-            </a:r>
-            <a:r>
-              <a:rPr lang="en-US" dirty="0"/>
-              <a:t>and describe the interactions</a:t>
-            </a:r>
-          </a:p>
-          <a:p>
-            <a:r>
-              <a:rPr lang="en-US" dirty="0"/>
-              <a:t>in some program you have built, at this level of detail.]]</a:t>
+              <a:t>You now have a rich vocabulary that you can use to discuss your design.</a:t>
             </a:r>
           </a:p>
         </p:txBody>
@@ -5573,6 +5631,122 @@
             <a:fld id="{07937F07-1250-4CCE-B198-1B2887014F41}" type="slidenum">
               <a:rPr lang="en-US" smtClean="0"/>
               <a:t>46</a:t>
+            </a:fld>
+            <a:endParaRPr lang="en-US"/>
+          </a:p>
+        </p:txBody>
+      </p:sp>
+    </p:spTree>
+    <p:extLst>
+      <p:ext uri="{BB962C8B-B14F-4D97-AF65-F5344CB8AC3E}">
+        <p14:creationId xmlns:p14="http://schemas.microsoft.com/office/powerpoint/2010/main" val="693301086"/>
+      </p:ext>
+    </p:extLst>
+  </p:cSld>
+  <p:clrMapOvr>
+    <a:masterClrMapping/>
+  </p:clrMapOvr>
+</p:notes>
+</file>
+
+<file path=ppt/notesSlides/notesSlide44.xml><?xml version="1.0" encoding="utf-8"?>
+<p:notes xmlns:a="http://schemas.openxmlformats.org/drawingml/2006/main" xmlns:r="http://schemas.openxmlformats.org/officeDocument/2006/relationships" xmlns:p="http://schemas.openxmlformats.org/presentationml/2006/main">
+  <p:cSld>
+    <p:spTree>
+      <p:nvGrpSpPr>
+        <p:cNvPr id="1" name=""/>
+        <p:cNvGrpSpPr/>
+        <p:nvPr/>
+      </p:nvGrpSpPr>
+      <p:grpSpPr>
+        <a:xfrm>
+          <a:off x="0" y="0"/>
+          <a:ext cx="0" cy="0"/>
+          <a:chOff x="0" y="0"/>
+          <a:chExt cx="0" cy="0"/>
+        </a:xfrm>
+      </p:grpSpPr>
+      <p:sp>
+        <p:nvSpPr>
+          <p:cNvPr id="2" name="Slide Image Placeholder 1"/>
+          <p:cNvSpPr>
+            <a:spLocks noGrp="1" noRot="1" noChangeAspect="1"/>
+          </p:cNvSpPr>
+          <p:nvPr>
+            <p:ph type="sldImg"/>
+          </p:nvPr>
+        </p:nvSpPr>
+        <p:spPr/>
+      </p:sp>
+      <p:sp>
+        <p:nvSpPr>
+          <p:cNvPr id="3" name="Notes Placeholder 2"/>
+          <p:cNvSpPr>
+            <a:spLocks noGrp="1"/>
+          </p:cNvSpPr>
+          <p:nvPr>
+            <p:ph type="body" idx="1"/>
+          </p:nvPr>
+        </p:nvSpPr>
+        <p:spPr/>
+        <p:txBody>
+          <a:bodyPr/>
+          <a:lstStyle/>
+          <a:p>
+            <a:r>
+              <a:rPr lang="en-US" dirty="0"/>
+              <a:t>We’ve covered a lot of ground in this lesson.  &lt;read slide&gt;</a:t>
+            </a:r>
+          </a:p>
+          <a:p>
+            <a:r>
+              <a:rPr lang="en-US" dirty="0"/>
+              <a:t>Next, on to the Object Scale.</a:t>
+            </a:r>
+          </a:p>
+          <a:p>
+            <a:endParaRPr lang="en-US" dirty="0"/>
+          </a:p>
+          <a:p>
+            <a:r>
+              <a:rPr lang="en-US" dirty="0"/>
+              <a:t>[[POSSIBLE ACTIVITY: Break </a:t>
+            </a:r>
+            <a:r>
+              <a:rPr lang="en-US"/>
+              <a:t>into pairs, </a:t>
+            </a:r>
+            <a:r>
+              <a:rPr lang="en-US" dirty="0"/>
+              <a:t>and describe the interactions</a:t>
+            </a:r>
+          </a:p>
+          <a:p>
+            <a:r>
+              <a:rPr lang="en-US" dirty="0"/>
+              <a:t>in some program you have built, at this level of detail.]]</a:t>
+            </a:r>
+          </a:p>
+        </p:txBody>
+      </p:sp>
+      <p:sp>
+        <p:nvSpPr>
+          <p:cNvPr id="4" name="Slide Number Placeholder 3"/>
+          <p:cNvSpPr>
+            <a:spLocks noGrp="1"/>
+          </p:cNvSpPr>
+          <p:nvPr>
+            <p:ph type="sldNum" sz="quarter" idx="5"/>
+          </p:nvPr>
+        </p:nvSpPr>
+        <p:spPr/>
+        <p:txBody>
+          <a:bodyPr/>
+          <a:lstStyle/>
+          <a:p>
+            <a:fld id="{07937F07-1250-4CCE-B198-1B2887014F41}" type="slidenum">
+              <a:rPr lang="en-US" smtClean="0"/>
+              <a:t>47</a:t>
             </a:fld>
             <a:endParaRPr lang="en-US"/>
           </a:p>
@@ -5637,25 +5811,7 @@
           <a:p>
             <a:r>
               <a:rPr lang="en-US" dirty="0"/>
-              <a:t>In this lesson, we will study 4 different interaction-scale designs:  the pull pattern (which is so simple it hardly counts as a pattern), the push (or Observer or Listener) Pattern, the Factory Pattern, and the Singleton Pattern.</a:t>
-            </a:r>
-          </a:p>
-          <a:p>
-            <a:endParaRPr lang="en-US" dirty="0"/>
-          </a:p>
-          <a:p>
-            <a:r>
-              <a:rPr lang="en-US" dirty="0"/>
-              <a:t>All but the first of these are “Official Design Patterns” that you will see in Design Patterns Books, and they have standard names.  That’s important, because if you need to tell your teammate about what you’ve done in a certain part of your program, you can say “for such-and-such, we use the Observer Pattern”, and then your teammate will know what you mean, because they know what the phrase “Observer Pattern” means.   This is what we mean when we talk about using a shared vocabulary.</a:t>
-            </a:r>
-          </a:p>
-          <a:p>
-            <a:endParaRPr lang="en-US" dirty="0"/>
-          </a:p>
-          <a:p>
-            <a:r>
-              <a:rPr lang="en-US" dirty="0"/>
-              <a:t>Unlike the architectural scale, we may use many different Interaction-scale designs for different portions of our program.</a:t>
+              <a:t>These are things you probably learned in OOD, but it’s helpful to review them here.</a:t>
             </a:r>
           </a:p>
         </p:txBody>
@@ -5686,7 +5842,7 @@
     </p:spTree>
     <p:extLst>
       <p:ext uri="{BB962C8B-B14F-4D97-AF65-F5344CB8AC3E}">
-        <p14:creationId xmlns:p14="http://schemas.microsoft.com/office/powerpoint/2010/main" val="3924315404"/>
+        <p14:creationId xmlns:p14="http://schemas.microsoft.com/office/powerpoint/2010/main" val="2879695761"/>
       </p:ext>
     </p:extLst>
   </p:cSld>
@@ -5742,13 +5898,16 @@
           <a:p>
             <a:r>
               <a:rPr lang="en-US" dirty="0"/>
-              <a:t>Very often in our program, we need to get a piece of data from one part of the program to another.</a:t>
-            </a:r>
+              <a:t>In this lesson, we will study 4 different interaction-scale designs:  the pull pattern (which is so simple it hardly counts as a pattern), the push (or Observer or Listener) Pattern, the Factory Pattern, and the Singleton Pattern.</a:t>
+            </a:r>
+          </a:p>
+          <a:p>
+            <a:endParaRPr lang="en-US" dirty="0"/>
           </a:p>
           <a:p>
             <a:r>
               <a:rPr lang="en-US" dirty="0"/>
-              <a:t>Indeed, this is so common that we hardly even notice it.  But it’s still worth looking at.</a:t>
+              <a:t>All but the first of these are “Official Design Patterns” that you will see in Design Patterns Books, and they have standard names.  That’s important, because if you need to tell your teammate about what you’ve done in a certain part of your program, you can say “for such-and-such, we use the Observer Pattern”, and then your teammate will know what you mean, because they know what the phrase “Observer Pattern” means.   This is what we mean when we talk about using a shared vocabulary.</a:t>
             </a:r>
           </a:p>
           <a:p>
@@ -5756,30 +5915,13 @@
           </a:p>
           <a:p>
             <a:r>
+              <a:rPr lang="en-US"/>
+              <a:t>We </a:t>
+            </a:r>
+            <a:r>
               <a:rPr lang="en-US" dirty="0"/>
-              <a:t>Here we have one class, the Producer, that has piece of data, and we have another class, the Consumer, that needs that data in order to do its work.  (Of course, it’s not the class that has the data; it’s an object of that class.  But we’ll slide over that, as we often do when talking about object-oriented programs).</a:t>
-            </a:r>
-          </a:p>
-          <a:p>
-            <a:endParaRPr lang="en-US" dirty="0"/>
-          </a:p>
-          <a:p>
-            <a:r>
-              <a:rPr lang="en-US" dirty="0"/>
-              <a:t>How can we get this data from the producer to the consumer?</a:t>
-            </a:r>
-          </a:p>
-          <a:p>
-            <a:endParaRPr lang="en-US" dirty="0"/>
-          </a:p>
-          <a:p>
-            <a:r>
-              <a:rPr lang="en-US" dirty="0"/>
-              <a:t>There are two basic ways of doing this, which we call “pull” and “push”.  These are also called “demand-pull” and “data-push”.  </a:t>
-            </a:r>
-          </a:p>
-          <a:p>
-            <a:endParaRPr lang="en-US" dirty="0"/>
+              <a:t>may use many different Interaction-scale designs for different portions of our program.</a:t>
+            </a:r>
           </a:p>
         </p:txBody>
       </p:sp>
@@ -5809,7 +5951,7 @@
     </p:spTree>
     <p:extLst>
       <p:ext uri="{BB962C8B-B14F-4D97-AF65-F5344CB8AC3E}">
-        <p14:creationId xmlns:p14="http://schemas.microsoft.com/office/powerpoint/2010/main" val="2578586132"/>
+        <p14:creationId xmlns:p14="http://schemas.microsoft.com/office/powerpoint/2010/main" val="3924315404"/>
       </p:ext>
     </p:extLst>
   </p:cSld>
@@ -5865,7 +6007,13 @@
           <a:p>
             <a:r>
               <a:rPr lang="en-US" dirty="0"/>
-              <a:t>The first solution is to have the consumer ask the producer for the data.   For this to work, the consumer needs to know the identity of the producer, and the producer has to provide a method that the consumer can call to ask for the data. </a:t>
+              <a:t>Very often in our program, we need to get a piece of data from one part of the program to another.</a:t>
+            </a:r>
+          </a:p>
+          <a:p>
+            <a:r>
+              <a:rPr lang="en-US" dirty="0"/>
+              <a:t>Indeed, this is so common that we hardly even notice it.  But it’s still worth looking at.</a:t>
             </a:r>
           </a:p>
           <a:p>
@@ -5874,15 +6022,16 @@
           <a:p>
             <a:r>
               <a:rPr lang="en-US" dirty="0"/>
-              <a:t>Here’s some skeleton code for that.  Notice that the Consumer takes a Producer as parameter to its constructor, and the producer has a method </a:t>
-            </a:r>
-            <a:r>
-              <a:rPr lang="en-US" dirty="0" err="1"/>
-              <a:t>getData</a:t>
-            </a:r>
+              <a:t>Here we have one class, the Producer, that has piece of data, and we have another class, the Consumer, that needs that data in order to do its work.  (Of course, it’s not the class that has the data; it’s an object of that class.  But we’ll slide over that, as we often do when talking about object-oriented programs).</a:t>
+            </a:r>
+          </a:p>
+          <a:p>
+            <a:endParaRPr lang="en-US" dirty="0"/>
+          </a:p>
+          <a:p>
             <a:r>
               <a:rPr lang="en-US" dirty="0"/>
-              <a:t> that will provide the data whenever someone calls it. </a:t>
+              <a:t>How can we get this data from the producer to the consumer?</a:t>
             </a:r>
           </a:p>
           <a:p>
@@ -5891,31 +6040,8 @@
           <a:p>
             <a:r>
               <a:rPr lang="en-US" dirty="0"/>
-              <a:t>When the consumer needs the data, it calls its Producer’s </a:t>
-            </a:r>
-            <a:r>
-              <a:rPr lang="en-US" dirty="0" err="1"/>
-              <a:t>getData</a:t>
-            </a:r>
-            <a:r>
-              <a:rPr lang="en-US" dirty="0"/>
-              <a:t> method.  </a:t>
-            </a:r>
-          </a:p>
-          <a:p>
-            <a:endParaRPr lang="en-US" dirty="0"/>
-          </a:p>
-          <a:p>
-            <a:r>
-              <a:rPr lang="en-US" dirty="0"/>
-              <a:t>We can think of the consumer “pulling” the data from the producer.</a:t>
-            </a:r>
-          </a:p>
-          <a:p>
-            <a:endParaRPr lang="en-US" dirty="0"/>
-          </a:p>
-          <a:p>
-            <a:endParaRPr lang="en-US" dirty="0"/>
+              <a:t>There are two basic ways of doing this, which we call “pull” and “push”.  These are also called “demand-pull” and “data-push”.  </a:t>
+            </a:r>
           </a:p>
           <a:p>
             <a:endParaRPr lang="en-US" dirty="0"/>
@@ -5948,7 +6074,7 @@
     </p:spTree>
     <p:extLst>
       <p:ext uri="{BB962C8B-B14F-4D97-AF65-F5344CB8AC3E}">
-        <p14:creationId xmlns:p14="http://schemas.microsoft.com/office/powerpoint/2010/main" val="3584045808"/>
+        <p14:creationId xmlns:p14="http://schemas.microsoft.com/office/powerpoint/2010/main" val="2578586132"/>
       </p:ext>
     </p:extLst>
   </p:cSld>
@@ -6004,7 +6130,7 @@
           <a:p>
             <a:r>
               <a:rPr lang="en-US" dirty="0"/>
-              <a:t>Alternatively, we could arrange things so that the producer *pushes* the data to the consumer.  (Remember what we said in the preceding lesson about demand-pull vs data-push.)</a:t>
+              <a:t>The first solution is to have the consumer ask the producer for the data.   For this to work, the consumer needs to know the identity of the producer, and the producer has to provide a method that the consumer can call to ask for the data. </a:t>
             </a:r>
           </a:p>
           <a:p>
@@ -6013,7 +6139,15 @@
           <a:p>
             <a:r>
               <a:rPr lang="en-US" dirty="0"/>
-              <a:t>In this organization, the producer knows the identity of the consumer, and the consumer has a method that the producer can use to notify it about changes to the data.  </a:t>
+              <a:t>Here’s some skeleton code for that.  Notice that the Consumer takes a Producer as parameter to its constructor, and the producer has a method </a:t>
+            </a:r>
+            <a:r>
+              <a:rPr lang="en-US" dirty="0" err="1"/>
+              <a:t>getData</a:t>
+            </a:r>
+            <a:r>
+              <a:rPr lang="en-US" dirty="0"/>
+              <a:t> that will provide the data whenever someone calls it. </a:t>
             </a:r>
           </a:p>
           <a:p>
@@ -6022,7 +6156,15 @@
           <a:p>
             <a:r>
               <a:rPr lang="en-US" dirty="0"/>
-              <a:t>Here’s some skeleton code that realizes that behavior.  The producer takes a consumer as part of its constructor, and the consumer has a ‘notify’ method on which it can accept notifications about the data.  ‘notify’ is a common name for this method; if you run across this name in a codebase, that will tell you a little bit about what is going on.</a:t>
+              <a:t>When the consumer needs the data, it calls its Producer’s </a:t>
+            </a:r>
+            <a:r>
+              <a:rPr lang="en-US" dirty="0" err="1"/>
+              <a:t>getData</a:t>
+            </a:r>
+            <a:r>
+              <a:rPr lang="en-US" dirty="0"/>
+              <a:t> method.  </a:t>
             </a:r>
           </a:p>
           <a:p>
@@ -6031,8 +6173,17 @@
           <a:p>
             <a:r>
               <a:rPr lang="en-US" dirty="0"/>
-              <a:t>Usually, there will be more than one consumer to notify; we’ll talk about that in a minute.</a:t>
-            </a:r>
+              <a:t>We can think of the consumer “pulling” the data from the producer.</a:t>
+            </a:r>
+          </a:p>
+          <a:p>
+            <a:endParaRPr lang="en-US" dirty="0"/>
+          </a:p>
+          <a:p>
+            <a:endParaRPr lang="en-US" dirty="0"/>
+          </a:p>
+          <a:p>
+            <a:endParaRPr lang="en-US" dirty="0"/>
           </a:p>
         </p:txBody>
       </p:sp>
@@ -6062,7 +6213,7 @@
     </p:spTree>
     <p:extLst>
       <p:ext uri="{BB962C8B-B14F-4D97-AF65-F5344CB8AC3E}">
-        <p14:creationId xmlns:p14="http://schemas.microsoft.com/office/powerpoint/2010/main" val="3879032540"/>
+        <p14:creationId xmlns:p14="http://schemas.microsoft.com/office/powerpoint/2010/main" val="3584045808"/>
       </p:ext>
     </p:extLst>
   </p:cSld>
@@ -6118,7 +6269,7 @@
           <a:p>
             <a:r>
               <a:rPr lang="en-US" dirty="0"/>
-              <a:t>When there is more than one consumer, this is typically called the Observer Pattern, or the Publish-Subscribe Pattern, or the Listener Pattern.</a:t>
+              <a:t>Alternatively, we could arrange things so that the producer *pushes* the data to the consumer.  (Remember what we said in the preceding lesson about demand-pull vs data-push.)</a:t>
             </a:r>
           </a:p>
           <a:p>
@@ -6127,7 +6278,7 @@
           <a:p>
             <a:r>
               <a:rPr lang="en-US" dirty="0"/>
-              <a:t>&lt;read slide&gt;</a:t>
+              <a:t>In this organization, the producer knows the identity of the consumer, and the consumer has a method that the producer can use to notify it about changes to the data.  </a:t>
             </a:r>
           </a:p>
           <a:p>
@@ -6136,7 +6287,16 @@
           <a:p>
             <a:r>
               <a:rPr lang="en-US" dirty="0"/>
-              <a:t>We’ll see in a few minutes how this works in a little more detail.</a:t>
+              <a:t>Here’s some skeleton code that realizes that behavior.  The producer takes a consumer as part of its constructor, and the consumer has a ‘notify’ method on which it can accept notifications about the data.  ‘notify’ is a common name for this method; if you run across this name in a codebase, that will tell you a little bit about what is going on.</a:t>
+            </a:r>
+          </a:p>
+          <a:p>
+            <a:endParaRPr lang="en-US" dirty="0"/>
+          </a:p>
+          <a:p>
+            <a:r>
+              <a:rPr lang="en-US" dirty="0"/>
+              <a:t>Usually, there will be more than one consumer to notify; we’ll talk about that in a minute.</a:t>
             </a:r>
           </a:p>
         </p:txBody>
@@ -6167,7 +6327,7 @@
     </p:spTree>
     <p:extLst>
       <p:ext uri="{BB962C8B-B14F-4D97-AF65-F5344CB8AC3E}">
-        <p14:creationId xmlns:p14="http://schemas.microsoft.com/office/powerpoint/2010/main" val="3285328138"/>
+        <p14:creationId xmlns:p14="http://schemas.microsoft.com/office/powerpoint/2010/main" val="3879032540"/>
       </p:ext>
     </p:extLst>
   </p:cSld>
@@ -6331,7 +6491,7 @@
           <a:p>
             <a:fld id="{5D2A64DE-480B-420F-9649-4F8E696E08E0}" type="datetime1">
               <a:rPr lang="en-US" smtClean="0"/>
-              <a:t>9/6/2022</a:t>
+              <a:t>9/13/2022</a:t>
             </a:fld>
             <a:endParaRPr lang="en-US"/>
           </a:p>
@@ -6655,7 +6815,7 @@
           <a:p>
             <a:fld id="{EA476A42-A091-4468-A075-64A31BE59948}" type="datetime1">
               <a:rPr lang="en-US" smtClean="0"/>
-              <a:t>9/6/2022</a:t>
+              <a:t>9/13/2022</a:t>
             </a:fld>
             <a:endParaRPr lang="en-US"/>
           </a:p>
@@ -6853,7 +7013,7 @@
           <a:p>
             <a:fld id="{0D3616D0-8311-4107-9726-6B805E7D05BA}" type="datetime1">
               <a:rPr lang="en-US" smtClean="0"/>
-              <a:t>9/6/2022</a:t>
+              <a:t>9/13/2022</a:t>
             </a:fld>
             <a:endParaRPr lang="en-US"/>
           </a:p>
@@ -7061,7 +7221,7 @@
           <a:p>
             <a:fld id="{3BC2557A-5C88-417A-A763-5AC779462A5F}" type="datetime1">
               <a:rPr lang="en-US" smtClean="0"/>
-              <a:t>9/6/2022</a:t>
+              <a:t>9/13/2022</a:t>
             </a:fld>
             <a:endParaRPr lang="en-US"/>
           </a:p>
@@ -7585,7 +7745,7 @@
           <a:p>
             <a:fld id="{07C7BFD4-467E-4EDE-93EA-052F5B39A4E5}" type="datetime1">
               <a:rPr lang="en-US" smtClean="0"/>
-              <a:t>9/6/2022</a:t>
+              <a:t>9/13/2022</a:t>
             </a:fld>
             <a:endParaRPr lang="en-US"/>
           </a:p>
@@ -7835,7 +7995,7 @@
           <a:p>
             <a:fld id="{07C7BFD4-467E-4EDE-93EA-052F5B39A4E5}" type="datetime1">
               <a:rPr lang="en-US" smtClean="0"/>
-              <a:t>9/6/2022</a:t>
+              <a:t>9/13/2022</a:t>
             </a:fld>
             <a:endParaRPr lang="en-US"/>
           </a:p>
@@ -8017,7 +8177,7 @@
           <a:p>
             <a:fld id="{109E55A0-C911-4F03-82FC-7E5926047D46}" type="datetime1">
               <a:rPr lang="en-US" smtClean="0"/>
-              <a:t>9/6/2022</a:t>
+              <a:t>9/13/2022</a:t>
             </a:fld>
             <a:endParaRPr lang="en-US"/>
           </a:p>
@@ -8330,7 +8490,7 @@
           <a:p>
             <a:fld id="{A533CBE2-D5BE-47AC-ADC2-9CDFC1D0CF90}" type="datetime1">
               <a:rPr lang="en-US" smtClean="0"/>
-              <a:t>9/6/2022</a:t>
+              <a:t>9/13/2022</a:t>
             </a:fld>
             <a:endParaRPr lang="en-US"/>
           </a:p>
@@ -8631,7 +8791,7 @@
           <a:p>
             <a:fld id="{39B7EDB1-CE74-4951-85A2-0B01C2128E28}" type="datetime1">
               <a:rPr lang="en-US" smtClean="0"/>
-              <a:t>9/6/2022</a:t>
+              <a:t>9/13/2022</a:t>
             </a:fld>
             <a:endParaRPr lang="en-US"/>
           </a:p>
@@ -9079,7 +9239,7 @@
           <a:p>
             <a:fld id="{2BC7EB92-A5C2-4807-A9DC-9EDE6CBFB241}" type="datetime1">
               <a:rPr lang="en-US" smtClean="0"/>
-              <a:t>9/6/2022</a:t>
+              <a:t>9/13/2022</a:t>
             </a:fld>
             <a:endParaRPr lang="en-US"/>
           </a:p>
@@ -9192,7 +9352,7 @@
           <a:p>
             <a:fld id="{2B7B7EE0-7771-4CD5-9B2B-3550753A54A1}" type="datetime1">
               <a:rPr lang="en-US" smtClean="0"/>
-              <a:t>9/6/2022</a:t>
+              <a:t>9/13/2022</a:t>
             </a:fld>
             <a:endParaRPr lang="en-US"/>
           </a:p>
@@ -9503,7 +9663,7 @@
           <a:p>
             <a:fld id="{F8B318B3-0E87-4416-A9B8-D891968C2727}" type="datetime1">
               <a:rPr lang="en-US" smtClean="0"/>
-              <a:t>9/6/2022</a:t>
+              <a:t>9/13/2022</a:t>
             </a:fld>
             <a:endParaRPr lang="en-US"/>
           </a:p>
@@ -9744,7 +9904,7 @@
           <a:p>
             <a:fld id="{54D997E8-DDEE-43F1-8D9B-F8A1E11DE488}" type="datetime1">
               <a:rPr lang="en-US" smtClean="0"/>
-              <a:t>9/6/2022</a:t>
+              <a:t>9/13/2022</a:t>
             </a:fld>
             <a:endParaRPr lang="en-US"/>
           </a:p>
@@ -10411,7 +10571,7 @@
           <a:p>
             <a:r>
               <a:rPr lang="en-US" sz="3600" dirty="0"/>
-              <a:t>Pattern 2: producer tells consumer ("push")</a:t>
+              <a:t>Pattern 1: consumer asks producer ("pull")</a:t>
             </a:r>
           </a:p>
         </p:txBody>
@@ -10440,6 +10600,1002 @@
             <a:fld id="{20F37917-FD3A-4669-9018-DA04BCDD3D75}" type="slidenum">
               <a:rPr lang="en-US" smtClean="0"/>
               <a:t>10</a:t>
+            </a:fld>
+            <a:endParaRPr lang="en-US"/>
+          </a:p>
+        </p:txBody>
+      </p:sp>
+      <p:sp>
+        <p:nvSpPr>
+          <p:cNvPr id="11" name="TextBox 10">
+            <a:extLst>
+              <a:ext uri="{FF2B5EF4-FFF2-40B4-BE49-F238E27FC236}">
+                <a16:creationId xmlns:a16="http://schemas.microsoft.com/office/drawing/2014/main" id="{499C7BCB-BC9D-4BD1-B8B1-463CDCFDE915}"/>
+              </a:ext>
+            </a:extLst>
+          </p:cNvPr>
+          <p:cNvSpPr txBox="1"/>
+          <p:nvPr/>
+        </p:nvSpPr>
+        <p:spPr>
+          <a:xfrm>
+            <a:off x="929640" y="1788081"/>
+            <a:ext cx="6096000" cy="4247317"/>
+          </a:xfrm>
+          <a:prstGeom prst="rect">
+            <a:avLst/>
+          </a:prstGeom>
+          <a:noFill/>
+          <a:ln w="12700" cap="flat" cmpd="sng" algn="ctr">
+            <a:noFill/>
+            <a:prstDash val="solid"/>
+            <a:miter lim="800000"/>
+          </a:ln>
+          <a:effectLst/>
+        </p:spPr>
+        <p:style>
+          <a:lnRef idx="2">
+            <a:schemeClr val="accent1">
+              <a:shade val="50000"/>
+            </a:schemeClr>
+          </a:lnRef>
+          <a:fillRef idx="1">
+            <a:schemeClr val="accent1"/>
+          </a:fillRef>
+          <a:effectRef idx="0">
+            <a:schemeClr val="accent1"/>
+          </a:effectRef>
+          <a:fontRef idx="minor">
+            <a:schemeClr val="lt1"/>
+          </a:fontRef>
+        </p:style>
+        <p:txBody>
+          <a:bodyPr wrap="square">
+            <a:spAutoFit/>
+          </a:bodyPr>
+          <a:lstStyle/>
+          <a:p>
+            <a:r>
+              <a:rPr lang="en-US" b="0" dirty="0">
+                <a:solidFill>
+                  <a:srgbClr val="0000FF"/>
+                </a:solidFill>
+                <a:effectLst/>
+                <a:latin typeface="Consolas" panose="020B0609020204030204" pitchFamily="49" charset="0"/>
+              </a:rPr>
+              <a:t>class</a:t>
+            </a:r>
+            <a:r>
+              <a:rPr lang="en-US" b="0" dirty="0">
+                <a:solidFill>
+                  <a:srgbClr val="000000"/>
+                </a:solidFill>
+                <a:effectLst/>
+                <a:latin typeface="Consolas" panose="020B0609020204030204" pitchFamily="49" charset="0"/>
+              </a:rPr>
+              <a:t> </a:t>
+            </a:r>
+            <a:r>
+              <a:rPr lang="en-US" b="0" dirty="0">
+                <a:solidFill>
+                  <a:srgbClr val="267F99"/>
+                </a:solidFill>
+                <a:effectLst/>
+                <a:latin typeface="Consolas" panose="020B0609020204030204" pitchFamily="49" charset="0"/>
+              </a:rPr>
+              <a:t>Producer</a:t>
+            </a:r>
+            <a:r>
+              <a:rPr lang="en-US" b="0" dirty="0">
+                <a:solidFill>
+                  <a:srgbClr val="000000"/>
+                </a:solidFill>
+                <a:effectLst/>
+                <a:latin typeface="Consolas" panose="020B0609020204030204" pitchFamily="49" charset="0"/>
+              </a:rPr>
+              <a:t> {</a:t>
+            </a:r>
+          </a:p>
+          <a:p>
+            <a:r>
+              <a:rPr lang="en-US" b="0" dirty="0">
+                <a:solidFill>
+                  <a:srgbClr val="000000"/>
+                </a:solidFill>
+                <a:effectLst/>
+                <a:latin typeface="Consolas" panose="020B0609020204030204" pitchFamily="49" charset="0"/>
+              </a:rPr>
+              <a:t>    </a:t>
+            </a:r>
+            <a:r>
+              <a:rPr lang="en-US" b="0" dirty="0" err="1">
+                <a:solidFill>
+                  <a:srgbClr val="001080"/>
+                </a:solidFill>
+                <a:effectLst/>
+                <a:latin typeface="Consolas" panose="020B0609020204030204" pitchFamily="49" charset="0"/>
+              </a:rPr>
+              <a:t>theData</a:t>
+            </a:r>
+            <a:r>
+              <a:rPr lang="en-US" b="0" dirty="0">
+                <a:solidFill>
+                  <a:srgbClr val="000000"/>
+                </a:solidFill>
+                <a:effectLst/>
+                <a:latin typeface="Consolas" panose="020B0609020204030204" pitchFamily="49" charset="0"/>
+              </a:rPr>
+              <a:t> : </a:t>
+            </a:r>
+            <a:r>
+              <a:rPr lang="en-US" b="0" dirty="0">
+                <a:solidFill>
+                  <a:srgbClr val="267F99"/>
+                </a:solidFill>
+                <a:effectLst/>
+                <a:latin typeface="Consolas" panose="020B0609020204030204" pitchFamily="49" charset="0"/>
+              </a:rPr>
+              <a:t>number</a:t>
+            </a:r>
+            <a:endParaRPr lang="en-US" b="0" dirty="0">
+              <a:solidFill>
+                <a:srgbClr val="000000"/>
+              </a:solidFill>
+              <a:effectLst/>
+              <a:latin typeface="Consolas" panose="020B0609020204030204" pitchFamily="49" charset="0"/>
+            </a:endParaRPr>
+          </a:p>
+          <a:p>
+            <a:r>
+              <a:rPr lang="en-US" b="0" dirty="0">
+                <a:solidFill>
+                  <a:srgbClr val="000000"/>
+                </a:solidFill>
+                <a:effectLst/>
+                <a:latin typeface="Consolas" panose="020B0609020204030204" pitchFamily="49" charset="0"/>
+              </a:rPr>
+              <a:t>    </a:t>
+            </a:r>
+            <a:r>
+              <a:rPr lang="en-US" b="0" dirty="0" err="1">
+                <a:solidFill>
+                  <a:srgbClr val="795E26"/>
+                </a:solidFill>
+                <a:effectLst/>
+                <a:latin typeface="Consolas" panose="020B0609020204030204" pitchFamily="49" charset="0"/>
+              </a:rPr>
+              <a:t>getData</a:t>
+            </a:r>
+            <a:r>
+              <a:rPr lang="en-US" b="0" dirty="0">
+                <a:solidFill>
+                  <a:srgbClr val="000000"/>
+                </a:solidFill>
+                <a:effectLst/>
+                <a:latin typeface="Consolas" panose="020B0609020204030204" pitchFamily="49" charset="0"/>
+              </a:rPr>
+              <a:t> () {</a:t>
+            </a:r>
+            <a:r>
+              <a:rPr lang="en-US" b="0" dirty="0">
+                <a:solidFill>
+                  <a:srgbClr val="AF00DB"/>
+                </a:solidFill>
+                <a:effectLst/>
+                <a:latin typeface="Consolas" panose="020B0609020204030204" pitchFamily="49" charset="0"/>
+              </a:rPr>
+              <a:t>return</a:t>
+            </a:r>
+            <a:r>
+              <a:rPr lang="en-US" b="0" dirty="0">
+                <a:solidFill>
+                  <a:srgbClr val="000000"/>
+                </a:solidFill>
+                <a:effectLst/>
+                <a:latin typeface="Consolas" panose="020B0609020204030204" pitchFamily="49" charset="0"/>
+              </a:rPr>
+              <a:t> </a:t>
+            </a:r>
+            <a:r>
+              <a:rPr lang="en-US" b="0" dirty="0" err="1">
+                <a:solidFill>
+                  <a:srgbClr val="0000FF"/>
+                </a:solidFill>
+                <a:effectLst/>
+                <a:latin typeface="Consolas" panose="020B0609020204030204" pitchFamily="49" charset="0"/>
+              </a:rPr>
+              <a:t>this</a:t>
+            </a:r>
+            <a:r>
+              <a:rPr lang="en-US" b="0" dirty="0" err="1">
+                <a:solidFill>
+                  <a:srgbClr val="000000"/>
+                </a:solidFill>
+                <a:effectLst/>
+                <a:latin typeface="Consolas" panose="020B0609020204030204" pitchFamily="49" charset="0"/>
+              </a:rPr>
+              <a:t>.</a:t>
+            </a:r>
+            <a:r>
+              <a:rPr lang="en-US" b="0" dirty="0" err="1">
+                <a:solidFill>
+                  <a:srgbClr val="001080"/>
+                </a:solidFill>
+                <a:effectLst/>
+                <a:latin typeface="Consolas" panose="020B0609020204030204" pitchFamily="49" charset="0"/>
+              </a:rPr>
+              <a:t>theData</a:t>
+            </a:r>
+            <a:r>
+              <a:rPr lang="en-US" b="0" dirty="0">
+                <a:solidFill>
+                  <a:srgbClr val="000000"/>
+                </a:solidFill>
+                <a:effectLst/>
+                <a:latin typeface="Consolas" panose="020B0609020204030204" pitchFamily="49" charset="0"/>
+              </a:rPr>
+              <a:t>}</a:t>
+            </a:r>
+          </a:p>
+          <a:p>
+            <a:r>
+              <a:rPr lang="en-US" b="0" dirty="0">
+                <a:solidFill>
+                  <a:srgbClr val="000000"/>
+                </a:solidFill>
+                <a:effectLst/>
+                <a:latin typeface="Consolas" panose="020B0609020204030204" pitchFamily="49" charset="0"/>
+              </a:rPr>
+              <a:t>}</a:t>
+            </a:r>
+          </a:p>
+          <a:p>
+            <a:br>
+              <a:rPr lang="en-US" b="0" dirty="0">
+                <a:solidFill>
+                  <a:srgbClr val="000000"/>
+                </a:solidFill>
+                <a:effectLst/>
+                <a:latin typeface="Consolas" panose="020B0609020204030204" pitchFamily="49" charset="0"/>
+              </a:rPr>
+            </a:br>
+            <a:r>
+              <a:rPr lang="en-US" b="0" dirty="0">
+                <a:solidFill>
+                  <a:srgbClr val="0000FF"/>
+                </a:solidFill>
+                <a:effectLst/>
+                <a:latin typeface="Consolas" panose="020B0609020204030204" pitchFamily="49" charset="0"/>
+              </a:rPr>
+              <a:t>class</a:t>
+            </a:r>
+            <a:r>
+              <a:rPr lang="en-US" b="0" dirty="0">
+                <a:solidFill>
+                  <a:srgbClr val="000000"/>
+                </a:solidFill>
+                <a:effectLst/>
+                <a:latin typeface="Consolas" panose="020B0609020204030204" pitchFamily="49" charset="0"/>
+              </a:rPr>
+              <a:t> </a:t>
+            </a:r>
+            <a:r>
+              <a:rPr lang="en-US" b="0" dirty="0">
+                <a:solidFill>
+                  <a:srgbClr val="267F99"/>
+                </a:solidFill>
+                <a:effectLst/>
+                <a:latin typeface="Consolas" panose="020B0609020204030204" pitchFamily="49" charset="0"/>
+              </a:rPr>
+              <a:t>Consumer</a:t>
+            </a:r>
+            <a:r>
+              <a:rPr lang="en-US" b="0" dirty="0">
+                <a:solidFill>
+                  <a:srgbClr val="000000"/>
+                </a:solidFill>
+                <a:effectLst/>
+                <a:latin typeface="Consolas" panose="020B0609020204030204" pitchFamily="49" charset="0"/>
+              </a:rPr>
+              <a:t> {</a:t>
+            </a:r>
+          </a:p>
+          <a:p>
+            <a:r>
+              <a:rPr lang="en-US" b="0" dirty="0">
+                <a:solidFill>
+                  <a:srgbClr val="000000"/>
+                </a:solidFill>
+                <a:effectLst/>
+                <a:latin typeface="Consolas" panose="020B0609020204030204" pitchFamily="49" charset="0"/>
+              </a:rPr>
+              <a:t>    </a:t>
+            </a:r>
+            <a:r>
+              <a:rPr lang="en-US" b="0" dirty="0">
+                <a:solidFill>
+                  <a:srgbClr val="0000FF"/>
+                </a:solidFill>
+                <a:effectLst/>
+                <a:latin typeface="Consolas" panose="020B0609020204030204" pitchFamily="49" charset="0"/>
+              </a:rPr>
+              <a:t>constructor</a:t>
+            </a:r>
+            <a:r>
+              <a:rPr lang="en-US" b="0" dirty="0">
+                <a:solidFill>
+                  <a:srgbClr val="000000"/>
+                </a:solidFill>
+                <a:effectLst/>
+                <a:latin typeface="Consolas" panose="020B0609020204030204" pitchFamily="49" charset="0"/>
+              </a:rPr>
+              <a:t>(</a:t>
+            </a:r>
+            <a:r>
+              <a:rPr lang="en-US" b="0" dirty="0">
+                <a:solidFill>
+                  <a:srgbClr val="0000FF"/>
+                </a:solidFill>
+                <a:effectLst/>
+                <a:latin typeface="Consolas" panose="020B0609020204030204" pitchFamily="49" charset="0"/>
+              </a:rPr>
+              <a:t>private</a:t>
+            </a:r>
+            <a:r>
+              <a:rPr lang="en-US" b="0" dirty="0">
+                <a:solidFill>
+                  <a:srgbClr val="000000"/>
+                </a:solidFill>
+                <a:effectLst/>
+                <a:latin typeface="Consolas" panose="020B0609020204030204" pitchFamily="49" charset="0"/>
+              </a:rPr>
+              <a:t> </a:t>
+            </a:r>
+            <a:r>
+              <a:rPr lang="en-US" b="0" dirty="0" err="1">
+                <a:solidFill>
+                  <a:srgbClr val="001080"/>
+                </a:solidFill>
+                <a:effectLst/>
+                <a:latin typeface="Consolas" panose="020B0609020204030204" pitchFamily="49" charset="0"/>
+              </a:rPr>
+              <a:t>src</a:t>
+            </a:r>
+            <a:r>
+              <a:rPr lang="en-US" b="0" dirty="0">
+                <a:solidFill>
+                  <a:srgbClr val="000000"/>
+                </a:solidFill>
+                <a:effectLst/>
+                <a:latin typeface="Consolas" panose="020B0609020204030204" pitchFamily="49" charset="0"/>
+              </a:rPr>
+              <a:t>: </a:t>
+            </a:r>
+            <a:r>
+              <a:rPr lang="en-US" b="0" dirty="0">
+                <a:solidFill>
+                  <a:srgbClr val="267F99"/>
+                </a:solidFill>
+                <a:effectLst/>
+                <a:latin typeface="Consolas" panose="020B0609020204030204" pitchFamily="49" charset="0"/>
+              </a:rPr>
+              <a:t>Producer</a:t>
+            </a:r>
+            <a:r>
+              <a:rPr lang="en-US" b="0" dirty="0">
+                <a:solidFill>
+                  <a:srgbClr val="000000"/>
+                </a:solidFill>
+                <a:effectLst/>
+                <a:latin typeface="Consolas" panose="020B0609020204030204" pitchFamily="49" charset="0"/>
+              </a:rPr>
+              <a:t>) { }</a:t>
+            </a:r>
+          </a:p>
+          <a:p>
+            <a:r>
+              <a:rPr lang="en-US" b="0" dirty="0">
+                <a:solidFill>
+                  <a:srgbClr val="000000"/>
+                </a:solidFill>
+                <a:effectLst/>
+                <a:latin typeface="Consolas" panose="020B0609020204030204" pitchFamily="49" charset="0"/>
+              </a:rPr>
+              <a:t>    </a:t>
+            </a:r>
+            <a:r>
+              <a:rPr lang="en-US" b="0" dirty="0" err="1">
+                <a:solidFill>
+                  <a:srgbClr val="001080"/>
+                </a:solidFill>
+                <a:effectLst/>
+                <a:latin typeface="Consolas" panose="020B0609020204030204" pitchFamily="49" charset="0"/>
+              </a:rPr>
+              <a:t>neededData</a:t>
+            </a:r>
+            <a:r>
+              <a:rPr lang="en-US" b="0" dirty="0">
+                <a:solidFill>
+                  <a:srgbClr val="000000"/>
+                </a:solidFill>
+                <a:effectLst/>
+                <a:latin typeface="Consolas" panose="020B0609020204030204" pitchFamily="49" charset="0"/>
+              </a:rPr>
+              <a:t>: </a:t>
+            </a:r>
+            <a:r>
+              <a:rPr lang="en-US" b="0" dirty="0">
+                <a:solidFill>
+                  <a:srgbClr val="267F99"/>
+                </a:solidFill>
+                <a:effectLst/>
+                <a:latin typeface="Consolas" panose="020B0609020204030204" pitchFamily="49" charset="0"/>
+              </a:rPr>
+              <a:t>number</a:t>
+            </a:r>
+            <a:endParaRPr lang="en-US" b="0" dirty="0">
+              <a:solidFill>
+                <a:srgbClr val="000000"/>
+              </a:solidFill>
+              <a:effectLst/>
+              <a:latin typeface="Consolas" panose="020B0609020204030204" pitchFamily="49" charset="0"/>
+            </a:endParaRPr>
+          </a:p>
+          <a:p>
+            <a:r>
+              <a:rPr lang="en-US" b="0" dirty="0">
+                <a:solidFill>
+                  <a:srgbClr val="000000"/>
+                </a:solidFill>
+                <a:effectLst/>
+                <a:latin typeface="Consolas" panose="020B0609020204030204" pitchFamily="49" charset="0"/>
+              </a:rPr>
+              <a:t>    </a:t>
+            </a:r>
+            <a:r>
+              <a:rPr lang="en-US" b="0" dirty="0" err="1">
+                <a:solidFill>
+                  <a:srgbClr val="795E26"/>
+                </a:solidFill>
+                <a:effectLst/>
+                <a:latin typeface="Consolas" panose="020B0609020204030204" pitchFamily="49" charset="0"/>
+              </a:rPr>
+              <a:t>doSomeWork</a:t>
+            </a:r>
+            <a:r>
+              <a:rPr lang="en-US" b="0" dirty="0">
+                <a:solidFill>
+                  <a:srgbClr val="000000"/>
+                </a:solidFill>
+                <a:effectLst/>
+                <a:latin typeface="Consolas" panose="020B0609020204030204" pitchFamily="49" charset="0"/>
+              </a:rPr>
+              <a:t>() {</a:t>
+            </a:r>
+          </a:p>
+          <a:p>
+            <a:r>
+              <a:rPr lang="en-US" b="0" dirty="0">
+                <a:solidFill>
+                  <a:srgbClr val="000000"/>
+                </a:solidFill>
+                <a:effectLst/>
+                <a:latin typeface="Consolas" panose="020B0609020204030204" pitchFamily="49" charset="0"/>
+              </a:rPr>
+              <a:t>        </a:t>
+            </a:r>
+            <a:r>
+              <a:rPr lang="en-US" b="0" dirty="0" err="1">
+                <a:solidFill>
+                  <a:srgbClr val="0000FF"/>
+                </a:solidFill>
+                <a:effectLst/>
+                <a:latin typeface="Consolas" panose="020B0609020204030204" pitchFamily="49" charset="0"/>
+              </a:rPr>
+              <a:t>this</a:t>
+            </a:r>
+            <a:r>
+              <a:rPr lang="en-US" b="0" dirty="0" err="1">
+                <a:solidFill>
+                  <a:srgbClr val="000000"/>
+                </a:solidFill>
+                <a:effectLst/>
+                <a:latin typeface="Consolas" panose="020B0609020204030204" pitchFamily="49" charset="0"/>
+              </a:rPr>
+              <a:t>.</a:t>
+            </a:r>
+            <a:r>
+              <a:rPr lang="en-US" b="0" dirty="0" err="1">
+                <a:solidFill>
+                  <a:srgbClr val="001080"/>
+                </a:solidFill>
+                <a:effectLst/>
+                <a:latin typeface="Consolas" panose="020B0609020204030204" pitchFamily="49" charset="0"/>
+              </a:rPr>
+              <a:t>neededData</a:t>
+            </a:r>
+            <a:r>
+              <a:rPr lang="en-US" b="0" dirty="0">
+                <a:solidFill>
+                  <a:srgbClr val="000000"/>
+                </a:solidFill>
+                <a:effectLst/>
+                <a:latin typeface="Consolas" panose="020B0609020204030204" pitchFamily="49" charset="0"/>
+              </a:rPr>
+              <a:t> = </a:t>
+            </a:r>
+            <a:r>
+              <a:rPr lang="en-US" b="0" dirty="0" err="1">
+                <a:solidFill>
+                  <a:srgbClr val="0000FF"/>
+                </a:solidFill>
+                <a:effectLst/>
+                <a:latin typeface="Consolas" panose="020B0609020204030204" pitchFamily="49" charset="0"/>
+              </a:rPr>
+              <a:t>this</a:t>
+            </a:r>
+            <a:r>
+              <a:rPr lang="en-US" b="0" dirty="0" err="1">
+                <a:solidFill>
+                  <a:srgbClr val="000000"/>
+                </a:solidFill>
+                <a:effectLst/>
+                <a:latin typeface="Consolas" panose="020B0609020204030204" pitchFamily="49" charset="0"/>
+              </a:rPr>
+              <a:t>.</a:t>
+            </a:r>
+            <a:r>
+              <a:rPr lang="en-US" b="0" dirty="0" err="1">
+                <a:solidFill>
+                  <a:srgbClr val="001080"/>
+                </a:solidFill>
+                <a:effectLst/>
+                <a:latin typeface="Consolas" panose="020B0609020204030204" pitchFamily="49" charset="0"/>
+              </a:rPr>
+              <a:t>src</a:t>
+            </a:r>
+            <a:r>
+              <a:rPr lang="en-US" b="0" dirty="0" err="1">
+                <a:solidFill>
+                  <a:srgbClr val="000000"/>
+                </a:solidFill>
+                <a:effectLst/>
+                <a:latin typeface="Consolas" panose="020B0609020204030204" pitchFamily="49" charset="0"/>
+              </a:rPr>
+              <a:t>.</a:t>
+            </a:r>
+            <a:r>
+              <a:rPr lang="en-US" b="0" dirty="0" err="1">
+                <a:solidFill>
+                  <a:srgbClr val="795E26"/>
+                </a:solidFill>
+                <a:effectLst/>
+                <a:latin typeface="Consolas" panose="020B0609020204030204" pitchFamily="49" charset="0"/>
+              </a:rPr>
+              <a:t>getData</a:t>
+            </a:r>
+            <a:r>
+              <a:rPr lang="en-US" b="0" dirty="0">
+                <a:solidFill>
+                  <a:srgbClr val="000000"/>
+                </a:solidFill>
+                <a:effectLst/>
+                <a:latin typeface="Consolas" panose="020B0609020204030204" pitchFamily="49" charset="0"/>
+              </a:rPr>
+              <a:t>()</a:t>
+            </a:r>
+          </a:p>
+          <a:p>
+            <a:r>
+              <a:rPr lang="en-US" b="0" dirty="0">
+                <a:solidFill>
+                  <a:srgbClr val="000000"/>
+                </a:solidFill>
+                <a:effectLst/>
+                <a:latin typeface="Consolas" panose="020B0609020204030204" pitchFamily="49" charset="0"/>
+              </a:rPr>
+              <a:t>        </a:t>
+            </a:r>
+            <a:r>
+              <a:rPr lang="en-US" b="0" dirty="0" err="1">
+                <a:solidFill>
+                  <a:srgbClr val="795E26"/>
+                </a:solidFill>
+                <a:effectLst/>
+                <a:latin typeface="Consolas" panose="020B0609020204030204" pitchFamily="49" charset="0"/>
+              </a:rPr>
+              <a:t>doSomething</a:t>
+            </a:r>
+            <a:r>
+              <a:rPr lang="en-US" b="0" dirty="0">
+                <a:solidFill>
+                  <a:srgbClr val="000000"/>
+                </a:solidFill>
+                <a:effectLst/>
+                <a:latin typeface="Consolas" panose="020B0609020204030204" pitchFamily="49" charset="0"/>
+              </a:rPr>
+              <a:t>(</a:t>
+            </a:r>
+            <a:r>
+              <a:rPr lang="en-US" b="0" dirty="0" err="1">
+                <a:solidFill>
+                  <a:srgbClr val="0000FF"/>
+                </a:solidFill>
+                <a:effectLst/>
+                <a:latin typeface="Consolas" panose="020B0609020204030204" pitchFamily="49" charset="0"/>
+              </a:rPr>
+              <a:t>this</a:t>
+            </a:r>
+            <a:r>
+              <a:rPr lang="en-US" b="0" dirty="0" err="1">
+                <a:solidFill>
+                  <a:srgbClr val="000000"/>
+                </a:solidFill>
+                <a:effectLst/>
+                <a:latin typeface="Consolas" panose="020B0609020204030204" pitchFamily="49" charset="0"/>
+              </a:rPr>
+              <a:t>.</a:t>
+            </a:r>
+            <a:r>
+              <a:rPr lang="en-US" b="0" dirty="0" err="1">
+                <a:solidFill>
+                  <a:srgbClr val="001080"/>
+                </a:solidFill>
+                <a:effectLst/>
+                <a:latin typeface="Consolas" panose="020B0609020204030204" pitchFamily="49" charset="0"/>
+              </a:rPr>
+              <a:t>neededData</a:t>
+            </a:r>
+            <a:r>
+              <a:rPr lang="en-US" b="0" dirty="0">
+                <a:solidFill>
+                  <a:srgbClr val="000000"/>
+                </a:solidFill>
+                <a:effectLst/>
+                <a:latin typeface="Consolas" panose="020B0609020204030204" pitchFamily="49" charset="0"/>
+              </a:rPr>
+              <a:t>)</a:t>
+            </a:r>
+          </a:p>
+          <a:p>
+            <a:r>
+              <a:rPr lang="en-US" b="0" dirty="0">
+                <a:solidFill>
+                  <a:srgbClr val="000000"/>
+                </a:solidFill>
+                <a:effectLst/>
+                <a:latin typeface="Consolas" panose="020B0609020204030204" pitchFamily="49" charset="0"/>
+              </a:rPr>
+              <a:t>    }</a:t>
+            </a:r>
+          </a:p>
+          <a:p>
+            <a:r>
+              <a:rPr lang="en-US" b="0" dirty="0">
+                <a:solidFill>
+                  <a:srgbClr val="000000"/>
+                </a:solidFill>
+                <a:effectLst/>
+                <a:latin typeface="Consolas" panose="020B0609020204030204" pitchFamily="49" charset="0"/>
+              </a:rPr>
+              <a:t>}</a:t>
+            </a:r>
+          </a:p>
+          <a:p>
+            <a:br>
+              <a:rPr lang="en-US" b="0" dirty="0">
+                <a:solidFill>
+                  <a:srgbClr val="000000"/>
+                </a:solidFill>
+                <a:effectLst/>
+                <a:latin typeface="Consolas" panose="020B0609020204030204" pitchFamily="49" charset="0"/>
+              </a:rPr>
+            </a:br>
+            <a:endParaRPr lang="en-US" b="0" dirty="0">
+              <a:solidFill>
+                <a:srgbClr val="000000"/>
+              </a:solidFill>
+              <a:effectLst/>
+              <a:latin typeface="Consolas" panose="020B0609020204030204" pitchFamily="49" charset="0"/>
+            </a:endParaRPr>
+          </a:p>
+        </p:txBody>
+      </p:sp>
+      <p:sp>
+        <p:nvSpPr>
+          <p:cNvPr id="12" name="Content Placeholder 2">
+            <a:extLst>
+              <a:ext uri="{FF2B5EF4-FFF2-40B4-BE49-F238E27FC236}">
+                <a16:creationId xmlns:a16="http://schemas.microsoft.com/office/drawing/2014/main" id="{C4A3972E-C840-4DF2-AA07-77F98751133B}"/>
+              </a:ext>
+            </a:extLst>
+          </p:cNvPr>
+          <p:cNvSpPr txBox="1">
+            <a:spLocks/>
+          </p:cNvSpPr>
+          <p:nvPr/>
+        </p:nvSpPr>
+        <p:spPr>
+          <a:xfrm>
+            <a:off x="7292017" y="1665287"/>
+            <a:ext cx="3094366" cy="4351338"/>
+          </a:xfrm>
+          <a:prstGeom prst="rect">
+            <a:avLst/>
+          </a:prstGeom>
+        </p:spPr>
+        <p:txBody>
+          <a:bodyPr>
+            <a:normAutofit/>
+          </a:bodyPr>
+          <a:lstStyle>
+            <a:lvl1pPr marL="228600" indent="-228600" algn="l" defTabSz="914400" rtl="0" eaLnBrk="1" latinLnBrk="0" hangingPunct="1">
+              <a:lnSpc>
+                <a:spcPct val="90000"/>
+              </a:lnSpc>
+              <a:spcBef>
+                <a:spcPts val="1000"/>
+              </a:spcBef>
+              <a:buFont typeface="Arial" panose="020B0604020202020204" pitchFamily="34" charset="0"/>
+              <a:buChar char="•"/>
+              <a:defRPr sz="2800" kern="1200">
+                <a:solidFill>
+                  <a:schemeClr val="tx1"/>
+                </a:solidFill>
+                <a:latin typeface="+mn-lt"/>
+                <a:ea typeface="+mn-ea"/>
+                <a:cs typeface="+mn-cs"/>
+              </a:defRPr>
+            </a:lvl1pPr>
+            <a:lvl2pPr marL="685800" indent="-228600" algn="l" defTabSz="914400" rtl="0" eaLnBrk="1" latinLnBrk="0" hangingPunct="1">
+              <a:lnSpc>
+                <a:spcPct val="90000"/>
+              </a:lnSpc>
+              <a:spcBef>
+                <a:spcPts val="500"/>
+              </a:spcBef>
+              <a:buFont typeface="Arial" panose="020B0604020202020204" pitchFamily="34" charset="0"/>
+              <a:buChar char="•"/>
+              <a:defRPr sz="2400" kern="1200">
+                <a:solidFill>
+                  <a:schemeClr val="tx1"/>
+                </a:solidFill>
+                <a:latin typeface="+mn-lt"/>
+                <a:ea typeface="+mn-ea"/>
+                <a:cs typeface="+mn-cs"/>
+              </a:defRPr>
+            </a:lvl2pPr>
+            <a:lvl3pPr marL="1143000" indent="-228600" algn="l" defTabSz="914400" rtl="0" eaLnBrk="1" latinLnBrk="0" hangingPunct="1">
+              <a:lnSpc>
+                <a:spcPct val="90000"/>
+              </a:lnSpc>
+              <a:spcBef>
+                <a:spcPts val="500"/>
+              </a:spcBef>
+              <a:buFont typeface="Arial" panose="020B0604020202020204" pitchFamily="34" charset="0"/>
+              <a:buChar char="•"/>
+              <a:defRPr sz="2000" kern="1200">
+                <a:solidFill>
+                  <a:schemeClr val="tx1"/>
+                </a:solidFill>
+                <a:latin typeface="+mn-lt"/>
+                <a:ea typeface="+mn-ea"/>
+                <a:cs typeface="+mn-cs"/>
+              </a:defRPr>
+            </a:lvl3pPr>
+            <a:lvl4pPr marL="1600200" indent="-228600" algn="l" defTabSz="914400" rtl="0" eaLnBrk="1" latinLnBrk="0" hangingPunct="1">
+              <a:lnSpc>
+                <a:spcPct val="90000"/>
+              </a:lnSpc>
+              <a:spcBef>
+                <a:spcPts val="500"/>
+              </a:spcBef>
+              <a:buFont typeface="Arial" panose="020B0604020202020204" pitchFamily="34" charset="0"/>
+              <a:buChar char="•"/>
+              <a:defRPr sz="1800" kern="1200">
+                <a:solidFill>
+                  <a:schemeClr val="tx1"/>
+                </a:solidFill>
+                <a:latin typeface="+mn-lt"/>
+                <a:ea typeface="+mn-ea"/>
+                <a:cs typeface="+mn-cs"/>
+              </a:defRPr>
+            </a:lvl4pPr>
+            <a:lvl5pPr marL="2057400" indent="-228600" algn="l" defTabSz="914400" rtl="0" eaLnBrk="1" latinLnBrk="0" hangingPunct="1">
+              <a:lnSpc>
+                <a:spcPct val="90000"/>
+              </a:lnSpc>
+              <a:spcBef>
+                <a:spcPts val="500"/>
+              </a:spcBef>
+              <a:buFont typeface="Arial" panose="020B0604020202020204" pitchFamily="34" charset="0"/>
+              <a:buChar char="•"/>
+              <a:defRPr sz="1800" kern="1200">
+                <a:solidFill>
+                  <a:schemeClr val="tx1"/>
+                </a:solidFill>
+                <a:latin typeface="+mn-lt"/>
+                <a:ea typeface="+mn-ea"/>
+                <a:cs typeface="+mn-cs"/>
+              </a:defRPr>
+            </a:lvl5pPr>
+            <a:lvl6pPr marL="2514600" indent="-228600" algn="l" defTabSz="914400" rtl="0" eaLnBrk="1" latinLnBrk="0" hangingPunct="1">
+              <a:lnSpc>
+                <a:spcPct val="90000"/>
+              </a:lnSpc>
+              <a:spcBef>
+                <a:spcPts val="500"/>
+              </a:spcBef>
+              <a:buFont typeface="Arial" panose="020B0604020202020204" pitchFamily="34" charset="0"/>
+              <a:buChar char="•"/>
+              <a:defRPr sz="1800" kern="1200">
+                <a:solidFill>
+                  <a:schemeClr val="tx1"/>
+                </a:solidFill>
+                <a:latin typeface="+mn-lt"/>
+                <a:ea typeface="+mn-ea"/>
+                <a:cs typeface="+mn-cs"/>
+              </a:defRPr>
+            </a:lvl6pPr>
+            <a:lvl7pPr marL="2971800" indent="-228600" algn="l" defTabSz="914400" rtl="0" eaLnBrk="1" latinLnBrk="0" hangingPunct="1">
+              <a:lnSpc>
+                <a:spcPct val="90000"/>
+              </a:lnSpc>
+              <a:spcBef>
+                <a:spcPts val="500"/>
+              </a:spcBef>
+              <a:buFont typeface="Arial" panose="020B0604020202020204" pitchFamily="34" charset="0"/>
+              <a:buChar char="•"/>
+              <a:defRPr sz="1800" kern="1200">
+                <a:solidFill>
+                  <a:schemeClr val="tx1"/>
+                </a:solidFill>
+                <a:latin typeface="+mn-lt"/>
+                <a:ea typeface="+mn-ea"/>
+                <a:cs typeface="+mn-cs"/>
+              </a:defRPr>
+            </a:lvl7pPr>
+            <a:lvl8pPr marL="3429000" indent="-228600" algn="l" defTabSz="914400" rtl="0" eaLnBrk="1" latinLnBrk="0" hangingPunct="1">
+              <a:lnSpc>
+                <a:spcPct val="90000"/>
+              </a:lnSpc>
+              <a:spcBef>
+                <a:spcPts val="500"/>
+              </a:spcBef>
+              <a:buFont typeface="Arial" panose="020B0604020202020204" pitchFamily="34" charset="0"/>
+              <a:buChar char="•"/>
+              <a:defRPr sz="1800" kern="1200">
+                <a:solidFill>
+                  <a:schemeClr val="tx1"/>
+                </a:solidFill>
+                <a:latin typeface="+mn-lt"/>
+                <a:ea typeface="+mn-ea"/>
+                <a:cs typeface="+mn-cs"/>
+              </a:defRPr>
+            </a:lvl8pPr>
+            <a:lvl9pPr marL="3886200" indent="-228600" algn="l" defTabSz="914400" rtl="0" eaLnBrk="1" latinLnBrk="0" hangingPunct="1">
+              <a:lnSpc>
+                <a:spcPct val="90000"/>
+              </a:lnSpc>
+              <a:spcBef>
+                <a:spcPts val="500"/>
+              </a:spcBef>
+              <a:buFont typeface="Arial" panose="020B0604020202020204" pitchFamily="34" charset="0"/>
+              <a:buChar char="•"/>
+              <a:defRPr sz="1800" kern="1200">
+                <a:solidFill>
+                  <a:schemeClr val="tx1"/>
+                </a:solidFill>
+                <a:latin typeface="+mn-lt"/>
+                <a:ea typeface="+mn-ea"/>
+                <a:cs typeface="+mn-cs"/>
+              </a:defRPr>
+            </a:lvl9pPr>
+          </a:lstStyle>
+          <a:p>
+            <a:r>
+              <a:rPr lang="en-US" dirty="0"/>
+              <a:t>The consumer knows about the producer</a:t>
+            </a:r>
+          </a:p>
+          <a:p>
+            <a:r>
+              <a:rPr lang="en-US" dirty="0"/>
+              <a:t>The producer has a method that the consumer can call</a:t>
+            </a:r>
+          </a:p>
+          <a:p>
+            <a:r>
+              <a:rPr lang="en-US" dirty="0"/>
+              <a:t>The consumer asks the producer for the data</a:t>
+            </a:r>
+          </a:p>
+        </p:txBody>
+      </p:sp>
+    </p:spTree>
+    <p:extLst>
+      <p:ext uri="{BB962C8B-B14F-4D97-AF65-F5344CB8AC3E}">
+        <p14:creationId xmlns:p14="http://schemas.microsoft.com/office/powerpoint/2010/main" val="800228832"/>
+      </p:ext>
+    </p:extLst>
+  </p:cSld>
+  <p:clrMapOvr>
+    <a:masterClrMapping/>
+  </p:clrMapOvr>
+</p:sld>
+</file>
+
+<file path=ppt/slides/slide11.xml><?xml version="1.0" encoding="utf-8"?>
+<p:sld xmlns:a="http://schemas.openxmlformats.org/drawingml/2006/main" xmlns:r="http://schemas.openxmlformats.org/officeDocument/2006/relationships" xmlns:p="http://schemas.openxmlformats.org/presentationml/2006/main">
+  <p:cSld>
+    <p:spTree>
+      <p:nvGrpSpPr>
+        <p:cNvPr id="1" name=""/>
+        <p:cNvGrpSpPr/>
+        <p:nvPr/>
+      </p:nvGrpSpPr>
+      <p:grpSpPr>
+        <a:xfrm>
+          <a:off x="0" y="0"/>
+          <a:ext cx="0" cy="0"/>
+          <a:chOff x="0" y="0"/>
+          <a:chExt cx="0" cy="0"/>
+        </a:xfrm>
+      </p:grpSpPr>
+      <p:sp>
+        <p:nvSpPr>
+          <p:cNvPr id="2" name="Title 1">
+            <a:extLst>
+              <a:ext uri="{FF2B5EF4-FFF2-40B4-BE49-F238E27FC236}">
+                <a16:creationId xmlns:a16="http://schemas.microsoft.com/office/drawing/2014/main" id="{9BA5B06C-6C50-4733-A873-0B9C4F6503DA}"/>
+              </a:ext>
+            </a:extLst>
+          </p:cNvPr>
+          <p:cNvSpPr>
+            <a:spLocks noGrp="1"/>
+          </p:cNvSpPr>
+          <p:nvPr>
+            <p:ph type="title"/>
+          </p:nvPr>
+        </p:nvSpPr>
+        <p:spPr/>
+        <p:txBody>
+          <a:bodyPr>
+            <a:normAutofit/>
+          </a:bodyPr>
+          <a:lstStyle/>
+          <a:p>
+            <a:r>
+              <a:rPr lang="en-US" sz="3600" dirty="0"/>
+              <a:t>Pattern 2: producer tells consumer ("push")</a:t>
+            </a:r>
+          </a:p>
+        </p:txBody>
+      </p:sp>
+      <p:sp>
+        <p:nvSpPr>
+          <p:cNvPr id="4" name="Slide Number Placeholder 3">
+            <a:extLst>
+              <a:ext uri="{FF2B5EF4-FFF2-40B4-BE49-F238E27FC236}">
+                <a16:creationId xmlns:a16="http://schemas.microsoft.com/office/drawing/2014/main" id="{32C06DA0-5C59-4EB4-95CB-B4B9BAABFB29}"/>
+              </a:ext>
+            </a:extLst>
+          </p:cNvPr>
+          <p:cNvSpPr>
+            <a:spLocks noGrp="1"/>
+          </p:cNvSpPr>
+          <p:nvPr>
+            <p:ph type="sldNum" sz="quarter" idx="12"/>
+          </p:nvPr>
+        </p:nvSpPr>
+        <p:spPr/>
+        <p:txBody>
+          <a:bodyPr/>
+          <a:lstStyle/>
+          <a:p>
+            <a:fld id="{20F37917-FD3A-4669-9018-DA04BCDD3D75}" type="slidenum">
+              <a:rPr lang="en-US" smtClean="0"/>
+              <a:t>11</a:t>
             </a:fld>
             <a:endParaRPr lang="en-US"/>
           </a:p>
@@ -11532,7 +12688,7 @@
 </p:sld>
 </file>
 
-<file path=ppt/slides/slide11.xml><?xml version="1.0" encoding="utf-8"?>
+<file path=ppt/slides/slide12.xml><?xml version="1.0" encoding="utf-8"?>
 <p:sld xmlns:a="http://schemas.openxmlformats.org/drawingml/2006/main" xmlns:r="http://schemas.openxmlformats.org/officeDocument/2006/relationships" xmlns:p="http://schemas.openxmlformats.org/presentationml/2006/main">
   <p:cSld>
     <p:spTree>
@@ -11660,7 +12816,7 @@
           <a:p>
             <a:fld id="{20F37917-FD3A-4669-9018-DA04BCDD3D75}" type="slidenum">
               <a:rPr lang="en-US" smtClean="0"/>
-              <a:t>11</a:t>
+              <a:t>12</a:t>
             </a:fld>
             <a:endParaRPr lang="en-US"/>
           </a:p>
@@ -11679,7 +12835,7 @@
 </p:sld>
 </file>
 
-<file path=ppt/slides/slide12.xml><?xml version="1.0" encoding="utf-8"?>
+<file path=ppt/slides/slide13.xml><?xml version="1.0" encoding="utf-8"?>
 <p:sld xmlns:a="http://schemas.openxmlformats.org/drawingml/2006/main" xmlns:r="http://schemas.openxmlformats.org/officeDocument/2006/relationships" xmlns:p="http://schemas.openxmlformats.org/presentationml/2006/main">
   <p:cSld>
     <p:spTree>
@@ -12040,7 +13196,7 @@
           <a:p>
             <a:fld id="{20F37917-FD3A-4669-9018-DA04BCDD3D75}" type="slidenum">
               <a:rPr lang="en-US" smtClean="0"/>
-              <a:t>12</a:t>
+              <a:t>13</a:t>
             </a:fld>
             <a:endParaRPr lang="en-US"/>
           </a:p>
@@ -12059,7 +13215,7 @@
 </p:sld>
 </file>
 
-<file path=ppt/slides/slide13.xml><?xml version="1.0" encoding="utf-8"?>
+<file path=ppt/slides/slide14.xml><?xml version="1.0" encoding="utf-8"?>
 <p:sld xmlns:a="http://schemas.openxmlformats.org/drawingml/2006/main" xmlns:r="http://schemas.openxmlformats.org/officeDocument/2006/relationships" xmlns:p="http://schemas.openxmlformats.org/presentationml/2006/main">
   <p:cSld>
     <p:spTree>
@@ -12160,7 +13316,7 @@
           <a:p>
             <a:fld id="{20F37917-FD3A-4669-9018-DA04BCDD3D75}" type="slidenum">
               <a:rPr lang="en-US" smtClean="0"/>
-              <a:t>13</a:t>
+              <a:t>14</a:t>
             </a:fld>
             <a:endParaRPr lang="en-US"/>
           </a:p>
@@ -12587,7 +13743,7 @@
 </p:sld>
 </file>
 
-<file path=ppt/slides/slide14.xml><?xml version="1.0" encoding="utf-8"?>
+<file path=ppt/slides/slide15.xml><?xml version="1.0" encoding="utf-8"?>
 <p:sld xmlns:a="http://schemas.openxmlformats.org/drawingml/2006/main" xmlns:r="http://schemas.openxmlformats.org/officeDocument/2006/relationships" xmlns:p="http://schemas.openxmlformats.org/presentationml/2006/main">
   <p:cSld>
     <p:spTree>
@@ -12656,7 +13812,7 @@
           <a:p>
             <a:fld id="{20F37917-FD3A-4669-9018-DA04BCDD3D75}" type="slidenum">
               <a:rPr lang="en-US" smtClean="0"/>
-              <a:t>14</a:t>
+              <a:t>15</a:t>
             </a:fld>
             <a:endParaRPr lang="en-US"/>
           </a:p>
@@ -13994,7 +15150,7 @@
 </p:sld>
 </file>
 
-<file path=ppt/slides/slide15.xml><?xml version="1.0" encoding="utf-8"?>
+<file path=ppt/slides/slide16.xml><?xml version="1.0" encoding="utf-8"?>
 <p:sld xmlns:a="http://schemas.openxmlformats.org/drawingml/2006/main" xmlns:r="http://schemas.openxmlformats.org/officeDocument/2006/relationships" xmlns:p="http://schemas.openxmlformats.org/presentationml/2006/main">
   <p:cSld>
     <p:spTree>
@@ -14062,7 +15218,7 @@
           <a:p>
             <a:fld id="{20F37917-FD3A-4669-9018-DA04BCDD3D75}" type="slidenum">
               <a:rPr lang="en-US" smtClean="0"/>
-              <a:t>15</a:t>
+              <a:t>16</a:t>
             </a:fld>
             <a:endParaRPr lang="en-US" dirty="0"/>
           </a:p>
@@ -15380,7 +16536,7 @@
 </p:sld>
 </file>
 
-<file path=ppt/slides/slide16.xml><?xml version="1.0" encoding="utf-8"?>
+<file path=ppt/slides/slide17.xml><?xml version="1.0" encoding="utf-8"?>
 <p:sld xmlns:a="http://schemas.openxmlformats.org/drawingml/2006/main" xmlns:r="http://schemas.openxmlformats.org/officeDocument/2006/relationships" xmlns:p="http://schemas.openxmlformats.org/presentationml/2006/main">
   <p:cSld>
     <p:spTree>
@@ -15448,7 +16604,7 @@
           <a:p>
             <a:fld id="{20F37917-FD3A-4669-9018-DA04BCDD3D75}" type="slidenum">
               <a:rPr lang="en-US" smtClean="0"/>
-              <a:t>16</a:t>
+              <a:t>17</a:t>
             </a:fld>
             <a:endParaRPr lang="en-US"/>
           </a:p>
@@ -17332,7 +18488,7 @@
 </p:sld>
 </file>
 
-<file path=ppt/slides/slide17.xml><?xml version="1.0" encoding="utf-8"?>
+<file path=ppt/slides/slide18.xml><?xml version="1.0" encoding="utf-8"?>
 <p:sld xmlns:a="http://schemas.openxmlformats.org/drawingml/2006/main" xmlns:r="http://schemas.openxmlformats.org/officeDocument/2006/relationships" xmlns:p="http://schemas.openxmlformats.org/presentationml/2006/main">
   <p:cSld>
     <p:spTree>
@@ -17402,7 +18558,7 @@
           <a:p>
             <a:fld id="{20F37917-FD3A-4669-9018-DA04BCDD3D75}" type="slidenum">
               <a:rPr lang="en-US" smtClean="0"/>
-              <a:t>17</a:t>
+              <a:t>18</a:t>
             </a:fld>
             <a:endParaRPr lang="en-US"/>
           </a:p>
@@ -18495,7 +19651,7 @@
 </p:sld>
 </file>
 
-<file path=ppt/slides/slide18.xml><?xml version="1.0" encoding="utf-8"?>
+<file path=ppt/slides/slide19.xml><?xml version="1.0" encoding="utf-8"?>
 <p:sld xmlns:a="http://schemas.openxmlformats.org/drawingml/2006/main" xmlns:r="http://schemas.openxmlformats.org/officeDocument/2006/relationships" xmlns:p="http://schemas.openxmlformats.org/presentationml/2006/main">
   <p:cSld>
     <p:spTree>
@@ -18565,7 +19721,7 @@
           <a:p>
             <a:fld id="{20F37917-FD3A-4669-9018-DA04BCDD3D75}" type="slidenum">
               <a:rPr lang="en-US" smtClean="0"/>
-              <a:t>18</a:t>
+              <a:t>19</a:t>
             </a:fld>
             <a:endParaRPr lang="en-US"/>
           </a:p>
@@ -19153,7 +20309,157 @@
 </p:sld>
 </file>
 
-<file path=ppt/slides/slide19.xml><?xml version="1.0" encoding="utf-8"?>
+<file path=ppt/slides/slide2.xml><?xml version="1.0" encoding="utf-8"?>
+<p:sld xmlns:a="http://schemas.openxmlformats.org/drawingml/2006/main" xmlns:r="http://schemas.openxmlformats.org/officeDocument/2006/relationships" xmlns:p="http://schemas.openxmlformats.org/presentationml/2006/main">
+  <p:cSld>
+    <p:spTree>
+      <p:nvGrpSpPr>
+        <p:cNvPr id="1" name=""/>
+        <p:cNvGrpSpPr/>
+        <p:nvPr/>
+      </p:nvGrpSpPr>
+      <p:grpSpPr>
+        <a:xfrm>
+          <a:off x="0" y="0"/>
+          <a:ext cx="0" cy="0"/>
+          <a:chOff x="0" y="0"/>
+          <a:chExt cx="0" cy="0"/>
+        </a:xfrm>
+      </p:grpSpPr>
+      <p:sp>
+        <p:nvSpPr>
+          <p:cNvPr id="2" name="Title 1">
+            <a:extLst>
+              <a:ext uri="{FF2B5EF4-FFF2-40B4-BE49-F238E27FC236}">
+                <a16:creationId xmlns:a16="http://schemas.microsoft.com/office/drawing/2014/main" id="{E743D407-5B53-49A7-9907-E801EA7FFD8E}"/>
+              </a:ext>
+            </a:extLst>
+          </p:cNvPr>
+          <p:cNvSpPr>
+            <a:spLocks noGrp="1"/>
+          </p:cNvSpPr>
+          <p:nvPr>
+            <p:ph type="title"/>
+          </p:nvPr>
+        </p:nvSpPr>
+        <p:spPr/>
+        <p:txBody>
+          <a:bodyPr/>
+          <a:lstStyle/>
+          <a:p>
+            <a:r>
+              <a:rPr lang="en-US" dirty="0"/>
+              <a:t>Learning Goals for this Lesson</a:t>
+            </a:r>
+          </a:p>
+        </p:txBody>
+      </p:sp>
+      <p:sp>
+        <p:nvSpPr>
+          <p:cNvPr id="3" name="Content Placeholder 2">
+            <a:extLst>
+              <a:ext uri="{FF2B5EF4-FFF2-40B4-BE49-F238E27FC236}">
+                <a16:creationId xmlns:a16="http://schemas.microsoft.com/office/drawing/2014/main" id="{AC300E2B-BFD0-4090-AFC5-FE82683F997F}"/>
+              </a:ext>
+            </a:extLst>
+          </p:cNvPr>
+          <p:cNvSpPr>
+            <a:spLocks noGrp="1"/>
+          </p:cNvSpPr>
+          <p:nvPr>
+            <p:ph idx="1"/>
+          </p:nvPr>
+        </p:nvSpPr>
+        <p:spPr/>
+        <p:txBody>
+          <a:bodyPr/>
+          <a:lstStyle/>
+          <a:p>
+            <a:r>
+              <a:rPr lang="en-US" dirty="0"/>
+              <a:t>By the end of this lesson, you should be able to</a:t>
+            </a:r>
+          </a:p>
+          <a:p>
+            <a:pPr lvl="1"/>
+            <a:r>
+              <a:rPr lang="en-US" dirty="0">
+                <a:solidFill>
+                  <a:srgbClr val="24292F"/>
+                </a:solidFill>
+              </a:rPr>
+              <a:t>Explain how </a:t>
+            </a:r>
+            <a:r>
+              <a:rPr lang="en-US" b="0" i="0" dirty="0">
+                <a:solidFill>
+                  <a:srgbClr val="24292F"/>
+                </a:solidFill>
+                <a:effectLst/>
+              </a:rPr>
+              <a:t>patterns capture common solutions and tradeoffs for recurring problems.</a:t>
+            </a:r>
+            <a:endParaRPr lang="en-US" dirty="0"/>
+          </a:p>
+          <a:p>
+            <a:pPr lvl="1"/>
+            <a:r>
+              <a:rPr lang="en-US" dirty="0"/>
+              <a:t>Give 4 examples of interaction patterns and describe their distinguishing characteristics</a:t>
+            </a:r>
+          </a:p>
+          <a:p>
+            <a:pPr lvl="1"/>
+            <a:r>
+              <a:rPr lang="en-US" dirty="0"/>
+              <a:t>Draw a picture or give an example to illustrate each one</a:t>
+            </a:r>
+          </a:p>
+        </p:txBody>
+      </p:sp>
+      <p:sp>
+        <p:nvSpPr>
+          <p:cNvPr id="4" name="Slide Number Placeholder 3">
+            <a:extLst>
+              <a:ext uri="{FF2B5EF4-FFF2-40B4-BE49-F238E27FC236}">
+                <a16:creationId xmlns:a16="http://schemas.microsoft.com/office/drawing/2014/main" id="{B7BF3F82-6F96-41E0-9C15-23CE00076176}"/>
+              </a:ext>
+            </a:extLst>
+          </p:cNvPr>
+          <p:cNvSpPr>
+            <a:spLocks noGrp="1"/>
+          </p:cNvSpPr>
+          <p:nvPr>
+            <p:ph type="sldNum" sz="quarter" idx="12"/>
+          </p:nvPr>
+        </p:nvSpPr>
+        <p:spPr/>
+        <p:txBody>
+          <a:bodyPr/>
+          <a:lstStyle/>
+          <a:p>
+            <a:fld id="{20F37917-FD3A-4669-9018-DA04BCDD3D75}" type="slidenum">
+              <a:rPr lang="en-US" smtClean="0"/>
+              <a:t>2</a:t>
+            </a:fld>
+            <a:endParaRPr lang="en-US"/>
+          </a:p>
+        </p:txBody>
+      </p:sp>
+    </p:spTree>
+    <p:extLst>
+      <p:ext uri="{BB962C8B-B14F-4D97-AF65-F5344CB8AC3E}">
+        <p14:creationId xmlns:p14="http://schemas.microsoft.com/office/powerpoint/2010/main" val="3158287491"/>
+      </p:ext>
+    </p:extLst>
+  </p:cSld>
+  <p:clrMapOvr>
+    <a:masterClrMapping/>
+  </p:clrMapOvr>
+</p:sld>
+</file>
+
+<file path=ppt/slides/slide20.xml><?xml version="1.0" encoding="utf-8"?>
 <p:sld xmlns:a="http://schemas.openxmlformats.org/drawingml/2006/main" xmlns:r="http://schemas.openxmlformats.org/officeDocument/2006/relationships" xmlns:p="http://schemas.openxmlformats.org/presentationml/2006/main">
   <p:cSld>
     <p:spTree>
@@ -19221,7 +20527,7 @@
           <a:p>
             <a:fld id="{20F37917-FD3A-4669-9018-DA04BCDD3D75}" type="slidenum">
               <a:rPr lang="en-US" smtClean="0"/>
-              <a:t>19</a:t>
+              <a:t>20</a:t>
             </a:fld>
             <a:endParaRPr lang="en-US"/>
           </a:p>
@@ -19541,157 +20847,7 @@
 </p:sld>
 </file>
 
-<file path=ppt/slides/slide2.xml><?xml version="1.0" encoding="utf-8"?>
-<p:sld xmlns:a="http://schemas.openxmlformats.org/drawingml/2006/main" xmlns:r="http://schemas.openxmlformats.org/officeDocument/2006/relationships" xmlns:p="http://schemas.openxmlformats.org/presentationml/2006/main">
-  <p:cSld>
-    <p:spTree>
-      <p:nvGrpSpPr>
-        <p:cNvPr id="1" name=""/>
-        <p:cNvGrpSpPr/>
-        <p:nvPr/>
-      </p:nvGrpSpPr>
-      <p:grpSpPr>
-        <a:xfrm>
-          <a:off x="0" y="0"/>
-          <a:ext cx="0" cy="0"/>
-          <a:chOff x="0" y="0"/>
-          <a:chExt cx="0" cy="0"/>
-        </a:xfrm>
-      </p:grpSpPr>
-      <p:sp>
-        <p:nvSpPr>
-          <p:cNvPr id="2" name="Title 1">
-            <a:extLst>
-              <a:ext uri="{FF2B5EF4-FFF2-40B4-BE49-F238E27FC236}">
-                <a16:creationId xmlns:a16="http://schemas.microsoft.com/office/drawing/2014/main" id="{E743D407-5B53-49A7-9907-E801EA7FFD8E}"/>
-              </a:ext>
-            </a:extLst>
-          </p:cNvPr>
-          <p:cNvSpPr>
-            <a:spLocks noGrp="1"/>
-          </p:cNvSpPr>
-          <p:nvPr>
-            <p:ph type="title"/>
-          </p:nvPr>
-        </p:nvSpPr>
-        <p:spPr/>
-        <p:txBody>
-          <a:bodyPr/>
-          <a:lstStyle/>
-          <a:p>
-            <a:r>
-              <a:rPr lang="en-US" dirty="0"/>
-              <a:t>Learning Goals for this Lesson</a:t>
-            </a:r>
-          </a:p>
-        </p:txBody>
-      </p:sp>
-      <p:sp>
-        <p:nvSpPr>
-          <p:cNvPr id="3" name="Content Placeholder 2">
-            <a:extLst>
-              <a:ext uri="{FF2B5EF4-FFF2-40B4-BE49-F238E27FC236}">
-                <a16:creationId xmlns:a16="http://schemas.microsoft.com/office/drawing/2014/main" id="{AC300E2B-BFD0-4090-AFC5-FE82683F997F}"/>
-              </a:ext>
-            </a:extLst>
-          </p:cNvPr>
-          <p:cNvSpPr>
-            <a:spLocks noGrp="1"/>
-          </p:cNvSpPr>
-          <p:nvPr>
-            <p:ph idx="1"/>
-          </p:nvPr>
-        </p:nvSpPr>
-        <p:spPr/>
-        <p:txBody>
-          <a:bodyPr/>
-          <a:lstStyle/>
-          <a:p>
-            <a:r>
-              <a:rPr lang="en-US" dirty="0"/>
-              <a:t>By the end of this lesson, you should be able to</a:t>
-            </a:r>
-          </a:p>
-          <a:p>
-            <a:pPr lvl="1"/>
-            <a:r>
-              <a:rPr lang="en-US" dirty="0">
-                <a:solidFill>
-                  <a:srgbClr val="24292F"/>
-                </a:solidFill>
-              </a:rPr>
-              <a:t>Explain how </a:t>
-            </a:r>
-            <a:r>
-              <a:rPr lang="en-US" b="0" i="0" dirty="0">
-                <a:solidFill>
-                  <a:srgbClr val="24292F"/>
-                </a:solidFill>
-                <a:effectLst/>
-              </a:rPr>
-              <a:t>patterns capture common solutions and tradeoffs for recurring problems.</a:t>
-            </a:r>
-            <a:endParaRPr lang="en-US" dirty="0"/>
-          </a:p>
-          <a:p>
-            <a:pPr lvl="1"/>
-            <a:r>
-              <a:rPr lang="en-US" dirty="0"/>
-              <a:t>Give 4 examples of interaction patterns and describe their distinguishing characteristics</a:t>
-            </a:r>
-          </a:p>
-          <a:p>
-            <a:pPr lvl="1"/>
-            <a:r>
-              <a:rPr lang="en-US" dirty="0"/>
-              <a:t>Draw a picture or give an example to illustrate each one</a:t>
-            </a:r>
-          </a:p>
-        </p:txBody>
-      </p:sp>
-      <p:sp>
-        <p:nvSpPr>
-          <p:cNvPr id="4" name="Slide Number Placeholder 3">
-            <a:extLst>
-              <a:ext uri="{FF2B5EF4-FFF2-40B4-BE49-F238E27FC236}">
-                <a16:creationId xmlns:a16="http://schemas.microsoft.com/office/drawing/2014/main" id="{B7BF3F82-6F96-41E0-9C15-23CE00076176}"/>
-              </a:ext>
-            </a:extLst>
-          </p:cNvPr>
-          <p:cNvSpPr>
-            <a:spLocks noGrp="1"/>
-          </p:cNvSpPr>
-          <p:nvPr>
-            <p:ph type="sldNum" sz="quarter" idx="12"/>
-          </p:nvPr>
-        </p:nvSpPr>
-        <p:spPr/>
-        <p:txBody>
-          <a:bodyPr/>
-          <a:lstStyle/>
-          <a:p>
-            <a:fld id="{20F37917-FD3A-4669-9018-DA04BCDD3D75}" type="slidenum">
-              <a:rPr lang="en-US" smtClean="0"/>
-              <a:t>2</a:t>
-            </a:fld>
-            <a:endParaRPr lang="en-US"/>
-          </a:p>
-        </p:txBody>
-      </p:sp>
-    </p:spTree>
-    <p:extLst>
-      <p:ext uri="{BB962C8B-B14F-4D97-AF65-F5344CB8AC3E}">
-        <p14:creationId xmlns:p14="http://schemas.microsoft.com/office/powerpoint/2010/main" val="3158287491"/>
-      </p:ext>
-    </p:extLst>
-  </p:cSld>
-  <p:clrMapOvr>
-    <a:masterClrMapping/>
-  </p:clrMapOvr>
-</p:sld>
-</file>
-
-<file path=ppt/slides/slide20.xml><?xml version="1.0" encoding="utf-8"?>
+<file path=ppt/slides/slide21.xml><?xml version="1.0" encoding="utf-8"?>
 <p:sld xmlns:a="http://schemas.openxmlformats.org/drawingml/2006/main" xmlns:r="http://schemas.openxmlformats.org/officeDocument/2006/relationships" xmlns:p="http://schemas.openxmlformats.org/presentationml/2006/main">
   <p:cSld>
     <p:spTree>
@@ -19759,7 +20915,7 @@
           <a:p>
             <a:fld id="{20F37917-FD3A-4669-9018-DA04BCDD3D75}" type="slidenum">
               <a:rPr lang="en-US" smtClean="0"/>
-              <a:t>20</a:t>
+              <a:t>21</a:t>
             </a:fld>
             <a:endParaRPr lang="en-US"/>
           </a:p>
@@ -21063,7 +22219,7 @@
 </p:sld>
 </file>
 
-<file path=ppt/slides/slide21.xml><?xml version="1.0" encoding="utf-8"?>
+<file path=ppt/slides/slide22.xml><?xml version="1.0" encoding="utf-8"?>
 <p:sld xmlns:a="http://schemas.openxmlformats.org/drawingml/2006/main" xmlns:r="http://schemas.openxmlformats.org/officeDocument/2006/relationships" xmlns:p="http://schemas.openxmlformats.org/presentationml/2006/main">
   <p:cSld>
     <p:spTree>
@@ -21182,7 +22338,7 @@
           <a:p>
             <a:fld id="{20F37917-FD3A-4669-9018-DA04BCDD3D75}" type="slidenum">
               <a:rPr lang="en-US" smtClean="0"/>
-              <a:t>21</a:t>
+              <a:t>22</a:t>
             </a:fld>
             <a:endParaRPr lang="en-US"/>
           </a:p>
@@ -21385,7 +22541,7 @@
 </p:sld>
 </file>
 
-<file path=ppt/slides/slide22.xml><?xml version="1.0" encoding="utf-8"?>
+<file path=ppt/slides/slide23.xml><?xml version="1.0" encoding="utf-8"?>
 <p:sld xmlns:a="http://schemas.openxmlformats.org/drawingml/2006/main" xmlns:r="http://schemas.openxmlformats.org/officeDocument/2006/relationships" xmlns:p="http://schemas.openxmlformats.org/presentationml/2006/main">
   <p:cSld>
     <p:spTree>
@@ -21523,7 +22679,7 @@
           <a:p>
             <a:fld id="{20F37917-FD3A-4669-9018-DA04BCDD3D75}" type="slidenum">
               <a:rPr lang="en-US" smtClean="0"/>
-              <a:t>22</a:t>
+              <a:t>23</a:t>
             </a:fld>
             <a:endParaRPr lang="en-US"/>
           </a:p>
@@ -21542,7 +22698,7 @@
 </p:sld>
 </file>
 
-<file path=ppt/slides/slide23.xml><?xml version="1.0" encoding="utf-8"?>
+<file path=ppt/slides/slide24.xml><?xml version="1.0" encoding="utf-8"?>
 <p:sld xmlns:a="http://schemas.openxmlformats.org/drawingml/2006/main" xmlns:r="http://schemas.openxmlformats.org/officeDocument/2006/relationships" xmlns:p="http://schemas.openxmlformats.org/presentationml/2006/main">
   <p:cSld>
     <p:spTree>
@@ -21672,7 +22828,7 @@
           <a:p>
             <a:fld id="{20F37917-FD3A-4669-9018-DA04BCDD3D75}" type="slidenum">
               <a:rPr lang="en-US" smtClean="0"/>
-              <a:t>23</a:t>
+              <a:t>24</a:t>
             </a:fld>
             <a:endParaRPr lang="en-US"/>
           </a:p>
@@ -21958,7 +23114,7 @@
 </p:sld>
 </file>
 
-<file path=ppt/slides/slide24.xml><?xml version="1.0" encoding="utf-8"?>
+<file path=ppt/slides/slide25.xml><?xml version="1.0" encoding="utf-8"?>
 <p:sld xmlns:a="http://schemas.openxmlformats.org/drawingml/2006/main" xmlns:r="http://schemas.openxmlformats.org/officeDocument/2006/relationships" xmlns:p="http://schemas.openxmlformats.org/presentationml/2006/main">
   <p:cSld>
     <p:spTree>
@@ -22028,7 +23184,7 @@
           <a:p>
             <a:fld id="{20F37917-FD3A-4669-9018-DA04BCDD3D75}" type="slidenum">
               <a:rPr lang="en-US" smtClean="0"/>
-              <a:t>24</a:t>
+              <a:t>25</a:t>
             </a:fld>
             <a:endParaRPr lang="en-US"/>
           </a:p>
@@ -22616,7 +23772,7 @@
 </p:sld>
 </file>
 
-<file path=ppt/slides/slide25.xml><?xml version="1.0" encoding="utf-8"?>
+<file path=ppt/slides/slide26.xml><?xml version="1.0" encoding="utf-8"?>
 <p:sld xmlns:a="http://schemas.openxmlformats.org/drawingml/2006/main" xmlns:r="http://schemas.openxmlformats.org/officeDocument/2006/relationships" xmlns:p="http://schemas.openxmlformats.org/presentationml/2006/main">
   <p:cSld>
     <p:spTree>
@@ -22684,7 +23840,7 @@
           <a:p>
             <a:fld id="{20F37917-FD3A-4669-9018-DA04BCDD3D75}" type="slidenum">
               <a:rPr lang="en-US" smtClean="0"/>
-              <a:t>25</a:t>
+              <a:t>26</a:t>
             </a:fld>
             <a:endParaRPr lang="en-US"/>
           </a:p>
@@ -23222,7 +24378,7 @@
 </p:sld>
 </file>
 
-<file path=ppt/slides/slide26.xml><?xml version="1.0" encoding="utf-8"?>
+<file path=ppt/slides/slide27.xml><?xml version="1.0" encoding="utf-8"?>
 <p:sld xmlns:a="http://schemas.openxmlformats.org/drawingml/2006/main" xmlns:r="http://schemas.openxmlformats.org/officeDocument/2006/relationships" xmlns:p="http://schemas.openxmlformats.org/presentationml/2006/main">
   <p:cSld>
     <p:spTree>
@@ -23298,7 +24454,7 @@
           <a:p>
             <a:fld id="{20F37917-FD3A-4669-9018-DA04BCDD3D75}" type="slidenum">
               <a:rPr lang="en-US" smtClean="0"/>
-              <a:t>26</a:t>
+              <a:t>27</a:t>
             </a:fld>
             <a:endParaRPr lang="en-US"/>
           </a:p>
@@ -24475,7 +25631,7 @@
 </p:sld>
 </file>
 
-<file path=ppt/slides/slide27.xml><?xml version="1.0" encoding="utf-8"?>
+<file path=ppt/slides/slide28.xml><?xml version="1.0" encoding="utf-8"?>
 <p:sld xmlns:a="http://schemas.openxmlformats.org/drawingml/2006/main" xmlns:r="http://schemas.openxmlformats.org/officeDocument/2006/relationships" xmlns:p="http://schemas.openxmlformats.org/presentationml/2006/main">
   <p:cSld>
     <p:spTree>
@@ -24545,7 +25701,7 @@
           <a:p>
             <a:fld id="{20F37917-FD3A-4669-9018-DA04BCDD3D75}" type="slidenum">
               <a:rPr lang="en-US" smtClean="0"/>
-              <a:t>27</a:t>
+              <a:t>28</a:t>
             </a:fld>
             <a:endParaRPr lang="en-US"/>
           </a:p>
@@ -25299,7 +26455,7 @@
 </p:sld>
 </file>
 
-<file path=ppt/slides/slide28.xml><?xml version="1.0" encoding="utf-8"?>
+<file path=ppt/slides/slide29.xml><?xml version="1.0" encoding="utf-8"?>
 <p:sld xmlns:a="http://schemas.openxmlformats.org/drawingml/2006/main" xmlns:r="http://schemas.openxmlformats.org/officeDocument/2006/relationships" xmlns:p="http://schemas.openxmlformats.org/presentationml/2006/main">
   <p:cSld>
     <p:spTree>
@@ -25401,7 +26557,7 @@
           <a:p>
             <a:fld id="{20F37917-FD3A-4669-9018-DA04BCDD3D75}" type="slidenum">
               <a:rPr lang="en-US" smtClean="0"/>
-              <a:t>28</a:t>
+              <a:t>29</a:t>
             </a:fld>
             <a:endParaRPr lang="en-US"/>
           </a:p>
@@ -25420,7 +26576,163 @@
 </p:sld>
 </file>
 
-<file path=ppt/slides/slide29.xml><?xml version="1.0" encoding="utf-8"?>
+<file path=ppt/slides/slide3.xml><?xml version="1.0" encoding="utf-8"?>
+<p:sld xmlns:a="http://schemas.openxmlformats.org/drawingml/2006/main" xmlns:r="http://schemas.openxmlformats.org/officeDocument/2006/relationships" xmlns:p="http://schemas.openxmlformats.org/presentationml/2006/main">
+  <p:cSld>
+    <p:spTree>
+      <p:nvGrpSpPr>
+        <p:cNvPr id="1" name=""/>
+        <p:cNvGrpSpPr/>
+        <p:nvPr/>
+      </p:nvGrpSpPr>
+      <p:grpSpPr>
+        <a:xfrm>
+          <a:off x="0" y="0"/>
+          <a:ext cx="0" cy="0"/>
+          <a:chOff x="0" y="0"/>
+          <a:chExt cx="0" cy="0"/>
+        </a:xfrm>
+      </p:grpSpPr>
+      <p:sp>
+        <p:nvSpPr>
+          <p:cNvPr id="2" name="Title 1">
+            <a:extLst>
+              <a:ext uri="{FF2B5EF4-FFF2-40B4-BE49-F238E27FC236}">
+                <a16:creationId xmlns:a16="http://schemas.microsoft.com/office/drawing/2014/main" id="{182906D6-717F-C95E-C7BA-4A6611B09494}"/>
+              </a:ext>
+            </a:extLst>
+          </p:cNvPr>
+          <p:cNvSpPr>
+            <a:spLocks noGrp="1"/>
+          </p:cNvSpPr>
+          <p:nvPr>
+            <p:ph type="title"/>
+          </p:nvPr>
+        </p:nvSpPr>
+        <p:spPr/>
+        <p:txBody>
+          <a:bodyPr/>
+          <a:lstStyle/>
+          <a:p>
+            <a:r>
+              <a:rPr lang="en-US" dirty="0"/>
+              <a:t>What is a Pattern?</a:t>
+            </a:r>
+          </a:p>
+        </p:txBody>
+      </p:sp>
+      <p:sp>
+        <p:nvSpPr>
+          <p:cNvPr id="3" name="Content Placeholder 2">
+            <a:extLst>
+              <a:ext uri="{FF2B5EF4-FFF2-40B4-BE49-F238E27FC236}">
+                <a16:creationId xmlns:a16="http://schemas.microsoft.com/office/drawing/2014/main" id="{5D7C592F-1F68-3262-275C-DAAE284725A7}"/>
+              </a:ext>
+            </a:extLst>
+          </p:cNvPr>
+          <p:cNvSpPr>
+            <a:spLocks noGrp="1"/>
+          </p:cNvSpPr>
+          <p:nvPr>
+            <p:ph idx="1"/>
+          </p:nvPr>
+        </p:nvSpPr>
+        <p:spPr/>
+        <p:txBody>
+          <a:bodyPr/>
+          <a:lstStyle/>
+          <a:p>
+            <a:r>
+              <a:rPr lang="en-US" dirty="0"/>
+              <a:t>A pattern should contain </a:t>
+            </a:r>
+          </a:p>
+          <a:p>
+            <a:pPr lvl="1"/>
+            <a:r>
+              <a:rPr lang="en-US" dirty="0"/>
+              <a:t>A statement of the problem being solved</a:t>
+            </a:r>
+          </a:p>
+          <a:p>
+            <a:pPr lvl="1"/>
+            <a:r>
+              <a:rPr lang="en-US" dirty="0"/>
+              <a:t>A solution of the problem</a:t>
+            </a:r>
+          </a:p>
+          <a:p>
+            <a:pPr lvl="1"/>
+            <a:r>
+              <a:rPr lang="en-US" dirty="0"/>
+              <a:t>Alternative solutions</a:t>
+            </a:r>
+          </a:p>
+          <a:p>
+            <a:pPr lvl="1"/>
+            <a:r>
+              <a:rPr lang="en-US" dirty="0"/>
+              <a:t>A discussion of tradeoffs among the solutions.</a:t>
+            </a:r>
+          </a:p>
+          <a:p>
+            <a:r>
+              <a:rPr lang="en-US" dirty="0"/>
+              <a:t>For maximum usefulness, a pattern should have a name.</a:t>
+            </a:r>
+          </a:p>
+          <a:p>
+            <a:pPr lvl="1"/>
+            <a:r>
+              <a:rPr lang="en-US" dirty="0"/>
+              <a:t>So you can say “here I’m using pattern P” and people will know what you had in mind.</a:t>
+            </a:r>
+          </a:p>
+        </p:txBody>
+      </p:sp>
+      <p:sp>
+        <p:nvSpPr>
+          <p:cNvPr id="4" name="Slide Number Placeholder 3">
+            <a:extLst>
+              <a:ext uri="{FF2B5EF4-FFF2-40B4-BE49-F238E27FC236}">
+                <a16:creationId xmlns:a16="http://schemas.microsoft.com/office/drawing/2014/main" id="{88B116E2-E9F3-69DB-8F23-6FA68CDD1407}"/>
+              </a:ext>
+            </a:extLst>
+          </p:cNvPr>
+          <p:cNvSpPr>
+            <a:spLocks noGrp="1"/>
+          </p:cNvSpPr>
+          <p:nvPr>
+            <p:ph type="sldNum" sz="quarter" idx="12"/>
+          </p:nvPr>
+        </p:nvSpPr>
+        <p:spPr/>
+        <p:txBody>
+          <a:bodyPr/>
+          <a:lstStyle/>
+          <a:p>
+            <a:fld id="{20F37917-FD3A-4669-9018-DA04BCDD3D75}" type="slidenum">
+              <a:rPr lang="en-US" smtClean="0"/>
+              <a:t>3</a:t>
+            </a:fld>
+            <a:endParaRPr lang="en-US"/>
+          </a:p>
+        </p:txBody>
+      </p:sp>
+    </p:spTree>
+    <p:extLst>
+      <p:ext uri="{BB962C8B-B14F-4D97-AF65-F5344CB8AC3E}">
+        <p14:creationId xmlns:p14="http://schemas.microsoft.com/office/powerpoint/2010/main" val="2976171112"/>
+      </p:ext>
+    </p:extLst>
+  </p:cSld>
+  <p:clrMapOvr>
+    <a:masterClrMapping/>
+  </p:clrMapOvr>
+</p:sld>
+</file>
+
+<file path=ppt/slides/slide30.xml><?xml version="1.0" encoding="utf-8"?>
 <p:sld xmlns:a="http://schemas.openxmlformats.org/drawingml/2006/main" xmlns:r="http://schemas.openxmlformats.org/officeDocument/2006/relationships" xmlns:p="http://schemas.openxmlformats.org/presentationml/2006/main">
   <p:cSld>
     <p:spTree>
@@ -25490,7 +26802,7 @@
           <a:p>
             <a:fld id="{20F37917-FD3A-4669-9018-DA04BCDD3D75}" type="slidenum">
               <a:rPr lang="en-US" smtClean="0"/>
-              <a:t>29</a:t>
+              <a:t>30</a:t>
             </a:fld>
             <a:endParaRPr lang="en-US"/>
           </a:p>
@@ -27327,163 +28639,7 @@
 </p:sld>
 </file>
 
-<file path=ppt/slides/slide3.xml><?xml version="1.0" encoding="utf-8"?>
-<p:sld xmlns:a="http://schemas.openxmlformats.org/drawingml/2006/main" xmlns:r="http://schemas.openxmlformats.org/officeDocument/2006/relationships" xmlns:p="http://schemas.openxmlformats.org/presentationml/2006/main">
-  <p:cSld>
-    <p:spTree>
-      <p:nvGrpSpPr>
-        <p:cNvPr id="1" name=""/>
-        <p:cNvGrpSpPr/>
-        <p:nvPr/>
-      </p:nvGrpSpPr>
-      <p:grpSpPr>
-        <a:xfrm>
-          <a:off x="0" y="0"/>
-          <a:ext cx="0" cy="0"/>
-          <a:chOff x="0" y="0"/>
-          <a:chExt cx="0" cy="0"/>
-        </a:xfrm>
-      </p:grpSpPr>
-      <p:sp>
-        <p:nvSpPr>
-          <p:cNvPr id="2" name="Title 1">
-            <a:extLst>
-              <a:ext uri="{FF2B5EF4-FFF2-40B4-BE49-F238E27FC236}">
-                <a16:creationId xmlns:a16="http://schemas.microsoft.com/office/drawing/2014/main" id="{182906D6-717F-C95E-C7BA-4A6611B09494}"/>
-              </a:ext>
-            </a:extLst>
-          </p:cNvPr>
-          <p:cNvSpPr>
-            <a:spLocks noGrp="1"/>
-          </p:cNvSpPr>
-          <p:nvPr>
-            <p:ph type="title"/>
-          </p:nvPr>
-        </p:nvSpPr>
-        <p:spPr/>
-        <p:txBody>
-          <a:bodyPr/>
-          <a:lstStyle/>
-          <a:p>
-            <a:r>
-              <a:rPr lang="en-US" dirty="0"/>
-              <a:t>What is a Pattern?</a:t>
-            </a:r>
-          </a:p>
-        </p:txBody>
-      </p:sp>
-      <p:sp>
-        <p:nvSpPr>
-          <p:cNvPr id="3" name="Content Placeholder 2">
-            <a:extLst>
-              <a:ext uri="{FF2B5EF4-FFF2-40B4-BE49-F238E27FC236}">
-                <a16:creationId xmlns:a16="http://schemas.microsoft.com/office/drawing/2014/main" id="{5D7C592F-1F68-3262-275C-DAAE284725A7}"/>
-              </a:ext>
-            </a:extLst>
-          </p:cNvPr>
-          <p:cNvSpPr>
-            <a:spLocks noGrp="1"/>
-          </p:cNvSpPr>
-          <p:nvPr>
-            <p:ph idx="1"/>
-          </p:nvPr>
-        </p:nvSpPr>
-        <p:spPr/>
-        <p:txBody>
-          <a:bodyPr/>
-          <a:lstStyle/>
-          <a:p>
-            <a:r>
-              <a:rPr lang="en-US" dirty="0"/>
-              <a:t>A pattern should contain </a:t>
-            </a:r>
-          </a:p>
-          <a:p>
-            <a:pPr lvl="1"/>
-            <a:r>
-              <a:rPr lang="en-US" dirty="0"/>
-              <a:t>A statement of the problem being solved</a:t>
-            </a:r>
-          </a:p>
-          <a:p>
-            <a:pPr lvl="1"/>
-            <a:r>
-              <a:rPr lang="en-US" dirty="0"/>
-              <a:t>A solution of the problem</a:t>
-            </a:r>
-          </a:p>
-          <a:p>
-            <a:pPr lvl="1"/>
-            <a:r>
-              <a:rPr lang="en-US" dirty="0"/>
-              <a:t>Alternative solutions</a:t>
-            </a:r>
-          </a:p>
-          <a:p>
-            <a:pPr lvl="1"/>
-            <a:r>
-              <a:rPr lang="en-US" dirty="0"/>
-              <a:t>A discussion of tradeoffs among the solutions.</a:t>
-            </a:r>
-          </a:p>
-          <a:p>
-            <a:r>
-              <a:rPr lang="en-US" dirty="0"/>
-              <a:t>For maximum usefulness, a pattern should have a name.</a:t>
-            </a:r>
-          </a:p>
-          <a:p>
-            <a:pPr lvl="1"/>
-            <a:r>
-              <a:rPr lang="en-US" dirty="0"/>
-              <a:t>So you can say “here I’m using pattern P” and people will know what you had in mind.</a:t>
-            </a:r>
-          </a:p>
-        </p:txBody>
-      </p:sp>
-      <p:sp>
-        <p:nvSpPr>
-          <p:cNvPr id="4" name="Slide Number Placeholder 3">
-            <a:extLst>
-              <a:ext uri="{FF2B5EF4-FFF2-40B4-BE49-F238E27FC236}">
-                <a16:creationId xmlns:a16="http://schemas.microsoft.com/office/drawing/2014/main" id="{88B116E2-E9F3-69DB-8F23-6FA68CDD1407}"/>
-              </a:ext>
-            </a:extLst>
-          </p:cNvPr>
-          <p:cNvSpPr>
-            <a:spLocks noGrp="1"/>
-          </p:cNvSpPr>
-          <p:nvPr>
-            <p:ph type="sldNum" sz="quarter" idx="12"/>
-          </p:nvPr>
-        </p:nvSpPr>
-        <p:spPr/>
-        <p:txBody>
-          <a:bodyPr/>
-          <a:lstStyle/>
-          <a:p>
-            <a:fld id="{20F37917-FD3A-4669-9018-DA04BCDD3D75}" type="slidenum">
-              <a:rPr lang="en-US" smtClean="0"/>
-              <a:t>3</a:t>
-            </a:fld>
-            <a:endParaRPr lang="en-US"/>
-          </a:p>
-        </p:txBody>
-      </p:sp>
-    </p:spTree>
-    <p:extLst>
-      <p:ext uri="{BB962C8B-B14F-4D97-AF65-F5344CB8AC3E}">
-        <p14:creationId xmlns:p14="http://schemas.microsoft.com/office/powerpoint/2010/main" val="2976171112"/>
-      </p:ext>
-    </p:extLst>
-  </p:cSld>
-  <p:clrMapOvr>
-    <a:masterClrMapping/>
-  </p:clrMapOvr>
-</p:sld>
-</file>
-
-<file path=ppt/slides/slide30.xml><?xml version="1.0" encoding="utf-8"?>
+<file path=ppt/slides/slide31.xml><?xml version="1.0" encoding="utf-8"?>
 <p:sld xmlns:a="http://schemas.openxmlformats.org/drawingml/2006/main" xmlns:r="http://schemas.openxmlformats.org/officeDocument/2006/relationships" xmlns:p="http://schemas.openxmlformats.org/presentationml/2006/main">
   <p:cSld>
     <p:spTree>
@@ -27553,7 +28709,7 @@
           <a:p>
             <a:fld id="{20F37917-FD3A-4669-9018-DA04BCDD3D75}" type="slidenum">
               <a:rPr lang="en-US" smtClean="0"/>
-              <a:t>30</a:t>
+              <a:t>31</a:t>
             </a:fld>
             <a:endParaRPr lang="en-US"/>
           </a:p>
@@ -28458,7 +29614,7 @@
 </p:sld>
 </file>
 
-<file path=ppt/slides/slide31.xml><?xml version="1.0" encoding="utf-8"?>
+<file path=ppt/slides/slide32.xml><?xml version="1.0" encoding="utf-8"?>
 <p:sld xmlns:a="http://schemas.openxmlformats.org/drawingml/2006/main" xmlns:r="http://schemas.openxmlformats.org/officeDocument/2006/relationships" xmlns:p="http://schemas.openxmlformats.org/presentationml/2006/main">
   <p:cSld>
     <p:spTree>
@@ -28528,7 +29684,7 @@
           <a:p>
             <a:fld id="{20F37917-FD3A-4669-9018-DA04BCDD3D75}" type="slidenum">
               <a:rPr lang="en-US" smtClean="0"/>
-              <a:t>31</a:t>
+              <a:t>32</a:t>
             </a:fld>
             <a:endParaRPr lang="en-US"/>
           </a:p>
@@ -29336,7 +30492,7 @@
 </p:sld>
 </file>
 
-<file path=ppt/slides/slide32.xml><?xml version="1.0" encoding="utf-8"?>
+<file path=ppt/slides/slide33.xml><?xml version="1.0" encoding="utf-8"?>
 <p:sld xmlns:a="http://schemas.openxmlformats.org/drawingml/2006/main" xmlns:r="http://schemas.openxmlformats.org/officeDocument/2006/relationships" xmlns:p="http://schemas.openxmlformats.org/presentationml/2006/main">
   <p:cSld>
     <p:spTree>
@@ -29458,7 +30614,7 @@
           <a:p>
             <a:fld id="{20F37917-FD3A-4669-9018-DA04BCDD3D75}" type="slidenum">
               <a:rPr lang="en-US" smtClean="0"/>
-              <a:t>32</a:t>
+              <a:t>33</a:t>
             </a:fld>
             <a:endParaRPr lang="en-US"/>
           </a:p>
@@ -29477,7 +30633,7 @@
 </p:sld>
 </file>
 
-<file path=ppt/slides/slide33.xml><?xml version="1.0" encoding="utf-8"?>
+<file path=ppt/slides/slide34.xml><?xml version="1.0" encoding="utf-8"?>
 <p:sld xmlns:a="http://schemas.openxmlformats.org/drawingml/2006/main" xmlns:r="http://schemas.openxmlformats.org/officeDocument/2006/relationships" xmlns:p="http://schemas.openxmlformats.org/presentationml/2006/main">
   <p:cSld>
     <p:spTree>
@@ -29659,7 +30815,7 @@
           <a:p>
             <a:fld id="{20F37917-FD3A-4669-9018-DA04BCDD3D75}" type="slidenum">
               <a:rPr lang="en-US" smtClean="0"/>
-              <a:t>33</a:t>
+              <a:t>34</a:t>
             </a:fld>
             <a:endParaRPr lang="en-US"/>
           </a:p>
@@ -29678,7 +30834,7 @@
 </p:sld>
 </file>
 
-<file path=ppt/slides/slide34.xml><?xml version="1.0" encoding="utf-8"?>
+<file path=ppt/slides/slide35.xml><?xml version="1.0" encoding="utf-8"?>
 <p:sld xmlns:a="http://schemas.openxmlformats.org/drawingml/2006/main" xmlns:r="http://schemas.openxmlformats.org/officeDocument/2006/relationships" xmlns:p="http://schemas.openxmlformats.org/presentationml/2006/main">
   <p:cSld>
     <p:spTree>
@@ -29883,7 +31039,7 @@
           <a:p>
             <a:fld id="{20F37917-FD3A-4669-9018-DA04BCDD3D75}" type="slidenum">
               <a:rPr lang="en-US" smtClean="0"/>
-              <a:t>34</a:t>
+              <a:t>35</a:t>
             </a:fld>
             <a:endParaRPr lang="en-US"/>
           </a:p>
@@ -30709,7 +31865,7 @@
 </p:sld>
 </file>
 
-<file path=ppt/slides/slide35.xml><?xml version="1.0" encoding="utf-8"?>
+<file path=ppt/slides/slide36.xml><?xml version="1.0" encoding="utf-8"?>
 <p:sld xmlns:a="http://schemas.openxmlformats.org/drawingml/2006/main" xmlns:r="http://schemas.openxmlformats.org/officeDocument/2006/relationships" xmlns:p="http://schemas.openxmlformats.org/presentationml/2006/main">
   <p:cSld>
     <p:spTree>
@@ -30777,7 +31933,7 @@
           <a:p>
             <a:fld id="{20F37917-FD3A-4669-9018-DA04BCDD3D75}" type="slidenum">
               <a:rPr lang="en-US" smtClean="0"/>
-              <a:t>35</a:t>
+              <a:t>36</a:t>
             </a:fld>
             <a:endParaRPr lang="en-US"/>
           </a:p>
@@ -32140,7 +33296,7 @@
 </p:sld>
 </file>
 
-<file path=ppt/slides/slide36.xml><?xml version="1.0" encoding="utf-8"?>
+<file path=ppt/slides/slide37.xml><?xml version="1.0" encoding="utf-8"?>
 <p:sld xmlns:a="http://schemas.openxmlformats.org/drawingml/2006/main" xmlns:r="http://schemas.openxmlformats.org/officeDocument/2006/relationships" xmlns:p="http://schemas.openxmlformats.org/presentationml/2006/main">
   <p:cSld>
     <p:spTree>
@@ -32208,7 +33364,7 @@
           <a:p>
             <a:fld id="{20F37917-FD3A-4669-9018-DA04BCDD3D75}" type="slidenum">
               <a:rPr lang="en-US" smtClean="0"/>
-              <a:t>36</a:t>
+              <a:t>37</a:t>
             </a:fld>
             <a:endParaRPr lang="en-US"/>
           </a:p>
@@ -32539,7 +33695,7 @@
 </p:sld>
 </file>
 
-<file path=ppt/slides/slide37.xml><?xml version="1.0" encoding="utf-8"?>
+<file path=ppt/slides/slide38.xml><?xml version="1.0" encoding="utf-8"?>
 <p:sld xmlns:a="http://schemas.openxmlformats.org/drawingml/2006/main" xmlns:r="http://schemas.openxmlformats.org/officeDocument/2006/relationships" xmlns:p="http://schemas.openxmlformats.org/presentationml/2006/main">
   <p:cSld>
     <p:spTree>
@@ -32607,7 +33763,7 @@
           <a:p>
             <a:fld id="{20F37917-FD3A-4669-9018-DA04BCDD3D75}" type="slidenum">
               <a:rPr lang="en-US" smtClean="0"/>
-              <a:t>37</a:t>
+              <a:t>38</a:t>
             </a:fld>
             <a:endParaRPr lang="en-US"/>
           </a:p>
@@ -33552,7 +34708,7 @@
 </p:sld>
 </file>
 
-<file path=ppt/slides/slide38.xml><?xml version="1.0" encoding="utf-8"?>
+<file path=ppt/slides/slide39.xml><?xml version="1.0" encoding="utf-8"?>
 <p:sld xmlns:a="http://schemas.openxmlformats.org/drawingml/2006/main" xmlns:r="http://schemas.openxmlformats.org/officeDocument/2006/relationships" xmlns:p="http://schemas.openxmlformats.org/presentationml/2006/main">
   <p:cSld>
     <p:spTree>
@@ -33660,7 +34816,7 @@
           <a:p>
             <a:fld id="{20F37917-FD3A-4669-9018-DA04BCDD3D75}" type="slidenum">
               <a:rPr lang="en-US" smtClean="0"/>
-              <a:t>38</a:t>
+              <a:t>39</a:t>
             </a:fld>
             <a:endParaRPr lang="en-US"/>
           </a:p>
@@ -33679,7 +34835,122 @@
 </p:sld>
 </file>
 
-<file path=ppt/slides/slide39.xml><?xml version="1.0" encoding="utf-8"?>
+<file path=ppt/slides/slide4.xml><?xml version="1.0" encoding="utf-8"?>
+<p:sld xmlns:a="http://schemas.openxmlformats.org/drawingml/2006/main" xmlns:r="http://schemas.openxmlformats.org/officeDocument/2006/relationships" xmlns:p="http://schemas.openxmlformats.org/presentationml/2006/main">
+  <p:cSld>
+    <p:spTree>
+      <p:nvGrpSpPr>
+        <p:cNvPr id="1" name=""/>
+        <p:cNvGrpSpPr/>
+        <p:nvPr/>
+      </p:nvGrpSpPr>
+      <p:grpSpPr>
+        <a:xfrm>
+          <a:off x="0" y="0"/>
+          <a:ext cx="0" cy="0"/>
+          <a:chOff x="0" y="0"/>
+          <a:chExt cx="0" cy="0"/>
+        </a:xfrm>
+      </p:grpSpPr>
+      <p:sp>
+        <p:nvSpPr>
+          <p:cNvPr id="2" name="Title 1">
+            <a:extLst>
+              <a:ext uri="{FF2B5EF4-FFF2-40B4-BE49-F238E27FC236}">
+                <a16:creationId xmlns:a16="http://schemas.microsoft.com/office/drawing/2014/main" id="{662A179F-10F8-FAD1-A286-2AAF5D2924B6}"/>
+              </a:ext>
+            </a:extLst>
+          </p:cNvPr>
+          <p:cNvSpPr>
+            <a:spLocks noGrp="1"/>
+          </p:cNvSpPr>
+          <p:nvPr>
+            <p:ph type="title"/>
+          </p:nvPr>
+        </p:nvSpPr>
+        <p:spPr/>
+        <p:txBody>
+          <a:bodyPr/>
+          <a:lstStyle/>
+          <a:p>
+            <a:r>
+              <a:rPr lang="en-US" dirty="0"/>
+              <a:t>Patterns help communicate intent</a:t>
+            </a:r>
+          </a:p>
+        </p:txBody>
+      </p:sp>
+      <p:sp>
+        <p:nvSpPr>
+          <p:cNvPr id="3" name="Content Placeholder 2">
+            <a:extLst>
+              <a:ext uri="{FF2B5EF4-FFF2-40B4-BE49-F238E27FC236}">
+                <a16:creationId xmlns:a16="http://schemas.microsoft.com/office/drawing/2014/main" id="{5A0618D1-BC1F-00BF-115E-9BA4FC702211}"/>
+              </a:ext>
+            </a:extLst>
+          </p:cNvPr>
+          <p:cNvSpPr>
+            <a:spLocks noGrp="1"/>
+          </p:cNvSpPr>
+          <p:nvPr>
+            <p:ph idx="1"/>
+          </p:nvPr>
+        </p:nvSpPr>
+        <p:spPr/>
+        <p:txBody>
+          <a:bodyPr/>
+          <a:lstStyle/>
+          <a:p>
+            <a:r>
+              <a:rPr lang="en-US" dirty="0"/>
+              <a:t>If your code uses a well-known pattern, then the reader has a head start in understanding your code.</a:t>
+            </a:r>
+          </a:p>
+        </p:txBody>
+      </p:sp>
+      <p:sp>
+        <p:nvSpPr>
+          <p:cNvPr id="4" name="Slide Number Placeholder 3">
+            <a:extLst>
+              <a:ext uri="{FF2B5EF4-FFF2-40B4-BE49-F238E27FC236}">
+                <a16:creationId xmlns:a16="http://schemas.microsoft.com/office/drawing/2014/main" id="{B797F925-0FB9-D83B-41C8-901CDE6C2D17}"/>
+              </a:ext>
+            </a:extLst>
+          </p:cNvPr>
+          <p:cNvSpPr>
+            <a:spLocks noGrp="1"/>
+          </p:cNvSpPr>
+          <p:nvPr>
+            <p:ph type="sldNum" sz="quarter" idx="12"/>
+          </p:nvPr>
+        </p:nvSpPr>
+        <p:spPr/>
+        <p:txBody>
+          <a:bodyPr/>
+          <a:lstStyle/>
+          <a:p>
+            <a:fld id="{20F37917-FD3A-4669-9018-DA04BCDD3D75}" type="slidenum">
+              <a:rPr lang="en-US" smtClean="0"/>
+              <a:t>4</a:t>
+            </a:fld>
+            <a:endParaRPr lang="en-US"/>
+          </a:p>
+        </p:txBody>
+      </p:sp>
+    </p:spTree>
+    <p:extLst>
+      <p:ext uri="{BB962C8B-B14F-4D97-AF65-F5344CB8AC3E}">
+        <p14:creationId xmlns:p14="http://schemas.microsoft.com/office/powerpoint/2010/main" val="99294771"/>
+      </p:ext>
+    </p:extLst>
+  </p:cSld>
+  <p:clrMapOvr>
+    <a:masterClrMapping/>
+  </p:clrMapOvr>
+</p:sld>
+</file>
+
+<file path=ppt/slides/slide40.xml><?xml version="1.0" encoding="utf-8"?>
 <p:sld xmlns:a="http://schemas.openxmlformats.org/drawingml/2006/main" xmlns:r="http://schemas.openxmlformats.org/officeDocument/2006/relationships" xmlns:p="http://schemas.openxmlformats.org/presentationml/2006/main">
   <p:cSld>
     <p:spTree>
@@ -33747,7 +35018,7 @@
           <a:p>
             <a:fld id="{20F37917-FD3A-4669-9018-DA04BCDD3D75}" type="slidenum">
               <a:rPr lang="en-US" smtClean="0"/>
-              <a:t>39</a:t>
+              <a:t>40</a:t>
             </a:fld>
             <a:endParaRPr lang="en-US"/>
           </a:p>
@@ -35209,122 +36480,7 @@
 </p:sld>
 </file>
 
-<file path=ppt/slides/slide4.xml><?xml version="1.0" encoding="utf-8"?>
-<p:sld xmlns:a="http://schemas.openxmlformats.org/drawingml/2006/main" xmlns:r="http://schemas.openxmlformats.org/officeDocument/2006/relationships" xmlns:p="http://schemas.openxmlformats.org/presentationml/2006/main">
-  <p:cSld>
-    <p:spTree>
-      <p:nvGrpSpPr>
-        <p:cNvPr id="1" name=""/>
-        <p:cNvGrpSpPr/>
-        <p:nvPr/>
-      </p:nvGrpSpPr>
-      <p:grpSpPr>
-        <a:xfrm>
-          <a:off x="0" y="0"/>
-          <a:ext cx="0" cy="0"/>
-          <a:chOff x="0" y="0"/>
-          <a:chExt cx="0" cy="0"/>
-        </a:xfrm>
-      </p:grpSpPr>
-      <p:sp>
-        <p:nvSpPr>
-          <p:cNvPr id="2" name="Title 1">
-            <a:extLst>
-              <a:ext uri="{FF2B5EF4-FFF2-40B4-BE49-F238E27FC236}">
-                <a16:creationId xmlns:a16="http://schemas.microsoft.com/office/drawing/2014/main" id="{662A179F-10F8-FAD1-A286-2AAF5D2924B6}"/>
-              </a:ext>
-            </a:extLst>
-          </p:cNvPr>
-          <p:cNvSpPr>
-            <a:spLocks noGrp="1"/>
-          </p:cNvSpPr>
-          <p:nvPr>
-            <p:ph type="title"/>
-          </p:nvPr>
-        </p:nvSpPr>
-        <p:spPr/>
-        <p:txBody>
-          <a:bodyPr/>
-          <a:lstStyle/>
-          <a:p>
-            <a:r>
-              <a:rPr lang="en-US" dirty="0"/>
-              <a:t>Patterns help communicate intent</a:t>
-            </a:r>
-          </a:p>
-        </p:txBody>
-      </p:sp>
-      <p:sp>
-        <p:nvSpPr>
-          <p:cNvPr id="3" name="Content Placeholder 2">
-            <a:extLst>
-              <a:ext uri="{FF2B5EF4-FFF2-40B4-BE49-F238E27FC236}">
-                <a16:creationId xmlns:a16="http://schemas.microsoft.com/office/drawing/2014/main" id="{5A0618D1-BC1F-00BF-115E-9BA4FC702211}"/>
-              </a:ext>
-            </a:extLst>
-          </p:cNvPr>
-          <p:cNvSpPr>
-            <a:spLocks noGrp="1"/>
-          </p:cNvSpPr>
-          <p:nvPr>
-            <p:ph idx="1"/>
-          </p:nvPr>
-        </p:nvSpPr>
-        <p:spPr/>
-        <p:txBody>
-          <a:bodyPr/>
-          <a:lstStyle/>
-          <a:p>
-            <a:r>
-              <a:rPr lang="en-US" dirty="0"/>
-              <a:t>If your code uses a well-known pattern, then the reader has a head start in understanding your code.</a:t>
-            </a:r>
-          </a:p>
-        </p:txBody>
-      </p:sp>
-      <p:sp>
-        <p:nvSpPr>
-          <p:cNvPr id="4" name="Slide Number Placeholder 3">
-            <a:extLst>
-              <a:ext uri="{FF2B5EF4-FFF2-40B4-BE49-F238E27FC236}">
-                <a16:creationId xmlns:a16="http://schemas.microsoft.com/office/drawing/2014/main" id="{B797F925-0FB9-D83B-41C8-901CDE6C2D17}"/>
-              </a:ext>
-            </a:extLst>
-          </p:cNvPr>
-          <p:cNvSpPr>
-            <a:spLocks noGrp="1"/>
-          </p:cNvSpPr>
-          <p:nvPr>
-            <p:ph type="sldNum" sz="quarter" idx="12"/>
-          </p:nvPr>
-        </p:nvSpPr>
-        <p:spPr/>
-        <p:txBody>
-          <a:bodyPr/>
-          <a:lstStyle/>
-          <a:p>
-            <a:fld id="{20F37917-FD3A-4669-9018-DA04BCDD3D75}" type="slidenum">
-              <a:rPr lang="en-US" smtClean="0"/>
-              <a:t>4</a:t>
-            </a:fld>
-            <a:endParaRPr lang="en-US"/>
-          </a:p>
-        </p:txBody>
-      </p:sp>
-    </p:spTree>
-    <p:extLst>
-      <p:ext uri="{BB962C8B-B14F-4D97-AF65-F5344CB8AC3E}">
-        <p14:creationId xmlns:p14="http://schemas.microsoft.com/office/powerpoint/2010/main" val="99294771"/>
-      </p:ext>
-    </p:extLst>
-  </p:cSld>
-  <p:clrMapOvr>
-    <a:masterClrMapping/>
-  </p:clrMapOvr>
-</p:sld>
-</file>
-
-<file path=ppt/slides/slide40.xml><?xml version="1.0" encoding="utf-8"?>
+<file path=ppt/slides/slide41.xml><?xml version="1.0" encoding="utf-8"?>
 <p:sld xmlns:a="http://schemas.openxmlformats.org/drawingml/2006/main" xmlns:r="http://schemas.openxmlformats.org/officeDocument/2006/relationships" xmlns:p="http://schemas.openxmlformats.org/presentationml/2006/main">
   <p:cSld>
     <p:spTree>
@@ -35392,7 +36548,7 @@
           <a:p>
             <a:fld id="{20F37917-FD3A-4669-9018-DA04BCDD3D75}" type="slidenum">
               <a:rPr lang="en-US" smtClean="0"/>
-              <a:t>40</a:t>
+              <a:t>41</a:t>
             </a:fld>
             <a:endParaRPr lang="en-US"/>
           </a:p>
@@ -36511,7 +37667,7 @@
 </p:sld>
 </file>
 
-<file path=ppt/slides/slide41.xml><?xml version="1.0" encoding="utf-8"?>
+<file path=ppt/slides/slide42.xml><?xml version="1.0" encoding="utf-8"?>
 <p:sld xmlns:a="http://schemas.openxmlformats.org/drawingml/2006/main" xmlns:r="http://schemas.openxmlformats.org/officeDocument/2006/relationships" xmlns:p="http://schemas.openxmlformats.org/presentationml/2006/main">
   <p:cSld>
     <p:spTree>
@@ -36641,7 +37797,7 @@
           <a:p>
             <a:fld id="{20F37917-FD3A-4669-9018-DA04BCDD3D75}" type="slidenum">
               <a:rPr lang="en-US" smtClean="0"/>
-              <a:t>41</a:t>
+              <a:t>42</a:t>
             </a:fld>
             <a:endParaRPr lang="en-US"/>
           </a:p>
@@ -36660,7 +37816,7 @@
 </p:sld>
 </file>
 
-<file path=ppt/slides/slide42.xml><?xml version="1.0" encoding="utf-8"?>
+<file path=ppt/slides/slide43.xml><?xml version="1.0" encoding="utf-8"?>
 <p:sld xmlns:a="http://schemas.openxmlformats.org/drawingml/2006/main" xmlns:r="http://schemas.openxmlformats.org/officeDocument/2006/relationships" xmlns:p="http://schemas.openxmlformats.org/presentationml/2006/main">
   <p:cSld>
     <p:spTree>
@@ -36728,7 +37884,7 @@
           <a:p>
             <a:fld id="{20F37917-FD3A-4669-9018-DA04BCDD3D75}" type="slidenum">
               <a:rPr lang="en-US" smtClean="0"/>
-              <a:t>42</a:t>
+              <a:t>43</a:t>
             </a:fld>
             <a:endParaRPr lang="en-US"/>
           </a:p>
@@ -36880,7 +38036,7 @@
 </p:sld>
 </file>
 
-<file path=ppt/slides/slide43.xml><?xml version="1.0" encoding="utf-8"?>
+<file path=ppt/slides/slide44.xml><?xml version="1.0" encoding="utf-8"?>
 <p:sld xmlns:a="http://schemas.openxmlformats.org/drawingml/2006/main" xmlns:r="http://schemas.openxmlformats.org/officeDocument/2006/relationships" xmlns:p="http://schemas.openxmlformats.org/presentationml/2006/main">
   <p:cSld>
     <p:spTree>
@@ -36948,7 +38104,7 @@
           <a:p>
             <a:fld id="{20F37917-FD3A-4669-9018-DA04BCDD3D75}" type="slidenum">
               <a:rPr lang="en-US" smtClean="0"/>
-              <a:t>43</a:t>
+              <a:t>44</a:t>
             </a:fld>
             <a:endParaRPr lang="en-US"/>
           </a:p>
@@ -37111,7 +38267,7 @@
 </p:sld>
 </file>
 
-<file path=ppt/slides/slide44.xml><?xml version="1.0" encoding="utf-8"?>
+<file path=ppt/slides/slide45.xml><?xml version="1.0" encoding="utf-8"?>
 <p:sld xmlns:a="http://schemas.openxmlformats.org/drawingml/2006/main" xmlns:r="http://schemas.openxmlformats.org/officeDocument/2006/relationships" xmlns:p="http://schemas.openxmlformats.org/presentationml/2006/main">
   <p:cSld>
     <p:spTree>
@@ -37179,7 +38335,7 @@
           <a:p>
             <a:fld id="{20F37917-FD3A-4669-9018-DA04BCDD3D75}" type="slidenum">
               <a:rPr lang="en-US" smtClean="0"/>
-              <a:t>44</a:t>
+              <a:t>45</a:t>
             </a:fld>
             <a:endParaRPr lang="en-US"/>
           </a:p>
@@ -37331,7 +38487,7 @@
 </p:sld>
 </file>
 
-<file path=ppt/slides/slide45.xml><?xml version="1.0" encoding="utf-8"?>
+<file path=ppt/slides/slide46.xml><?xml version="1.0" encoding="utf-8"?>
 <p:sld xmlns:a="http://schemas.openxmlformats.org/drawingml/2006/main" xmlns:r="http://schemas.openxmlformats.org/officeDocument/2006/relationships" xmlns:p="http://schemas.openxmlformats.org/presentationml/2006/main">
   <p:cSld>
     <p:spTree>
@@ -37399,7 +38555,7 @@
           <a:p>
             <a:fld id="{20F37917-FD3A-4669-9018-DA04BCDD3D75}" type="slidenum">
               <a:rPr lang="en-US" smtClean="0"/>
-              <a:t>45</a:t>
+              <a:t>46</a:t>
             </a:fld>
             <a:endParaRPr lang="en-US"/>
           </a:p>
@@ -37562,7 +38718,7 @@
 </p:sld>
 </file>
 
-<file path=ppt/slides/slide46.xml><?xml version="1.0" encoding="utf-8"?>
+<file path=ppt/slides/slide47.xml><?xml version="1.0" encoding="utf-8"?>
 <p:sld xmlns:a="http://schemas.openxmlformats.org/drawingml/2006/main" xmlns:r="http://schemas.openxmlformats.org/officeDocument/2006/relationships" xmlns:p="http://schemas.openxmlformats.org/presentationml/2006/main">
   <p:cSld>
     <p:spTree>
@@ -37672,7 +38828,7 @@
           <a:p>
             <a:fld id="{20F37917-FD3A-4669-9018-DA04BCDD3D75}" type="slidenum">
               <a:rPr lang="en-US" smtClean="0"/>
-              <a:t>46</a:t>
+              <a:t>47</a:t>
             </a:fld>
             <a:endParaRPr lang="en-US"/>
           </a:p>
@@ -37713,6 +38869,220 @@
           <p:cNvPr id="2" name="Title 1">
             <a:extLst>
               <a:ext uri="{FF2B5EF4-FFF2-40B4-BE49-F238E27FC236}">
+                <a16:creationId xmlns:a16="http://schemas.microsoft.com/office/drawing/2014/main" id="{49C7D202-F4A0-317D-D8A6-DA68CE35CDA1}"/>
+              </a:ext>
+            </a:extLst>
+          </p:cNvPr>
+          <p:cNvSpPr>
+            <a:spLocks noGrp="1"/>
+          </p:cNvSpPr>
+          <p:nvPr>
+            <p:ph type="title"/>
+          </p:nvPr>
+        </p:nvSpPr>
+        <p:spPr/>
+        <p:txBody>
+          <a:bodyPr/>
+          <a:lstStyle/>
+          <a:p>
+            <a:r>
+              <a:rPr lang="en-US" dirty="0"/>
+              <a:t>Patterns make code more comprehensible</a:t>
+            </a:r>
+          </a:p>
+        </p:txBody>
+      </p:sp>
+      <p:sp>
+        <p:nvSpPr>
+          <p:cNvPr id="4" name="Slide Number Placeholder 3">
+            <a:extLst>
+              <a:ext uri="{FF2B5EF4-FFF2-40B4-BE49-F238E27FC236}">
+                <a16:creationId xmlns:a16="http://schemas.microsoft.com/office/drawing/2014/main" id="{1975D093-84F5-5AE2-03DD-C9A51858CB6D}"/>
+              </a:ext>
+            </a:extLst>
+          </p:cNvPr>
+          <p:cNvSpPr>
+            <a:spLocks noGrp="1"/>
+          </p:cNvSpPr>
+          <p:nvPr>
+            <p:ph type="sldNum" sz="quarter" idx="12"/>
+          </p:nvPr>
+        </p:nvSpPr>
+        <p:spPr/>
+        <p:txBody>
+          <a:bodyPr/>
+          <a:lstStyle/>
+          <a:p>
+            <a:fld id="{20F37917-FD3A-4669-9018-DA04BCDD3D75}" type="slidenum">
+              <a:rPr lang="en-US" smtClean="0"/>
+              <a:t>5</a:t>
+            </a:fld>
+            <a:endParaRPr lang="en-US"/>
+          </a:p>
+        </p:txBody>
+      </p:sp>
+      <p:pic>
+        <p:nvPicPr>
+          <p:cNvPr id="1026" name="Picture 2" descr="The Design of Everyday Things: Revised and Expanded Edition: Norman, Don:  8601400351710: Amazon.com: Books">
+            <a:extLst>
+              <a:ext uri="{FF2B5EF4-FFF2-40B4-BE49-F238E27FC236}">
+                <a16:creationId xmlns:a16="http://schemas.microsoft.com/office/drawing/2014/main" id="{91698786-D954-2961-E974-883AA900DF62}"/>
+              </a:ext>
+            </a:extLst>
+          </p:cNvPr>
+          <p:cNvPicPr>
+            <a:picLocks noChangeAspect="1" noChangeArrowheads="1"/>
+          </p:cNvPicPr>
+          <p:nvPr/>
+        </p:nvPicPr>
+        <p:blipFill>
+          <a:blip r:embed="rId3">
+            <a:extLst>
+              <a:ext uri="{28A0092B-C50C-407E-A947-70E740481C1C}">
+                <a14:useLocalDpi xmlns:a14="http://schemas.microsoft.com/office/drawing/2010/main" val="0"/>
+              </a:ext>
+            </a:extLst>
+          </a:blip>
+          <a:srcRect/>
+          <a:stretch>
+            <a:fillRect/>
+          </a:stretch>
+        </p:blipFill>
+        <p:spPr bwMode="auto">
+          <a:xfrm>
+            <a:off x="441510" y="1500160"/>
+            <a:ext cx="2969101" cy="4529137"/>
+          </a:xfrm>
+          <a:prstGeom prst="rect">
+            <a:avLst/>
+          </a:prstGeom>
+          <a:noFill/>
+          <a:extLst>
+            <a:ext uri="{909E8E84-426E-40DD-AFC4-6F175D3DCCD1}">
+              <a14:hiddenFill xmlns:a14="http://schemas.microsoft.com/office/drawing/2010/main">
+                <a:solidFill>
+                  <a:srgbClr val="FFFFFF"/>
+                </a:solidFill>
+              </a14:hiddenFill>
+            </a:ext>
+          </a:extLst>
+        </p:spPr>
+      </p:pic>
+      <p:pic>
+        <p:nvPicPr>
+          <p:cNvPr id="6" name="Image" descr="Image">
+            <a:extLst>
+              <a:ext uri="{FF2B5EF4-FFF2-40B4-BE49-F238E27FC236}">
+                <a16:creationId xmlns:a16="http://schemas.microsoft.com/office/drawing/2014/main" id="{7B939788-66D9-B8C6-661E-F26B8C21D2A1}"/>
+              </a:ext>
+            </a:extLst>
+          </p:cNvPr>
+          <p:cNvPicPr>
+            <a:picLocks noChangeAspect="1"/>
+          </p:cNvPicPr>
+          <p:nvPr/>
+        </p:nvPicPr>
+        <p:blipFill>
+          <a:blip r:embed="rId4"/>
+          <a:stretch>
+            <a:fillRect/>
+          </a:stretch>
+        </p:blipFill>
+        <p:spPr>
+          <a:xfrm>
+            <a:off x="3610414" y="1500160"/>
+            <a:ext cx="4403692" cy="4403693"/>
+          </a:xfrm>
+          <a:prstGeom prst="rect">
+            <a:avLst/>
+          </a:prstGeom>
+          <a:ln w="3175">
+            <a:miter lim="400000"/>
+          </a:ln>
+        </p:spPr>
+      </p:pic>
+      <p:pic>
+        <p:nvPicPr>
+          <p:cNvPr id="7" name="Picture 2">
+            <a:extLst>
+              <a:ext uri="{FF2B5EF4-FFF2-40B4-BE49-F238E27FC236}">
+                <a16:creationId xmlns:a16="http://schemas.microsoft.com/office/drawing/2014/main" id="{FBFF9F06-9915-E65A-72F0-B1C57D7B1F81}"/>
+              </a:ext>
+            </a:extLst>
+          </p:cNvPr>
+          <p:cNvPicPr>
+            <a:picLocks noChangeAspect="1" noChangeArrowheads="1"/>
+          </p:cNvPicPr>
+          <p:nvPr/>
+        </p:nvPicPr>
+        <p:blipFill>
+          <a:blip r:embed="rId5">
+            <a:extLst>
+              <a:ext uri="{28A0092B-C50C-407E-A947-70E740481C1C}">
+                <a14:useLocalDpi xmlns:a14="http://schemas.microsoft.com/office/drawing/2010/main" val="0"/>
+              </a:ext>
+            </a:extLst>
+          </a:blip>
+          <a:srcRect/>
+          <a:stretch>
+            <a:fillRect/>
+          </a:stretch>
+        </p:blipFill>
+        <p:spPr bwMode="auto">
+          <a:xfrm>
+            <a:off x="7782840" y="1500160"/>
+            <a:ext cx="4646800" cy="4093429"/>
+          </a:xfrm>
+          <a:prstGeom prst="rect">
+            <a:avLst/>
+          </a:prstGeom>
+          <a:noFill/>
+          <a:extLst>
+            <a:ext uri="{909E8E84-426E-40DD-AFC4-6F175D3DCCD1}">
+              <a14:hiddenFill xmlns:a14="http://schemas.microsoft.com/office/drawing/2010/main">
+                <a:solidFill>
+                  <a:srgbClr val="FFFFFF"/>
+                </a:solidFill>
+              </a14:hiddenFill>
+            </a:ext>
+          </a:extLst>
+        </p:spPr>
+      </p:pic>
+    </p:spTree>
+    <p:extLst>
+      <p:ext uri="{BB962C8B-B14F-4D97-AF65-F5344CB8AC3E}">
+        <p14:creationId xmlns:p14="http://schemas.microsoft.com/office/powerpoint/2010/main" val="2830599574"/>
+      </p:ext>
+    </p:extLst>
+  </p:cSld>
+  <p:clrMapOvr>
+    <a:masterClrMapping/>
+  </p:clrMapOvr>
+</p:sld>
+</file>
+
+<file path=ppt/slides/slide6.xml><?xml version="1.0" encoding="utf-8"?>
+<p:sld xmlns:a="http://schemas.openxmlformats.org/drawingml/2006/main" xmlns:r="http://schemas.openxmlformats.org/officeDocument/2006/relationships" xmlns:p="http://schemas.openxmlformats.org/presentationml/2006/main">
+  <p:cSld>
+    <p:spTree>
+      <p:nvGrpSpPr>
+        <p:cNvPr id="1" name=""/>
+        <p:cNvGrpSpPr/>
+        <p:nvPr/>
+      </p:nvGrpSpPr>
+      <p:grpSpPr>
+        <a:xfrm>
+          <a:off x="0" y="0"/>
+          <a:ext cx="0" cy="0"/>
+          <a:chOff x="0" y="0"/>
+          <a:chExt cx="0" cy="0"/>
+        </a:xfrm>
+      </p:grpSpPr>
+      <p:sp>
+        <p:nvSpPr>
+          <p:cNvPr id="2" name="Title 1">
+            <a:extLst>
+              <a:ext uri="{FF2B5EF4-FFF2-40B4-BE49-F238E27FC236}">
                 <a16:creationId xmlns:a16="http://schemas.microsoft.com/office/drawing/2014/main" id="{274A36DC-409B-1A95-F269-C95F96580868}"/>
               </a:ext>
             </a:extLst>
@@ -37787,7 +39157,7 @@
           <a:p>
             <a:fld id="{20F37917-FD3A-4669-9018-DA04BCDD3D75}" type="slidenum">
               <a:rPr lang="en-US" smtClean="0"/>
-              <a:t>5</a:t>
+              <a:t>6</a:t>
             </a:fld>
             <a:endParaRPr lang="en-US"/>
           </a:p>
@@ -37806,7 +39176,7 @@
 </p:sld>
 </file>
 
-<file path=ppt/slides/slide6.xml><?xml version="1.0" encoding="utf-8"?>
+<file path=ppt/slides/slide7.xml><?xml version="1.0" encoding="utf-8"?>
 <p:sld xmlns:a="http://schemas.openxmlformats.org/drawingml/2006/main" xmlns:r="http://schemas.openxmlformats.org/officeDocument/2006/relationships" xmlns:p="http://schemas.openxmlformats.org/presentationml/2006/main">
   <p:cSld>
     <p:spTree>
@@ -37919,7 +39289,7 @@
           <a:p>
             <a:fld id="{20F37917-FD3A-4669-9018-DA04BCDD3D75}" type="slidenum">
               <a:rPr lang="en-US" smtClean="0"/>
-              <a:t>6</a:t>
+              <a:t>7</a:t>
             </a:fld>
             <a:endParaRPr lang="en-US"/>
           </a:p>
@@ -37938,7 +39308,7 @@
 </p:sld>
 </file>
 
-<file path=ppt/slides/slide7.xml><?xml version="1.0" encoding="utf-8"?>
+<file path=ppt/slides/slide8.xml><?xml version="1.0" encoding="utf-8"?>
 <p:sld xmlns:a="http://schemas.openxmlformats.org/drawingml/2006/main" xmlns:r="http://schemas.openxmlformats.org/officeDocument/2006/relationships" xmlns:p="http://schemas.openxmlformats.org/presentationml/2006/main">
   <p:cSld>
     <p:spTree>
@@ -38084,7 +39454,7 @@
           <a:p>
             <a:fld id="{20F37917-FD3A-4669-9018-DA04BCDD3D75}" type="slidenum">
               <a:rPr lang="en-US" smtClean="0"/>
-              <a:t>7</a:t>
+              <a:t>8</a:t>
             </a:fld>
             <a:endParaRPr lang="en-US"/>
           </a:p>
@@ -38165,7 +39535,7 @@
 </p:sld>
 </file>
 
-<file path=ppt/slides/slide8.xml><?xml version="1.0" encoding="utf-8"?>
+<file path=ppt/slides/slide9.xml><?xml version="1.0" encoding="utf-8"?>
 <p:sld xmlns:a="http://schemas.openxmlformats.org/drawingml/2006/main" xmlns:r="http://schemas.openxmlformats.org/officeDocument/2006/relationships" xmlns:p="http://schemas.openxmlformats.org/presentationml/2006/main">
   <p:cSld>
     <p:spTree>
@@ -38235,7 +39605,7 @@
           <a:p>
             <a:fld id="{20F37917-FD3A-4669-9018-DA04BCDD3D75}" type="slidenum">
               <a:rPr lang="en-US" smtClean="0"/>
-              <a:t>8</a:t>
+              <a:t>9</a:t>
             </a:fld>
             <a:endParaRPr lang="en-US"/>
           </a:p>
@@ -38865,1002 +40235,6 @@
     <p:extLst>
       <p:ext uri="{BB962C8B-B14F-4D97-AF65-F5344CB8AC3E}">
         <p14:creationId xmlns:p14="http://schemas.microsoft.com/office/powerpoint/2010/main" val="614625841"/>
-      </p:ext>
-    </p:extLst>
-  </p:cSld>
-  <p:clrMapOvr>
-    <a:masterClrMapping/>
-  </p:clrMapOvr>
-</p:sld>
-</file>
-
-<file path=ppt/slides/slide9.xml><?xml version="1.0" encoding="utf-8"?>
-<p:sld xmlns:a="http://schemas.openxmlformats.org/drawingml/2006/main" xmlns:r="http://schemas.openxmlformats.org/officeDocument/2006/relationships" xmlns:p="http://schemas.openxmlformats.org/presentationml/2006/main">
-  <p:cSld>
-    <p:spTree>
-      <p:nvGrpSpPr>
-        <p:cNvPr id="1" name=""/>
-        <p:cNvGrpSpPr/>
-        <p:nvPr/>
-      </p:nvGrpSpPr>
-      <p:grpSpPr>
-        <a:xfrm>
-          <a:off x="0" y="0"/>
-          <a:ext cx="0" cy="0"/>
-          <a:chOff x="0" y="0"/>
-          <a:chExt cx="0" cy="0"/>
-        </a:xfrm>
-      </p:grpSpPr>
-      <p:sp>
-        <p:nvSpPr>
-          <p:cNvPr id="2" name="Title 1">
-            <a:extLst>
-              <a:ext uri="{FF2B5EF4-FFF2-40B4-BE49-F238E27FC236}">
-                <a16:creationId xmlns:a16="http://schemas.microsoft.com/office/drawing/2014/main" id="{9BA5B06C-6C50-4733-A873-0B9C4F6503DA}"/>
-              </a:ext>
-            </a:extLst>
-          </p:cNvPr>
-          <p:cNvSpPr>
-            <a:spLocks noGrp="1"/>
-          </p:cNvSpPr>
-          <p:nvPr>
-            <p:ph type="title"/>
-          </p:nvPr>
-        </p:nvSpPr>
-        <p:spPr/>
-        <p:txBody>
-          <a:bodyPr>
-            <a:normAutofit/>
-          </a:bodyPr>
-          <a:lstStyle/>
-          <a:p>
-            <a:r>
-              <a:rPr lang="en-US" sz="3600" dirty="0"/>
-              <a:t>Pattern 1: consumer asks producer ("pull")</a:t>
-            </a:r>
-          </a:p>
-        </p:txBody>
-      </p:sp>
-      <p:sp>
-        <p:nvSpPr>
-          <p:cNvPr id="4" name="Slide Number Placeholder 3">
-            <a:extLst>
-              <a:ext uri="{FF2B5EF4-FFF2-40B4-BE49-F238E27FC236}">
-                <a16:creationId xmlns:a16="http://schemas.microsoft.com/office/drawing/2014/main" id="{32C06DA0-5C59-4EB4-95CB-B4B9BAABFB29}"/>
-              </a:ext>
-            </a:extLst>
-          </p:cNvPr>
-          <p:cNvSpPr>
-            <a:spLocks noGrp="1"/>
-          </p:cNvSpPr>
-          <p:nvPr>
-            <p:ph type="sldNum" sz="quarter" idx="12"/>
-          </p:nvPr>
-        </p:nvSpPr>
-        <p:spPr/>
-        <p:txBody>
-          <a:bodyPr/>
-          <a:lstStyle/>
-          <a:p>
-            <a:fld id="{20F37917-FD3A-4669-9018-DA04BCDD3D75}" type="slidenum">
-              <a:rPr lang="en-US" smtClean="0"/>
-              <a:t>9</a:t>
-            </a:fld>
-            <a:endParaRPr lang="en-US"/>
-          </a:p>
-        </p:txBody>
-      </p:sp>
-      <p:sp>
-        <p:nvSpPr>
-          <p:cNvPr id="11" name="TextBox 10">
-            <a:extLst>
-              <a:ext uri="{FF2B5EF4-FFF2-40B4-BE49-F238E27FC236}">
-                <a16:creationId xmlns:a16="http://schemas.microsoft.com/office/drawing/2014/main" id="{499C7BCB-BC9D-4BD1-B8B1-463CDCFDE915}"/>
-              </a:ext>
-            </a:extLst>
-          </p:cNvPr>
-          <p:cNvSpPr txBox="1"/>
-          <p:nvPr/>
-        </p:nvSpPr>
-        <p:spPr>
-          <a:xfrm>
-            <a:off x="929640" y="1788081"/>
-            <a:ext cx="6096000" cy="4247317"/>
-          </a:xfrm>
-          <a:prstGeom prst="rect">
-            <a:avLst/>
-          </a:prstGeom>
-          <a:noFill/>
-          <a:ln w="12700" cap="flat" cmpd="sng" algn="ctr">
-            <a:noFill/>
-            <a:prstDash val="solid"/>
-            <a:miter lim="800000"/>
-          </a:ln>
-          <a:effectLst/>
-        </p:spPr>
-        <p:style>
-          <a:lnRef idx="2">
-            <a:schemeClr val="accent1">
-              <a:shade val="50000"/>
-            </a:schemeClr>
-          </a:lnRef>
-          <a:fillRef idx="1">
-            <a:schemeClr val="accent1"/>
-          </a:fillRef>
-          <a:effectRef idx="0">
-            <a:schemeClr val="accent1"/>
-          </a:effectRef>
-          <a:fontRef idx="minor">
-            <a:schemeClr val="lt1"/>
-          </a:fontRef>
-        </p:style>
-        <p:txBody>
-          <a:bodyPr wrap="square">
-            <a:spAutoFit/>
-          </a:bodyPr>
-          <a:lstStyle/>
-          <a:p>
-            <a:r>
-              <a:rPr lang="en-US" b="0" dirty="0">
-                <a:solidFill>
-                  <a:srgbClr val="0000FF"/>
-                </a:solidFill>
-                <a:effectLst/>
-                <a:latin typeface="Consolas" panose="020B0609020204030204" pitchFamily="49" charset="0"/>
-              </a:rPr>
-              <a:t>class</a:t>
-            </a:r>
-            <a:r>
-              <a:rPr lang="en-US" b="0" dirty="0">
-                <a:solidFill>
-                  <a:srgbClr val="000000"/>
-                </a:solidFill>
-                <a:effectLst/>
-                <a:latin typeface="Consolas" panose="020B0609020204030204" pitchFamily="49" charset="0"/>
-              </a:rPr>
-              <a:t> </a:t>
-            </a:r>
-            <a:r>
-              <a:rPr lang="en-US" b="0" dirty="0">
-                <a:solidFill>
-                  <a:srgbClr val="267F99"/>
-                </a:solidFill>
-                <a:effectLst/>
-                <a:latin typeface="Consolas" panose="020B0609020204030204" pitchFamily="49" charset="0"/>
-              </a:rPr>
-              <a:t>Producer</a:t>
-            </a:r>
-            <a:r>
-              <a:rPr lang="en-US" b="0" dirty="0">
-                <a:solidFill>
-                  <a:srgbClr val="000000"/>
-                </a:solidFill>
-                <a:effectLst/>
-                <a:latin typeface="Consolas" panose="020B0609020204030204" pitchFamily="49" charset="0"/>
-              </a:rPr>
-              <a:t> {</a:t>
-            </a:r>
-          </a:p>
-          <a:p>
-            <a:r>
-              <a:rPr lang="en-US" b="0" dirty="0">
-                <a:solidFill>
-                  <a:srgbClr val="000000"/>
-                </a:solidFill>
-                <a:effectLst/>
-                <a:latin typeface="Consolas" panose="020B0609020204030204" pitchFamily="49" charset="0"/>
-              </a:rPr>
-              <a:t>    </a:t>
-            </a:r>
-            <a:r>
-              <a:rPr lang="en-US" b="0" dirty="0" err="1">
-                <a:solidFill>
-                  <a:srgbClr val="001080"/>
-                </a:solidFill>
-                <a:effectLst/>
-                <a:latin typeface="Consolas" panose="020B0609020204030204" pitchFamily="49" charset="0"/>
-              </a:rPr>
-              <a:t>theData</a:t>
-            </a:r>
-            <a:r>
-              <a:rPr lang="en-US" b="0" dirty="0">
-                <a:solidFill>
-                  <a:srgbClr val="000000"/>
-                </a:solidFill>
-                <a:effectLst/>
-                <a:latin typeface="Consolas" panose="020B0609020204030204" pitchFamily="49" charset="0"/>
-              </a:rPr>
-              <a:t> : </a:t>
-            </a:r>
-            <a:r>
-              <a:rPr lang="en-US" b="0" dirty="0">
-                <a:solidFill>
-                  <a:srgbClr val="267F99"/>
-                </a:solidFill>
-                <a:effectLst/>
-                <a:latin typeface="Consolas" panose="020B0609020204030204" pitchFamily="49" charset="0"/>
-              </a:rPr>
-              <a:t>number</a:t>
-            </a:r>
-            <a:endParaRPr lang="en-US" b="0" dirty="0">
-              <a:solidFill>
-                <a:srgbClr val="000000"/>
-              </a:solidFill>
-              <a:effectLst/>
-              <a:latin typeface="Consolas" panose="020B0609020204030204" pitchFamily="49" charset="0"/>
-            </a:endParaRPr>
-          </a:p>
-          <a:p>
-            <a:r>
-              <a:rPr lang="en-US" b="0" dirty="0">
-                <a:solidFill>
-                  <a:srgbClr val="000000"/>
-                </a:solidFill>
-                <a:effectLst/>
-                <a:latin typeface="Consolas" panose="020B0609020204030204" pitchFamily="49" charset="0"/>
-              </a:rPr>
-              <a:t>    </a:t>
-            </a:r>
-            <a:r>
-              <a:rPr lang="en-US" b="0" dirty="0" err="1">
-                <a:solidFill>
-                  <a:srgbClr val="795E26"/>
-                </a:solidFill>
-                <a:effectLst/>
-                <a:latin typeface="Consolas" panose="020B0609020204030204" pitchFamily="49" charset="0"/>
-              </a:rPr>
-              <a:t>getData</a:t>
-            </a:r>
-            <a:r>
-              <a:rPr lang="en-US" b="0" dirty="0">
-                <a:solidFill>
-                  <a:srgbClr val="000000"/>
-                </a:solidFill>
-                <a:effectLst/>
-                <a:latin typeface="Consolas" panose="020B0609020204030204" pitchFamily="49" charset="0"/>
-              </a:rPr>
-              <a:t> () {</a:t>
-            </a:r>
-            <a:r>
-              <a:rPr lang="en-US" b="0" dirty="0">
-                <a:solidFill>
-                  <a:srgbClr val="AF00DB"/>
-                </a:solidFill>
-                <a:effectLst/>
-                <a:latin typeface="Consolas" panose="020B0609020204030204" pitchFamily="49" charset="0"/>
-              </a:rPr>
-              <a:t>return</a:t>
-            </a:r>
-            <a:r>
-              <a:rPr lang="en-US" b="0" dirty="0">
-                <a:solidFill>
-                  <a:srgbClr val="000000"/>
-                </a:solidFill>
-                <a:effectLst/>
-                <a:latin typeface="Consolas" panose="020B0609020204030204" pitchFamily="49" charset="0"/>
-              </a:rPr>
-              <a:t> </a:t>
-            </a:r>
-            <a:r>
-              <a:rPr lang="en-US" b="0" dirty="0" err="1">
-                <a:solidFill>
-                  <a:srgbClr val="0000FF"/>
-                </a:solidFill>
-                <a:effectLst/>
-                <a:latin typeface="Consolas" panose="020B0609020204030204" pitchFamily="49" charset="0"/>
-              </a:rPr>
-              <a:t>this</a:t>
-            </a:r>
-            <a:r>
-              <a:rPr lang="en-US" b="0" dirty="0" err="1">
-                <a:solidFill>
-                  <a:srgbClr val="000000"/>
-                </a:solidFill>
-                <a:effectLst/>
-                <a:latin typeface="Consolas" panose="020B0609020204030204" pitchFamily="49" charset="0"/>
-              </a:rPr>
-              <a:t>.</a:t>
-            </a:r>
-            <a:r>
-              <a:rPr lang="en-US" b="0" dirty="0" err="1">
-                <a:solidFill>
-                  <a:srgbClr val="001080"/>
-                </a:solidFill>
-                <a:effectLst/>
-                <a:latin typeface="Consolas" panose="020B0609020204030204" pitchFamily="49" charset="0"/>
-              </a:rPr>
-              <a:t>theData</a:t>
-            </a:r>
-            <a:r>
-              <a:rPr lang="en-US" b="0" dirty="0">
-                <a:solidFill>
-                  <a:srgbClr val="000000"/>
-                </a:solidFill>
-                <a:effectLst/>
-                <a:latin typeface="Consolas" panose="020B0609020204030204" pitchFamily="49" charset="0"/>
-              </a:rPr>
-              <a:t>}</a:t>
-            </a:r>
-          </a:p>
-          <a:p>
-            <a:r>
-              <a:rPr lang="en-US" b="0" dirty="0">
-                <a:solidFill>
-                  <a:srgbClr val="000000"/>
-                </a:solidFill>
-                <a:effectLst/>
-                <a:latin typeface="Consolas" panose="020B0609020204030204" pitchFamily="49" charset="0"/>
-              </a:rPr>
-              <a:t>}</a:t>
-            </a:r>
-          </a:p>
-          <a:p>
-            <a:br>
-              <a:rPr lang="en-US" b="0" dirty="0">
-                <a:solidFill>
-                  <a:srgbClr val="000000"/>
-                </a:solidFill>
-                <a:effectLst/>
-                <a:latin typeface="Consolas" panose="020B0609020204030204" pitchFamily="49" charset="0"/>
-              </a:rPr>
-            </a:br>
-            <a:r>
-              <a:rPr lang="en-US" b="0" dirty="0">
-                <a:solidFill>
-                  <a:srgbClr val="0000FF"/>
-                </a:solidFill>
-                <a:effectLst/>
-                <a:latin typeface="Consolas" panose="020B0609020204030204" pitchFamily="49" charset="0"/>
-              </a:rPr>
-              <a:t>class</a:t>
-            </a:r>
-            <a:r>
-              <a:rPr lang="en-US" b="0" dirty="0">
-                <a:solidFill>
-                  <a:srgbClr val="000000"/>
-                </a:solidFill>
-                <a:effectLst/>
-                <a:latin typeface="Consolas" panose="020B0609020204030204" pitchFamily="49" charset="0"/>
-              </a:rPr>
-              <a:t> </a:t>
-            </a:r>
-            <a:r>
-              <a:rPr lang="en-US" b="0" dirty="0">
-                <a:solidFill>
-                  <a:srgbClr val="267F99"/>
-                </a:solidFill>
-                <a:effectLst/>
-                <a:latin typeface="Consolas" panose="020B0609020204030204" pitchFamily="49" charset="0"/>
-              </a:rPr>
-              <a:t>Consumer</a:t>
-            </a:r>
-            <a:r>
-              <a:rPr lang="en-US" b="0" dirty="0">
-                <a:solidFill>
-                  <a:srgbClr val="000000"/>
-                </a:solidFill>
-                <a:effectLst/>
-                <a:latin typeface="Consolas" panose="020B0609020204030204" pitchFamily="49" charset="0"/>
-              </a:rPr>
-              <a:t> {</a:t>
-            </a:r>
-          </a:p>
-          <a:p>
-            <a:r>
-              <a:rPr lang="en-US" b="0" dirty="0">
-                <a:solidFill>
-                  <a:srgbClr val="000000"/>
-                </a:solidFill>
-                <a:effectLst/>
-                <a:latin typeface="Consolas" panose="020B0609020204030204" pitchFamily="49" charset="0"/>
-              </a:rPr>
-              <a:t>    </a:t>
-            </a:r>
-            <a:r>
-              <a:rPr lang="en-US" b="0" dirty="0">
-                <a:solidFill>
-                  <a:srgbClr val="0000FF"/>
-                </a:solidFill>
-                <a:effectLst/>
-                <a:latin typeface="Consolas" panose="020B0609020204030204" pitchFamily="49" charset="0"/>
-              </a:rPr>
-              <a:t>constructor</a:t>
-            </a:r>
-            <a:r>
-              <a:rPr lang="en-US" b="0" dirty="0">
-                <a:solidFill>
-                  <a:srgbClr val="000000"/>
-                </a:solidFill>
-                <a:effectLst/>
-                <a:latin typeface="Consolas" panose="020B0609020204030204" pitchFamily="49" charset="0"/>
-              </a:rPr>
-              <a:t>(</a:t>
-            </a:r>
-            <a:r>
-              <a:rPr lang="en-US" b="0" dirty="0">
-                <a:solidFill>
-                  <a:srgbClr val="0000FF"/>
-                </a:solidFill>
-                <a:effectLst/>
-                <a:latin typeface="Consolas" panose="020B0609020204030204" pitchFamily="49" charset="0"/>
-              </a:rPr>
-              <a:t>private</a:t>
-            </a:r>
-            <a:r>
-              <a:rPr lang="en-US" b="0" dirty="0">
-                <a:solidFill>
-                  <a:srgbClr val="000000"/>
-                </a:solidFill>
-                <a:effectLst/>
-                <a:latin typeface="Consolas" panose="020B0609020204030204" pitchFamily="49" charset="0"/>
-              </a:rPr>
-              <a:t> </a:t>
-            </a:r>
-            <a:r>
-              <a:rPr lang="en-US" b="0" dirty="0" err="1">
-                <a:solidFill>
-                  <a:srgbClr val="001080"/>
-                </a:solidFill>
-                <a:effectLst/>
-                <a:latin typeface="Consolas" panose="020B0609020204030204" pitchFamily="49" charset="0"/>
-              </a:rPr>
-              <a:t>src</a:t>
-            </a:r>
-            <a:r>
-              <a:rPr lang="en-US" b="0" dirty="0">
-                <a:solidFill>
-                  <a:srgbClr val="000000"/>
-                </a:solidFill>
-                <a:effectLst/>
-                <a:latin typeface="Consolas" panose="020B0609020204030204" pitchFamily="49" charset="0"/>
-              </a:rPr>
-              <a:t>: </a:t>
-            </a:r>
-            <a:r>
-              <a:rPr lang="en-US" b="0" dirty="0">
-                <a:solidFill>
-                  <a:srgbClr val="267F99"/>
-                </a:solidFill>
-                <a:effectLst/>
-                <a:latin typeface="Consolas" panose="020B0609020204030204" pitchFamily="49" charset="0"/>
-              </a:rPr>
-              <a:t>Producer</a:t>
-            </a:r>
-            <a:r>
-              <a:rPr lang="en-US" b="0" dirty="0">
-                <a:solidFill>
-                  <a:srgbClr val="000000"/>
-                </a:solidFill>
-                <a:effectLst/>
-                <a:latin typeface="Consolas" panose="020B0609020204030204" pitchFamily="49" charset="0"/>
-              </a:rPr>
-              <a:t>) { }</a:t>
-            </a:r>
-          </a:p>
-          <a:p>
-            <a:r>
-              <a:rPr lang="en-US" b="0" dirty="0">
-                <a:solidFill>
-                  <a:srgbClr val="000000"/>
-                </a:solidFill>
-                <a:effectLst/>
-                <a:latin typeface="Consolas" panose="020B0609020204030204" pitchFamily="49" charset="0"/>
-              </a:rPr>
-              <a:t>    </a:t>
-            </a:r>
-            <a:r>
-              <a:rPr lang="en-US" b="0" dirty="0" err="1">
-                <a:solidFill>
-                  <a:srgbClr val="001080"/>
-                </a:solidFill>
-                <a:effectLst/>
-                <a:latin typeface="Consolas" panose="020B0609020204030204" pitchFamily="49" charset="0"/>
-              </a:rPr>
-              <a:t>neededData</a:t>
-            </a:r>
-            <a:r>
-              <a:rPr lang="en-US" b="0" dirty="0">
-                <a:solidFill>
-                  <a:srgbClr val="000000"/>
-                </a:solidFill>
-                <a:effectLst/>
-                <a:latin typeface="Consolas" panose="020B0609020204030204" pitchFamily="49" charset="0"/>
-              </a:rPr>
-              <a:t>: </a:t>
-            </a:r>
-            <a:r>
-              <a:rPr lang="en-US" b="0" dirty="0">
-                <a:solidFill>
-                  <a:srgbClr val="267F99"/>
-                </a:solidFill>
-                <a:effectLst/>
-                <a:latin typeface="Consolas" panose="020B0609020204030204" pitchFamily="49" charset="0"/>
-              </a:rPr>
-              <a:t>number</a:t>
-            </a:r>
-            <a:endParaRPr lang="en-US" b="0" dirty="0">
-              <a:solidFill>
-                <a:srgbClr val="000000"/>
-              </a:solidFill>
-              <a:effectLst/>
-              <a:latin typeface="Consolas" panose="020B0609020204030204" pitchFamily="49" charset="0"/>
-            </a:endParaRPr>
-          </a:p>
-          <a:p>
-            <a:r>
-              <a:rPr lang="en-US" b="0" dirty="0">
-                <a:solidFill>
-                  <a:srgbClr val="000000"/>
-                </a:solidFill>
-                <a:effectLst/>
-                <a:latin typeface="Consolas" panose="020B0609020204030204" pitchFamily="49" charset="0"/>
-              </a:rPr>
-              <a:t>    </a:t>
-            </a:r>
-            <a:r>
-              <a:rPr lang="en-US" b="0" dirty="0" err="1">
-                <a:solidFill>
-                  <a:srgbClr val="795E26"/>
-                </a:solidFill>
-                <a:effectLst/>
-                <a:latin typeface="Consolas" panose="020B0609020204030204" pitchFamily="49" charset="0"/>
-              </a:rPr>
-              <a:t>doSomeWork</a:t>
-            </a:r>
-            <a:r>
-              <a:rPr lang="en-US" b="0" dirty="0">
-                <a:solidFill>
-                  <a:srgbClr val="000000"/>
-                </a:solidFill>
-                <a:effectLst/>
-                <a:latin typeface="Consolas" panose="020B0609020204030204" pitchFamily="49" charset="0"/>
-              </a:rPr>
-              <a:t>() {</a:t>
-            </a:r>
-          </a:p>
-          <a:p>
-            <a:r>
-              <a:rPr lang="en-US" b="0" dirty="0">
-                <a:solidFill>
-                  <a:srgbClr val="000000"/>
-                </a:solidFill>
-                <a:effectLst/>
-                <a:latin typeface="Consolas" panose="020B0609020204030204" pitchFamily="49" charset="0"/>
-              </a:rPr>
-              <a:t>        </a:t>
-            </a:r>
-            <a:r>
-              <a:rPr lang="en-US" b="0" dirty="0" err="1">
-                <a:solidFill>
-                  <a:srgbClr val="0000FF"/>
-                </a:solidFill>
-                <a:effectLst/>
-                <a:latin typeface="Consolas" panose="020B0609020204030204" pitchFamily="49" charset="0"/>
-              </a:rPr>
-              <a:t>this</a:t>
-            </a:r>
-            <a:r>
-              <a:rPr lang="en-US" b="0" dirty="0" err="1">
-                <a:solidFill>
-                  <a:srgbClr val="000000"/>
-                </a:solidFill>
-                <a:effectLst/>
-                <a:latin typeface="Consolas" panose="020B0609020204030204" pitchFamily="49" charset="0"/>
-              </a:rPr>
-              <a:t>.</a:t>
-            </a:r>
-            <a:r>
-              <a:rPr lang="en-US" b="0" dirty="0" err="1">
-                <a:solidFill>
-                  <a:srgbClr val="001080"/>
-                </a:solidFill>
-                <a:effectLst/>
-                <a:latin typeface="Consolas" panose="020B0609020204030204" pitchFamily="49" charset="0"/>
-              </a:rPr>
-              <a:t>neededData</a:t>
-            </a:r>
-            <a:r>
-              <a:rPr lang="en-US" b="0" dirty="0">
-                <a:solidFill>
-                  <a:srgbClr val="000000"/>
-                </a:solidFill>
-                <a:effectLst/>
-                <a:latin typeface="Consolas" panose="020B0609020204030204" pitchFamily="49" charset="0"/>
-              </a:rPr>
-              <a:t> = </a:t>
-            </a:r>
-            <a:r>
-              <a:rPr lang="en-US" b="0" dirty="0" err="1">
-                <a:solidFill>
-                  <a:srgbClr val="0000FF"/>
-                </a:solidFill>
-                <a:effectLst/>
-                <a:latin typeface="Consolas" panose="020B0609020204030204" pitchFamily="49" charset="0"/>
-              </a:rPr>
-              <a:t>this</a:t>
-            </a:r>
-            <a:r>
-              <a:rPr lang="en-US" b="0" dirty="0" err="1">
-                <a:solidFill>
-                  <a:srgbClr val="000000"/>
-                </a:solidFill>
-                <a:effectLst/>
-                <a:latin typeface="Consolas" panose="020B0609020204030204" pitchFamily="49" charset="0"/>
-              </a:rPr>
-              <a:t>.</a:t>
-            </a:r>
-            <a:r>
-              <a:rPr lang="en-US" b="0" dirty="0" err="1">
-                <a:solidFill>
-                  <a:srgbClr val="001080"/>
-                </a:solidFill>
-                <a:effectLst/>
-                <a:latin typeface="Consolas" panose="020B0609020204030204" pitchFamily="49" charset="0"/>
-              </a:rPr>
-              <a:t>src</a:t>
-            </a:r>
-            <a:r>
-              <a:rPr lang="en-US" b="0" dirty="0" err="1">
-                <a:solidFill>
-                  <a:srgbClr val="000000"/>
-                </a:solidFill>
-                <a:effectLst/>
-                <a:latin typeface="Consolas" panose="020B0609020204030204" pitchFamily="49" charset="0"/>
-              </a:rPr>
-              <a:t>.</a:t>
-            </a:r>
-            <a:r>
-              <a:rPr lang="en-US" b="0" dirty="0" err="1">
-                <a:solidFill>
-                  <a:srgbClr val="795E26"/>
-                </a:solidFill>
-                <a:effectLst/>
-                <a:latin typeface="Consolas" panose="020B0609020204030204" pitchFamily="49" charset="0"/>
-              </a:rPr>
-              <a:t>getData</a:t>
-            </a:r>
-            <a:r>
-              <a:rPr lang="en-US" b="0" dirty="0">
-                <a:solidFill>
-                  <a:srgbClr val="000000"/>
-                </a:solidFill>
-                <a:effectLst/>
-                <a:latin typeface="Consolas" panose="020B0609020204030204" pitchFamily="49" charset="0"/>
-              </a:rPr>
-              <a:t>()</a:t>
-            </a:r>
-          </a:p>
-          <a:p>
-            <a:r>
-              <a:rPr lang="en-US" b="0" dirty="0">
-                <a:solidFill>
-                  <a:srgbClr val="000000"/>
-                </a:solidFill>
-                <a:effectLst/>
-                <a:latin typeface="Consolas" panose="020B0609020204030204" pitchFamily="49" charset="0"/>
-              </a:rPr>
-              <a:t>        </a:t>
-            </a:r>
-            <a:r>
-              <a:rPr lang="en-US" b="0" dirty="0" err="1">
-                <a:solidFill>
-                  <a:srgbClr val="795E26"/>
-                </a:solidFill>
-                <a:effectLst/>
-                <a:latin typeface="Consolas" panose="020B0609020204030204" pitchFamily="49" charset="0"/>
-              </a:rPr>
-              <a:t>doSomething</a:t>
-            </a:r>
-            <a:r>
-              <a:rPr lang="en-US" b="0" dirty="0">
-                <a:solidFill>
-                  <a:srgbClr val="000000"/>
-                </a:solidFill>
-                <a:effectLst/>
-                <a:latin typeface="Consolas" panose="020B0609020204030204" pitchFamily="49" charset="0"/>
-              </a:rPr>
-              <a:t>(</a:t>
-            </a:r>
-            <a:r>
-              <a:rPr lang="en-US" b="0" dirty="0" err="1">
-                <a:solidFill>
-                  <a:srgbClr val="0000FF"/>
-                </a:solidFill>
-                <a:effectLst/>
-                <a:latin typeface="Consolas" panose="020B0609020204030204" pitchFamily="49" charset="0"/>
-              </a:rPr>
-              <a:t>this</a:t>
-            </a:r>
-            <a:r>
-              <a:rPr lang="en-US" b="0" dirty="0" err="1">
-                <a:solidFill>
-                  <a:srgbClr val="000000"/>
-                </a:solidFill>
-                <a:effectLst/>
-                <a:latin typeface="Consolas" panose="020B0609020204030204" pitchFamily="49" charset="0"/>
-              </a:rPr>
-              <a:t>.</a:t>
-            </a:r>
-            <a:r>
-              <a:rPr lang="en-US" b="0" dirty="0" err="1">
-                <a:solidFill>
-                  <a:srgbClr val="001080"/>
-                </a:solidFill>
-                <a:effectLst/>
-                <a:latin typeface="Consolas" panose="020B0609020204030204" pitchFamily="49" charset="0"/>
-              </a:rPr>
-              <a:t>neededData</a:t>
-            </a:r>
-            <a:r>
-              <a:rPr lang="en-US" b="0" dirty="0">
-                <a:solidFill>
-                  <a:srgbClr val="000000"/>
-                </a:solidFill>
-                <a:effectLst/>
-                <a:latin typeface="Consolas" panose="020B0609020204030204" pitchFamily="49" charset="0"/>
-              </a:rPr>
-              <a:t>)</a:t>
-            </a:r>
-          </a:p>
-          <a:p>
-            <a:r>
-              <a:rPr lang="en-US" b="0" dirty="0">
-                <a:solidFill>
-                  <a:srgbClr val="000000"/>
-                </a:solidFill>
-                <a:effectLst/>
-                <a:latin typeface="Consolas" panose="020B0609020204030204" pitchFamily="49" charset="0"/>
-              </a:rPr>
-              <a:t>    }</a:t>
-            </a:r>
-          </a:p>
-          <a:p>
-            <a:r>
-              <a:rPr lang="en-US" b="0" dirty="0">
-                <a:solidFill>
-                  <a:srgbClr val="000000"/>
-                </a:solidFill>
-                <a:effectLst/>
-                <a:latin typeface="Consolas" panose="020B0609020204030204" pitchFamily="49" charset="0"/>
-              </a:rPr>
-              <a:t>}</a:t>
-            </a:r>
-          </a:p>
-          <a:p>
-            <a:br>
-              <a:rPr lang="en-US" b="0" dirty="0">
-                <a:solidFill>
-                  <a:srgbClr val="000000"/>
-                </a:solidFill>
-                <a:effectLst/>
-                <a:latin typeface="Consolas" panose="020B0609020204030204" pitchFamily="49" charset="0"/>
-              </a:rPr>
-            </a:br>
-            <a:endParaRPr lang="en-US" b="0" dirty="0">
-              <a:solidFill>
-                <a:srgbClr val="000000"/>
-              </a:solidFill>
-              <a:effectLst/>
-              <a:latin typeface="Consolas" panose="020B0609020204030204" pitchFamily="49" charset="0"/>
-            </a:endParaRPr>
-          </a:p>
-        </p:txBody>
-      </p:sp>
-      <p:sp>
-        <p:nvSpPr>
-          <p:cNvPr id="12" name="Content Placeholder 2">
-            <a:extLst>
-              <a:ext uri="{FF2B5EF4-FFF2-40B4-BE49-F238E27FC236}">
-                <a16:creationId xmlns:a16="http://schemas.microsoft.com/office/drawing/2014/main" id="{C4A3972E-C840-4DF2-AA07-77F98751133B}"/>
-              </a:ext>
-            </a:extLst>
-          </p:cNvPr>
-          <p:cNvSpPr txBox="1">
-            <a:spLocks/>
-          </p:cNvSpPr>
-          <p:nvPr/>
-        </p:nvSpPr>
-        <p:spPr>
-          <a:xfrm>
-            <a:off x="7292017" y="1665287"/>
-            <a:ext cx="3094366" cy="4351338"/>
-          </a:xfrm>
-          <a:prstGeom prst="rect">
-            <a:avLst/>
-          </a:prstGeom>
-        </p:spPr>
-        <p:txBody>
-          <a:bodyPr>
-            <a:normAutofit/>
-          </a:bodyPr>
-          <a:lstStyle>
-            <a:lvl1pPr marL="228600" indent="-228600" algn="l" defTabSz="914400" rtl="0" eaLnBrk="1" latinLnBrk="0" hangingPunct="1">
-              <a:lnSpc>
-                <a:spcPct val="90000"/>
-              </a:lnSpc>
-              <a:spcBef>
-                <a:spcPts val="1000"/>
-              </a:spcBef>
-              <a:buFont typeface="Arial" panose="020B0604020202020204" pitchFamily="34" charset="0"/>
-              <a:buChar char="•"/>
-              <a:defRPr sz="2800" kern="1200">
-                <a:solidFill>
-                  <a:schemeClr val="tx1"/>
-                </a:solidFill>
-                <a:latin typeface="+mn-lt"/>
-                <a:ea typeface="+mn-ea"/>
-                <a:cs typeface="+mn-cs"/>
-              </a:defRPr>
-            </a:lvl1pPr>
-            <a:lvl2pPr marL="685800" indent="-228600" algn="l" defTabSz="914400" rtl="0" eaLnBrk="1" latinLnBrk="0" hangingPunct="1">
-              <a:lnSpc>
-                <a:spcPct val="90000"/>
-              </a:lnSpc>
-              <a:spcBef>
-                <a:spcPts val="500"/>
-              </a:spcBef>
-              <a:buFont typeface="Arial" panose="020B0604020202020204" pitchFamily="34" charset="0"/>
-              <a:buChar char="•"/>
-              <a:defRPr sz="2400" kern="1200">
-                <a:solidFill>
-                  <a:schemeClr val="tx1"/>
-                </a:solidFill>
-                <a:latin typeface="+mn-lt"/>
-                <a:ea typeface="+mn-ea"/>
-                <a:cs typeface="+mn-cs"/>
-              </a:defRPr>
-            </a:lvl2pPr>
-            <a:lvl3pPr marL="1143000" indent="-228600" algn="l" defTabSz="914400" rtl="0" eaLnBrk="1" latinLnBrk="0" hangingPunct="1">
-              <a:lnSpc>
-                <a:spcPct val="90000"/>
-              </a:lnSpc>
-              <a:spcBef>
-                <a:spcPts val="500"/>
-              </a:spcBef>
-              <a:buFont typeface="Arial" panose="020B0604020202020204" pitchFamily="34" charset="0"/>
-              <a:buChar char="•"/>
-              <a:defRPr sz="2000" kern="1200">
-                <a:solidFill>
-                  <a:schemeClr val="tx1"/>
-                </a:solidFill>
-                <a:latin typeface="+mn-lt"/>
-                <a:ea typeface="+mn-ea"/>
-                <a:cs typeface="+mn-cs"/>
-              </a:defRPr>
-            </a:lvl3pPr>
-            <a:lvl4pPr marL="1600200" indent="-228600" algn="l" defTabSz="914400" rtl="0" eaLnBrk="1" latinLnBrk="0" hangingPunct="1">
-              <a:lnSpc>
-                <a:spcPct val="90000"/>
-              </a:lnSpc>
-              <a:spcBef>
-                <a:spcPts val="500"/>
-              </a:spcBef>
-              <a:buFont typeface="Arial" panose="020B0604020202020204" pitchFamily="34" charset="0"/>
-              <a:buChar char="•"/>
-              <a:defRPr sz="1800" kern="1200">
-                <a:solidFill>
-                  <a:schemeClr val="tx1"/>
-                </a:solidFill>
-                <a:latin typeface="+mn-lt"/>
-                <a:ea typeface="+mn-ea"/>
-                <a:cs typeface="+mn-cs"/>
-              </a:defRPr>
-            </a:lvl4pPr>
-            <a:lvl5pPr marL="2057400" indent="-228600" algn="l" defTabSz="914400" rtl="0" eaLnBrk="1" latinLnBrk="0" hangingPunct="1">
-              <a:lnSpc>
-                <a:spcPct val="90000"/>
-              </a:lnSpc>
-              <a:spcBef>
-                <a:spcPts val="500"/>
-              </a:spcBef>
-              <a:buFont typeface="Arial" panose="020B0604020202020204" pitchFamily="34" charset="0"/>
-              <a:buChar char="•"/>
-              <a:defRPr sz="1800" kern="1200">
-                <a:solidFill>
-                  <a:schemeClr val="tx1"/>
-                </a:solidFill>
-                <a:latin typeface="+mn-lt"/>
-                <a:ea typeface="+mn-ea"/>
-                <a:cs typeface="+mn-cs"/>
-              </a:defRPr>
-            </a:lvl5pPr>
-            <a:lvl6pPr marL="2514600" indent="-228600" algn="l" defTabSz="914400" rtl="0" eaLnBrk="1" latinLnBrk="0" hangingPunct="1">
-              <a:lnSpc>
-                <a:spcPct val="90000"/>
-              </a:lnSpc>
-              <a:spcBef>
-                <a:spcPts val="500"/>
-              </a:spcBef>
-              <a:buFont typeface="Arial" panose="020B0604020202020204" pitchFamily="34" charset="0"/>
-              <a:buChar char="•"/>
-              <a:defRPr sz="1800" kern="1200">
-                <a:solidFill>
-                  <a:schemeClr val="tx1"/>
-                </a:solidFill>
-                <a:latin typeface="+mn-lt"/>
-                <a:ea typeface="+mn-ea"/>
-                <a:cs typeface="+mn-cs"/>
-              </a:defRPr>
-            </a:lvl6pPr>
-            <a:lvl7pPr marL="2971800" indent="-228600" algn="l" defTabSz="914400" rtl="0" eaLnBrk="1" latinLnBrk="0" hangingPunct="1">
-              <a:lnSpc>
-                <a:spcPct val="90000"/>
-              </a:lnSpc>
-              <a:spcBef>
-                <a:spcPts val="500"/>
-              </a:spcBef>
-              <a:buFont typeface="Arial" panose="020B0604020202020204" pitchFamily="34" charset="0"/>
-              <a:buChar char="•"/>
-              <a:defRPr sz="1800" kern="1200">
-                <a:solidFill>
-                  <a:schemeClr val="tx1"/>
-                </a:solidFill>
-                <a:latin typeface="+mn-lt"/>
-                <a:ea typeface="+mn-ea"/>
-                <a:cs typeface="+mn-cs"/>
-              </a:defRPr>
-            </a:lvl7pPr>
-            <a:lvl8pPr marL="3429000" indent="-228600" algn="l" defTabSz="914400" rtl="0" eaLnBrk="1" latinLnBrk="0" hangingPunct="1">
-              <a:lnSpc>
-                <a:spcPct val="90000"/>
-              </a:lnSpc>
-              <a:spcBef>
-                <a:spcPts val="500"/>
-              </a:spcBef>
-              <a:buFont typeface="Arial" panose="020B0604020202020204" pitchFamily="34" charset="0"/>
-              <a:buChar char="•"/>
-              <a:defRPr sz="1800" kern="1200">
-                <a:solidFill>
-                  <a:schemeClr val="tx1"/>
-                </a:solidFill>
-                <a:latin typeface="+mn-lt"/>
-                <a:ea typeface="+mn-ea"/>
-                <a:cs typeface="+mn-cs"/>
-              </a:defRPr>
-            </a:lvl8pPr>
-            <a:lvl9pPr marL="3886200" indent="-228600" algn="l" defTabSz="914400" rtl="0" eaLnBrk="1" latinLnBrk="0" hangingPunct="1">
-              <a:lnSpc>
-                <a:spcPct val="90000"/>
-              </a:lnSpc>
-              <a:spcBef>
-                <a:spcPts val="500"/>
-              </a:spcBef>
-              <a:buFont typeface="Arial" panose="020B0604020202020204" pitchFamily="34" charset="0"/>
-              <a:buChar char="•"/>
-              <a:defRPr sz="1800" kern="1200">
-                <a:solidFill>
-                  <a:schemeClr val="tx1"/>
-                </a:solidFill>
-                <a:latin typeface="+mn-lt"/>
-                <a:ea typeface="+mn-ea"/>
-                <a:cs typeface="+mn-cs"/>
-              </a:defRPr>
-            </a:lvl9pPr>
-          </a:lstStyle>
-          <a:p>
-            <a:r>
-              <a:rPr lang="en-US" dirty="0"/>
-              <a:t>The consumer knows about the producer</a:t>
-            </a:r>
-          </a:p>
-          <a:p>
-            <a:r>
-              <a:rPr lang="en-US" dirty="0"/>
-              <a:t>The producer has a method that the consumer can call</a:t>
-            </a:r>
-          </a:p>
-          <a:p>
-            <a:r>
-              <a:rPr lang="en-US" dirty="0"/>
-              <a:t>The consumer asks the producer for the data</a:t>
-            </a:r>
-          </a:p>
-        </p:txBody>
-      </p:sp>
-    </p:spTree>
-    <p:extLst>
-      <p:ext uri="{BB962C8B-B14F-4D97-AF65-F5344CB8AC3E}">
-        <p14:creationId xmlns:p14="http://schemas.microsoft.com/office/powerpoint/2010/main" val="800228832"/>
       </p:ext>
     </p:extLst>
   </p:cSld>
